--- a/Part 1 - Overview of Fabric CICD.pptx
+++ b/Part 1 - Overview of Fabric CICD.pptx
@@ -6,10 +6,10 @@
     <p:sldMasterId id="2147484576" r:id="rId5"/>
   </p:sldMasterIdLst>
   <p:notesMasterIdLst>
-    <p:notesMasterId r:id="rId54"/>
+    <p:notesMasterId r:id="rId56"/>
   </p:notesMasterIdLst>
   <p:handoutMasterIdLst>
-    <p:handoutMasterId r:id="rId55"/>
+    <p:handoutMasterId r:id="rId57"/>
   </p:handoutMasterIdLst>
   <p:sldIdLst>
     <p:sldId id="2147482125" r:id="rId6"/>
@@ -31,35 +31,37 @@
     <p:sldId id="2147482172" r:id="rId22"/>
     <p:sldId id="2147482169" r:id="rId23"/>
     <p:sldId id="2147482171" r:id="rId24"/>
-    <p:sldId id="2147482167" r:id="rId25"/>
-    <p:sldId id="2147482116" r:id="rId26"/>
-    <p:sldId id="2147482132" r:id="rId27"/>
-    <p:sldId id="2147482174" r:id="rId28"/>
-    <p:sldId id="2147482118" r:id="rId29"/>
-    <p:sldId id="2147482139" r:id="rId30"/>
-    <p:sldId id="2147482124" r:id="rId31"/>
-    <p:sldId id="2147482121" r:id="rId32"/>
-    <p:sldId id="2147482122" r:id="rId33"/>
-    <p:sldId id="2147482120" r:id="rId34"/>
-    <p:sldId id="2147482119" r:id="rId35"/>
-    <p:sldId id="2147482140" r:id="rId36"/>
-    <p:sldId id="2147482141" r:id="rId37"/>
-    <p:sldId id="2147482123" r:id="rId38"/>
-    <p:sldId id="2147482146" r:id="rId39"/>
-    <p:sldId id="2147482160" r:id="rId40"/>
-    <p:sldId id="2147482147" r:id="rId41"/>
-    <p:sldId id="2147482161" r:id="rId42"/>
-    <p:sldId id="2147482148" r:id="rId43"/>
-    <p:sldId id="2147482155" r:id="rId44"/>
-    <p:sldId id="2147482152" r:id="rId45"/>
-    <p:sldId id="2147482150" r:id="rId46"/>
-    <p:sldId id="2147482153" r:id="rId47"/>
-    <p:sldId id="2147482154" r:id="rId48"/>
-    <p:sldId id="2147482156" r:id="rId49"/>
-    <p:sldId id="2147482151" r:id="rId50"/>
-    <p:sldId id="2147482149" r:id="rId51"/>
-    <p:sldId id="2147482157" r:id="rId52"/>
-    <p:sldId id="2147482158" r:id="rId53"/>
+    <p:sldId id="2147482176" r:id="rId25"/>
+    <p:sldId id="2147482167" r:id="rId26"/>
+    <p:sldId id="2147482116" r:id="rId27"/>
+    <p:sldId id="2147482132" r:id="rId28"/>
+    <p:sldId id="2147482174" r:id="rId29"/>
+    <p:sldId id="2147482118" r:id="rId30"/>
+    <p:sldId id="2147482139" r:id="rId31"/>
+    <p:sldId id="2147482124" r:id="rId32"/>
+    <p:sldId id="2147482121" r:id="rId33"/>
+    <p:sldId id="2147482122" r:id="rId34"/>
+    <p:sldId id="2147482120" r:id="rId35"/>
+    <p:sldId id="2147482119" r:id="rId36"/>
+    <p:sldId id="2147482175" r:id="rId37"/>
+    <p:sldId id="2147482140" r:id="rId38"/>
+    <p:sldId id="2147482141" r:id="rId39"/>
+    <p:sldId id="2147482123" r:id="rId40"/>
+    <p:sldId id="2147482146" r:id="rId41"/>
+    <p:sldId id="2147482160" r:id="rId42"/>
+    <p:sldId id="2147482147" r:id="rId43"/>
+    <p:sldId id="2147482161" r:id="rId44"/>
+    <p:sldId id="2147482148" r:id="rId45"/>
+    <p:sldId id="2147482155" r:id="rId46"/>
+    <p:sldId id="2147482152" r:id="rId47"/>
+    <p:sldId id="2147482150" r:id="rId48"/>
+    <p:sldId id="2147482153" r:id="rId49"/>
+    <p:sldId id="2147482154" r:id="rId50"/>
+    <p:sldId id="2147482156" r:id="rId51"/>
+    <p:sldId id="2147482151" r:id="rId52"/>
+    <p:sldId id="2147482149" r:id="rId53"/>
+    <p:sldId id="2147482157" r:id="rId54"/>
+    <p:sldId id="2147482158" r:id="rId55"/>
   </p:sldIdLst>
   <p:sldSz cx="12436475" cy="6994525"/>
   <p:notesSz cx="7010400" cy="9296400"/>
@@ -182,6 +184,7 @@
             <p14:sldId id="2147482172"/>
             <p14:sldId id="2147482169"/>
             <p14:sldId id="2147482171"/>
+            <p14:sldId id="2147482176"/>
             <p14:sldId id="2147482167"/>
             <p14:sldId id="2147482116"/>
             <p14:sldId id="2147482132"/>
@@ -193,6 +196,7 @@
             <p14:sldId id="2147482122"/>
             <p14:sldId id="2147482120"/>
             <p14:sldId id="2147482119"/>
+            <p14:sldId id="2147482175"/>
             <p14:sldId id="2147482140"/>
             <p14:sldId id="2147482141"/>
             <p14:sldId id="2147482123"/>
@@ -562,7 +566,7 @@
           <a:p>
             <a:fld id="{DCE60099-03E7-4FA1-8A7F-E6E6CFB0F855}" type="datetime8">
               <a:rPr lang="en-US" smtClean="0"/>
-              <a:t>12/16/2025 10:17 AM</a:t>
+              <a:t>1/6/2026 12:55 PM</a:t>
             </a:fld>
             <a:endParaRPr lang="en-US"/>
           </a:p>
@@ -1257,7 +1261,7 @@
             <a:fld id="{B4008EB6-D09E-4580-8CD6-DDB14511944F}" type="slidenum">
               <a:rPr lang="en-US" smtClean="0"/>
               <a:pPr/>
-              <a:t>20</a:t>
+              <a:t>21</a:t>
             </a:fld>
             <a:endParaRPr lang="en-US"/>
           </a:p>
@@ -1399,7 +1403,7 @@
             <a:fld id="{B4008EB6-D09E-4580-8CD6-DDB14511944F}" type="slidenum">
               <a:rPr lang="en-US" smtClean="0"/>
               <a:pPr/>
-              <a:t>22</a:t>
+              <a:t>23</a:t>
             </a:fld>
             <a:endParaRPr lang="en-US"/>
           </a:p>
@@ -1577,7 +1581,7 @@
             <a:fld id="{B4008EB6-D09E-4580-8CD6-DDB14511944F}" type="slidenum">
               <a:rPr lang="en-US" smtClean="0"/>
               <a:pPr/>
-              <a:t>23</a:t>
+              <a:t>24</a:t>
             </a:fld>
             <a:endParaRPr lang="en-US"/>
           </a:p>
@@ -1719,7 +1723,7 @@
             <a:fld id="{B4008EB6-D09E-4580-8CD6-DDB14511944F}" type="slidenum">
               <a:rPr lang="en-US" smtClean="0"/>
               <a:pPr/>
-              <a:t>37</a:t>
+              <a:t>39</a:t>
             </a:fld>
             <a:endParaRPr lang="en-US"/>
           </a:p>
@@ -10778,8 +10782,8 @@
         </p:nvSpPr>
         <p:spPr bwMode="auto">
           <a:xfrm flipH="1">
-            <a:off x="1311964" y="3739658"/>
-            <a:ext cx="6669158" cy="1597656"/>
+            <a:off x="1977886" y="1175361"/>
+            <a:ext cx="6669158" cy="2321901"/>
           </a:xfrm>
           <a:prstGeom prst="rect">
             <a:avLst/>
@@ -10865,8 +10869,8 @@
         </p:nvSpPr>
         <p:spPr bwMode="auto">
           <a:xfrm>
-            <a:off x="6428369" y="3878183"/>
-            <a:ext cx="1409157" cy="1326901"/>
+            <a:off x="7094291" y="1313887"/>
+            <a:ext cx="1409157" cy="2054647"/>
           </a:xfrm>
           <a:prstGeom prst="rect">
             <a:avLst/>
@@ -10983,7 +10987,7 @@
         </p:nvGrpSpPr>
         <p:grpSpPr>
           <a:xfrm>
-            <a:off x="1416811" y="3878184"/>
+            <a:off x="2082733" y="1313888"/>
             <a:ext cx="4952043" cy="616415"/>
             <a:chOff x="1416811" y="3878184"/>
             <a:chExt cx="4952043" cy="616415"/>
@@ -11408,7 +11412,7 @@
         </p:nvGrpSpPr>
         <p:grpSpPr>
           <a:xfrm>
-            <a:off x="1416811" y="4594423"/>
+            <a:off x="2082733" y="2030127"/>
             <a:ext cx="4952043" cy="616415"/>
             <a:chOff x="1416811" y="3878184"/>
             <a:chExt cx="4952043" cy="616415"/>
@@ -11819,6 +11823,431 @@
           </p:txBody>
         </p:sp>
       </p:grpSp>
+      <p:grpSp>
+        <p:nvGrpSpPr>
+          <p:cNvPr id="2" name="Group 1">
+            <a:extLst>
+              <a:ext uri="{FF2B5EF4-FFF2-40B4-BE49-F238E27FC236}">
+                <a16:creationId xmlns:a16="http://schemas.microsoft.com/office/drawing/2014/main" id="{706EC83E-E5C7-D107-9855-13D4C4E205EE}"/>
+              </a:ext>
+            </a:extLst>
+          </p:cNvPr>
+          <p:cNvGrpSpPr/>
+          <p:nvPr/>
+        </p:nvGrpSpPr>
+        <p:grpSpPr>
+          <a:xfrm>
+            <a:off x="2082733" y="2757873"/>
+            <a:ext cx="4952043" cy="616415"/>
+            <a:chOff x="1416811" y="3878184"/>
+            <a:chExt cx="4952043" cy="616415"/>
+          </a:xfrm>
+        </p:grpSpPr>
+        <p:sp>
+          <p:nvSpPr>
+            <p:cNvPr id="10" name="Rectangle 9">
+              <a:extLst>
+                <a:ext uri="{FF2B5EF4-FFF2-40B4-BE49-F238E27FC236}">
+                  <a16:creationId xmlns:a16="http://schemas.microsoft.com/office/drawing/2014/main" id="{89E051BF-9CA4-080B-63D6-C7B7165D5228}"/>
+                </a:ext>
+              </a:extLst>
+            </p:cNvPr>
+            <p:cNvSpPr/>
+            <p:nvPr/>
+          </p:nvSpPr>
+          <p:spPr bwMode="auto">
+            <a:xfrm>
+              <a:off x="3922590" y="3883937"/>
+              <a:ext cx="1409157" cy="604908"/>
+            </a:xfrm>
+            <a:prstGeom prst="rect">
+              <a:avLst/>
+            </a:prstGeom>
+            <a:solidFill>
+              <a:schemeClr val="accent2">
+                <a:lumMod val="50000"/>
+              </a:schemeClr>
+            </a:solidFill>
+            <a:ln>
+              <a:noFill/>
+              <a:headEnd type="none" w="med" len="med"/>
+              <a:tailEnd type="none" w="med" len="med"/>
+            </a:ln>
+            <a:effectLst/>
+          </p:spPr>
+          <p:style>
+            <a:lnRef idx="1">
+              <a:schemeClr val="accent2"/>
+            </a:lnRef>
+            <a:fillRef idx="3">
+              <a:schemeClr val="accent2"/>
+            </a:fillRef>
+            <a:effectRef idx="2">
+              <a:schemeClr val="accent2"/>
+            </a:effectRef>
+            <a:fontRef idx="minor">
+              <a:schemeClr val="lt1"/>
+            </a:fontRef>
+          </p:style>
+          <p:txBody>
+            <a:bodyPr rot="0" spcFirstLastPara="0" vertOverflow="overflow" horzOverflow="overflow" vert="horz" wrap="square" lIns="0" tIns="0" rIns="0" bIns="0" numCol="1" spcCol="0" rtlCol="0" fromWordArt="0" anchor="ctr" anchorCtr="0" forceAA="0" compatLnSpc="1">
+              <a:prstTxWarp prst="textNoShape">
+                <a:avLst/>
+              </a:prstTxWarp>
+              <a:noAutofit/>
+            </a:bodyPr>
+            <a:lstStyle/>
+            <a:p>
+              <a:pPr algn="ctr" defTabSz="932472" fontAlgn="base">
+                <a:lnSpc>
+                  <a:spcPct val="90000"/>
+                </a:lnSpc>
+                <a:spcBef>
+                  <a:spcPct val="0"/>
+                </a:spcBef>
+                <a:spcAft>
+                  <a:spcPct val="0"/>
+                </a:spcAft>
+              </a:pPr>
+              <a:r>
+                <a:rPr lang="en-US" sz="1000" b="1" dirty="0">
+                  <a:gradFill>
+                    <a:gsLst>
+                      <a:gs pos="0">
+                        <a:srgbClr val="FFFFFF"/>
+                      </a:gs>
+                      <a:gs pos="100000">
+                        <a:srgbClr val="FFFFFF"/>
+                      </a:gs>
+                    </a:gsLst>
+                    <a:lin ang="5400000" scaled="0"/>
+                  </a:gradFill>
+                  <a:latin typeface="Lucida Console" panose="020B0609040504020204" pitchFamily="49" charset="0"/>
+                  <a:ea typeface="Segoe UI" pitchFamily="34" charset="0"/>
+                  <a:cs typeface="Segoe UI" pitchFamily="34" charset="0"/>
+                </a:rPr>
+                <a:t>feature3</a:t>
+              </a:r>
+            </a:p>
+            <a:p>
+              <a:pPr algn="ctr" defTabSz="932472" fontAlgn="base">
+                <a:lnSpc>
+                  <a:spcPct val="90000"/>
+                </a:lnSpc>
+                <a:spcBef>
+                  <a:spcPct val="0"/>
+                </a:spcBef>
+                <a:spcAft>
+                  <a:spcPct val="0"/>
+                </a:spcAft>
+              </a:pPr>
+              <a:r>
+                <a:rPr lang="en-US" sz="1000" dirty="0">
+                  <a:gradFill>
+                    <a:gsLst>
+                      <a:gs pos="0">
+                        <a:srgbClr val="FFFFFF"/>
+                      </a:gs>
+                      <a:gs pos="100000">
+                        <a:srgbClr val="FFFFFF"/>
+                      </a:gs>
+                    </a:gsLst>
+                    <a:lin ang="5400000" scaled="0"/>
+                  </a:gradFill>
+                  <a:latin typeface="Lucida Console" panose="020B0609040504020204" pitchFamily="49" charset="0"/>
+                  <a:ea typeface="Segoe UI" pitchFamily="34" charset="0"/>
+                  <a:cs typeface="Segoe UI" pitchFamily="34" charset="0"/>
+                </a:rPr>
+                <a:t>branch</a:t>
+              </a:r>
+            </a:p>
+          </p:txBody>
+        </p:sp>
+        <p:sp>
+          <p:nvSpPr>
+            <p:cNvPr id="11" name="Rectangle 10">
+              <a:extLst>
+                <a:ext uri="{FF2B5EF4-FFF2-40B4-BE49-F238E27FC236}">
+                  <a16:creationId xmlns:a16="http://schemas.microsoft.com/office/drawing/2014/main" id="{45C4778A-0E85-08B9-E943-20B86201F592}"/>
+                </a:ext>
+              </a:extLst>
+            </p:cNvPr>
+            <p:cNvSpPr/>
+            <p:nvPr/>
+          </p:nvSpPr>
+          <p:spPr bwMode="auto">
+            <a:xfrm>
+              <a:off x="1416811" y="3878184"/>
+              <a:ext cx="1409157" cy="616415"/>
+            </a:xfrm>
+            <a:prstGeom prst="rect">
+              <a:avLst/>
+            </a:prstGeom>
+            <a:solidFill>
+              <a:schemeClr val="bg1"/>
+            </a:solidFill>
+            <a:ln>
+              <a:solidFill>
+                <a:schemeClr val="tx1">
+                  <a:lumMod val="75000"/>
+                </a:schemeClr>
+              </a:solidFill>
+              <a:headEnd type="none" w="med" len="med"/>
+              <a:tailEnd type="none" w="med" len="med"/>
+            </a:ln>
+            <a:effectLst/>
+          </p:spPr>
+          <p:style>
+            <a:lnRef idx="1">
+              <a:schemeClr val="accent2"/>
+            </a:lnRef>
+            <a:fillRef idx="3">
+              <a:schemeClr val="accent2"/>
+            </a:fillRef>
+            <a:effectRef idx="2">
+              <a:schemeClr val="accent2"/>
+            </a:effectRef>
+            <a:fontRef idx="minor">
+              <a:schemeClr val="lt1"/>
+            </a:fontRef>
+          </p:style>
+          <p:txBody>
+            <a:bodyPr rot="0" spcFirstLastPara="0" vertOverflow="overflow" horzOverflow="overflow" vert="horz" wrap="square" lIns="0" tIns="0" rIns="0" bIns="0" numCol="1" spcCol="0" rtlCol="0" fromWordArt="0" anchor="ctr" anchorCtr="0" forceAA="0" compatLnSpc="1">
+              <a:prstTxWarp prst="textNoShape">
+                <a:avLst/>
+              </a:prstTxWarp>
+              <a:noAutofit/>
+            </a:bodyPr>
+            <a:lstStyle/>
+            <a:p>
+              <a:pPr algn="ctr" defTabSz="932472" fontAlgn="base">
+                <a:lnSpc>
+                  <a:spcPct val="90000"/>
+                </a:lnSpc>
+                <a:spcBef>
+                  <a:spcPct val="0"/>
+                </a:spcBef>
+                <a:spcAft>
+                  <a:spcPct val="0"/>
+                </a:spcAft>
+              </a:pPr>
+              <a:r>
+                <a:rPr lang="en-US" sz="1000" b="1" dirty="0">
+                  <a:solidFill>
+                    <a:schemeClr val="tx1"/>
+                  </a:solidFill>
+                  <a:latin typeface="Lucida Console" panose="020B0609040504020204" pitchFamily="49" charset="0"/>
+                  <a:ea typeface="Segoe UI" pitchFamily="34" charset="0"/>
+                  <a:cs typeface="Segoe UI" pitchFamily="34" charset="0"/>
+                </a:rPr>
+                <a:t>feature3</a:t>
+              </a:r>
+            </a:p>
+            <a:p>
+              <a:pPr algn="ctr" defTabSz="932472" fontAlgn="base">
+                <a:lnSpc>
+                  <a:spcPct val="90000"/>
+                </a:lnSpc>
+                <a:spcBef>
+                  <a:spcPct val="0"/>
+                </a:spcBef>
+                <a:spcAft>
+                  <a:spcPct val="0"/>
+                </a:spcAft>
+              </a:pPr>
+              <a:r>
+                <a:rPr lang="en-US" sz="1000" dirty="0">
+                  <a:solidFill>
+                    <a:schemeClr val="tx1"/>
+                  </a:solidFill>
+                  <a:latin typeface="Lucida Console" panose="020B0609040504020204" pitchFamily="49" charset="0"/>
+                  <a:ea typeface="Segoe UI" pitchFamily="34" charset="0"/>
+                  <a:cs typeface="Segoe UI" pitchFamily="34" charset="0"/>
+                </a:rPr>
+                <a:t>workspace</a:t>
+              </a:r>
+            </a:p>
+          </p:txBody>
+        </p:sp>
+        <p:sp>
+          <p:nvSpPr>
+            <p:cNvPr id="12" name="Arrow: Right 11">
+              <a:extLst>
+                <a:ext uri="{FF2B5EF4-FFF2-40B4-BE49-F238E27FC236}">
+                  <a16:creationId xmlns:a16="http://schemas.microsoft.com/office/drawing/2014/main" id="{DEEA3F44-DFF7-0EA7-2410-E957845295BD}"/>
+                </a:ext>
+              </a:extLst>
+            </p:cNvPr>
+            <p:cNvSpPr/>
+            <p:nvPr/>
+          </p:nvSpPr>
+          <p:spPr bwMode="auto">
+            <a:xfrm>
+              <a:off x="5327174" y="3978008"/>
+              <a:ext cx="1041680" cy="416767"/>
+            </a:xfrm>
+            <a:prstGeom prst="rightArrow">
+              <a:avLst>
+                <a:gd name="adj1" fmla="val 61383"/>
+                <a:gd name="adj2" fmla="val 60168"/>
+              </a:avLst>
+            </a:prstGeom>
+            <a:solidFill>
+              <a:srgbClr val="C00000"/>
+            </a:solidFill>
+            <a:ln>
+              <a:noFill/>
+              <a:headEnd type="none" w="med" len="med"/>
+              <a:tailEnd type="none" w="med" len="med"/>
+            </a:ln>
+            <a:effectLst/>
+          </p:spPr>
+          <p:style>
+            <a:lnRef idx="1">
+              <a:schemeClr val="accent2"/>
+            </a:lnRef>
+            <a:fillRef idx="3">
+              <a:schemeClr val="accent2"/>
+            </a:fillRef>
+            <a:effectRef idx="2">
+              <a:schemeClr val="accent2"/>
+            </a:effectRef>
+            <a:fontRef idx="minor">
+              <a:schemeClr val="lt1"/>
+            </a:fontRef>
+          </p:style>
+          <p:txBody>
+            <a:bodyPr rot="0" spcFirstLastPara="0" vertOverflow="overflow" horzOverflow="overflow" vert="horz" wrap="square" lIns="0" tIns="0" rIns="0" bIns="0" numCol="1" spcCol="0" rtlCol="0" fromWordArt="0" anchor="ctr" anchorCtr="0" forceAA="0" compatLnSpc="1">
+              <a:prstTxWarp prst="textNoShape">
+                <a:avLst/>
+              </a:prstTxWarp>
+              <a:noAutofit/>
+            </a:bodyPr>
+            <a:lstStyle/>
+            <a:p>
+              <a:pPr algn="ctr" defTabSz="932472" fontAlgn="base">
+                <a:lnSpc>
+                  <a:spcPct val="90000"/>
+                </a:lnSpc>
+                <a:spcBef>
+                  <a:spcPct val="0"/>
+                </a:spcBef>
+                <a:spcAft>
+                  <a:spcPct val="0"/>
+                </a:spcAft>
+              </a:pPr>
+              <a:r>
+                <a:rPr lang="en-US" sz="800" b="1" dirty="0">
+                  <a:gradFill>
+                    <a:gsLst>
+                      <a:gs pos="0">
+                        <a:srgbClr val="FFFFFF"/>
+                      </a:gs>
+                      <a:gs pos="100000">
+                        <a:srgbClr val="FFFFFF"/>
+                      </a:gs>
+                    </a:gsLst>
+                    <a:lin ang="5400000" scaled="0"/>
+                  </a:gradFill>
+                  <a:latin typeface="Lucida Console" panose="020B0609040504020204" pitchFamily="49" charset="0"/>
+                  <a:ea typeface="Segoe UI" pitchFamily="34" charset="0"/>
+                  <a:cs typeface="Segoe UI" pitchFamily="34" charset="0"/>
+                </a:rPr>
+                <a:t>Pull Request</a:t>
+              </a:r>
+            </a:p>
+          </p:txBody>
+        </p:sp>
+        <p:sp>
+          <p:nvSpPr>
+            <p:cNvPr id="13" name="Arrow: Right 12">
+              <a:extLst>
+                <a:ext uri="{FF2B5EF4-FFF2-40B4-BE49-F238E27FC236}">
+                  <a16:creationId xmlns:a16="http://schemas.microsoft.com/office/drawing/2014/main" id="{7B59C191-EF88-4306-3BF1-CF7A81A57CDD}"/>
+                </a:ext>
+              </a:extLst>
+            </p:cNvPr>
+            <p:cNvSpPr/>
+            <p:nvPr/>
+          </p:nvSpPr>
+          <p:spPr bwMode="auto">
+            <a:xfrm>
+              <a:off x="2825969" y="3978008"/>
+              <a:ext cx="1096620" cy="416767"/>
+            </a:xfrm>
+            <a:prstGeom prst="rightArrow">
+              <a:avLst>
+                <a:gd name="adj1" fmla="val 61383"/>
+                <a:gd name="adj2" fmla="val 60168"/>
+              </a:avLst>
+            </a:prstGeom>
+            <a:solidFill>
+              <a:srgbClr val="C00000"/>
+            </a:solidFill>
+            <a:ln>
+              <a:noFill/>
+              <a:headEnd type="none" w="med" len="med"/>
+              <a:tailEnd type="none" w="med" len="med"/>
+            </a:ln>
+            <a:effectLst/>
+          </p:spPr>
+          <p:style>
+            <a:lnRef idx="1">
+              <a:schemeClr val="accent2"/>
+            </a:lnRef>
+            <a:fillRef idx="3">
+              <a:schemeClr val="accent2"/>
+            </a:fillRef>
+            <a:effectRef idx="2">
+              <a:schemeClr val="accent2"/>
+            </a:effectRef>
+            <a:fontRef idx="minor">
+              <a:schemeClr val="lt1"/>
+            </a:fontRef>
+          </p:style>
+          <p:txBody>
+            <a:bodyPr rot="0" spcFirstLastPara="0" vertOverflow="overflow" horzOverflow="overflow" vert="horz" wrap="square" lIns="0" tIns="0" rIns="0" bIns="0" numCol="1" spcCol="0" rtlCol="0" fromWordArt="0" anchor="ctr" anchorCtr="0" forceAA="0" compatLnSpc="1">
+              <a:prstTxWarp prst="textNoShape">
+                <a:avLst/>
+              </a:prstTxWarp>
+              <a:noAutofit/>
+            </a:bodyPr>
+            <a:lstStyle/>
+            <a:p>
+              <a:pPr algn="ctr" defTabSz="932472" fontAlgn="base">
+                <a:lnSpc>
+                  <a:spcPct val="90000"/>
+                </a:lnSpc>
+                <a:spcBef>
+                  <a:spcPct val="0"/>
+                </a:spcBef>
+                <a:spcAft>
+                  <a:spcPct val="0"/>
+                </a:spcAft>
+              </a:pPr>
+              <a:r>
+                <a:rPr lang="en-US" sz="800" b="1" dirty="0">
+                  <a:gradFill>
+                    <a:gsLst>
+                      <a:gs pos="0">
+                        <a:srgbClr val="FFFFFF"/>
+                      </a:gs>
+                      <a:gs pos="100000">
+                        <a:srgbClr val="FFFFFF"/>
+                      </a:gs>
+                    </a:gsLst>
+                    <a:lin ang="5400000" scaled="0"/>
+                  </a:gradFill>
+                  <a:latin typeface="Lucida Console" panose="020B0609040504020204" pitchFamily="49" charset="0"/>
+                  <a:ea typeface="Segoe UI" pitchFamily="34" charset="0"/>
+                  <a:cs typeface="Segoe UI" pitchFamily="34" charset="0"/>
+                </a:rPr>
+                <a:t>Commit to GIT</a:t>
+              </a:r>
+            </a:p>
+          </p:txBody>
+        </p:sp>
+      </p:grpSp>
     </p:spTree>
     <p:extLst>
       <p:ext uri="{BB962C8B-B14F-4D97-AF65-F5344CB8AC3E}">
@@ -12595,6 +13024,843 @@
 </file>
 
 <file path=ppt/slides/slide20.xml><?xml version="1.0" encoding="utf-8"?>
+<p:sld xmlns:a="http://schemas.openxmlformats.org/drawingml/2006/main" xmlns:r="http://schemas.openxmlformats.org/officeDocument/2006/relationships" xmlns:p="http://schemas.openxmlformats.org/presentationml/2006/main">
+  <p:cSld>
+    <p:spTree>
+      <p:nvGrpSpPr>
+        <p:cNvPr id="1" name="">
+          <a:extLst>
+            <a:ext uri="{FF2B5EF4-FFF2-40B4-BE49-F238E27FC236}">
+              <a16:creationId xmlns:a16="http://schemas.microsoft.com/office/drawing/2014/main" id="{17A862C5-A0F4-FC06-949E-0FD454D5EE83}"/>
+            </a:ext>
+          </a:extLst>
+        </p:cNvPr>
+        <p:cNvGrpSpPr/>
+        <p:nvPr/>
+      </p:nvGrpSpPr>
+      <p:grpSpPr>
+        <a:xfrm>
+          <a:off x="0" y="0"/>
+          <a:ext cx="0" cy="0"/>
+          <a:chOff x="0" y="0"/>
+          <a:chExt cx="0" cy="0"/>
+        </a:xfrm>
+      </p:grpSpPr>
+      <p:sp>
+        <p:nvSpPr>
+          <p:cNvPr id="2" name="Rectangle 1">
+            <a:extLst>
+              <a:ext uri="{FF2B5EF4-FFF2-40B4-BE49-F238E27FC236}">
+                <a16:creationId xmlns:a16="http://schemas.microsoft.com/office/drawing/2014/main" id="{01FC08A7-A42F-5420-F05D-998FFC01DE98}"/>
+              </a:ext>
+            </a:extLst>
+          </p:cNvPr>
+          <p:cNvSpPr/>
+          <p:nvPr/>
+        </p:nvSpPr>
+        <p:spPr bwMode="auto">
+          <a:xfrm>
+            <a:off x="824950" y="821731"/>
+            <a:ext cx="4035286" cy="2675531"/>
+          </a:xfrm>
+          <a:prstGeom prst="rect">
+            <a:avLst/>
+          </a:prstGeom>
+          <a:solidFill>
+            <a:schemeClr val="bg1">
+              <a:lumMod val="85000"/>
+            </a:schemeClr>
+          </a:solidFill>
+          <a:ln>
+            <a:solidFill>
+              <a:schemeClr val="tx1"/>
+            </a:solidFill>
+            <a:headEnd type="none" w="med" len="med"/>
+            <a:tailEnd type="none" w="med" len="med"/>
+          </a:ln>
+          <a:effectLst/>
+        </p:spPr>
+        <p:style>
+          <a:lnRef idx="1">
+            <a:schemeClr val="accent2"/>
+          </a:lnRef>
+          <a:fillRef idx="3">
+            <a:schemeClr val="accent2"/>
+          </a:fillRef>
+          <a:effectRef idx="2">
+            <a:schemeClr val="accent2"/>
+          </a:effectRef>
+          <a:fontRef idx="minor">
+            <a:schemeClr val="lt1"/>
+          </a:fontRef>
+        </p:style>
+        <p:txBody>
+          <a:bodyPr rot="0" spcFirstLastPara="0" vertOverflow="overflow" horzOverflow="overflow" vert="horz" wrap="square" lIns="0" tIns="0" rIns="0" bIns="0" numCol="1" spcCol="0" rtlCol="0" fromWordArt="0" anchor="ctr" anchorCtr="0" forceAA="0" compatLnSpc="1">
+            <a:prstTxWarp prst="textNoShape">
+              <a:avLst/>
+            </a:prstTxWarp>
+            <a:noAutofit/>
+          </a:bodyPr>
+          <a:lstStyle/>
+          <a:p>
+            <a:pPr algn="ctr" defTabSz="932472" fontAlgn="base">
+              <a:lnSpc>
+                <a:spcPct val="90000"/>
+              </a:lnSpc>
+              <a:spcBef>
+                <a:spcPct val="0"/>
+              </a:spcBef>
+              <a:spcAft>
+                <a:spcPct val="0"/>
+              </a:spcAft>
+            </a:pPr>
+            <a:endParaRPr lang="en-US" sz="1400" b="1" dirty="0">
+              <a:gradFill>
+                <a:gsLst>
+                  <a:gs pos="0">
+                    <a:srgbClr val="FFFFFF"/>
+                  </a:gs>
+                  <a:gs pos="100000">
+                    <a:srgbClr val="FFFFFF"/>
+                  </a:gs>
+                </a:gsLst>
+                <a:lin ang="5400000" scaled="0"/>
+              </a:gradFill>
+              <a:latin typeface="Lucida Console" panose="020B0609040504020204" pitchFamily="49" charset="0"/>
+              <a:ea typeface="Segoe UI" pitchFamily="34" charset="0"/>
+              <a:cs typeface="Segoe UI" pitchFamily="34" charset="0"/>
+            </a:endParaRPr>
+          </a:p>
+        </p:txBody>
+      </p:sp>
+      <p:sp>
+        <p:nvSpPr>
+          <p:cNvPr id="19" name="Rectangle 18">
+            <a:extLst>
+              <a:ext uri="{FF2B5EF4-FFF2-40B4-BE49-F238E27FC236}">
+                <a16:creationId xmlns:a16="http://schemas.microsoft.com/office/drawing/2014/main" id="{EC315CB2-FE9C-53CF-24E7-4E484CCDB463}"/>
+              </a:ext>
+            </a:extLst>
+          </p:cNvPr>
+          <p:cNvSpPr/>
+          <p:nvPr/>
+        </p:nvSpPr>
+        <p:spPr bwMode="auto">
+          <a:xfrm>
+            <a:off x="951745" y="2279860"/>
+            <a:ext cx="1261062" cy="1048437"/>
+          </a:xfrm>
+          <a:prstGeom prst="rect">
+            <a:avLst/>
+          </a:prstGeom>
+          <a:solidFill>
+            <a:schemeClr val="accent2">
+              <a:lumMod val="50000"/>
+            </a:schemeClr>
+          </a:solidFill>
+          <a:ln>
+            <a:noFill/>
+            <a:headEnd type="none" w="med" len="med"/>
+            <a:tailEnd type="none" w="med" len="med"/>
+          </a:ln>
+          <a:effectLst/>
+        </p:spPr>
+        <p:style>
+          <a:lnRef idx="1">
+            <a:schemeClr val="accent2"/>
+          </a:lnRef>
+          <a:fillRef idx="3">
+            <a:schemeClr val="accent2"/>
+          </a:fillRef>
+          <a:effectRef idx="2">
+            <a:schemeClr val="accent2"/>
+          </a:effectRef>
+          <a:fontRef idx="minor">
+            <a:schemeClr val="lt1"/>
+          </a:fontRef>
+        </p:style>
+        <p:txBody>
+          <a:bodyPr rot="0" spcFirstLastPara="0" vertOverflow="overflow" horzOverflow="overflow" vert="horz" wrap="square" lIns="0" tIns="0" rIns="0" bIns="0" numCol="1" spcCol="0" rtlCol="0" fromWordArt="0" anchor="ctr" anchorCtr="0" forceAA="0" compatLnSpc="1">
+            <a:prstTxWarp prst="textNoShape">
+              <a:avLst/>
+            </a:prstTxWarp>
+            <a:noAutofit/>
+          </a:bodyPr>
+          <a:lstStyle/>
+          <a:p>
+            <a:pPr algn="ctr" defTabSz="932472" fontAlgn="base">
+              <a:lnSpc>
+                <a:spcPct val="90000"/>
+              </a:lnSpc>
+              <a:spcBef>
+                <a:spcPct val="0"/>
+              </a:spcBef>
+              <a:spcAft>
+                <a:spcPct val="0"/>
+              </a:spcAft>
+            </a:pPr>
+            <a:r>
+              <a:rPr lang="en-US" sz="1400" b="1" dirty="0">
+                <a:gradFill>
+                  <a:gsLst>
+                    <a:gs pos="0">
+                      <a:srgbClr val="FFFFFF"/>
+                    </a:gs>
+                    <a:gs pos="100000">
+                      <a:srgbClr val="FFFFFF"/>
+                    </a:gs>
+                  </a:gsLst>
+                  <a:lin ang="5400000" scaled="0"/>
+                </a:gradFill>
+                <a:latin typeface="Lucida Console" panose="020B0609040504020204" pitchFamily="49" charset="0"/>
+                <a:ea typeface="Segoe UI" pitchFamily="34" charset="0"/>
+                <a:cs typeface="Segoe UI" pitchFamily="34" charset="0"/>
+              </a:rPr>
+              <a:t>feature</a:t>
+            </a:r>
+          </a:p>
+          <a:p>
+            <a:pPr algn="ctr" defTabSz="932472" fontAlgn="base">
+              <a:lnSpc>
+                <a:spcPct val="90000"/>
+              </a:lnSpc>
+              <a:spcBef>
+                <a:spcPct val="0"/>
+              </a:spcBef>
+              <a:spcAft>
+                <a:spcPct val="0"/>
+              </a:spcAft>
+            </a:pPr>
+            <a:r>
+              <a:rPr lang="en-US" sz="1400" dirty="0">
+                <a:gradFill>
+                  <a:gsLst>
+                    <a:gs pos="0">
+                      <a:srgbClr val="FFFFFF"/>
+                    </a:gs>
+                    <a:gs pos="100000">
+                      <a:srgbClr val="FFFFFF"/>
+                    </a:gs>
+                  </a:gsLst>
+                  <a:lin ang="5400000" scaled="0"/>
+                </a:gradFill>
+                <a:latin typeface="Lucida Console" panose="020B0609040504020204" pitchFamily="49" charset="0"/>
+                <a:ea typeface="Segoe UI" pitchFamily="34" charset="0"/>
+                <a:cs typeface="Segoe UI" pitchFamily="34" charset="0"/>
+              </a:rPr>
+              <a:t>branch</a:t>
+            </a:r>
+          </a:p>
+        </p:txBody>
+      </p:sp>
+      <p:sp>
+        <p:nvSpPr>
+          <p:cNvPr id="20" name="Rectangle 19">
+            <a:extLst>
+              <a:ext uri="{FF2B5EF4-FFF2-40B4-BE49-F238E27FC236}">
+                <a16:creationId xmlns:a16="http://schemas.microsoft.com/office/drawing/2014/main" id="{E1B2213A-B6F1-AEC1-FAEF-1E2EDF2312B0}"/>
+              </a:ext>
+            </a:extLst>
+          </p:cNvPr>
+          <p:cNvSpPr/>
+          <p:nvPr/>
+        </p:nvSpPr>
+        <p:spPr bwMode="auto">
+          <a:xfrm>
+            <a:off x="951745" y="952845"/>
+            <a:ext cx="1261062" cy="853809"/>
+          </a:xfrm>
+          <a:prstGeom prst="rect">
+            <a:avLst/>
+          </a:prstGeom>
+          <a:solidFill>
+            <a:schemeClr val="bg1"/>
+          </a:solidFill>
+          <a:ln>
+            <a:solidFill>
+              <a:schemeClr val="tx1">
+                <a:lumMod val="75000"/>
+              </a:schemeClr>
+            </a:solidFill>
+            <a:headEnd type="none" w="med" len="med"/>
+            <a:tailEnd type="none" w="med" len="med"/>
+          </a:ln>
+          <a:effectLst/>
+        </p:spPr>
+        <p:style>
+          <a:lnRef idx="1">
+            <a:schemeClr val="accent2"/>
+          </a:lnRef>
+          <a:fillRef idx="3">
+            <a:schemeClr val="accent2"/>
+          </a:fillRef>
+          <a:effectRef idx="2">
+            <a:schemeClr val="accent2"/>
+          </a:effectRef>
+          <a:fontRef idx="minor">
+            <a:schemeClr val="lt1"/>
+          </a:fontRef>
+        </p:style>
+        <p:txBody>
+          <a:bodyPr rot="0" spcFirstLastPara="0" vertOverflow="overflow" horzOverflow="overflow" vert="horz" wrap="square" lIns="0" tIns="0" rIns="0" bIns="0" numCol="1" spcCol="0" rtlCol="0" fromWordArt="0" anchor="ctr" anchorCtr="0" forceAA="0" compatLnSpc="1">
+            <a:prstTxWarp prst="textNoShape">
+              <a:avLst/>
+            </a:prstTxWarp>
+            <a:noAutofit/>
+          </a:bodyPr>
+          <a:lstStyle/>
+          <a:p>
+            <a:pPr algn="ctr" defTabSz="932472" fontAlgn="base">
+              <a:lnSpc>
+                <a:spcPct val="90000"/>
+              </a:lnSpc>
+              <a:spcBef>
+                <a:spcPct val="0"/>
+              </a:spcBef>
+              <a:spcAft>
+                <a:spcPct val="0"/>
+              </a:spcAft>
+            </a:pPr>
+            <a:r>
+              <a:rPr lang="en-US" sz="1400" b="1" dirty="0">
+                <a:solidFill>
+                  <a:schemeClr val="tx1"/>
+                </a:solidFill>
+                <a:latin typeface="Lucida Console" panose="020B0609040504020204" pitchFamily="49" charset="0"/>
+                <a:ea typeface="Segoe UI" pitchFamily="34" charset="0"/>
+                <a:cs typeface="Segoe UI" pitchFamily="34" charset="0"/>
+              </a:rPr>
+              <a:t>feature</a:t>
+            </a:r>
+          </a:p>
+          <a:p>
+            <a:pPr algn="ctr" defTabSz="932472" fontAlgn="base">
+              <a:lnSpc>
+                <a:spcPct val="90000"/>
+              </a:lnSpc>
+              <a:spcBef>
+                <a:spcPct val="0"/>
+              </a:spcBef>
+              <a:spcAft>
+                <a:spcPct val="0"/>
+              </a:spcAft>
+            </a:pPr>
+            <a:r>
+              <a:rPr lang="en-US" sz="1400" dirty="0">
+                <a:solidFill>
+                  <a:schemeClr val="tx1"/>
+                </a:solidFill>
+                <a:latin typeface="Lucida Console" panose="020B0609040504020204" pitchFamily="49" charset="0"/>
+                <a:ea typeface="Segoe UI" pitchFamily="34" charset="0"/>
+                <a:cs typeface="Segoe UI" pitchFamily="34" charset="0"/>
+              </a:rPr>
+              <a:t>workspace</a:t>
+            </a:r>
+          </a:p>
+        </p:txBody>
+      </p:sp>
+      <p:sp>
+        <p:nvSpPr>
+          <p:cNvPr id="21" name="Arrow: Right 20">
+            <a:extLst>
+              <a:ext uri="{FF2B5EF4-FFF2-40B4-BE49-F238E27FC236}">
+                <a16:creationId xmlns:a16="http://schemas.microsoft.com/office/drawing/2014/main" id="{8A353246-EDA1-3426-4EF8-3E9FD2A2A4FF}"/>
+              </a:ext>
+            </a:extLst>
+          </p:cNvPr>
+          <p:cNvSpPr/>
+          <p:nvPr/>
+        </p:nvSpPr>
+        <p:spPr bwMode="auto">
+          <a:xfrm rot="5400000" flipV="1">
+            <a:off x="1378736" y="1921070"/>
+            <a:ext cx="407079" cy="282097"/>
+          </a:xfrm>
+          <a:prstGeom prst="rightArrow">
+            <a:avLst>
+              <a:gd name="adj1" fmla="val 61383"/>
+              <a:gd name="adj2" fmla="val 50000"/>
+            </a:avLst>
+          </a:prstGeom>
+          <a:solidFill>
+            <a:srgbClr val="C00000"/>
+          </a:solidFill>
+          <a:ln>
+            <a:noFill/>
+            <a:headEnd type="none" w="med" len="med"/>
+            <a:tailEnd type="none" w="med" len="med"/>
+          </a:ln>
+          <a:effectLst/>
+        </p:spPr>
+        <p:style>
+          <a:lnRef idx="1">
+            <a:schemeClr val="accent2"/>
+          </a:lnRef>
+          <a:fillRef idx="3">
+            <a:schemeClr val="accent2"/>
+          </a:fillRef>
+          <a:effectRef idx="2">
+            <a:schemeClr val="accent2"/>
+          </a:effectRef>
+          <a:fontRef idx="minor">
+            <a:schemeClr val="lt1"/>
+          </a:fontRef>
+        </p:style>
+        <p:txBody>
+          <a:bodyPr rot="0" spcFirstLastPara="0" vertOverflow="overflow" horzOverflow="overflow" vert="horz" wrap="square" lIns="0" tIns="0" rIns="0" bIns="0" numCol="1" spcCol="0" rtlCol="0" fromWordArt="0" anchor="ctr" anchorCtr="0" forceAA="0" compatLnSpc="1">
+            <a:prstTxWarp prst="textNoShape">
+              <a:avLst/>
+            </a:prstTxWarp>
+            <a:noAutofit/>
+          </a:bodyPr>
+          <a:lstStyle/>
+          <a:p>
+            <a:pPr algn="ctr" defTabSz="932472" fontAlgn="base">
+              <a:lnSpc>
+                <a:spcPct val="90000"/>
+              </a:lnSpc>
+              <a:spcBef>
+                <a:spcPct val="0"/>
+              </a:spcBef>
+              <a:spcAft>
+                <a:spcPct val="0"/>
+              </a:spcAft>
+            </a:pPr>
+            <a:endParaRPr lang="en-US" sz="1200" b="1" dirty="0">
+              <a:gradFill>
+                <a:gsLst>
+                  <a:gs pos="0">
+                    <a:srgbClr val="FFFFFF"/>
+                  </a:gs>
+                  <a:gs pos="100000">
+                    <a:srgbClr val="FFFFFF"/>
+                  </a:gs>
+                </a:gsLst>
+                <a:lin ang="5400000" scaled="0"/>
+              </a:gradFill>
+              <a:latin typeface="Lucida Console" panose="020B0609040504020204" pitchFamily="49" charset="0"/>
+              <a:ea typeface="Segoe UI" pitchFamily="34" charset="0"/>
+              <a:cs typeface="Segoe UI" pitchFamily="34" charset="0"/>
+            </a:endParaRPr>
+          </a:p>
+        </p:txBody>
+      </p:sp>
+      <p:sp>
+        <p:nvSpPr>
+          <p:cNvPr id="24" name="Rectangle 23">
+            <a:extLst>
+              <a:ext uri="{FF2B5EF4-FFF2-40B4-BE49-F238E27FC236}">
+                <a16:creationId xmlns:a16="http://schemas.microsoft.com/office/drawing/2014/main" id="{F82129E4-1055-8370-3A57-FC8783F0B5AD}"/>
+              </a:ext>
+            </a:extLst>
+          </p:cNvPr>
+          <p:cNvSpPr/>
+          <p:nvPr/>
+        </p:nvSpPr>
+        <p:spPr bwMode="auto">
+          <a:xfrm>
+            <a:off x="3422323" y="2279860"/>
+            <a:ext cx="1261062" cy="1048437"/>
+          </a:xfrm>
+          <a:prstGeom prst="rect">
+            <a:avLst/>
+          </a:prstGeom>
+          <a:solidFill>
+            <a:schemeClr val="accent1"/>
+          </a:solidFill>
+          <a:ln>
+            <a:noFill/>
+            <a:headEnd type="none" w="med" len="med"/>
+            <a:tailEnd type="none" w="med" len="med"/>
+          </a:ln>
+          <a:effectLst/>
+        </p:spPr>
+        <p:style>
+          <a:lnRef idx="1">
+            <a:schemeClr val="accent2"/>
+          </a:lnRef>
+          <a:fillRef idx="3">
+            <a:schemeClr val="accent2"/>
+          </a:fillRef>
+          <a:effectRef idx="2">
+            <a:schemeClr val="accent2"/>
+          </a:effectRef>
+          <a:fontRef idx="minor">
+            <a:schemeClr val="lt1"/>
+          </a:fontRef>
+        </p:style>
+        <p:txBody>
+          <a:bodyPr rot="0" spcFirstLastPara="0" vertOverflow="overflow" horzOverflow="overflow" vert="horz" wrap="square" lIns="0" tIns="0" rIns="0" bIns="0" numCol="1" spcCol="0" rtlCol="0" fromWordArt="0" anchor="ctr" anchorCtr="0" forceAA="0" compatLnSpc="1">
+            <a:prstTxWarp prst="textNoShape">
+              <a:avLst/>
+            </a:prstTxWarp>
+            <a:noAutofit/>
+          </a:bodyPr>
+          <a:lstStyle/>
+          <a:p>
+            <a:pPr algn="ctr" defTabSz="932472" fontAlgn="base">
+              <a:lnSpc>
+                <a:spcPct val="90000"/>
+              </a:lnSpc>
+              <a:spcBef>
+                <a:spcPct val="0"/>
+              </a:spcBef>
+              <a:spcAft>
+                <a:spcPct val="0"/>
+              </a:spcAft>
+            </a:pPr>
+            <a:r>
+              <a:rPr lang="en-US" sz="1400" b="1" dirty="0">
+                <a:gradFill>
+                  <a:gsLst>
+                    <a:gs pos="0">
+                      <a:srgbClr val="FFFFFF"/>
+                    </a:gs>
+                    <a:gs pos="100000">
+                      <a:srgbClr val="FFFFFF"/>
+                    </a:gs>
+                  </a:gsLst>
+                  <a:lin ang="5400000" scaled="0"/>
+                </a:gradFill>
+                <a:latin typeface="Lucida Console" panose="020B0609040504020204" pitchFamily="49" charset="0"/>
+                <a:ea typeface="Segoe UI" pitchFamily="34" charset="0"/>
+                <a:cs typeface="Segoe UI" pitchFamily="34" charset="0"/>
+              </a:rPr>
+              <a:t>main</a:t>
+            </a:r>
+          </a:p>
+          <a:p>
+            <a:pPr algn="ctr" defTabSz="932472" fontAlgn="base">
+              <a:lnSpc>
+                <a:spcPct val="90000"/>
+              </a:lnSpc>
+              <a:spcBef>
+                <a:spcPct val="0"/>
+              </a:spcBef>
+              <a:spcAft>
+                <a:spcPct val="0"/>
+              </a:spcAft>
+            </a:pPr>
+            <a:r>
+              <a:rPr lang="en-US" sz="1400" dirty="0">
+                <a:gradFill>
+                  <a:gsLst>
+                    <a:gs pos="0">
+                      <a:srgbClr val="FFFFFF"/>
+                    </a:gs>
+                    <a:gs pos="100000">
+                      <a:srgbClr val="FFFFFF"/>
+                    </a:gs>
+                  </a:gsLst>
+                  <a:lin ang="5400000" scaled="0"/>
+                </a:gradFill>
+                <a:latin typeface="Lucida Console" panose="020B0609040504020204" pitchFamily="49" charset="0"/>
+                <a:ea typeface="Segoe UI" pitchFamily="34" charset="0"/>
+                <a:cs typeface="Segoe UI" pitchFamily="34" charset="0"/>
+              </a:rPr>
+              <a:t>branch</a:t>
+            </a:r>
+          </a:p>
+        </p:txBody>
+      </p:sp>
+      <p:sp>
+        <p:nvSpPr>
+          <p:cNvPr id="25" name="Rectangle 24">
+            <a:extLst>
+              <a:ext uri="{FF2B5EF4-FFF2-40B4-BE49-F238E27FC236}">
+                <a16:creationId xmlns:a16="http://schemas.microsoft.com/office/drawing/2014/main" id="{2EAB3C5C-7872-DF49-11A5-BDC8CE6A12A4}"/>
+              </a:ext>
+            </a:extLst>
+          </p:cNvPr>
+          <p:cNvSpPr/>
+          <p:nvPr/>
+        </p:nvSpPr>
+        <p:spPr bwMode="auto">
+          <a:xfrm>
+            <a:off x="3422323" y="952845"/>
+            <a:ext cx="1261062" cy="853809"/>
+          </a:xfrm>
+          <a:prstGeom prst="rect">
+            <a:avLst/>
+          </a:prstGeom>
+          <a:solidFill>
+            <a:schemeClr val="bg1"/>
+          </a:solidFill>
+          <a:ln>
+            <a:solidFill>
+              <a:schemeClr val="tx1">
+                <a:lumMod val="75000"/>
+              </a:schemeClr>
+            </a:solidFill>
+            <a:headEnd type="none" w="med" len="med"/>
+            <a:tailEnd type="none" w="med" len="med"/>
+          </a:ln>
+          <a:effectLst/>
+        </p:spPr>
+        <p:style>
+          <a:lnRef idx="1">
+            <a:schemeClr val="accent2"/>
+          </a:lnRef>
+          <a:fillRef idx="3">
+            <a:schemeClr val="accent2"/>
+          </a:fillRef>
+          <a:effectRef idx="2">
+            <a:schemeClr val="accent2"/>
+          </a:effectRef>
+          <a:fontRef idx="minor">
+            <a:schemeClr val="lt1"/>
+          </a:fontRef>
+        </p:style>
+        <p:txBody>
+          <a:bodyPr rot="0" spcFirstLastPara="0" vertOverflow="overflow" horzOverflow="overflow" vert="horz" wrap="square" lIns="0" tIns="0" rIns="0" bIns="0" numCol="1" spcCol="0" rtlCol="0" fromWordArt="0" anchor="ctr" anchorCtr="0" forceAA="0" compatLnSpc="1">
+            <a:prstTxWarp prst="textNoShape">
+              <a:avLst/>
+            </a:prstTxWarp>
+            <a:noAutofit/>
+          </a:bodyPr>
+          <a:lstStyle/>
+          <a:p>
+            <a:pPr algn="ctr" defTabSz="932472" fontAlgn="base">
+              <a:lnSpc>
+                <a:spcPct val="90000"/>
+              </a:lnSpc>
+              <a:spcBef>
+                <a:spcPct val="0"/>
+              </a:spcBef>
+              <a:spcAft>
+                <a:spcPct val="0"/>
+              </a:spcAft>
+            </a:pPr>
+            <a:r>
+              <a:rPr lang="en-US" sz="1400" b="1" dirty="0">
+                <a:solidFill>
+                  <a:schemeClr val="tx1"/>
+                </a:solidFill>
+                <a:latin typeface="Lucida Console" panose="020B0609040504020204" pitchFamily="49" charset="0"/>
+                <a:ea typeface="Segoe UI" pitchFamily="34" charset="0"/>
+                <a:cs typeface="Segoe UI" pitchFamily="34" charset="0"/>
+              </a:rPr>
+              <a:t>Prod</a:t>
+            </a:r>
+          </a:p>
+          <a:p>
+            <a:pPr algn="ctr" defTabSz="932472" fontAlgn="base">
+              <a:lnSpc>
+                <a:spcPct val="90000"/>
+              </a:lnSpc>
+              <a:spcBef>
+                <a:spcPct val="0"/>
+              </a:spcBef>
+              <a:spcAft>
+                <a:spcPct val="0"/>
+              </a:spcAft>
+            </a:pPr>
+            <a:r>
+              <a:rPr lang="en-US" sz="1400" dirty="0">
+                <a:solidFill>
+                  <a:schemeClr val="tx1"/>
+                </a:solidFill>
+                <a:latin typeface="Lucida Console" panose="020B0609040504020204" pitchFamily="49" charset="0"/>
+                <a:ea typeface="Segoe UI" pitchFamily="34" charset="0"/>
+                <a:cs typeface="Segoe UI" pitchFamily="34" charset="0"/>
+              </a:rPr>
+              <a:t>workspace</a:t>
+            </a:r>
+          </a:p>
+        </p:txBody>
+      </p:sp>
+      <p:sp>
+        <p:nvSpPr>
+          <p:cNvPr id="26" name="Arrow: Right 25">
+            <a:extLst>
+              <a:ext uri="{FF2B5EF4-FFF2-40B4-BE49-F238E27FC236}">
+                <a16:creationId xmlns:a16="http://schemas.microsoft.com/office/drawing/2014/main" id="{C61FD346-61D8-9906-1F8A-1355B4A5F90F}"/>
+              </a:ext>
+            </a:extLst>
+          </p:cNvPr>
+          <p:cNvSpPr/>
+          <p:nvPr/>
+        </p:nvSpPr>
+        <p:spPr bwMode="auto">
+          <a:xfrm rot="16200000">
+            <a:off x="3849314" y="1921070"/>
+            <a:ext cx="407079" cy="282097"/>
+          </a:xfrm>
+          <a:prstGeom prst="rightArrow">
+            <a:avLst>
+              <a:gd name="adj1" fmla="val 61383"/>
+              <a:gd name="adj2" fmla="val 50000"/>
+            </a:avLst>
+          </a:prstGeom>
+          <a:solidFill>
+            <a:srgbClr val="C00000"/>
+          </a:solidFill>
+          <a:ln>
+            <a:noFill/>
+            <a:headEnd type="none" w="med" len="med"/>
+            <a:tailEnd type="none" w="med" len="med"/>
+          </a:ln>
+          <a:effectLst/>
+        </p:spPr>
+        <p:style>
+          <a:lnRef idx="1">
+            <a:schemeClr val="accent2"/>
+          </a:lnRef>
+          <a:fillRef idx="3">
+            <a:schemeClr val="accent2"/>
+          </a:fillRef>
+          <a:effectRef idx="2">
+            <a:schemeClr val="accent2"/>
+          </a:effectRef>
+          <a:fontRef idx="minor">
+            <a:schemeClr val="lt1"/>
+          </a:fontRef>
+        </p:style>
+        <p:txBody>
+          <a:bodyPr rot="0" spcFirstLastPara="0" vertOverflow="overflow" horzOverflow="overflow" vert="horz" wrap="square" lIns="0" tIns="0" rIns="0" bIns="0" numCol="1" spcCol="0" rtlCol="0" fromWordArt="0" anchor="ctr" anchorCtr="0" forceAA="0" compatLnSpc="1">
+            <a:prstTxWarp prst="textNoShape">
+              <a:avLst/>
+            </a:prstTxWarp>
+            <a:noAutofit/>
+          </a:bodyPr>
+          <a:lstStyle/>
+          <a:p>
+            <a:pPr algn="ctr" defTabSz="932472" fontAlgn="base">
+              <a:lnSpc>
+                <a:spcPct val="90000"/>
+              </a:lnSpc>
+              <a:spcBef>
+                <a:spcPct val="0"/>
+              </a:spcBef>
+              <a:spcAft>
+                <a:spcPct val="0"/>
+              </a:spcAft>
+            </a:pPr>
+            <a:endParaRPr lang="en-US" sz="1200" b="1" dirty="0">
+              <a:gradFill>
+                <a:gsLst>
+                  <a:gs pos="0">
+                    <a:srgbClr val="FFFFFF"/>
+                  </a:gs>
+                  <a:gs pos="100000">
+                    <a:srgbClr val="FFFFFF"/>
+                  </a:gs>
+                </a:gsLst>
+                <a:lin ang="5400000" scaled="0"/>
+              </a:gradFill>
+              <a:latin typeface="Lucida Console" panose="020B0609040504020204" pitchFamily="49" charset="0"/>
+              <a:ea typeface="Segoe UI" pitchFamily="34" charset="0"/>
+              <a:cs typeface="Segoe UI" pitchFamily="34" charset="0"/>
+            </a:endParaRPr>
+          </a:p>
+        </p:txBody>
+      </p:sp>
+      <p:sp>
+        <p:nvSpPr>
+          <p:cNvPr id="29" name="Arrow: Right 28">
+            <a:extLst>
+              <a:ext uri="{FF2B5EF4-FFF2-40B4-BE49-F238E27FC236}">
+                <a16:creationId xmlns:a16="http://schemas.microsoft.com/office/drawing/2014/main" id="{3D586940-331D-D5EF-2A4D-3454485C825E}"/>
+              </a:ext>
+            </a:extLst>
+          </p:cNvPr>
+          <p:cNvSpPr/>
+          <p:nvPr/>
+        </p:nvSpPr>
+        <p:spPr bwMode="auto">
+          <a:xfrm>
+            <a:off x="2283302" y="2595694"/>
+            <a:ext cx="1041680" cy="416767"/>
+          </a:xfrm>
+          <a:prstGeom prst="rightArrow">
+            <a:avLst>
+              <a:gd name="adj1" fmla="val 61383"/>
+              <a:gd name="adj2" fmla="val 60168"/>
+            </a:avLst>
+          </a:prstGeom>
+          <a:solidFill>
+            <a:srgbClr val="C00000"/>
+          </a:solidFill>
+          <a:ln>
+            <a:noFill/>
+            <a:headEnd type="none" w="med" len="med"/>
+            <a:tailEnd type="none" w="med" len="med"/>
+          </a:ln>
+          <a:effectLst/>
+        </p:spPr>
+        <p:style>
+          <a:lnRef idx="1">
+            <a:schemeClr val="accent2"/>
+          </a:lnRef>
+          <a:fillRef idx="3">
+            <a:schemeClr val="accent2"/>
+          </a:fillRef>
+          <a:effectRef idx="2">
+            <a:schemeClr val="accent2"/>
+          </a:effectRef>
+          <a:fontRef idx="minor">
+            <a:schemeClr val="lt1"/>
+          </a:fontRef>
+        </p:style>
+        <p:txBody>
+          <a:bodyPr rot="0" spcFirstLastPara="0" vertOverflow="overflow" horzOverflow="overflow" vert="horz" wrap="square" lIns="0" tIns="0" rIns="0" bIns="0" numCol="1" spcCol="0" rtlCol="0" fromWordArt="0" anchor="ctr" anchorCtr="0" forceAA="0" compatLnSpc="1">
+            <a:prstTxWarp prst="textNoShape">
+              <a:avLst/>
+            </a:prstTxWarp>
+            <a:noAutofit/>
+          </a:bodyPr>
+          <a:lstStyle/>
+          <a:p>
+            <a:pPr algn="ctr" defTabSz="932472" fontAlgn="base">
+              <a:lnSpc>
+                <a:spcPct val="90000"/>
+              </a:lnSpc>
+              <a:spcBef>
+                <a:spcPct val="0"/>
+              </a:spcBef>
+              <a:spcAft>
+                <a:spcPct val="0"/>
+              </a:spcAft>
+            </a:pPr>
+            <a:r>
+              <a:rPr lang="en-US" sz="800" b="1" dirty="0">
+                <a:gradFill>
+                  <a:gsLst>
+                    <a:gs pos="0">
+                      <a:srgbClr val="FFFFFF"/>
+                    </a:gs>
+                    <a:gs pos="100000">
+                      <a:srgbClr val="FFFFFF"/>
+                    </a:gs>
+                  </a:gsLst>
+                  <a:lin ang="5400000" scaled="0"/>
+                </a:gradFill>
+                <a:latin typeface="Lucida Console" panose="020B0609040504020204" pitchFamily="49" charset="0"/>
+                <a:ea typeface="Segoe UI" pitchFamily="34" charset="0"/>
+                <a:cs typeface="Segoe UI" pitchFamily="34" charset="0"/>
+              </a:rPr>
+              <a:t>Pull Request</a:t>
+            </a:r>
+          </a:p>
+        </p:txBody>
+      </p:sp>
+    </p:spTree>
+    <p:extLst>
+      <p:ext uri="{BB962C8B-B14F-4D97-AF65-F5344CB8AC3E}">
+        <p14:creationId xmlns:p14="http://schemas.microsoft.com/office/powerpoint/2010/main" val="308318340"/>
+      </p:ext>
+    </p:extLst>
+  </p:cSld>
+  <p:clrMapOvr>
+    <a:masterClrMapping/>
+  </p:clrMapOvr>
+  <p:transition>
+    <p:fade/>
+  </p:transition>
+</p:sld>
+</file>
+
+<file path=ppt/slides/slide21.xml><?xml version="1.0" encoding="utf-8"?>
 <p:sld xmlns:a="http://schemas.openxmlformats.org/drawingml/2006/main" xmlns:r="http://schemas.openxmlformats.org/officeDocument/2006/relationships" xmlns:p="http://schemas.openxmlformats.org/presentationml/2006/main">
   <p:cSld>
     <p:spTree>
@@ -12784,7 +14050,7 @@
 </p:sld>
 </file>
 
-<file path=ppt/slides/slide21.xml><?xml version="1.0" encoding="utf-8"?>
+<file path=ppt/slides/slide22.xml><?xml version="1.0" encoding="utf-8"?>
 <p:sld xmlns:a="http://schemas.openxmlformats.org/drawingml/2006/main" xmlns:r="http://schemas.openxmlformats.org/officeDocument/2006/relationships" xmlns:p="http://schemas.openxmlformats.org/presentationml/2006/main">
   <p:cSld>
     <p:spTree>
@@ -13530,7 +14796,7 @@
 </p:sld>
 </file>
 
-<file path=ppt/slides/slide22.xml><?xml version="1.0" encoding="utf-8"?>
+<file path=ppt/slides/slide23.xml><?xml version="1.0" encoding="utf-8"?>
 <p:sld xmlns:a="http://schemas.openxmlformats.org/drawingml/2006/main" xmlns:r="http://schemas.openxmlformats.org/officeDocument/2006/relationships" xmlns:p="http://schemas.openxmlformats.org/presentationml/2006/main">
   <p:cSld>
     <p:spTree>
@@ -14700,7 +15966,7 @@
 </p:sld>
 </file>
 
-<file path=ppt/slides/slide23.xml><?xml version="1.0" encoding="utf-8"?>
+<file path=ppt/slides/slide24.xml><?xml version="1.0" encoding="utf-8"?>
 <p:sld xmlns:a="http://schemas.openxmlformats.org/drawingml/2006/main" xmlns:r="http://schemas.openxmlformats.org/officeDocument/2006/relationships" xmlns:p="http://schemas.openxmlformats.org/presentationml/2006/main">
   <p:cSld>
     <p:spTree>
@@ -15680,7 +16946,7 @@
 </p:sld>
 </file>
 
-<file path=ppt/slides/slide24.xml><?xml version="1.0" encoding="utf-8"?>
+<file path=ppt/slides/slide25.xml><?xml version="1.0" encoding="utf-8"?>
 <p:sld xmlns:a="http://schemas.openxmlformats.org/drawingml/2006/main" xmlns:r="http://schemas.openxmlformats.org/officeDocument/2006/relationships" xmlns:p="http://schemas.openxmlformats.org/presentationml/2006/main">
   <p:cSld>
     <p:spTree>
@@ -16816,7 +18082,7 @@
 </p:sld>
 </file>
 
-<file path=ppt/slides/slide25.xml><?xml version="1.0" encoding="utf-8"?>
+<file path=ppt/slides/slide26.xml><?xml version="1.0" encoding="utf-8"?>
 <p:sld xmlns:a="http://schemas.openxmlformats.org/drawingml/2006/main" xmlns:r="http://schemas.openxmlformats.org/officeDocument/2006/relationships" xmlns:p="http://schemas.openxmlformats.org/presentationml/2006/main">
   <p:cSld>
     <p:spTree>
@@ -17842,7 +19108,7 @@
 </p:sld>
 </file>
 
-<file path=ppt/slides/slide26.xml><?xml version="1.0" encoding="utf-8"?>
+<file path=ppt/slides/slide27.xml><?xml version="1.0" encoding="utf-8"?>
 <p:sld xmlns:a="http://schemas.openxmlformats.org/drawingml/2006/main" xmlns:r="http://schemas.openxmlformats.org/officeDocument/2006/relationships" xmlns:p="http://schemas.openxmlformats.org/presentationml/2006/main">
   <p:cSld>
     <p:spTree>
@@ -17910,7 +19176,7 @@
 </p:sld>
 </file>
 
-<file path=ppt/slides/slide27.xml><?xml version="1.0" encoding="utf-8"?>
+<file path=ppt/slides/slide28.xml><?xml version="1.0" encoding="utf-8"?>
 <p:sld xmlns:a="http://schemas.openxmlformats.org/drawingml/2006/main" xmlns:r="http://schemas.openxmlformats.org/officeDocument/2006/relationships" xmlns:p="http://schemas.openxmlformats.org/presentationml/2006/main">
   <p:cSld>
     <p:spTree>
@@ -18584,7 +19850,7 @@
 </p:sld>
 </file>
 
-<file path=ppt/slides/slide28.xml><?xml version="1.0" encoding="utf-8"?>
+<file path=ppt/slides/slide29.xml><?xml version="1.0" encoding="utf-8"?>
 <p:sld xmlns:a="http://schemas.openxmlformats.org/drawingml/2006/main" xmlns:r="http://schemas.openxmlformats.org/officeDocument/2006/relationships" xmlns:p="http://schemas.openxmlformats.org/presentationml/2006/main">
   <p:cSld>
     <p:spTree>
@@ -19954,7 +21220,582 @@
 </p:sld>
 </file>
 
-<file path=ppt/slides/slide29.xml><?xml version="1.0" encoding="utf-8"?>
+<file path=ppt/slides/slide3.xml><?xml version="1.0" encoding="utf-8"?>
+<p:sld xmlns:a="http://schemas.openxmlformats.org/drawingml/2006/main" xmlns:r="http://schemas.openxmlformats.org/officeDocument/2006/relationships" xmlns:p="http://schemas.openxmlformats.org/presentationml/2006/main">
+  <p:cSld>
+    <p:spTree>
+      <p:nvGrpSpPr>
+        <p:cNvPr id="1" name=""/>
+        <p:cNvGrpSpPr/>
+        <p:nvPr/>
+      </p:nvGrpSpPr>
+      <p:grpSpPr>
+        <a:xfrm>
+          <a:off x="0" y="0"/>
+          <a:ext cx="0" cy="0"/>
+          <a:chOff x="0" y="0"/>
+          <a:chExt cx="0" cy="0"/>
+        </a:xfrm>
+      </p:grpSpPr>
+      <p:sp>
+        <p:nvSpPr>
+          <p:cNvPr id="8" name="Rectangle 7">
+            <a:extLst>
+              <a:ext uri="{FF2B5EF4-FFF2-40B4-BE49-F238E27FC236}">
+                <a16:creationId xmlns:a16="http://schemas.microsoft.com/office/drawing/2014/main" id="{D78C485D-3A46-40D1-5373-DDF18F784091}"/>
+              </a:ext>
+            </a:extLst>
+          </p:cNvPr>
+          <p:cNvSpPr/>
+          <p:nvPr/>
+        </p:nvSpPr>
+        <p:spPr bwMode="auto">
+          <a:xfrm>
+            <a:off x="1543736" y="615928"/>
+            <a:ext cx="5622378" cy="1590559"/>
+          </a:xfrm>
+          <a:prstGeom prst="rect">
+            <a:avLst/>
+          </a:prstGeom>
+          <a:solidFill>
+            <a:schemeClr val="bg1">
+              <a:lumMod val="85000"/>
+            </a:schemeClr>
+          </a:solidFill>
+          <a:ln>
+            <a:solidFill>
+              <a:schemeClr val="tx1"/>
+            </a:solidFill>
+            <a:headEnd type="none" w="med" len="med"/>
+            <a:tailEnd type="none" w="med" len="med"/>
+          </a:ln>
+          <a:effectLst/>
+        </p:spPr>
+        <p:style>
+          <a:lnRef idx="1">
+            <a:schemeClr val="accent2"/>
+          </a:lnRef>
+          <a:fillRef idx="3">
+            <a:schemeClr val="accent2"/>
+          </a:fillRef>
+          <a:effectRef idx="2">
+            <a:schemeClr val="accent2"/>
+          </a:effectRef>
+          <a:fontRef idx="minor">
+            <a:schemeClr val="lt1"/>
+          </a:fontRef>
+        </p:style>
+        <p:txBody>
+          <a:bodyPr rot="0" spcFirstLastPara="0" vertOverflow="overflow" horzOverflow="overflow" vert="horz" wrap="square" lIns="0" tIns="0" rIns="0" bIns="0" numCol="1" spcCol="0" rtlCol="0" fromWordArt="0" anchor="ctr" anchorCtr="0" forceAA="0" compatLnSpc="1">
+            <a:prstTxWarp prst="textNoShape">
+              <a:avLst/>
+            </a:prstTxWarp>
+            <a:noAutofit/>
+          </a:bodyPr>
+          <a:lstStyle/>
+          <a:p>
+            <a:pPr algn="ctr" defTabSz="932472" fontAlgn="base">
+              <a:lnSpc>
+                <a:spcPct val="90000"/>
+              </a:lnSpc>
+              <a:spcBef>
+                <a:spcPct val="0"/>
+              </a:spcBef>
+              <a:spcAft>
+                <a:spcPct val="0"/>
+              </a:spcAft>
+            </a:pPr>
+            <a:endParaRPr lang="en-US" sz="1400" b="1" dirty="0">
+              <a:gradFill>
+                <a:gsLst>
+                  <a:gs pos="0">
+                    <a:srgbClr val="FFFFFF"/>
+                  </a:gs>
+                  <a:gs pos="100000">
+                    <a:srgbClr val="FFFFFF"/>
+                  </a:gs>
+                </a:gsLst>
+                <a:lin ang="5400000" scaled="0"/>
+              </a:gradFill>
+              <a:latin typeface="Lucida Console" panose="020B0609040504020204" pitchFamily="49" charset="0"/>
+              <a:ea typeface="Segoe UI" pitchFamily="34" charset="0"/>
+              <a:cs typeface="Segoe UI" pitchFamily="34" charset="0"/>
+            </a:endParaRPr>
+          </a:p>
+        </p:txBody>
+      </p:sp>
+      <p:grpSp>
+        <p:nvGrpSpPr>
+          <p:cNvPr id="7" name="Group 6">
+            <a:extLst>
+              <a:ext uri="{FF2B5EF4-FFF2-40B4-BE49-F238E27FC236}">
+                <a16:creationId xmlns:a16="http://schemas.microsoft.com/office/drawing/2014/main" id="{3B81A26D-EBCD-FB0A-ED1B-5BB31977E55B}"/>
+              </a:ext>
+            </a:extLst>
+          </p:cNvPr>
+          <p:cNvGrpSpPr/>
+          <p:nvPr/>
+        </p:nvGrpSpPr>
+        <p:grpSpPr>
+          <a:xfrm>
+            <a:off x="1664104" y="773980"/>
+            <a:ext cx="5320563" cy="1293359"/>
+            <a:chOff x="1664104" y="773980"/>
+            <a:chExt cx="6857927" cy="1667072"/>
+          </a:xfrm>
+        </p:grpSpPr>
+        <p:sp>
+          <p:nvSpPr>
+            <p:cNvPr id="2" name="Rectangle 1">
+              <a:extLst>
+                <a:ext uri="{FF2B5EF4-FFF2-40B4-BE49-F238E27FC236}">
+                  <a16:creationId xmlns:a16="http://schemas.microsoft.com/office/drawing/2014/main" id="{275316FA-3A99-1746-7388-C57FA01FDF73}"/>
+                </a:ext>
+              </a:extLst>
+            </p:cNvPr>
+            <p:cNvSpPr/>
+            <p:nvPr/>
+          </p:nvSpPr>
+          <p:spPr bwMode="auto">
+            <a:xfrm>
+              <a:off x="1664104" y="773980"/>
+              <a:ext cx="1632212" cy="1667071"/>
+            </a:xfrm>
+            <a:prstGeom prst="rect">
+              <a:avLst/>
+            </a:prstGeom>
+            <a:solidFill>
+              <a:schemeClr val="accent4">
+                <a:lumMod val="75000"/>
+              </a:schemeClr>
+            </a:solidFill>
+            <a:ln>
+              <a:noFill/>
+              <a:headEnd type="none" w="med" len="med"/>
+              <a:tailEnd type="none" w="med" len="med"/>
+            </a:ln>
+            <a:effectLst/>
+          </p:spPr>
+          <p:style>
+            <a:lnRef idx="1">
+              <a:schemeClr val="accent2"/>
+            </a:lnRef>
+            <a:fillRef idx="3">
+              <a:schemeClr val="accent2"/>
+            </a:fillRef>
+            <a:effectRef idx="2">
+              <a:schemeClr val="accent2"/>
+            </a:effectRef>
+            <a:fontRef idx="minor">
+              <a:schemeClr val="lt1"/>
+            </a:fontRef>
+          </p:style>
+          <p:txBody>
+            <a:bodyPr rot="0" spcFirstLastPara="0" vertOverflow="overflow" horzOverflow="overflow" vert="horz" wrap="square" lIns="0" tIns="0" rIns="0" bIns="0" numCol="1" spcCol="0" rtlCol="0" fromWordArt="0" anchor="ctr" anchorCtr="0" forceAA="0" compatLnSpc="1">
+              <a:prstTxWarp prst="textNoShape">
+                <a:avLst/>
+              </a:prstTxWarp>
+              <a:noAutofit/>
+            </a:bodyPr>
+            <a:lstStyle/>
+            <a:p>
+              <a:pPr algn="ctr" defTabSz="932472" fontAlgn="base">
+                <a:lnSpc>
+                  <a:spcPct val="90000"/>
+                </a:lnSpc>
+                <a:spcBef>
+                  <a:spcPct val="0"/>
+                </a:spcBef>
+                <a:spcAft>
+                  <a:spcPct val="0"/>
+                </a:spcAft>
+              </a:pPr>
+              <a:r>
+                <a:rPr lang="en-US" sz="1600" b="1" dirty="0">
+                  <a:gradFill>
+                    <a:gsLst>
+                      <a:gs pos="0">
+                        <a:srgbClr val="FFFFFF"/>
+                      </a:gs>
+                      <a:gs pos="100000">
+                        <a:srgbClr val="FFFFFF"/>
+                      </a:gs>
+                    </a:gsLst>
+                    <a:lin ang="5400000" scaled="0"/>
+                  </a:gradFill>
+                  <a:latin typeface="Lucida Console" panose="020B0609040504020204" pitchFamily="49" charset="0"/>
+                  <a:ea typeface="Segoe UI" pitchFamily="34" charset="0"/>
+                  <a:cs typeface="Segoe UI" pitchFamily="34" charset="0"/>
+                </a:rPr>
+                <a:t>dev</a:t>
+              </a:r>
+            </a:p>
+          </p:txBody>
+        </p:sp>
+        <p:sp>
+          <p:nvSpPr>
+            <p:cNvPr id="3" name="Rectangle 2">
+              <a:extLst>
+                <a:ext uri="{FF2B5EF4-FFF2-40B4-BE49-F238E27FC236}">
+                  <a16:creationId xmlns:a16="http://schemas.microsoft.com/office/drawing/2014/main" id="{FD6F9DE8-BFD8-ED75-D80E-6643CBD92F41}"/>
+                </a:ext>
+              </a:extLst>
+            </p:cNvPr>
+            <p:cNvSpPr/>
+            <p:nvPr/>
+          </p:nvSpPr>
+          <p:spPr bwMode="auto">
+            <a:xfrm>
+              <a:off x="4275308" y="797714"/>
+              <a:ext cx="1625443" cy="1643338"/>
+            </a:xfrm>
+            <a:prstGeom prst="rect">
+              <a:avLst/>
+            </a:prstGeom>
+            <a:solidFill>
+              <a:schemeClr val="accent2">
+                <a:lumMod val="50000"/>
+              </a:schemeClr>
+            </a:solidFill>
+            <a:ln>
+              <a:noFill/>
+              <a:headEnd type="none" w="med" len="med"/>
+              <a:tailEnd type="none" w="med" len="med"/>
+            </a:ln>
+            <a:effectLst/>
+          </p:spPr>
+          <p:style>
+            <a:lnRef idx="1">
+              <a:schemeClr val="accent2"/>
+            </a:lnRef>
+            <a:fillRef idx="3">
+              <a:schemeClr val="accent2"/>
+            </a:fillRef>
+            <a:effectRef idx="2">
+              <a:schemeClr val="accent2"/>
+            </a:effectRef>
+            <a:fontRef idx="minor">
+              <a:schemeClr val="lt1"/>
+            </a:fontRef>
+          </p:style>
+          <p:txBody>
+            <a:bodyPr rot="0" spcFirstLastPara="0" vertOverflow="overflow" horzOverflow="overflow" vert="horz" wrap="square" lIns="0" tIns="0" rIns="0" bIns="0" numCol="1" spcCol="0" rtlCol="0" fromWordArt="0" anchor="ctr" anchorCtr="0" forceAA="0" compatLnSpc="1">
+              <a:prstTxWarp prst="textNoShape">
+                <a:avLst/>
+              </a:prstTxWarp>
+              <a:noAutofit/>
+            </a:bodyPr>
+            <a:lstStyle/>
+            <a:p>
+              <a:pPr algn="ctr" defTabSz="932472" fontAlgn="base">
+                <a:lnSpc>
+                  <a:spcPct val="90000"/>
+                </a:lnSpc>
+                <a:spcBef>
+                  <a:spcPct val="0"/>
+                </a:spcBef>
+                <a:spcAft>
+                  <a:spcPct val="0"/>
+                </a:spcAft>
+              </a:pPr>
+              <a:r>
+                <a:rPr lang="en-US" sz="1600" b="1" dirty="0">
+                  <a:gradFill>
+                    <a:gsLst>
+                      <a:gs pos="0">
+                        <a:srgbClr val="FFFFFF"/>
+                      </a:gs>
+                      <a:gs pos="100000">
+                        <a:srgbClr val="FFFFFF"/>
+                      </a:gs>
+                    </a:gsLst>
+                    <a:lin ang="5400000" scaled="0"/>
+                  </a:gradFill>
+                  <a:latin typeface="Lucida Console" panose="020B0609040504020204" pitchFamily="49" charset="0"/>
+                  <a:ea typeface="Segoe UI" pitchFamily="34" charset="0"/>
+                  <a:cs typeface="Segoe UI" pitchFamily="34" charset="0"/>
+                </a:rPr>
+                <a:t>test</a:t>
+              </a:r>
+            </a:p>
+          </p:txBody>
+        </p:sp>
+        <p:sp>
+          <p:nvSpPr>
+            <p:cNvPr id="4" name="Arrow: Right 3">
+              <a:extLst>
+                <a:ext uri="{FF2B5EF4-FFF2-40B4-BE49-F238E27FC236}">
+                  <a16:creationId xmlns:a16="http://schemas.microsoft.com/office/drawing/2014/main" id="{7E711A8B-74EF-8F35-800C-37539A4E8977}"/>
+                </a:ext>
+              </a:extLst>
+            </p:cNvPr>
+            <p:cNvSpPr/>
+            <p:nvPr/>
+          </p:nvSpPr>
+          <p:spPr bwMode="auto">
+            <a:xfrm>
+              <a:off x="3363614" y="1301322"/>
+              <a:ext cx="879837" cy="506304"/>
+            </a:xfrm>
+            <a:prstGeom prst="rightArrow">
+              <a:avLst>
+                <a:gd name="adj1" fmla="val 61383"/>
+                <a:gd name="adj2" fmla="val 50000"/>
+              </a:avLst>
+            </a:prstGeom>
+            <a:solidFill>
+              <a:srgbClr val="C00000"/>
+            </a:solidFill>
+            <a:ln>
+              <a:noFill/>
+              <a:headEnd type="none" w="med" len="med"/>
+              <a:tailEnd type="none" w="med" len="med"/>
+            </a:ln>
+            <a:effectLst/>
+          </p:spPr>
+          <p:style>
+            <a:lnRef idx="1">
+              <a:schemeClr val="accent2"/>
+            </a:lnRef>
+            <a:fillRef idx="3">
+              <a:schemeClr val="accent2"/>
+            </a:fillRef>
+            <a:effectRef idx="2">
+              <a:schemeClr val="accent2"/>
+            </a:effectRef>
+            <a:fontRef idx="minor">
+              <a:schemeClr val="lt1"/>
+            </a:fontRef>
+          </p:style>
+          <p:txBody>
+            <a:bodyPr rot="0" spcFirstLastPara="0" vertOverflow="overflow" horzOverflow="overflow" vert="horz" wrap="square" lIns="0" tIns="0" rIns="0" bIns="0" numCol="1" spcCol="0" rtlCol="0" fromWordArt="0" anchor="ctr" anchorCtr="0" forceAA="0" compatLnSpc="1">
+              <a:prstTxWarp prst="textNoShape">
+                <a:avLst/>
+              </a:prstTxWarp>
+              <a:noAutofit/>
+            </a:bodyPr>
+            <a:lstStyle/>
+            <a:p>
+              <a:pPr algn="ctr" defTabSz="932472" fontAlgn="base">
+                <a:lnSpc>
+                  <a:spcPct val="90000"/>
+                </a:lnSpc>
+                <a:spcBef>
+                  <a:spcPct val="0"/>
+                </a:spcBef>
+                <a:spcAft>
+                  <a:spcPct val="0"/>
+                </a:spcAft>
+              </a:pPr>
+              <a:endParaRPr lang="en-US" sz="1600" b="1" dirty="0">
+                <a:gradFill>
+                  <a:gsLst>
+                    <a:gs pos="0">
+                      <a:srgbClr val="FFFFFF"/>
+                    </a:gs>
+                    <a:gs pos="100000">
+                      <a:srgbClr val="FFFFFF"/>
+                    </a:gs>
+                  </a:gsLst>
+                  <a:lin ang="5400000" scaled="0"/>
+                </a:gradFill>
+                <a:latin typeface="Lucida Console" panose="020B0609040504020204" pitchFamily="49" charset="0"/>
+                <a:ea typeface="Segoe UI" pitchFamily="34" charset="0"/>
+                <a:cs typeface="Segoe UI" pitchFamily="34" charset="0"/>
+              </a:endParaRPr>
+            </a:p>
+          </p:txBody>
+        </p:sp>
+        <p:sp>
+          <p:nvSpPr>
+            <p:cNvPr id="5" name="Rectangle 4">
+              <a:extLst>
+                <a:ext uri="{FF2B5EF4-FFF2-40B4-BE49-F238E27FC236}">
+                  <a16:creationId xmlns:a16="http://schemas.microsoft.com/office/drawing/2014/main" id="{4876C167-CDFD-1E40-7D5A-871E02B6B79C}"/>
+                </a:ext>
+              </a:extLst>
+            </p:cNvPr>
+            <p:cNvSpPr/>
+            <p:nvPr/>
+          </p:nvSpPr>
+          <p:spPr bwMode="auto">
+            <a:xfrm>
+              <a:off x="6896588" y="797714"/>
+              <a:ext cx="1625443" cy="1643338"/>
+            </a:xfrm>
+            <a:prstGeom prst="rect">
+              <a:avLst/>
+            </a:prstGeom>
+            <a:solidFill>
+              <a:schemeClr val="accent1"/>
+            </a:solidFill>
+            <a:ln>
+              <a:noFill/>
+              <a:headEnd type="none" w="med" len="med"/>
+              <a:tailEnd type="none" w="med" len="med"/>
+            </a:ln>
+            <a:effectLst/>
+          </p:spPr>
+          <p:style>
+            <a:lnRef idx="1">
+              <a:schemeClr val="accent2"/>
+            </a:lnRef>
+            <a:fillRef idx="3">
+              <a:schemeClr val="accent2"/>
+            </a:fillRef>
+            <a:effectRef idx="2">
+              <a:schemeClr val="accent2"/>
+            </a:effectRef>
+            <a:fontRef idx="minor">
+              <a:schemeClr val="lt1"/>
+            </a:fontRef>
+          </p:style>
+          <p:txBody>
+            <a:bodyPr rot="0" spcFirstLastPara="0" vertOverflow="overflow" horzOverflow="overflow" vert="horz" wrap="square" lIns="0" tIns="0" rIns="0" bIns="0" numCol="1" spcCol="0" rtlCol="0" fromWordArt="0" anchor="ctr" anchorCtr="0" forceAA="0" compatLnSpc="1">
+              <a:prstTxWarp prst="textNoShape">
+                <a:avLst/>
+              </a:prstTxWarp>
+              <a:noAutofit/>
+            </a:bodyPr>
+            <a:lstStyle/>
+            <a:p>
+              <a:pPr algn="ctr" defTabSz="932472" fontAlgn="base">
+                <a:lnSpc>
+                  <a:spcPct val="90000"/>
+                </a:lnSpc>
+                <a:spcBef>
+                  <a:spcPct val="0"/>
+                </a:spcBef>
+                <a:spcAft>
+                  <a:spcPct val="0"/>
+                </a:spcAft>
+              </a:pPr>
+              <a:r>
+                <a:rPr lang="en-US" sz="1600" b="1" dirty="0">
+                  <a:gradFill>
+                    <a:gsLst>
+                      <a:gs pos="0">
+                        <a:srgbClr val="FFFFFF"/>
+                      </a:gs>
+                      <a:gs pos="100000">
+                        <a:srgbClr val="FFFFFF"/>
+                      </a:gs>
+                    </a:gsLst>
+                    <a:lin ang="5400000" scaled="0"/>
+                  </a:gradFill>
+                  <a:latin typeface="Lucida Console" panose="020B0609040504020204" pitchFamily="49" charset="0"/>
+                  <a:ea typeface="Segoe UI" pitchFamily="34" charset="0"/>
+                  <a:cs typeface="Segoe UI" pitchFamily="34" charset="0"/>
+                </a:rPr>
+                <a:t>prod</a:t>
+              </a:r>
+            </a:p>
+          </p:txBody>
+        </p:sp>
+        <p:sp>
+          <p:nvSpPr>
+            <p:cNvPr id="6" name="Arrow: Right 5">
+              <a:extLst>
+                <a:ext uri="{FF2B5EF4-FFF2-40B4-BE49-F238E27FC236}">
+                  <a16:creationId xmlns:a16="http://schemas.microsoft.com/office/drawing/2014/main" id="{A55C7AC8-4247-2C70-2CDB-A7000BB82B63}"/>
+                </a:ext>
+              </a:extLst>
+            </p:cNvPr>
+            <p:cNvSpPr/>
+            <p:nvPr/>
+          </p:nvSpPr>
+          <p:spPr bwMode="auto">
+            <a:xfrm>
+              <a:off x="5984894" y="1301322"/>
+              <a:ext cx="879837" cy="506304"/>
+            </a:xfrm>
+            <a:prstGeom prst="rightArrow">
+              <a:avLst>
+                <a:gd name="adj1" fmla="val 61383"/>
+                <a:gd name="adj2" fmla="val 50000"/>
+              </a:avLst>
+            </a:prstGeom>
+            <a:solidFill>
+              <a:srgbClr val="C00000"/>
+            </a:solidFill>
+            <a:ln>
+              <a:noFill/>
+              <a:headEnd type="none" w="med" len="med"/>
+              <a:tailEnd type="none" w="med" len="med"/>
+            </a:ln>
+            <a:effectLst/>
+          </p:spPr>
+          <p:style>
+            <a:lnRef idx="1">
+              <a:schemeClr val="accent2"/>
+            </a:lnRef>
+            <a:fillRef idx="3">
+              <a:schemeClr val="accent2"/>
+            </a:fillRef>
+            <a:effectRef idx="2">
+              <a:schemeClr val="accent2"/>
+            </a:effectRef>
+            <a:fontRef idx="minor">
+              <a:schemeClr val="lt1"/>
+            </a:fontRef>
+          </p:style>
+          <p:txBody>
+            <a:bodyPr rot="0" spcFirstLastPara="0" vertOverflow="overflow" horzOverflow="overflow" vert="horz" wrap="square" lIns="0" tIns="0" rIns="0" bIns="0" numCol="1" spcCol="0" rtlCol="0" fromWordArt="0" anchor="ctr" anchorCtr="0" forceAA="0" compatLnSpc="1">
+              <a:prstTxWarp prst="textNoShape">
+                <a:avLst/>
+              </a:prstTxWarp>
+              <a:noAutofit/>
+            </a:bodyPr>
+            <a:lstStyle/>
+            <a:p>
+              <a:pPr algn="ctr" defTabSz="932472" fontAlgn="base">
+                <a:lnSpc>
+                  <a:spcPct val="90000"/>
+                </a:lnSpc>
+                <a:spcBef>
+                  <a:spcPct val="0"/>
+                </a:spcBef>
+                <a:spcAft>
+                  <a:spcPct val="0"/>
+                </a:spcAft>
+              </a:pPr>
+              <a:endParaRPr lang="en-US" sz="1600" b="1" dirty="0">
+                <a:gradFill>
+                  <a:gsLst>
+                    <a:gs pos="0">
+                      <a:srgbClr val="FFFFFF"/>
+                    </a:gs>
+                    <a:gs pos="100000">
+                      <a:srgbClr val="FFFFFF"/>
+                    </a:gs>
+                  </a:gsLst>
+                  <a:lin ang="5400000" scaled="0"/>
+                </a:gradFill>
+                <a:latin typeface="Lucida Console" panose="020B0609040504020204" pitchFamily="49" charset="0"/>
+                <a:ea typeface="Segoe UI" pitchFamily="34" charset="0"/>
+                <a:cs typeface="Segoe UI" pitchFamily="34" charset="0"/>
+              </a:endParaRPr>
+            </a:p>
+          </p:txBody>
+        </p:sp>
+      </p:grpSp>
+    </p:spTree>
+    <p:extLst>
+      <p:ext uri="{BB962C8B-B14F-4D97-AF65-F5344CB8AC3E}">
+        <p14:creationId xmlns:p14="http://schemas.microsoft.com/office/powerpoint/2010/main" val="2677553126"/>
+      </p:ext>
+    </p:extLst>
+  </p:cSld>
+  <p:clrMapOvr>
+    <a:masterClrMapping/>
+  </p:clrMapOvr>
+  <p:transition>
+    <p:fade/>
+  </p:transition>
+</p:sld>
+</file>
+
+<file path=ppt/slides/slide30.xml><?xml version="1.0" encoding="utf-8"?>
 <p:sld xmlns:a="http://schemas.openxmlformats.org/drawingml/2006/main" xmlns:r="http://schemas.openxmlformats.org/officeDocument/2006/relationships" xmlns:p="http://schemas.openxmlformats.org/presentationml/2006/main">
   <p:cSld>
     <p:spTree>
@@ -21186,7 +23027,7 @@
 </p:sld>
 </file>
 
-<file path=ppt/slides/slide3.xml><?xml version="1.0" encoding="utf-8"?>
+<file path=ppt/slides/slide31.xml><?xml version="1.0" encoding="utf-8"?>
 <p:sld xmlns:a="http://schemas.openxmlformats.org/drawingml/2006/main" xmlns:r="http://schemas.openxmlformats.org/officeDocument/2006/relationships" xmlns:p="http://schemas.openxmlformats.org/presentationml/2006/main">
   <p:cSld>
     <p:spTree>
@@ -21205,10 +23046,10 @@
       </p:grpSpPr>
       <p:sp>
         <p:nvSpPr>
-          <p:cNvPr id="8" name="Rectangle 7">
+          <p:cNvPr id="12" name="Rectangle 11">
             <a:extLst>
               <a:ext uri="{FF2B5EF4-FFF2-40B4-BE49-F238E27FC236}">
-                <a16:creationId xmlns:a16="http://schemas.microsoft.com/office/drawing/2014/main" id="{D78C485D-3A46-40D1-5373-DDF18F784091}"/>
+                <a16:creationId xmlns:a16="http://schemas.microsoft.com/office/drawing/2014/main" id="{024C53AC-84B0-43CF-E373-F2E7FFC9CF3E}"/>
               </a:ext>
             </a:extLst>
           </p:cNvPr>
@@ -21217,18 +23058,18 @@
         </p:nvSpPr>
         <p:spPr bwMode="auto">
           <a:xfrm>
-            <a:off x="1543736" y="615928"/>
-            <a:ext cx="5622378" cy="1590559"/>
+            <a:off x="1687259" y="1087263"/>
+            <a:ext cx="3195927" cy="1039078"/>
           </a:xfrm>
           <a:prstGeom prst="rect">
             <a:avLst/>
           </a:prstGeom>
           <a:solidFill>
             <a:schemeClr val="bg1">
-              <a:lumMod val="85000"/>
+              <a:lumMod val="95000"/>
             </a:schemeClr>
           </a:solidFill>
-          <a:ln>
+          <a:ln w="9525">
             <a:solidFill>
               <a:schemeClr val="tx1"/>
             </a:solidFill>
@@ -21252,7 +23093,7 @@
           </a:fontRef>
         </p:style>
         <p:txBody>
-          <a:bodyPr rot="0" spcFirstLastPara="0" vertOverflow="overflow" horzOverflow="overflow" vert="horz" wrap="square" lIns="0" tIns="0" rIns="0" bIns="0" numCol="1" spcCol="0" rtlCol="0" fromWordArt="0" anchor="ctr" anchorCtr="0" forceAA="0" compatLnSpc="1">
+          <a:bodyPr rot="0" spcFirstLastPara="0" vertOverflow="overflow" horzOverflow="overflow" vert="horz" wrap="square" lIns="91440" tIns="82296" rIns="0" bIns="45720" numCol="1" spcCol="0" rtlCol="0" fromWordArt="0" anchor="t" anchorCtr="0" forceAA="0" compatLnSpc="1">
             <a:prstTxWarp prst="textNoShape">
               <a:avLst/>
             </a:prstTxWarp>
@@ -21271,31 +23112,26 @@
                 <a:spcPct val="0"/>
               </a:spcAft>
             </a:pPr>
-            <a:endParaRPr lang="en-US" sz="1400" b="1" dirty="0">
-              <a:gradFill>
-                <a:gsLst>
-                  <a:gs pos="0">
-                    <a:srgbClr val="FFFFFF"/>
-                  </a:gs>
-                  <a:gs pos="100000">
-                    <a:srgbClr val="FFFFFF"/>
-                  </a:gs>
-                </a:gsLst>
-                <a:lin ang="5400000" scaled="0"/>
-              </a:gradFill>
-              <a:latin typeface="Lucida Console" panose="020B0609040504020204" pitchFamily="49" charset="0"/>
-              <a:ea typeface="Segoe UI" pitchFamily="34" charset="0"/>
-              <a:cs typeface="Segoe UI" pitchFamily="34" charset="0"/>
-            </a:endParaRPr>
+            <a:r>
+              <a:rPr lang="en-US" sz="800" b="1" dirty="0">
+                <a:solidFill>
+                  <a:schemeClr val="tx1"/>
+                </a:solidFill>
+                <a:latin typeface="Arial" panose="020B0604020202020204" pitchFamily="34" charset="0"/>
+                <a:ea typeface="Segoe UI" pitchFamily="34" charset="0"/>
+                <a:cs typeface="Arial" panose="020B0604020202020204" pitchFamily="34" charset="0"/>
+              </a:rPr>
+              <a:t>Solution Workspace</a:t>
+            </a:r>
           </a:p>
         </p:txBody>
       </p:sp>
       <p:grpSp>
         <p:nvGrpSpPr>
-          <p:cNvPr id="7" name="Group 6">
+          <p:cNvPr id="13" name="Group 12">
             <a:extLst>
               <a:ext uri="{FF2B5EF4-FFF2-40B4-BE49-F238E27FC236}">
-                <a16:creationId xmlns:a16="http://schemas.microsoft.com/office/drawing/2014/main" id="{3B81A26D-EBCD-FB0A-ED1B-5BB31977E55B}"/>
+                <a16:creationId xmlns:a16="http://schemas.microsoft.com/office/drawing/2014/main" id="{7FA8F121-49B8-7EDB-521B-435EC6A3B551}"/>
               </a:ext>
             </a:extLst>
           </p:cNvPr>
@@ -21304,18 +23140,18 @@
         </p:nvGrpSpPr>
         <p:grpSpPr>
           <a:xfrm>
-            <a:off x="1664104" y="773980"/>
-            <a:ext cx="5320563" cy="1293359"/>
-            <a:chOff x="1664104" y="773980"/>
-            <a:chExt cx="6857927" cy="1667072"/>
+            <a:off x="3330755" y="1353539"/>
+            <a:ext cx="655911" cy="654509"/>
+            <a:chOff x="6295914" y="1428878"/>
+            <a:chExt cx="1693119" cy="1825354"/>
           </a:xfrm>
         </p:grpSpPr>
         <p:sp>
           <p:nvSpPr>
-            <p:cNvPr id="2" name="Rectangle 1">
+            <p:cNvPr id="14" name="Rectangle 13">
               <a:extLst>
                 <a:ext uri="{FF2B5EF4-FFF2-40B4-BE49-F238E27FC236}">
-                  <a16:creationId xmlns:a16="http://schemas.microsoft.com/office/drawing/2014/main" id="{275316FA-3A99-1746-7388-C57FA01FDF73}"/>
+                  <a16:creationId xmlns:a16="http://schemas.microsoft.com/office/drawing/2014/main" id="{17231FBD-030F-AEFF-DBB7-361376186B2D}"/>
                 </a:ext>
               </a:extLst>
             </p:cNvPr>
@@ -21324,19 +23160,21 @@
           </p:nvSpPr>
           <p:spPr bwMode="auto">
             <a:xfrm>
-              <a:off x="1664104" y="773980"/>
-              <a:ext cx="1632212" cy="1667071"/>
+              <a:off x="6295914" y="1428878"/>
+              <a:ext cx="1693119" cy="1825354"/>
             </a:xfrm>
             <a:prstGeom prst="rect">
               <a:avLst/>
             </a:prstGeom>
             <a:solidFill>
-              <a:schemeClr val="accent4">
-                <a:lumMod val="75000"/>
+              <a:schemeClr val="bg1">
+                <a:alpha val="45000"/>
               </a:schemeClr>
             </a:solidFill>
-            <a:ln>
-              <a:noFill/>
+            <a:ln w="12700">
+              <a:solidFill>
+                <a:schemeClr val="tx1"/>
+              </a:solidFill>
               <a:headEnd type="none" w="med" len="med"/>
               <a:tailEnd type="none" w="med" len="med"/>
             </a:ln>
@@ -21357,7 +23195,7 @@
             </a:fontRef>
           </p:style>
           <p:txBody>
-            <a:bodyPr rot="0" spcFirstLastPara="0" vertOverflow="overflow" horzOverflow="overflow" vert="horz" wrap="square" lIns="0" tIns="0" rIns="0" bIns="0" numCol="1" spcCol="0" rtlCol="0" fromWordArt="0" anchor="ctr" anchorCtr="0" forceAA="0" compatLnSpc="1">
+            <a:bodyPr rot="0" spcFirstLastPara="0" vertOverflow="overflow" horzOverflow="overflow" vert="horz" wrap="square" lIns="0" tIns="146304" rIns="0" bIns="45720" numCol="1" spcCol="0" rtlCol="0" fromWordArt="0" anchor="b" anchorCtr="0" forceAA="0" compatLnSpc="1">
               <a:prstTxWarp prst="textNoShape">
                 <a:avLst/>
               </a:prstTxWarp>
@@ -21377,33 +23215,82 @@
                 </a:spcAft>
               </a:pPr>
               <a:r>
-                <a:rPr lang="en-US" sz="1600" b="1" dirty="0">
-                  <a:gradFill>
-                    <a:gsLst>
-                      <a:gs pos="0">
-                        <a:srgbClr val="FFFFFF"/>
-                      </a:gs>
-                      <a:gs pos="100000">
-                        <a:srgbClr val="FFFFFF"/>
-                      </a:gs>
-                    </a:gsLst>
-                    <a:lin ang="5400000" scaled="0"/>
-                  </a:gradFill>
-                  <a:latin typeface="Lucida Console" panose="020B0609040504020204" pitchFamily="49" charset="0"/>
+                <a:rPr lang="en-US" sz="600" b="1" dirty="0">
+                  <a:solidFill>
+                    <a:schemeClr val="tx1"/>
+                  </a:solidFill>
+                  <a:latin typeface="Arial" panose="020B0604020202020204" pitchFamily="34" charset="0"/>
                   <a:ea typeface="Segoe UI" pitchFamily="34" charset="0"/>
-                  <a:cs typeface="Segoe UI" pitchFamily="34" charset="0"/>
+                  <a:cs typeface="Arial" panose="020B0604020202020204" pitchFamily="34" charset="0"/>
                 </a:rPr>
-                <a:t>dev</a:t>
+                <a:t>Semantic Model</a:t>
               </a:r>
             </a:p>
           </p:txBody>
         </p:sp>
+        <p:pic>
+          <p:nvPicPr>
+            <p:cNvPr id="15" name="Picture 14" descr="A white square with purple dots&#10;&#10;Description automatically generated">
+              <a:extLst>
+                <a:ext uri="{FF2B5EF4-FFF2-40B4-BE49-F238E27FC236}">
+                  <a16:creationId xmlns:a16="http://schemas.microsoft.com/office/drawing/2014/main" id="{6B41BEDF-C5B7-E371-C150-6F03E7DAAE27}"/>
+                </a:ext>
+              </a:extLst>
+            </p:cNvPr>
+            <p:cNvPicPr>
+              <a:picLocks noChangeAspect="1"/>
+            </p:cNvPicPr>
+            <p:nvPr/>
+          </p:nvPicPr>
+          <p:blipFill>
+            <a:blip r:embed="rId2" cstate="print">
+              <a:extLst>
+                <a:ext uri="{28A0092B-C50C-407E-A947-70E740481C1C}">
+                  <a14:useLocalDpi xmlns:a14="http://schemas.microsoft.com/office/drawing/2010/main" val="0"/>
+                </a:ext>
+              </a:extLst>
+            </a:blip>
+            <a:stretch>
+              <a:fillRect/>
+            </a:stretch>
+          </p:blipFill>
+          <p:spPr>
+            <a:xfrm>
+              <a:off x="6486779" y="1536648"/>
+              <a:ext cx="1311387" cy="1300896"/>
+            </a:xfrm>
+            <a:prstGeom prst="rect">
+              <a:avLst/>
+            </a:prstGeom>
+          </p:spPr>
+        </p:pic>
+      </p:grpSp>
+      <p:grpSp>
+        <p:nvGrpSpPr>
+          <p:cNvPr id="16" name="Group 15">
+            <a:extLst>
+              <a:ext uri="{FF2B5EF4-FFF2-40B4-BE49-F238E27FC236}">
+                <a16:creationId xmlns:a16="http://schemas.microsoft.com/office/drawing/2014/main" id="{D429B994-E364-1FBC-4BEC-B464A0229BAC}"/>
+              </a:ext>
+            </a:extLst>
+          </p:cNvPr>
+          <p:cNvGrpSpPr/>
+          <p:nvPr/>
+        </p:nvGrpSpPr>
+        <p:grpSpPr>
+          <a:xfrm>
+            <a:off x="4089715" y="1353539"/>
+            <a:ext cx="657835" cy="654509"/>
+            <a:chOff x="6503915" y="831583"/>
+            <a:chExt cx="1229935" cy="1325994"/>
+          </a:xfrm>
+        </p:grpSpPr>
         <p:sp>
           <p:nvSpPr>
-            <p:cNvPr id="3" name="Rectangle 2">
+            <p:cNvPr id="17" name="Rectangle 16">
               <a:extLst>
                 <a:ext uri="{FF2B5EF4-FFF2-40B4-BE49-F238E27FC236}">
-                  <a16:creationId xmlns:a16="http://schemas.microsoft.com/office/drawing/2014/main" id="{FD6F9DE8-BFD8-ED75-D80E-6643CBD92F41}"/>
+                  <a16:creationId xmlns:a16="http://schemas.microsoft.com/office/drawing/2014/main" id="{BC0E4FA9-9874-0421-00A7-094E40E45F4A}"/>
                 </a:ext>
               </a:extLst>
             </p:cNvPr>
@@ -21412,19 +23299,23 @@
           </p:nvSpPr>
           <p:spPr bwMode="auto">
             <a:xfrm>
-              <a:off x="4275308" y="797714"/>
-              <a:ext cx="1625443" cy="1643338"/>
+              <a:off x="6503915" y="831583"/>
+              <a:ext cx="1229935" cy="1325994"/>
             </a:xfrm>
             <a:prstGeom prst="rect">
               <a:avLst/>
             </a:prstGeom>
             <a:solidFill>
-              <a:schemeClr val="accent2">
-                <a:lumMod val="50000"/>
+              <a:schemeClr val="bg1">
+                <a:alpha val="45000"/>
               </a:schemeClr>
             </a:solidFill>
-            <a:ln>
-              <a:noFill/>
+            <a:ln w="12700">
+              <a:solidFill>
+                <a:schemeClr val="bg1">
+                  <a:lumMod val="50000"/>
+                </a:schemeClr>
+              </a:solidFill>
               <a:headEnd type="none" w="med" len="med"/>
               <a:tailEnd type="none" w="med" len="med"/>
             </a:ln>
@@ -21445,7 +23336,7 @@
             </a:fontRef>
           </p:style>
           <p:txBody>
-            <a:bodyPr rot="0" spcFirstLastPara="0" vertOverflow="overflow" horzOverflow="overflow" vert="horz" wrap="square" lIns="0" tIns="0" rIns="0" bIns="0" numCol="1" spcCol="0" rtlCol="0" fromWordArt="0" anchor="ctr" anchorCtr="0" forceAA="0" compatLnSpc="1">
+            <a:bodyPr rot="0" spcFirstLastPara="0" vertOverflow="overflow" horzOverflow="overflow" vert="horz" wrap="square" lIns="0" tIns="146304" rIns="0" bIns="45720" numCol="1" spcCol="0" rtlCol="0" fromWordArt="0" anchor="b" anchorCtr="0" forceAA="0" compatLnSpc="1">
               <a:prstTxWarp prst="textNoShape">
                 <a:avLst/>
               </a:prstTxWarp>
@@ -21465,33 +23356,82 @@
                 </a:spcAft>
               </a:pPr>
               <a:r>
-                <a:rPr lang="en-US" sz="1600" b="1" dirty="0">
-                  <a:gradFill>
-                    <a:gsLst>
-                      <a:gs pos="0">
-                        <a:srgbClr val="FFFFFF"/>
-                      </a:gs>
-                      <a:gs pos="100000">
-                        <a:srgbClr val="FFFFFF"/>
-                      </a:gs>
-                    </a:gsLst>
-                    <a:lin ang="5400000" scaled="0"/>
-                  </a:gradFill>
-                  <a:latin typeface="Lucida Console" panose="020B0609040504020204" pitchFamily="49" charset="0"/>
+                <a:rPr lang="en-US" sz="600" b="1" dirty="0">
+                  <a:solidFill>
+                    <a:schemeClr val="tx1"/>
+                  </a:solidFill>
+                  <a:latin typeface="Arial" panose="020B0604020202020204" pitchFamily="34" charset="0"/>
                   <a:ea typeface="Segoe UI" pitchFamily="34" charset="0"/>
-                  <a:cs typeface="Segoe UI" pitchFamily="34" charset="0"/>
+                  <a:cs typeface="Arial" panose="020B0604020202020204" pitchFamily="34" charset="0"/>
                 </a:rPr>
-                <a:t>test</a:t>
+                <a:t>Report</a:t>
               </a:r>
             </a:p>
           </p:txBody>
         </p:sp>
+        <p:pic>
+          <p:nvPicPr>
+            <p:cNvPr id="18" name="Picture 17" descr="A white square with a graph&#10;&#10;Description automatically generated">
+              <a:extLst>
+                <a:ext uri="{FF2B5EF4-FFF2-40B4-BE49-F238E27FC236}">
+                  <a16:creationId xmlns:a16="http://schemas.microsoft.com/office/drawing/2014/main" id="{1A32AF3E-612A-DB91-644A-24DB597D060C}"/>
+                </a:ext>
+              </a:extLst>
+            </p:cNvPr>
+            <p:cNvPicPr>
+              <a:picLocks noChangeAspect="1"/>
+            </p:cNvPicPr>
+            <p:nvPr/>
+          </p:nvPicPr>
+          <p:blipFill>
+            <a:blip r:embed="rId3" cstate="print">
+              <a:extLst>
+                <a:ext uri="{28A0092B-C50C-407E-A947-70E740481C1C}">
+                  <a14:useLocalDpi xmlns:a14="http://schemas.microsoft.com/office/drawing/2010/main" val="0"/>
+                </a:ext>
+              </a:extLst>
+            </a:blip>
+            <a:stretch>
+              <a:fillRect/>
+            </a:stretch>
+          </p:blipFill>
+          <p:spPr>
+            <a:xfrm>
+              <a:off x="6642565" y="904155"/>
+              <a:ext cx="952633" cy="948822"/>
+            </a:xfrm>
+            <a:prstGeom prst="rect">
+              <a:avLst/>
+            </a:prstGeom>
+          </p:spPr>
+        </p:pic>
+      </p:grpSp>
+      <p:grpSp>
+        <p:nvGrpSpPr>
+          <p:cNvPr id="19" name="Group 18">
+            <a:extLst>
+              <a:ext uri="{FF2B5EF4-FFF2-40B4-BE49-F238E27FC236}">
+                <a16:creationId xmlns:a16="http://schemas.microsoft.com/office/drawing/2014/main" id="{65A92DD1-3300-EDFB-AFC6-9495E4C269EF}"/>
+              </a:ext>
+            </a:extLst>
+          </p:cNvPr>
+          <p:cNvGrpSpPr/>
+          <p:nvPr/>
+        </p:nvGrpSpPr>
+        <p:grpSpPr>
+          <a:xfrm>
+            <a:off x="2568018" y="1353539"/>
+            <a:ext cx="659688" cy="658278"/>
+            <a:chOff x="1943154" y="2871362"/>
+            <a:chExt cx="1229935" cy="1325994"/>
+          </a:xfrm>
+        </p:grpSpPr>
         <p:sp>
           <p:nvSpPr>
-            <p:cNvPr id="4" name="Arrow: Right 3">
+            <p:cNvPr id="20" name="Rectangle 19">
               <a:extLst>
                 <a:ext uri="{FF2B5EF4-FFF2-40B4-BE49-F238E27FC236}">
-                  <a16:creationId xmlns:a16="http://schemas.microsoft.com/office/drawing/2014/main" id="{7E711A8B-74EF-8F35-800C-37539A4E8977}"/>
+                  <a16:creationId xmlns:a16="http://schemas.microsoft.com/office/drawing/2014/main" id="{1CF3EFBF-FC88-E9E9-D520-FAA3C58CD650}"/>
                 </a:ext>
               </a:extLst>
             </p:cNvPr>
@@ -21500,20 +23440,21 @@
           </p:nvSpPr>
           <p:spPr bwMode="auto">
             <a:xfrm>
-              <a:off x="3363614" y="1301322"/>
-              <a:ext cx="879837" cy="506304"/>
+              <a:off x="1943154" y="2871362"/>
+              <a:ext cx="1229935" cy="1325994"/>
             </a:xfrm>
-            <a:prstGeom prst="rightArrow">
-              <a:avLst>
-                <a:gd name="adj1" fmla="val 61383"/>
-                <a:gd name="adj2" fmla="val 50000"/>
-              </a:avLst>
+            <a:prstGeom prst="rect">
+              <a:avLst/>
             </a:prstGeom>
             <a:solidFill>
-              <a:srgbClr val="C00000"/>
+              <a:schemeClr val="bg1">
+                <a:alpha val="45000"/>
+              </a:schemeClr>
             </a:solidFill>
-            <a:ln>
-              <a:noFill/>
+            <a:ln w="12700">
+              <a:solidFill>
+                <a:schemeClr val="tx1"/>
+              </a:solidFill>
               <a:headEnd type="none" w="med" len="med"/>
               <a:tailEnd type="none" w="med" len="med"/>
             </a:ln>
@@ -21534,7 +23475,7 @@
             </a:fontRef>
           </p:style>
           <p:txBody>
-            <a:bodyPr rot="0" spcFirstLastPara="0" vertOverflow="overflow" horzOverflow="overflow" vert="horz" wrap="square" lIns="0" tIns="0" rIns="0" bIns="0" numCol="1" spcCol="0" rtlCol="0" fromWordArt="0" anchor="ctr" anchorCtr="0" forceAA="0" compatLnSpc="1">
+            <a:bodyPr rot="0" spcFirstLastPara="0" vertOverflow="overflow" horzOverflow="overflow" vert="horz" wrap="square" lIns="0" tIns="146304" rIns="0" bIns="45720" numCol="1" spcCol="0" rtlCol="0" fromWordArt="0" anchor="b" anchorCtr="0" forceAA="0" compatLnSpc="1">
               <a:prstTxWarp prst="textNoShape">
                 <a:avLst/>
               </a:prstTxWarp>
@@ -21553,31 +23494,91 @@
                   <a:spcPct val="0"/>
                 </a:spcAft>
               </a:pPr>
-              <a:endParaRPr lang="en-US" sz="1600" b="1" dirty="0">
-                <a:gradFill>
-                  <a:gsLst>
-                    <a:gs pos="0">
-                      <a:srgbClr val="FFFFFF"/>
-                    </a:gs>
-                    <a:gs pos="100000">
-                      <a:srgbClr val="FFFFFF"/>
-                    </a:gs>
-                  </a:gsLst>
-                  <a:lin ang="5400000" scaled="0"/>
-                </a:gradFill>
-                <a:latin typeface="Lucida Console" panose="020B0609040504020204" pitchFamily="49" charset="0"/>
+              <a:r>
+                <a:rPr lang="en-US" sz="600" b="1" dirty="0">
+                  <a:solidFill>
+                    <a:schemeClr val="tx1"/>
+                  </a:solidFill>
+                  <a:latin typeface="Arial" panose="020B0604020202020204" pitchFamily="34" charset="0"/>
+                  <a:ea typeface="Segoe UI" pitchFamily="34" charset="0"/>
+                  <a:cs typeface="Arial" panose="020B0604020202020204" pitchFamily="34" charset="0"/>
+                </a:rPr>
+                <a:t>Notebook</a:t>
+              </a:r>
+              <a:endParaRPr lang="en-US" sz="1100" b="1" dirty="0">
+                <a:solidFill>
+                  <a:schemeClr val="tx1"/>
+                </a:solidFill>
+                <a:latin typeface="Arial" panose="020B0604020202020204" pitchFamily="34" charset="0"/>
                 <a:ea typeface="Segoe UI" pitchFamily="34" charset="0"/>
-                <a:cs typeface="Segoe UI" pitchFamily="34" charset="0"/>
+                <a:cs typeface="Arial" panose="020B0604020202020204" pitchFamily="34" charset="0"/>
               </a:endParaRPr>
             </a:p>
           </p:txBody>
         </p:sp>
+        <p:pic>
+          <p:nvPicPr>
+            <p:cNvPr id="21" name="Picture 20" descr="A white book with a green symbol&#10;&#10;Description automatically generated">
+              <a:extLst>
+                <a:ext uri="{FF2B5EF4-FFF2-40B4-BE49-F238E27FC236}">
+                  <a16:creationId xmlns:a16="http://schemas.microsoft.com/office/drawing/2014/main" id="{AB9A7A44-E49B-8A50-9FA3-D22D9703F82E}"/>
+                </a:ext>
+              </a:extLst>
+            </p:cNvPr>
+            <p:cNvPicPr>
+              <a:picLocks noChangeAspect="1"/>
+            </p:cNvPicPr>
+            <p:nvPr/>
+          </p:nvPicPr>
+          <p:blipFill>
+            <a:blip r:embed="rId4" cstate="print">
+              <a:extLst>
+                <a:ext uri="{28A0092B-C50C-407E-A947-70E740481C1C}">
+                  <a14:useLocalDpi xmlns:a14="http://schemas.microsoft.com/office/drawing/2010/main" val="0"/>
+                </a:ext>
+              </a:extLst>
+            </a:blip>
+            <a:stretch>
+              <a:fillRect/>
+            </a:stretch>
+          </p:blipFill>
+          <p:spPr>
+            <a:xfrm>
+              <a:off x="2126583" y="3033143"/>
+              <a:ext cx="838189" cy="834835"/>
+            </a:xfrm>
+            <a:prstGeom prst="rect">
+              <a:avLst/>
+            </a:prstGeom>
+          </p:spPr>
+        </p:pic>
+      </p:grpSp>
+      <p:grpSp>
+        <p:nvGrpSpPr>
+          <p:cNvPr id="22" name="Group 21">
+            <a:extLst>
+              <a:ext uri="{FF2B5EF4-FFF2-40B4-BE49-F238E27FC236}">
+                <a16:creationId xmlns:a16="http://schemas.microsoft.com/office/drawing/2014/main" id="{677EC404-EBA5-2E5E-1CEE-0B19E6008845}"/>
+              </a:ext>
+            </a:extLst>
+          </p:cNvPr>
+          <p:cNvGrpSpPr/>
+          <p:nvPr/>
+        </p:nvGrpSpPr>
+        <p:grpSpPr>
+          <a:xfrm>
+            <a:off x="1809058" y="1353539"/>
+            <a:ext cx="655911" cy="654509"/>
+            <a:chOff x="540799" y="2865453"/>
+            <a:chExt cx="1229935" cy="1325994"/>
+          </a:xfrm>
+        </p:grpSpPr>
         <p:sp>
           <p:nvSpPr>
-            <p:cNvPr id="5" name="Rectangle 4">
+            <p:cNvPr id="23" name="Rectangle 22">
               <a:extLst>
                 <a:ext uri="{FF2B5EF4-FFF2-40B4-BE49-F238E27FC236}">
-                  <a16:creationId xmlns:a16="http://schemas.microsoft.com/office/drawing/2014/main" id="{4876C167-CDFD-1E40-7D5A-871E02B6B79C}"/>
+                  <a16:creationId xmlns:a16="http://schemas.microsoft.com/office/drawing/2014/main" id="{90ACF54E-DF94-8A04-BCCD-0ACB270425F3}"/>
                 </a:ext>
               </a:extLst>
             </p:cNvPr>
@@ -21586,17 +23587,21 @@
           </p:nvSpPr>
           <p:spPr bwMode="auto">
             <a:xfrm>
-              <a:off x="6896588" y="797714"/>
-              <a:ext cx="1625443" cy="1643338"/>
+              <a:off x="540799" y="2865453"/>
+              <a:ext cx="1229935" cy="1325994"/>
             </a:xfrm>
             <a:prstGeom prst="rect">
               <a:avLst/>
             </a:prstGeom>
             <a:solidFill>
-              <a:schemeClr val="accent1"/>
+              <a:schemeClr val="bg1">
+                <a:alpha val="45000"/>
+              </a:schemeClr>
             </a:solidFill>
-            <a:ln>
-              <a:noFill/>
+            <a:ln w="12700">
+              <a:solidFill>
+                <a:schemeClr val="tx1"/>
+              </a:solidFill>
               <a:headEnd type="none" w="med" len="med"/>
               <a:tailEnd type="none" w="med" len="med"/>
             </a:ln>
@@ -21617,7 +23622,7 @@
             </a:fontRef>
           </p:style>
           <p:txBody>
-            <a:bodyPr rot="0" spcFirstLastPara="0" vertOverflow="overflow" horzOverflow="overflow" vert="horz" wrap="square" lIns="0" tIns="0" rIns="0" bIns="0" numCol="1" spcCol="0" rtlCol="0" fromWordArt="0" anchor="ctr" anchorCtr="0" forceAA="0" compatLnSpc="1">
+            <a:bodyPr rot="0" spcFirstLastPara="0" vertOverflow="overflow" horzOverflow="overflow" vert="horz" wrap="square" lIns="0" tIns="146304" rIns="0" bIns="45720" numCol="1" spcCol="0" rtlCol="0" fromWordArt="0" anchor="b" anchorCtr="0" forceAA="0" compatLnSpc="1">
               <a:prstTxWarp prst="textNoShape">
                 <a:avLst/>
               </a:prstTxWarp>
@@ -21637,33 +23642,203 @@
                 </a:spcAft>
               </a:pPr>
               <a:r>
-                <a:rPr lang="en-US" sz="1600" b="1" dirty="0">
-                  <a:gradFill>
-                    <a:gsLst>
-                      <a:gs pos="0">
-                        <a:srgbClr val="FFFFFF"/>
-                      </a:gs>
-                      <a:gs pos="100000">
-                        <a:srgbClr val="FFFFFF"/>
-                      </a:gs>
-                    </a:gsLst>
-                    <a:lin ang="5400000" scaled="0"/>
-                  </a:gradFill>
-                  <a:latin typeface="Lucida Console" panose="020B0609040504020204" pitchFamily="49" charset="0"/>
+                <a:rPr lang="en-US" sz="600" b="1" dirty="0">
+                  <a:solidFill>
+                    <a:schemeClr val="tx1"/>
+                  </a:solidFill>
+                  <a:latin typeface="Arial" panose="020B0604020202020204" pitchFamily="34" charset="0"/>
                   <a:ea typeface="Segoe UI" pitchFamily="34" charset="0"/>
-                  <a:cs typeface="Segoe UI" pitchFamily="34" charset="0"/>
+                  <a:cs typeface="Arial" panose="020B0604020202020204" pitchFamily="34" charset="0"/>
                 </a:rPr>
-                <a:t>prod</a:t>
+                <a:t>Lakehouse</a:t>
               </a:r>
             </a:p>
           </p:txBody>
         </p:sp>
+        <p:pic>
+          <p:nvPicPr>
+            <p:cNvPr id="24" name="Picture 23" descr="A blue and white sign with waves&#10;&#10;Description automatically generated">
+              <a:extLst>
+                <a:ext uri="{FF2B5EF4-FFF2-40B4-BE49-F238E27FC236}">
+                  <a16:creationId xmlns:a16="http://schemas.microsoft.com/office/drawing/2014/main" id="{669F21DF-6B63-E20B-E993-410F040F2C69}"/>
+                </a:ext>
+              </a:extLst>
+            </p:cNvPr>
+            <p:cNvPicPr>
+              <a:picLocks noChangeAspect="1"/>
+            </p:cNvPicPr>
+            <p:nvPr/>
+          </p:nvPicPr>
+          <p:blipFill>
+            <a:blip r:embed="rId5" cstate="print">
+              <a:extLst>
+                <a:ext uri="{28A0092B-C50C-407E-A947-70E740481C1C}">
+                  <a14:useLocalDpi xmlns:a14="http://schemas.microsoft.com/office/drawing/2010/main" val="0"/>
+                </a:ext>
+              </a:extLst>
+            </a:blip>
+            <a:stretch>
+              <a:fillRect/>
+            </a:stretch>
+          </p:blipFill>
+          <p:spPr>
+            <a:xfrm>
+              <a:off x="672453" y="2962982"/>
+              <a:ext cx="908459" cy="904825"/>
+            </a:xfrm>
+            <a:prstGeom prst="rect">
+              <a:avLst/>
+            </a:prstGeom>
+          </p:spPr>
+        </p:pic>
+      </p:grpSp>
+    </p:spTree>
+    <p:extLst>
+      <p:ext uri="{BB962C8B-B14F-4D97-AF65-F5344CB8AC3E}">
+        <p14:creationId xmlns:p14="http://schemas.microsoft.com/office/powerpoint/2010/main" val="444921670"/>
+      </p:ext>
+    </p:extLst>
+  </p:cSld>
+  <p:clrMapOvr>
+    <a:masterClrMapping/>
+  </p:clrMapOvr>
+  <p:transition>
+    <p:fade/>
+  </p:transition>
+</p:sld>
+</file>
+
+<file path=ppt/slides/slide32.xml><?xml version="1.0" encoding="utf-8"?>
+<p:sld xmlns:a="http://schemas.openxmlformats.org/drawingml/2006/main" xmlns:r="http://schemas.openxmlformats.org/officeDocument/2006/relationships" xmlns:p="http://schemas.openxmlformats.org/presentationml/2006/main">
+  <p:cSld>
+    <p:spTree>
+      <p:nvGrpSpPr>
+        <p:cNvPr id="1" name="">
+          <a:extLst>
+            <a:ext uri="{FF2B5EF4-FFF2-40B4-BE49-F238E27FC236}">
+              <a16:creationId xmlns:a16="http://schemas.microsoft.com/office/drawing/2014/main" id="{81945F5A-9845-5E89-E5FD-D047C1CAB16D}"/>
+            </a:ext>
+          </a:extLst>
+        </p:cNvPr>
+        <p:cNvGrpSpPr/>
+        <p:nvPr/>
+      </p:nvGrpSpPr>
+      <p:grpSpPr>
+        <a:xfrm>
+          <a:off x="0" y="0"/>
+          <a:ext cx="0" cy="0"/>
+          <a:chOff x="0" y="0"/>
+          <a:chExt cx="0" cy="0"/>
+        </a:xfrm>
+      </p:grpSpPr>
+      <p:sp>
+        <p:nvSpPr>
+          <p:cNvPr id="12" name="Rectangle 11">
+            <a:extLst>
+              <a:ext uri="{FF2B5EF4-FFF2-40B4-BE49-F238E27FC236}">
+                <a16:creationId xmlns:a16="http://schemas.microsoft.com/office/drawing/2014/main" id="{98FDBD1B-880F-663B-D471-B2DE746562A6}"/>
+              </a:ext>
+            </a:extLst>
+          </p:cNvPr>
+          <p:cNvSpPr/>
+          <p:nvPr/>
+        </p:nvSpPr>
+        <p:spPr bwMode="auto">
+          <a:xfrm>
+            <a:off x="1941885" y="1047507"/>
+            <a:ext cx="1742421" cy="1914354"/>
+          </a:xfrm>
+          <a:prstGeom prst="rect">
+            <a:avLst/>
+          </a:prstGeom>
+          <a:solidFill>
+            <a:schemeClr val="bg1">
+              <a:lumMod val="95000"/>
+            </a:schemeClr>
+          </a:solidFill>
+          <a:ln w="9525">
+            <a:solidFill>
+              <a:schemeClr val="tx1"/>
+            </a:solidFill>
+            <a:headEnd type="none" w="med" len="med"/>
+            <a:tailEnd type="none" w="med" len="med"/>
+          </a:ln>
+          <a:effectLst/>
+        </p:spPr>
+        <p:style>
+          <a:lnRef idx="1">
+            <a:schemeClr val="accent2"/>
+          </a:lnRef>
+          <a:fillRef idx="3">
+            <a:schemeClr val="accent2"/>
+          </a:fillRef>
+          <a:effectRef idx="2">
+            <a:schemeClr val="accent2"/>
+          </a:effectRef>
+          <a:fontRef idx="minor">
+            <a:schemeClr val="lt1"/>
+          </a:fontRef>
+        </p:style>
+        <p:txBody>
+          <a:bodyPr rot="0" spcFirstLastPara="0" vertOverflow="overflow" horzOverflow="overflow" vert="horz" wrap="square" lIns="91440" tIns="91440" rIns="0" bIns="45720" numCol="1" spcCol="0" rtlCol="0" fromWordArt="0" anchor="t" anchorCtr="0" forceAA="0" compatLnSpc="1">
+            <a:prstTxWarp prst="textNoShape">
+              <a:avLst/>
+            </a:prstTxWarp>
+            <a:noAutofit/>
+          </a:bodyPr>
+          <a:lstStyle/>
+          <a:p>
+            <a:pPr algn="ctr" defTabSz="932472" fontAlgn="base">
+              <a:lnSpc>
+                <a:spcPct val="90000"/>
+              </a:lnSpc>
+              <a:spcBef>
+                <a:spcPct val="0"/>
+              </a:spcBef>
+              <a:spcAft>
+                <a:spcPct val="0"/>
+              </a:spcAft>
+            </a:pPr>
+            <a:r>
+              <a:rPr lang="en-US" sz="900" b="1" dirty="0">
+                <a:solidFill>
+                  <a:schemeClr val="tx1"/>
+                </a:solidFill>
+                <a:latin typeface="Arial" panose="020B0604020202020204" pitchFamily="34" charset="0"/>
+                <a:ea typeface="Segoe UI" pitchFamily="34" charset="0"/>
+                <a:cs typeface="Arial" panose="020B0604020202020204" pitchFamily="34" charset="0"/>
+              </a:rPr>
+              <a:t>Dev Workspace</a:t>
+            </a:r>
+          </a:p>
+        </p:txBody>
+      </p:sp>
+      <p:grpSp>
+        <p:nvGrpSpPr>
+          <p:cNvPr id="13" name="Group 12">
+            <a:extLst>
+              <a:ext uri="{FF2B5EF4-FFF2-40B4-BE49-F238E27FC236}">
+                <a16:creationId xmlns:a16="http://schemas.microsoft.com/office/drawing/2014/main" id="{78EBC1AE-8902-6432-81F3-4746F893F8DF}"/>
+              </a:ext>
+            </a:extLst>
+          </p:cNvPr>
+          <p:cNvGrpSpPr/>
+          <p:nvPr/>
+        </p:nvGrpSpPr>
+        <p:grpSpPr>
+          <a:xfrm>
+            <a:off x="2131875" y="1353539"/>
+            <a:ext cx="655911" cy="654509"/>
+            <a:chOff x="6295914" y="1428878"/>
+            <a:chExt cx="1693119" cy="1825354"/>
+          </a:xfrm>
+        </p:grpSpPr>
         <p:sp>
           <p:nvSpPr>
-            <p:cNvPr id="6" name="Arrow: Right 5">
+            <p:cNvPr id="14" name="Rectangle 13">
               <a:extLst>
                 <a:ext uri="{FF2B5EF4-FFF2-40B4-BE49-F238E27FC236}">
-                  <a16:creationId xmlns:a16="http://schemas.microsoft.com/office/drawing/2014/main" id="{A55C7AC8-4247-2C70-2CDB-A7000BB82B63}"/>
+                  <a16:creationId xmlns:a16="http://schemas.microsoft.com/office/drawing/2014/main" id="{F8FB22A1-9162-7D2F-D3AC-5B725D7D1805}"/>
                 </a:ext>
               </a:extLst>
             </p:cNvPr>
@@ -21672,20 +23847,21 @@
           </p:nvSpPr>
           <p:spPr bwMode="auto">
             <a:xfrm>
-              <a:off x="5984894" y="1301322"/>
-              <a:ext cx="879837" cy="506304"/>
+              <a:off x="6295914" y="1428878"/>
+              <a:ext cx="1693119" cy="1825354"/>
             </a:xfrm>
-            <a:prstGeom prst="rightArrow">
-              <a:avLst>
-                <a:gd name="adj1" fmla="val 61383"/>
-                <a:gd name="adj2" fmla="val 50000"/>
-              </a:avLst>
+            <a:prstGeom prst="rect">
+              <a:avLst/>
             </a:prstGeom>
             <a:solidFill>
-              <a:srgbClr val="C00000"/>
+              <a:schemeClr val="bg1">
+                <a:alpha val="45000"/>
+              </a:schemeClr>
             </a:solidFill>
-            <a:ln>
-              <a:noFill/>
+            <a:ln w="12700">
+              <a:solidFill>
+                <a:schemeClr val="tx1"/>
+              </a:solidFill>
               <a:headEnd type="none" w="med" len="med"/>
               <a:tailEnd type="none" w="med" len="med"/>
             </a:ln>
@@ -21706,7 +23882,7 @@
             </a:fontRef>
           </p:style>
           <p:txBody>
-            <a:bodyPr rot="0" spcFirstLastPara="0" vertOverflow="overflow" horzOverflow="overflow" vert="horz" wrap="square" lIns="0" tIns="0" rIns="0" bIns="0" numCol="1" spcCol="0" rtlCol="0" fromWordArt="0" anchor="ctr" anchorCtr="0" forceAA="0" compatLnSpc="1">
+            <a:bodyPr rot="0" spcFirstLastPara="0" vertOverflow="overflow" horzOverflow="overflow" vert="horz" wrap="square" lIns="0" tIns="146304" rIns="0" bIns="45720" numCol="1" spcCol="0" rtlCol="0" fromWordArt="0" anchor="b" anchorCtr="0" forceAA="0" compatLnSpc="1">
               <a:prstTxWarp prst="textNoShape">
                 <a:avLst/>
               </a:prstTxWarp>
@@ -21725,65 +23901,490 @@
                   <a:spcPct val="0"/>
                 </a:spcAft>
               </a:pPr>
-              <a:endParaRPr lang="en-US" sz="1600" b="1" dirty="0">
-                <a:gradFill>
-                  <a:gsLst>
-                    <a:gs pos="0">
-                      <a:srgbClr val="FFFFFF"/>
-                    </a:gs>
-                    <a:gs pos="100000">
-                      <a:srgbClr val="FFFFFF"/>
-                    </a:gs>
-                  </a:gsLst>
-                  <a:lin ang="5400000" scaled="0"/>
-                </a:gradFill>
-                <a:latin typeface="Lucida Console" panose="020B0609040504020204" pitchFamily="49" charset="0"/>
+              <a:r>
+                <a:rPr lang="en-US" sz="600" b="1" dirty="0">
+                  <a:solidFill>
+                    <a:schemeClr val="tx1"/>
+                  </a:solidFill>
+                  <a:latin typeface="Arial" panose="020B0604020202020204" pitchFamily="34" charset="0"/>
+                  <a:ea typeface="Segoe UI" pitchFamily="34" charset="0"/>
+                  <a:cs typeface="Arial" panose="020B0604020202020204" pitchFamily="34" charset="0"/>
+                </a:rPr>
+                <a:t>Semantic Model</a:t>
+              </a:r>
+            </a:p>
+          </p:txBody>
+        </p:sp>
+        <p:pic>
+          <p:nvPicPr>
+            <p:cNvPr id="15" name="Picture 14" descr="A white square with purple dots&#10;&#10;Description automatically generated">
+              <a:extLst>
+                <a:ext uri="{FF2B5EF4-FFF2-40B4-BE49-F238E27FC236}">
+                  <a16:creationId xmlns:a16="http://schemas.microsoft.com/office/drawing/2014/main" id="{8E0BC2AE-3AE0-E094-5105-C43E60442106}"/>
+                </a:ext>
+              </a:extLst>
+            </p:cNvPr>
+            <p:cNvPicPr>
+              <a:picLocks noChangeAspect="1"/>
+            </p:cNvPicPr>
+            <p:nvPr/>
+          </p:nvPicPr>
+          <p:blipFill>
+            <a:blip r:embed="rId2" cstate="print">
+              <a:extLst>
+                <a:ext uri="{28A0092B-C50C-407E-A947-70E740481C1C}">
+                  <a14:useLocalDpi xmlns:a14="http://schemas.microsoft.com/office/drawing/2010/main" val="0"/>
+                </a:ext>
+              </a:extLst>
+            </a:blip>
+            <a:stretch>
+              <a:fillRect/>
+            </a:stretch>
+          </p:blipFill>
+          <p:spPr>
+            <a:xfrm>
+              <a:off x="6486779" y="1536648"/>
+              <a:ext cx="1311387" cy="1300896"/>
+            </a:xfrm>
+            <a:prstGeom prst="rect">
+              <a:avLst/>
+            </a:prstGeom>
+          </p:spPr>
+        </p:pic>
+      </p:grpSp>
+      <p:grpSp>
+        <p:nvGrpSpPr>
+          <p:cNvPr id="16" name="Group 15">
+            <a:extLst>
+              <a:ext uri="{FF2B5EF4-FFF2-40B4-BE49-F238E27FC236}">
+                <a16:creationId xmlns:a16="http://schemas.microsoft.com/office/drawing/2014/main" id="{BBEC2ACE-4FF2-B20F-0061-D40090714EA0}"/>
+              </a:ext>
+            </a:extLst>
+          </p:cNvPr>
+          <p:cNvGrpSpPr/>
+          <p:nvPr/>
+        </p:nvGrpSpPr>
+        <p:grpSpPr>
+          <a:xfrm>
+            <a:off x="2890835" y="1353539"/>
+            <a:ext cx="657835" cy="654509"/>
+            <a:chOff x="6503915" y="831583"/>
+            <a:chExt cx="1229935" cy="1325994"/>
+          </a:xfrm>
+        </p:grpSpPr>
+        <p:sp>
+          <p:nvSpPr>
+            <p:cNvPr id="17" name="Rectangle 16">
+              <a:extLst>
+                <a:ext uri="{FF2B5EF4-FFF2-40B4-BE49-F238E27FC236}">
+                  <a16:creationId xmlns:a16="http://schemas.microsoft.com/office/drawing/2014/main" id="{06A22345-4A0D-F77F-4FFF-B49051C7FE3A}"/>
+                </a:ext>
+              </a:extLst>
+            </p:cNvPr>
+            <p:cNvSpPr/>
+            <p:nvPr/>
+          </p:nvSpPr>
+          <p:spPr bwMode="auto">
+            <a:xfrm>
+              <a:off x="6503915" y="831583"/>
+              <a:ext cx="1229935" cy="1325994"/>
+            </a:xfrm>
+            <a:prstGeom prst="rect">
+              <a:avLst/>
+            </a:prstGeom>
+            <a:solidFill>
+              <a:schemeClr val="bg1">
+                <a:alpha val="45000"/>
+              </a:schemeClr>
+            </a:solidFill>
+            <a:ln w="12700">
+              <a:solidFill>
+                <a:schemeClr val="bg1">
+                  <a:lumMod val="50000"/>
+                </a:schemeClr>
+              </a:solidFill>
+              <a:headEnd type="none" w="med" len="med"/>
+              <a:tailEnd type="none" w="med" len="med"/>
+            </a:ln>
+            <a:effectLst/>
+          </p:spPr>
+          <p:style>
+            <a:lnRef idx="1">
+              <a:schemeClr val="accent2"/>
+            </a:lnRef>
+            <a:fillRef idx="3">
+              <a:schemeClr val="accent2"/>
+            </a:fillRef>
+            <a:effectRef idx="2">
+              <a:schemeClr val="accent2"/>
+            </a:effectRef>
+            <a:fontRef idx="minor">
+              <a:schemeClr val="lt1"/>
+            </a:fontRef>
+          </p:style>
+          <p:txBody>
+            <a:bodyPr rot="0" spcFirstLastPara="0" vertOverflow="overflow" horzOverflow="overflow" vert="horz" wrap="square" lIns="0" tIns="146304" rIns="0" bIns="45720" numCol="1" spcCol="0" rtlCol="0" fromWordArt="0" anchor="b" anchorCtr="0" forceAA="0" compatLnSpc="1">
+              <a:prstTxWarp prst="textNoShape">
+                <a:avLst/>
+              </a:prstTxWarp>
+              <a:noAutofit/>
+            </a:bodyPr>
+            <a:lstStyle/>
+            <a:p>
+              <a:pPr algn="ctr" defTabSz="932472" fontAlgn="base">
+                <a:lnSpc>
+                  <a:spcPct val="90000"/>
+                </a:lnSpc>
+                <a:spcBef>
+                  <a:spcPct val="0"/>
+                </a:spcBef>
+                <a:spcAft>
+                  <a:spcPct val="0"/>
+                </a:spcAft>
+              </a:pPr>
+              <a:r>
+                <a:rPr lang="en-US" sz="600" b="1" dirty="0">
+                  <a:solidFill>
+                    <a:schemeClr val="tx1"/>
+                  </a:solidFill>
+                  <a:latin typeface="Arial" panose="020B0604020202020204" pitchFamily="34" charset="0"/>
+                  <a:ea typeface="Segoe UI" pitchFamily="34" charset="0"/>
+                  <a:cs typeface="Arial" panose="020B0604020202020204" pitchFamily="34" charset="0"/>
+                </a:rPr>
+                <a:t>Report</a:t>
+              </a:r>
+            </a:p>
+          </p:txBody>
+        </p:sp>
+        <p:pic>
+          <p:nvPicPr>
+            <p:cNvPr id="18" name="Picture 17" descr="A white square with a graph&#10;&#10;Description automatically generated">
+              <a:extLst>
+                <a:ext uri="{FF2B5EF4-FFF2-40B4-BE49-F238E27FC236}">
+                  <a16:creationId xmlns:a16="http://schemas.microsoft.com/office/drawing/2014/main" id="{0C5E69C6-9E50-4738-D020-CCF27398AE8F}"/>
+                </a:ext>
+              </a:extLst>
+            </p:cNvPr>
+            <p:cNvPicPr>
+              <a:picLocks noChangeAspect="1"/>
+            </p:cNvPicPr>
+            <p:nvPr/>
+          </p:nvPicPr>
+          <p:blipFill>
+            <a:blip r:embed="rId3" cstate="print">
+              <a:extLst>
+                <a:ext uri="{28A0092B-C50C-407E-A947-70E740481C1C}">
+                  <a14:useLocalDpi xmlns:a14="http://schemas.microsoft.com/office/drawing/2010/main" val="0"/>
+                </a:ext>
+              </a:extLst>
+            </a:blip>
+            <a:stretch>
+              <a:fillRect/>
+            </a:stretch>
+          </p:blipFill>
+          <p:spPr>
+            <a:xfrm>
+              <a:off x="6642565" y="904155"/>
+              <a:ext cx="952633" cy="948822"/>
+            </a:xfrm>
+            <a:prstGeom prst="rect">
+              <a:avLst/>
+            </a:prstGeom>
+          </p:spPr>
+        </p:pic>
+      </p:grpSp>
+      <p:grpSp>
+        <p:nvGrpSpPr>
+          <p:cNvPr id="19" name="Group 18">
+            <a:extLst>
+              <a:ext uri="{FF2B5EF4-FFF2-40B4-BE49-F238E27FC236}">
+                <a16:creationId xmlns:a16="http://schemas.microsoft.com/office/drawing/2014/main" id="{188090DA-2D75-CF9E-0A43-21DD6DA266BC}"/>
+              </a:ext>
+            </a:extLst>
+          </p:cNvPr>
+          <p:cNvGrpSpPr/>
+          <p:nvPr/>
+        </p:nvGrpSpPr>
+        <p:grpSpPr>
+          <a:xfrm>
+            <a:off x="2879884" y="2168548"/>
+            <a:ext cx="659688" cy="658278"/>
+            <a:chOff x="1943154" y="2871362"/>
+            <a:chExt cx="1229935" cy="1325994"/>
+          </a:xfrm>
+        </p:grpSpPr>
+        <p:sp>
+          <p:nvSpPr>
+            <p:cNvPr id="20" name="Rectangle 19">
+              <a:extLst>
+                <a:ext uri="{FF2B5EF4-FFF2-40B4-BE49-F238E27FC236}">
+                  <a16:creationId xmlns:a16="http://schemas.microsoft.com/office/drawing/2014/main" id="{4A8DC213-1BAE-A9EB-9781-A4B1C96CD859}"/>
+                </a:ext>
+              </a:extLst>
+            </p:cNvPr>
+            <p:cNvSpPr/>
+            <p:nvPr/>
+          </p:nvSpPr>
+          <p:spPr bwMode="auto">
+            <a:xfrm>
+              <a:off x="1943154" y="2871362"/>
+              <a:ext cx="1229935" cy="1325994"/>
+            </a:xfrm>
+            <a:prstGeom prst="rect">
+              <a:avLst/>
+            </a:prstGeom>
+            <a:solidFill>
+              <a:schemeClr val="bg1">
+                <a:alpha val="45000"/>
+              </a:schemeClr>
+            </a:solidFill>
+            <a:ln w="12700">
+              <a:solidFill>
+                <a:schemeClr val="tx1"/>
+              </a:solidFill>
+              <a:headEnd type="none" w="med" len="med"/>
+              <a:tailEnd type="none" w="med" len="med"/>
+            </a:ln>
+            <a:effectLst/>
+          </p:spPr>
+          <p:style>
+            <a:lnRef idx="1">
+              <a:schemeClr val="accent2"/>
+            </a:lnRef>
+            <a:fillRef idx="3">
+              <a:schemeClr val="accent2"/>
+            </a:fillRef>
+            <a:effectRef idx="2">
+              <a:schemeClr val="accent2"/>
+            </a:effectRef>
+            <a:fontRef idx="minor">
+              <a:schemeClr val="lt1"/>
+            </a:fontRef>
+          </p:style>
+          <p:txBody>
+            <a:bodyPr rot="0" spcFirstLastPara="0" vertOverflow="overflow" horzOverflow="overflow" vert="horz" wrap="square" lIns="0" tIns="146304" rIns="0" bIns="45720" numCol="1" spcCol="0" rtlCol="0" fromWordArt="0" anchor="b" anchorCtr="0" forceAA="0" compatLnSpc="1">
+              <a:prstTxWarp prst="textNoShape">
+                <a:avLst/>
+              </a:prstTxWarp>
+              <a:noAutofit/>
+            </a:bodyPr>
+            <a:lstStyle/>
+            <a:p>
+              <a:pPr algn="ctr" defTabSz="932472" fontAlgn="base">
+                <a:lnSpc>
+                  <a:spcPct val="90000"/>
+                </a:lnSpc>
+                <a:spcBef>
+                  <a:spcPct val="0"/>
+                </a:spcBef>
+                <a:spcAft>
+                  <a:spcPct val="0"/>
+                </a:spcAft>
+              </a:pPr>
+              <a:r>
+                <a:rPr lang="en-US" sz="600" b="1" dirty="0">
+                  <a:solidFill>
+                    <a:schemeClr val="tx1"/>
+                  </a:solidFill>
+                  <a:latin typeface="Arial" panose="020B0604020202020204" pitchFamily="34" charset="0"/>
+                  <a:ea typeface="Segoe UI" pitchFamily="34" charset="0"/>
+                  <a:cs typeface="Arial" panose="020B0604020202020204" pitchFamily="34" charset="0"/>
+                </a:rPr>
+                <a:t>Notebook</a:t>
+              </a:r>
+              <a:endParaRPr lang="en-US" sz="1100" b="1" dirty="0">
+                <a:solidFill>
+                  <a:schemeClr val="tx1"/>
+                </a:solidFill>
+                <a:latin typeface="Arial" panose="020B0604020202020204" pitchFamily="34" charset="0"/>
                 <a:ea typeface="Segoe UI" pitchFamily="34" charset="0"/>
-                <a:cs typeface="Segoe UI" pitchFamily="34" charset="0"/>
+                <a:cs typeface="Arial" panose="020B0604020202020204" pitchFamily="34" charset="0"/>
               </a:endParaRPr>
             </a:p>
           </p:txBody>
         </p:sp>
+        <p:pic>
+          <p:nvPicPr>
+            <p:cNvPr id="21" name="Picture 20" descr="A white book with a green symbol&#10;&#10;Description automatically generated">
+              <a:extLst>
+                <a:ext uri="{FF2B5EF4-FFF2-40B4-BE49-F238E27FC236}">
+                  <a16:creationId xmlns:a16="http://schemas.microsoft.com/office/drawing/2014/main" id="{CE0FF270-E74F-A8BB-1B64-C2BAFBBE21B9}"/>
+                </a:ext>
+              </a:extLst>
+            </p:cNvPr>
+            <p:cNvPicPr>
+              <a:picLocks noChangeAspect="1"/>
+            </p:cNvPicPr>
+            <p:nvPr/>
+          </p:nvPicPr>
+          <p:blipFill>
+            <a:blip r:embed="rId4" cstate="print">
+              <a:extLst>
+                <a:ext uri="{28A0092B-C50C-407E-A947-70E740481C1C}">
+                  <a14:useLocalDpi xmlns:a14="http://schemas.microsoft.com/office/drawing/2010/main" val="0"/>
+                </a:ext>
+              </a:extLst>
+            </a:blip>
+            <a:stretch>
+              <a:fillRect/>
+            </a:stretch>
+          </p:blipFill>
+          <p:spPr>
+            <a:xfrm>
+              <a:off x="2126583" y="3033143"/>
+              <a:ext cx="838189" cy="834835"/>
+            </a:xfrm>
+            <a:prstGeom prst="rect">
+              <a:avLst/>
+            </a:prstGeom>
+          </p:spPr>
+        </p:pic>
       </p:grpSp>
-    </p:spTree>
-    <p:extLst>
-      <p:ext uri="{BB962C8B-B14F-4D97-AF65-F5344CB8AC3E}">
-        <p14:creationId xmlns:p14="http://schemas.microsoft.com/office/powerpoint/2010/main" val="2677553126"/>
-      </p:ext>
-    </p:extLst>
-  </p:cSld>
-  <p:clrMapOvr>
-    <a:masterClrMapping/>
-  </p:clrMapOvr>
-  <p:transition>
-    <p:fade/>
-  </p:transition>
-</p:sld>
-</file>
-
-<file path=ppt/slides/slide30.xml><?xml version="1.0" encoding="utf-8"?>
-<p:sld xmlns:a="http://schemas.openxmlformats.org/drawingml/2006/main" xmlns:r="http://schemas.openxmlformats.org/officeDocument/2006/relationships" xmlns:p="http://schemas.openxmlformats.org/presentationml/2006/main">
-  <p:cSld>
-    <p:spTree>
-      <p:nvGrpSpPr>
-        <p:cNvPr id="1" name=""/>
-        <p:cNvGrpSpPr/>
-        <p:nvPr/>
-      </p:nvGrpSpPr>
-      <p:grpSpPr>
-        <a:xfrm>
-          <a:off x="0" y="0"/>
-          <a:ext cx="0" cy="0"/>
-          <a:chOff x="0" y="0"/>
-          <a:chExt cx="0" cy="0"/>
-        </a:xfrm>
-      </p:grpSpPr>
+      <p:grpSp>
+        <p:nvGrpSpPr>
+          <p:cNvPr id="22" name="Group 21">
+            <a:extLst>
+              <a:ext uri="{FF2B5EF4-FFF2-40B4-BE49-F238E27FC236}">
+                <a16:creationId xmlns:a16="http://schemas.microsoft.com/office/drawing/2014/main" id="{2A3B1245-6D16-29CB-E15E-6C96F7FE0039}"/>
+              </a:ext>
+            </a:extLst>
+          </p:cNvPr>
+          <p:cNvGrpSpPr/>
+          <p:nvPr/>
+        </p:nvGrpSpPr>
+        <p:grpSpPr>
+          <a:xfrm>
+            <a:off x="2120924" y="2168548"/>
+            <a:ext cx="655911" cy="654509"/>
+            <a:chOff x="540799" y="2865453"/>
+            <a:chExt cx="1229935" cy="1325994"/>
+          </a:xfrm>
+        </p:grpSpPr>
+        <p:sp>
+          <p:nvSpPr>
+            <p:cNvPr id="23" name="Rectangle 22">
+              <a:extLst>
+                <a:ext uri="{FF2B5EF4-FFF2-40B4-BE49-F238E27FC236}">
+                  <a16:creationId xmlns:a16="http://schemas.microsoft.com/office/drawing/2014/main" id="{5723B5B3-3B57-713C-71B4-7DCF9D2593CA}"/>
+                </a:ext>
+              </a:extLst>
+            </p:cNvPr>
+            <p:cNvSpPr/>
+            <p:nvPr/>
+          </p:nvSpPr>
+          <p:spPr bwMode="auto">
+            <a:xfrm>
+              <a:off x="540799" y="2865453"/>
+              <a:ext cx="1229935" cy="1325994"/>
+            </a:xfrm>
+            <a:prstGeom prst="rect">
+              <a:avLst/>
+            </a:prstGeom>
+            <a:solidFill>
+              <a:schemeClr val="bg1">
+                <a:alpha val="45000"/>
+              </a:schemeClr>
+            </a:solidFill>
+            <a:ln w="12700">
+              <a:solidFill>
+                <a:schemeClr val="tx1"/>
+              </a:solidFill>
+              <a:headEnd type="none" w="med" len="med"/>
+              <a:tailEnd type="none" w="med" len="med"/>
+            </a:ln>
+            <a:effectLst/>
+          </p:spPr>
+          <p:style>
+            <a:lnRef idx="1">
+              <a:schemeClr val="accent2"/>
+            </a:lnRef>
+            <a:fillRef idx="3">
+              <a:schemeClr val="accent2"/>
+            </a:fillRef>
+            <a:effectRef idx="2">
+              <a:schemeClr val="accent2"/>
+            </a:effectRef>
+            <a:fontRef idx="minor">
+              <a:schemeClr val="lt1"/>
+            </a:fontRef>
+          </p:style>
+          <p:txBody>
+            <a:bodyPr rot="0" spcFirstLastPara="0" vertOverflow="overflow" horzOverflow="overflow" vert="horz" wrap="square" lIns="0" tIns="146304" rIns="0" bIns="45720" numCol="1" spcCol="0" rtlCol="0" fromWordArt="0" anchor="b" anchorCtr="0" forceAA="0" compatLnSpc="1">
+              <a:prstTxWarp prst="textNoShape">
+                <a:avLst/>
+              </a:prstTxWarp>
+              <a:noAutofit/>
+            </a:bodyPr>
+            <a:lstStyle/>
+            <a:p>
+              <a:pPr algn="ctr" defTabSz="932472" fontAlgn="base">
+                <a:lnSpc>
+                  <a:spcPct val="90000"/>
+                </a:lnSpc>
+                <a:spcBef>
+                  <a:spcPct val="0"/>
+                </a:spcBef>
+                <a:spcAft>
+                  <a:spcPct val="0"/>
+                </a:spcAft>
+              </a:pPr>
+              <a:r>
+                <a:rPr lang="en-US" sz="600" b="1" dirty="0">
+                  <a:solidFill>
+                    <a:schemeClr val="tx1"/>
+                  </a:solidFill>
+                  <a:latin typeface="Arial" panose="020B0604020202020204" pitchFamily="34" charset="0"/>
+                  <a:ea typeface="Segoe UI" pitchFamily="34" charset="0"/>
+                  <a:cs typeface="Arial" panose="020B0604020202020204" pitchFamily="34" charset="0"/>
+                </a:rPr>
+                <a:t>Lakehouse</a:t>
+              </a:r>
+            </a:p>
+          </p:txBody>
+        </p:sp>
+        <p:pic>
+          <p:nvPicPr>
+            <p:cNvPr id="24" name="Picture 23" descr="A blue and white sign with waves&#10;&#10;Description automatically generated">
+              <a:extLst>
+                <a:ext uri="{FF2B5EF4-FFF2-40B4-BE49-F238E27FC236}">
+                  <a16:creationId xmlns:a16="http://schemas.microsoft.com/office/drawing/2014/main" id="{73011EC3-7B80-6FC6-092D-FFED5B6CAA30}"/>
+                </a:ext>
+              </a:extLst>
+            </p:cNvPr>
+            <p:cNvPicPr>
+              <a:picLocks noChangeAspect="1"/>
+            </p:cNvPicPr>
+            <p:nvPr/>
+          </p:nvPicPr>
+          <p:blipFill>
+            <a:blip r:embed="rId5" cstate="print">
+              <a:extLst>
+                <a:ext uri="{28A0092B-C50C-407E-A947-70E740481C1C}">
+                  <a14:useLocalDpi xmlns:a14="http://schemas.microsoft.com/office/drawing/2010/main" val="0"/>
+                </a:ext>
+              </a:extLst>
+            </a:blip>
+            <a:stretch>
+              <a:fillRect/>
+            </a:stretch>
+          </p:blipFill>
+          <p:spPr>
+            <a:xfrm>
+              <a:off x="672453" y="2962982"/>
+              <a:ext cx="908459" cy="904825"/>
+            </a:xfrm>
+            <a:prstGeom prst="rect">
+              <a:avLst/>
+            </a:prstGeom>
+          </p:spPr>
+        </p:pic>
+      </p:grpSp>
       <p:sp>
         <p:nvSpPr>
           <p:cNvPr id="2" name="Rectangle 1">
             <a:extLst>
               <a:ext uri="{FF2B5EF4-FFF2-40B4-BE49-F238E27FC236}">
-                <a16:creationId xmlns:a16="http://schemas.microsoft.com/office/drawing/2014/main" id="{EE1D0F7C-CA90-DD9E-D51F-BA63710E4DA6}"/>
+                <a16:creationId xmlns:a16="http://schemas.microsoft.com/office/drawing/2014/main" id="{22DE4400-1AB0-E791-E22A-64C96E8DA711}"/>
               </a:ext>
             </a:extLst>
           </p:cNvPr>
@@ -21792,16 +24393,18 @@
         </p:nvSpPr>
         <p:spPr bwMode="auto">
           <a:xfrm>
-            <a:off x="950387" y="1023342"/>
-            <a:ext cx="5267850" cy="1618510"/>
+            <a:off x="5017936" y="1050871"/>
+            <a:ext cx="1742421" cy="1914354"/>
           </a:xfrm>
           <a:prstGeom prst="rect">
             <a:avLst/>
           </a:prstGeom>
           <a:solidFill>
-            <a:schemeClr val="bg1"/>
+            <a:schemeClr val="bg1">
+              <a:lumMod val="95000"/>
+            </a:schemeClr>
           </a:solidFill>
-          <a:ln w="12700">
+          <a:ln w="9525">
             <a:solidFill>
               <a:schemeClr val="tx1"/>
             </a:solidFill>
@@ -21825,92 +24428,7 @@
           </a:fontRef>
         </p:style>
         <p:txBody>
-          <a:bodyPr rot="0" spcFirstLastPara="0" vertOverflow="overflow" horzOverflow="overflow" vert="horz" wrap="square" lIns="182880" tIns="82296" rIns="182880" bIns="146304" numCol="1" spcCol="0" rtlCol="0" fromWordArt="0" anchor="t" anchorCtr="0" forceAA="0" compatLnSpc="1">
-            <a:prstTxWarp prst="textNoShape">
-              <a:avLst/>
-            </a:prstTxWarp>
-            <a:noAutofit/>
-          </a:bodyPr>
-          <a:lstStyle/>
-          <a:p>
-            <a:pPr defTabSz="932472" fontAlgn="base">
-              <a:lnSpc>
-                <a:spcPct val="90000"/>
-              </a:lnSpc>
-              <a:spcBef>
-                <a:spcPct val="0"/>
-              </a:spcBef>
-              <a:spcAft>
-                <a:spcPct val="0"/>
-              </a:spcAft>
-            </a:pPr>
-            <a:r>
-              <a:rPr lang="en-US" sz="1000" b="1" dirty="0">
-                <a:solidFill>
-                  <a:schemeClr val="tx1">
-                    <a:lumMod val="60000"/>
-                    <a:lumOff val="40000"/>
-                  </a:schemeClr>
-                </a:solidFill>
-                <a:ea typeface="Segoe UI" pitchFamily="34" charset="0"/>
-                <a:cs typeface="Segoe UI" pitchFamily="34" charset="0"/>
-              </a:rPr>
-              <a:t>Workspace Item Types by Workload</a:t>
-            </a:r>
-          </a:p>
-        </p:txBody>
-      </p:sp>
-      <p:sp>
-        <p:nvSpPr>
-          <p:cNvPr id="3" name="Rectangle 2">
-            <a:extLst>
-              <a:ext uri="{FF2B5EF4-FFF2-40B4-BE49-F238E27FC236}">
-                <a16:creationId xmlns:a16="http://schemas.microsoft.com/office/drawing/2014/main" id="{7EC59E36-2B46-974C-EE2C-940A794FA329}"/>
-              </a:ext>
-            </a:extLst>
-          </p:cNvPr>
-          <p:cNvSpPr/>
-          <p:nvPr/>
-        </p:nvSpPr>
-        <p:spPr bwMode="auto">
-          <a:xfrm>
-            <a:off x="4491707" y="1319195"/>
-            <a:ext cx="1593127" cy="1148749"/>
-          </a:xfrm>
-          <a:prstGeom prst="rect">
-            <a:avLst/>
-          </a:prstGeom>
-          <a:solidFill>
-            <a:schemeClr val="accent6">
-              <a:lumMod val="20000"/>
-              <a:lumOff val="80000"/>
-            </a:schemeClr>
-          </a:solidFill>
-          <a:ln w="12700">
-            <a:solidFill>
-              <a:schemeClr val="tx1"/>
-            </a:solidFill>
-            <a:headEnd type="none" w="med" len="med"/>
-            <a:tailEnd type="none" w="med" len="med"/>
-          </a:ln>
-          <a:effectLst/>
-        </p:spPr>
-        <p:style>
-          <a:lnRef idx="1">
-            <a:schemeClr val="accent2"/>
-          </a:lnRef>
-          <a:fillRef idx="3">
-            <a:schemeClr val="accent2"/>
-          </a:fillRef>
-          <a:effectRef idx="2">
-            <a:schemeClr val="accent2"/>
-          </a:effectRef>
-          <a:fontRef idx="minor">
-            <a:schemeClr val="lt1"/>
-          </a:fontRef>
-        </p:style>
-        <p:txBody>
-          <a:bodyPr rot="0" spcFirstLastPara="0" vertOverflow="overflow" horzOverflow="overflow" vert="horz" wrap="square" lIns="182880" tIns="91440" rIns="182880" bIns="146304" numCol="1" spcCol="0" rtlCol="0" fromWordArt="0" anchor="t" anchorCtr="0" forceAA="0" compatLnSpc="1">
+          <a:bodyPr rot="0" spcFirstLastPara="0" vertOverflow="overflow" horzOverflow="overflow" vert="horz" wrap="square" lIns="91440" tIns="91440" rIns="0" bIns="45720" numCol="1" spcCol="0" rtlCol="0" fromWordArt="0" anchor="t" anchorCtr="0" forceAA="0" compatLnSpc="1">
             <a:prstTxWarp prst="textNoShape">
               <a:avLst/>
             </a:prstTxWarp>
@@ -21930,25 +24448,591 @@
               </a:spcAft>
             </a:pPr>
             <a:r>
-              <a:rPr lang="en-US" sz="800" dirty="0">
+              <a:rPr lang="en-US" sz="900" b="1" dirty="0">
                 <a:solidFill>
                   <a:schemeClr val="tx1"/>
                 </a:solidFill>
-                <a:latin typeface="Arial Black" panose="020B0A04020102020204" pitchFamily="34" charset="0"/>
+                <a:latin typeface="Arial" panose="020B0604020202020204" pitchFamily="34" charset="0"/>
                 <a:ea typeface="Segoe UI" pitchFamily="34" charset="0"/>
-                <a:cs typeface="Segoe UI" pitchFamily="34" charset="0"/>
+                <a:cs typeface="Arial" panose="020B0604020202020204" pitchFamily="34" charset="0"/>
               </a:rPr>
-              <a:t>Power BI</a:t>
+              <a:t>Test Workspace</a:t>
             </a:r>
           </a:p>
         </p:txBody>
       </p:sp>
+      <p:grpSp>
+        <p:nvGrpSpPr>
+          <p:cNvPr id="3" name="Group 2">
+            <a:extLst>
+              <a:ext uri="{FF2B5EF4-FFF2-40B4-BE49-F238E27FC236}">
+                <a16:creationId xmlns:a16="http://schemas.microsoft.com/office/drawing/2014/main" id="{221F0DE3-6E73-8747-35DD-67168F67775B}"/>
+              </a:ext>
+            </a:extLst>
+          </p:cNvPr>
+          <p:cNvGrpSpPr/>
+          <p:nvPr/>
+        </p:nvGrpSpPr>
+        <p:grpSpPr>
+          <a:xfrm>
+            <a:off x="5207926" y="1356903"/>
+            <a:ext cx="655911" cy="654509"/>
+            <a:chOff x="6295914" y="1428878"/>
+            <a:chExt cx="1693119" cy="1825354"/>
+          </a:xfrm>
+        </p:grpSpPr>
+        <p:sp>
+          <p:nvSpPr>
+            <p:cNvPr id="4" name="Rectangle 3">
+              <a:extLst>
+                <a:ext uri="{FF2B5EF4-FFF2-40B4-BE49-F238E27FC236}">
+                  <a16:creationId xmlns:a16="http://schemas.microsoft.com/office/drawing/2014/main" id="{CEEB100B-36B3-A710-58FD-EA24EAEF893D}"/>
+                </a:ext>
+              </a:extLst>
+            </p:cNvPr>
+            <p:cNvSpPr/>
+            <p:nvPr/>
+          </p:nvSpPr>
+          <p:spPr bwMode="auto">
+            <a:xfrm>
+              <a:off x="6295914" y="1428878"/>
+              <a:ext cx="1693119" cy="1825354"/>
+            </a:xfrm>
+            <a:prstGeom prst="rect">
+              <a:avLst/>
+            </a:prstGeom>
+            <a:solidFill>
+              <a:schemeClr val="bg1">
+                <a:alpha val="45000"/>
+              </a:schemeClr>
+            </a:solidFill>
+            <a:ln w="12700">
+              <a:solidFill>
+                <a:schemeClr val="tx1"/>
+              </a:solidFill>
+              <a:headEnd type="none" w="med" len="med"/>
+              <a:tailEnd type="none" w="med" len="med"/>
+            </a:ln>
+            <a:effectLst/>
+          </p:spPr>
+          <p:style>
+            <a:lnRef idx="1">
+              <a:schemeClr val="accent2"/>
+            </a:lnRef>
+            <a:fillRef idx="3">
+              <a:schemeClr val="accent2"/>
+            </a:fillRef>
+            <a:effectRef idx="2">
+              <a:schemeClr val="accent2"/>
+            </a:effectRef>
+            <a:fontRef idx="minor">
+              <a:schemeClr val="lt1"/>
+            </a:fontRef>
+          </p:style>
+          <p:txBody>
+            <a:bodyPr rot="0" spcFirstLastPara="0" vertOverflow="overflow" horzOverflow="overflow" vert="horz" wrap="square" lIns="0" tIns="146304" rIns="0" bIns="45720" numCol="1" spcCol="0" rtlCol="0" fromWordArt="0" anchor="b" anchorCtr="0" forceAA="0" compatLnSpc="1">
+              <a:prstTxWarp prst="textNoShape">
+                <a:avLst/>
+              </a:prstTxWarp>
+              <a:noAutofit/>
+            </a:bodyPr>
+            <a:lstStyle/>
+            <a:p>
+              <a:pPr algn="ctr" defTabSz="932472" fontAlgn="base">
+                <a:lnSpc>
+                  <a:spcPct val="90000"/>
+                </a:lnSpc>
+                <a:spcBef>
+                  <a:spcPct val="0"/>
+                </a:spcBef>
+                <a:spcAft>
+                  <a:spcPct val="0"/>
+                </a:spcAft>
+              </a:pPr>
+              <a:r>
+                <a:rPr lang="en-US" sz="600" b="1" dirty="0">
+                  <a:solidFill>
+                    <a:schemeClr val="tx1"/>
+                  </a:solidFill>
+                  <a:latin typeface="Arial" panose="020B0604020202020204" pitchFamily="34" charset="0"/>
+                  <a:ea typeface="Segoe UI" pitchFamily="34" charset="0"/>
+                  <a:cs typeface="Arial" panose="020B0604020202020204" pitchFamily="34" charset="0"/>
+                </a:rPr>
+                <a:t>Semantic Model</a:t>
+              </a:r>
+            </a:p>
+          </p:txBody>
+        </p:sp>
+        <p:pic>
+          <p:nvPicPr>
+            <p:cNvPr id="5" name="Picture 4" descr="A white square with purple dots&#10;&#10;Description automatically generated">
+              <a:extLst>
+                <a:ext uri="{FF2B5EF4-FFF2-40B4-BE49-F238E27FC236}">
+                  <a16:creationId xmlns:a16="http://schemas.microsoft.com/office/drawing/2014/main" id="{EBBAF3A1-2229-B561-E426-084D23527FBA}"/>
+                </a:ext>
+              </a:extLst>
+            </p:cNvPr>
+            <p:cNvPicPr>
+              <a:picLocks noChangeAspect="1"/>
+            </p:cNvPicPr>
+            <p:nvPr/>
+          </p:nvPicPr>
+          <p:blipFill>
+            <a:blip r:embed="rId2" cstate="print">
+              <a:extLst>
+                <a:ext uri="{28A0092B-C50C-407E-A947-70E740481C1C}">
+                  <a14:useLocalDpi xmlns:a14="http://schemas.microsoft.com/office/drawing/2010/main" val="0"/>
+                </a:ext>
+              </a:extLst>
+            </a:blip>
+            <a:stretch>
+              <a:fillRect/>
+            </a:stretch>
+          </p:blipFill>
+          <p:spPr>
+            <a:xfrm>
+              <a:off x="6486779" y="1536648"/>
+              <a:ext cx="1311387" cy="1300896"/>
+            </a:xfrm>
+            <a:prstGeom prst="rect">
+              <a:avLst/>
+            </a:prstGeom>
+          </p:spPr>
+        </p:pic>
+      </p:grpSp>
+      <p:grpSp>
+        <p:nvGrpSpPr>
+          <p:cNvPr id="6" name="Group 5">
+            <a:extLst>
+              <a:ext uri="{FF2B5EF4-FFF2-40B4-BE49-F238E27FC236}">
+                <a16:creationId xmlns:a16="http://schemas.microsoft.com/office/drawing/2014/main" id="{56CD15EF-B23B-B857-28D7-A22A65D8066E}"/>
+              </a:ext>
+            </a:extLst>
+          </p:cNvPr>
+          <p:cNvGrpSpPr/>
+          <p:nvPr/>
+        </p:nvGrpSpPr>
+        <p:grpSpPr>
+          <a:xfrm>
+            <a:off x="5966886" y="1356903"/>
+            <a:ext cx="657835" cy="654509"/>
+            <a:chOff x="6503915" y="831583"/>
+            <a:chExt cx="1229935" cy="1325994"/>
+          </a:xfrm>
+        </p:grpSpPr>
+        <p:sp>
+          <p:nvSpPr>
+            <p:cNvPr id="7" name="Rectangle 6">
+              <a:extLst>
+                <a:ext uri="{FF2B5EF4-FFF2-40B4-BE49-F238E27FC236}">
+                  <a16:creationId xmlns:a16="http://schemas.microsoft.com/office/drawing/2014/main" id="{3F6BA4F5-69D8-D752-9A5B-B8EDEC7A4A8E}"/>
+                </a:ext>
+              </a:extLst>
+            </p:cNvPr>
+            <p:cNvSpPr/>
+            <p:nvPr/>
+          </p:nvSpPr>
+          <p:spPr bwMode="auto">
+            <a:xfrm>
+              <a:off x="6503915" y="831583"/>
+              <a:ext cx="1229935" cy="1325994"/>
+            </a:xfrm>
+            <a:prstGeom prst="rect">
+              <a:avLst/>
+            </a:prstGeom>
+            <a:solidFill>
+              <a:schemeClr val="bg1">
+                <a:alpha val="45000"/>
+              </a:schemeClr>
+            </a:solidFill>
+            <a:ln w="12700">
+              <a:solidFill>
+                <a:schemeClr val="bg1">
+                  <a:lumMod val="50000"/>
+                </a:schemeClr>
+              </a:solidFill>
+              <a:headEnd type="none" w="med" len="med"/>
+              <a:tailEnd type="none" w="med" len="med"/>
+            </a:ln>
+            <a:effectLst/>
+          </p:spPr>
+          <p:style>
+            <a:lnRef idx="1">
+              <a:schemeClr val="accent2"/>
+            </a:lnRef>
+            <a:fillRef idx="3">
+              <a:schemeClr val="accent2"/>
+            </a:fillRef>
+            <a:effectRef idx="2">
+              <a:schemeClr val="accent2"/>
+            </a:effectRef>
+            <a:fontRef idx="minor">
+              <a:schemeClr val="lt1"/>
+            </a:fontRef>
+          </p:style>
+          <p:txBody>
+            <a:bodyPr rot="0" spcFirstLastPara="0" vertOverflow="overflow" horzOverflow="overflow" vert="horz" wrap="square" lIns="0" tIns="146304" rIns="0" bIns="45720" numCol="1" spcCol="0" rtlCol="0" fromWordArt="0" anchor="b" anchorCtr="0" forceAA="0" compatLnSpc="1">
+              <a:prstTxWarp prst="textNoShape">
+                <a:avLst/>
+              </a:prstTxWarp>
+              <a:noAutofit/>
+            </a:bodyPr>
+            <a:lstStyle/>
+            <a:p>
+              <a:pPr algn="ctr" defTabSz="932472" fontAlgn="base">
+                <a:lnSpc>
+                  <a:spcPct val="90000"/>
+                </a:lnSpc>
+                <a:spcBef>
+                  <a:spcPct val="0"/>
+                </a:spcBef>
+                <a:spcAft>
+                  <a:spcPct val="0"/>
+                </a:spcAft>
+              </a:pPr>
+              <a:r>
+                <a:rPr lang="en-US" sz="600" b="1" dirty="0">
+                  <a:solidFill>
+                    <a:schemeClr val="tx1"/>
+                  </a:solidFill>
+                  <a:latin typeface="Arial" panose="020B0604020202020204" pitchFamily="34" charset="0"/>
+                  <a:ea typeface="Segoe UI" pitchFamily="34" charset="0"/>
+                  <a:cs typeface="Arial" panose="020B0604020202020204" pitchFamily="34" charset="0"/>
+                </a:rPr>
+                <a:t>Report</a:t>
+              </a:r>
+            </a:p>
+          </p:txBody>
+        </p:sp>
+        <p:pic>
+          <p:nvPicPr>
+            <p:cNvPr id="8" name="Picture 7" descr="A white square with a graph&#10;&#10;Description automatically generated">
+              <a:extLst>
+                <a:ext uri="{FF2B5EF4-FFF2-40B4-BE49-F238E27FC236}">
+                  <a16:creationId xmlns:a16="http://schemas.microsoft.com/office/drawing/2014/main" id="{92936BCB-5EA4-5D97-DF48-34C6AD6FEB64}"/>
+                </a:ext>
+              </a:extLst>
+            </p:cNvPr>
+            <p:cNvPicPr>
+              <a:picLocks noChangeAspect="1"/>
+            </p:cNvPicPr>
+            <p:nvPr/>
+          </p:nvPicPr>
+          <p:blipFill>
+            <a:blip r:embed="rId3" cstate="print">
+              <a:extLst>
+                <a:ext uri="{28A0092B-C50C-407E-A947-70E740481C1C}">
+                  <a14:useLocalDpi xmlns:a14="http://schemas.microsoft.com/office/drawing/2010/main" val="0"/>
+                </a:ext>
+              </a:extLst>
+            </a:blip>
+            <a:stretch>
+              <a:fillRect/>
+            </a:stretch>
+          </p:blipFill>
+          <p:spPr>
+            <a:xfrm>
+              <a:off x="6642565" y="904155"/>
+              <a:ext cx="952633" cy="948822"/>
+            </a:xfrm>
+            <a:prstGeom prst="rect">
+              <a:avLst/>
+            </a:prstGeom>
+          </p:spPr>
+        </p:pic>
+      </p:grpSp>
+      <p:grpSp>
+        <p:nvGrpSpPr>
+          <p:cNvPr id="9" name="Group 8">
+            <a:extLst>
+              <a:ext uri="{FF2B5EF4-FFF2-40B4-BE49-F238E27FC236}">
+                <a16:creationId xmlns:a16="http://schemas.microsoft.com/office/drawing/2014/main" id="{52593E4A-4ECF-8327-45DF-BAE074105A24}"/>
+              </a:ext>
+            </a:extLst>
+          </p:cNvPr>
+          <p:cNvGrpSpPr/>
+          <p:nvPr/>
+        </p:nvGrpSpPr>
+        <p:grpSpPr>
+          <a:xfrm>
+            <a:off x="5955935" y="2171912"/>
+            <a:ext cx="659688" cy="658278"/>
+            <a:chOff x="1943154" y="2871362"/>
+            <a:chExt cx="1229935" cy="1325994"/>
+          </a:xfrm>
+        </p:grpSpPr>
+        <p:sp>
+          <p:nvSpPr>
+            <p:cNvPr id="10" name="Rectangle 9">
+              <a:extLst>
+                <a:ext uri="{FF2B5EF4-FFF2-40B4-BE49-F238E27FC236}">
+                  <a16:creationId xmlns:a16="http://schemas.microsoft.com/office/drawing/2014/main" id="{CBABA33C-D171-BE59-D5A7-0DFDA6B24DFF}"/>
+                </a:ext>
+              </a:extLst>
+            </p:cNvPr>
+            <p:cNvSpPr/>
+            <p:nvPr/>
+          </p:nvSpPr>
+          <p:spPr bwMode="auto">
+            <a:xfrm>
+              <a:off x="1943154" y="2871362"/>
+              <a:ext cx="1229935" cy="1325994"/>
+            </a:xfrm>
+            <a:prstGeom prst="rect">
+              <a:avLst/>
+            </a:prstGeom>
+            <a:solidFill>
+              <a:schemeClr val="bg1">
+                <a:alpha val="45000"/>
+              </a:schemeClr>
+            </a:solidFill>
+            <a:ln w="12700">
+              <a:solidFill>
+                <a:schemeClr val="tx1"/>
+              </a:solidFill>
+              <a:headEnd type="none" w="med" len="med"/>
+              <a:tailEnd type="none" w="med" len="med"/>
+            </a:ln>
+            <a:effectLst/>
+          </p:spPr>
+          <p:style>
+            <a:lnRef idx="1">
+              <a:schemeClr val="accent2"/>
+            </a:lnRef>
+            <a:fillRef idx="3">
+              <a:schemeClr val="accent2"/>
+            </a:fillRef>
+            <a:effectRef idx="2">
+              <a:schemeClr val="accent2"/>
+            </a:effectRef>
+            <a:fontRef idx="minor">
+              <a:schemeClr val="lt1"/>
+            </a:fontRef>
+          </p:style>
+          <p:txBody>
+            <a:bodyPr rot="0" spcFirstLastPara="0" vertOverflow="overflow" horzOverflow="overflow" vert="horz" wrap="square" lIns="0" tIns="146304" rIns="0" bIns="45720" numCol="1" spcCol="0" rtlCol="0" fromWordArt="0" anchor="b" anchorCtr="0" forceAA="0" compatLnSpc="1">
+              <a:prstTxWarp prst="textNoShape">
+                <a:avLst/>
+              </a:prstTxWarp>
+              <a:noAutofit/>
+            </a:bodyPr>
+            <a:lstStyle/>
+            <a:p>
+              <a:pPr algn="ctr" defTabSz="932472" fontAlgn="base">
+                <a:lnSpc>
+                  <a:spcPct val="90000"/>
+                </a:lnSpc>
+                <a:spcBef>
+                  <a:spcPct val="0"/>
+                </a:spcBef>
+                <a:spcAft>
+                  <a:spcPct val="0"/>
+                </a:spcAft>
+              </a:pPr>
+              <a:r>
+                <a:rPr lang="en-US" sz="600" b="1" dirty="0">
+                  <a:solidFill>
+                    <a:schemeClr val="tx1"/>
+                  </a:solidFill>
+                  <a:latin typeface="Arial" panose="020B0604020202020204" pitchFamily="34" charset="0"/>
+                  <a:ea typeface="Segoe UI" pitchFamily="34" charset="0"/>
+                  <a:cs typeface="Arial" panose="020B0604020202020204" pitchFamily="34" charset="0"/>
+                </a:rPr>
+                <a:t>Notebook</a:t>
+              </a:r>
+              <a:endParaRPr lang="en-US" sz="1100" b="1" dirty="0">
+                <a:solidFill>
+                  <a:schemeClr val="tx1"/>
+                </a:solidFill>
+                <a:latin typeface="Arial" panose="020B0604020202020204" pitchFamily="34" charset="0"/>
+                <a:ea typeface="Segoe UI" pitchFamily="34" charset="0"/>
+                <a:cs typeface="Arial" panose="020B0604020202020204" pitchFamily="34" charset="0"/>
+              </a:endParaRPr>
+            </a:p>
+          </p:txBody>
+        </p:sp>
+        <p:pic>
+          <p:nvPicPr>
+            <p:cNvPr id="11" name="Picture 10" descr="A white book with a green symbol&#10;&#10;Description automatically generated">
+              <a:extLst>
+                <a:ext uri="{FF2B5EF4-FFF2-40B4-BE49-F238E27FC236}">
+                  <a16:creationId xmlns:a16="http://schemas.microsoft.com/office/drawing/2014/main" id="{75042CEC-DA51-7C65-F730-D9EB8933F660}"/>
+                </a:ext>
+              </a:extLst>
+            </p:cNvPr>
+            <p:cNvPicPr>
+              <a:picLocks noChangeAspect="1"/>
+            </p:cNvPicPr>
+            <p:nvPr/>
+          </p:nvPicPr>
+          <p:blipFill>
+            <a:blip r:embed="rId4" cstate="print">
+              <a:extLst>
+                <a:ext uri="{28A0092B-C50C-407E-A947-70E740481C1C}">
+                  <a14:useLocalDpi xmlns:a14="http://schemas.microsoft.com/office/drawing/2010/main" val="0"/>
+                </a:ext>
+              </a:extLst>
+            </a:blip>
+            <a:stretch>
+              <a:fillRect/>
+            </a:stretch>
+          </p:blipFill>
+          <p:spPr>
+            <a:xfrm>
+              <a:off x="2126583" y="3033143"/>
+              <a:ext cx="838189" cy="834835"/>
+            </a:xfrm>
+            <a:prstGeom prst="rect">
+              <a:avLst/>
+            </a:prstGeom>
+          </p:spPr>
+        </p:pic>
+      </p:grpSp>
+      <p:grpSp>
+        <p:nvGrpSpPr>
+          <p:cNvPr id="25" name="Group 24">
+            <a:extLst>
+              <a:ext uri="{FF2B5EF4-FFF2-40B4-BE49-F238E27FC236}">
+                <a16:creationId xmlns:a16="http://schemas.microsoft.com/office/drawing/2014/main" id="{671EEB7C-83B2-21A6-D906-F632A34437A0}"/>
+              </a:ext>
+            </a:extLst>
+          </p:cNvPr>
+          <p:cNvGrpSpPr/>
+          <p:nvPr/>
+        </p:nvGrpSpPr>
+        <p:grpSpPr>
+          <a:xfrm>
+            <a:off x="5196975" y="2171912"/>
+            <a:ext cx="655911" cy="654509"/>
+            <a:chOff x="540799" y="2865453"/>
+            <a:chExt cx="1229935" cy="1325994"/>
+          </a:xfrm>
+        </p:grpSpPr>
+        <p:sp>
+          <p:nvSpPr>
+            <p:cNvPr id="26" name="Rectangle 25">
+              <a:extLst>
+                <a:ext uri="{FF2B5EF4-FFF2-40B4-BE49-F238E27FC236}">
+                  <a16:creationId xmlns:a16="http://schemas.microsoft.com/office/drawing/2014/main" id="{B203EB38-93B3-2810-7528-A1E3D440A81A}"/>
+                </a:ext>
+              </a:extLst>
+            </p:cNvPr>
+            <p:cNvSpPr/>
+            <p:nvPr/>
+          </p:nvSpPr>
+          <p:spPr bwMode="auto">
+            <a:xfrm>
+              <a:off x="540799" y="2865453"/>
+              <a:ext cx="1229935" cy="1325994"/>
+            </a:xfrm>
+            <a:prstGeom prst="rect">
+              <a:avLst/>
+            </a:prstGeom>
+            <a:solidFill>
+              <a:schemeClr val="bg1">
+                <a:alpha val="45000"/>
+              </a:schemeClr>
+            </a:solidFill>
+            <a:ln w="12700">
+              <a:solidFill>
+                <a:schemeClr val="tx1"/>
+              </a:solidFill>
+              <a:headEnd type="none" w="med" len="med"/>
+              <a:tailEnd type="none" w="med" len="med"/>
+            </a:ln>
+            <a:effectLst/>
+          </p:spPr>
+          <p:style>
+            <a:lnRef idx="1">
+              <a:schemeClr val="accent2"/>
+            </a:lnRef>
+            <a:fillRef idx="3">
+              <a:schemeClr val="accent2"/>
+            </a:fillRef>
+            <a:effectRef idx="2">
+              <a:schemeClr val="accent2"/>
+            </a:effectRef>
+            <a:fontRef idx="minor">
+              <a:schemeClr val="lt1"/>
+            </a:fontRef>
+          </p:style>
+          <p:txBody>
+            <a:bodyPr rot="0" spcFirstLastPara="0" vertOverflow="overflow" horzOverflow="overflow" vert="horz" wrap="square" lIns="0" tIns="146304" rIns="0" bIns="45720" numCol="1" spcCol="0" rtlCol="0" fromWordArt="0" anchor="b" anchorCtr="0" forceAA="0" compatLnSpc="1">
+              <a:prstTxWarp prst="textNoShape">
+                <a:avLst/>
+              </a:prstTxWarp>
+              <a:noAutofit/>
+            </a:bodyPr>
+            <a:lstStyle/>
+            <a:p>
+              <a:pPr algn="ctr" defTabSz="932472" fontAlgn="base">
+                <a:lnSpc>
+                  <a:spcPct val="90000"/>
+                </a:lnSpc>
+                <a:spcBef>
+                  <a:spcPct val="0"/>
+                </a:spcBef>
+                <a:spcAft>
+                  <a:spcPct val="0"/>
+                </a:spcAft>
+              </a:pPr>
+              <a:r>
+                <a:rPr lang="en-US" sz="600" b="1" dirty="0">
+                  <a:solidFill>
+                    <a:schemeClr val="tx1"/>
+                  </a:solidFill>
+                  <a:latin typeface="Arial" panose="020B0604020202020204" pitchFamily="34" charset="0"/>
+                  <a:ea typeface="Segoe UI" pitchFamily="34" charset="0"/>
+                  <a:cs typeface="Arial" panose="020B0604020202020204" pitchFamily="34" charset="0"/>
+                </a:rPr>
+                <a:t>Lakehouse</a:t>
+              </a:r>
+            </a:p>
+          </p:txBody>
+        </p:sp>
+        <p:pic>
+          <p:nvPicPr>
+            <p:cNvPr id="27" name="Picture 26" descr="A blue and white sign with waves&#10;&#10;Description automatically generated">
+              <a:extLst>
+                <a:ext uri="{FF2B5EF4-FFF2-40B4-BE49-F238E27FC236}">
+                  <a16:creationId xmlns:a16="http://schemas.microsoft.com/office/drawing/2014/main" id="{04671681-8833-6786-CE6A-05A866D3ED73}"/>
+                </a:ext>
+              </a:extLst>
+            </p:cNvPr>
+            <p:cNvPicPr>
+              <a:picLocks noChangeAspect="1"/>
+            </p:cNvPicPr>
+            <p:nvPr/>
+          </p:nvPicPr>
+          <p:blipFill>
+            <a:blip r:embed="rId5" cstate="print">
+              <a:extLst>
+                <a:ext uri="{28A0092B-C50C-407E-A947-70E740481C1C}">
+                  <a14:useLocalDpi xmlns:a14="http://schemas.microsoft.com/office/drawing/2010/main" val="0"/>
+                </a:ext>
+              </a:extLst>
+            </a:blip>
+            <a:stretch>
+              <a:fillRect/>
+            </a:stretch>
+          </p:blipFill>
+          <p:spPr>
+            <a:xfrm>
+              <a:off x="672453" y="2962982"/>
+              <a:ext cx="908459" cy="904825"/>
+            </a:xfrm>
+            <a:prstGeom prst="rect">
+              <a:avLst/>
+            </a:prstGeom>
+          </p:spPr>
+        </p:pic>
+      </p:grpSp>
       <p:sp>
         <p:nvSpPr>
-          <p:cNvPr id="4" name="Rectangle 3">
+          <p:cNvPr id="28" name="Rectangle 27">
             <a:extLst>
               <a:ext uri="{FF2B5EF4-FFF2-40B4-BE49-F238E27FC236}">
-                <a16:creationId xmlns:a16="http://schemas.microsoft.com/office/drawing/2014/main" id="{8E4661C3-C199-B1D4-ECCF-4E91E83B6F99}"/>
+                <a16:creationId xmlns:a16="http://schemas.microsoft.com/office/drawing/2014/main" id="{14DB4231-7106-4165-0076-7D46A9055C3D}"/>
               </a:ext>
             </a:extLst>
           </p:cNvPr>
@@ -21957,19 +25041,668 @@
         </p:nvSpPr>
         <p:spPr bwMode="auto">
           <a:xfrm>
-            <a:off x="4601557" y="1615481"/>
-            <a:ext cx="1365555" cy="284434"/>
+            <a:off x="8104147" y="1047507"/>
+            <a:ext cx="1742421" cy="1914354"/>
           </a:xfrm>
           <a:prstGeom prst="rect">
             <a:avLst/>
           </a:prstGeom>
           <a:solidFill>
-            <a:schemeClr val="bg1"/>
+            <a:schemeClr val="bg1">
+              <a:lumMod val="95000"/>
+            </a:schemeClr>
           </a:solidFill>
-          <a:ln w="12700">
+          <a:ln w="9525">
             <a:solidFill>
               <a:schemeClr val="tx1"/>
             </a:solidFill>
+            <a:headEnd type="none" w="med" len="med"/>
+            <a:tailEnd type="none" w="med" len="med"/>
+          </a:ln>
+          <a:effectLst/>
+        </p:spPr>
+        <p:style>
+          <a:lnRef idx="1">
+            <a:schemeClr val="accent2"/>
+          </a:lnRef>
+          <a:fillRef idx="3">
+            <a:schemeClr val="accent2"/>
+          </a:fillRef>
+          <a:effectRef idx="2">
+            <a:schemeClr val="accent2"/>
+          </a:effectRef>
+          <a:fontRef idx="minor">
+            <a:schemeClr val="lt1"/>
+          </a:fontRef>
+        </p:style>
+        <p:txBody>
+          <a:bodyPr rot="0" spcFirstLastPara="0" vertOverflow="overflow" horzOverflow="overflow" vert="horz" wrap="square" lIns="91440" tIns="91440" rIns="0" bIns="45720" numCol="1" spcCol="0" rtlCol="0" fromWordArt="0" anchor="t" anchorCtr="0" forceAA="0" compatLnSpc="1">
+            <a:prstTxWarp prst="textNoShape">
+              <a:avLst/>
+            </a:prstTxWarp>
+            <a:noAutofit/>
+          </a:bodyPr>
+          <a:lstStyle/>
+          <a:p>
+            <a:pPr algn="ctr" defTabSz="932472" fontAlgn="base">
+              <a:lnSpc>
+                <a:spcPct val="90000"/>
+              </a:lnSpc>
+              <a:spcBef>
+                <a:spcPct val="0"/>
+              </a:spcBef>
+              <a:spcAft>
+                <a:spcPct val="0"/>
+              </a:spcAft>
+            </a:pPr>
+            <a:r>
+              <a:rPr lang="en-US" sz="900" b="1" dirty="0">
+                <a:solidFill>
+                  <a:schemeClr val="tx1"/>
+                </a:solidFill>
+                <a:latin typeface="Arial" panose="020B0604020202020204" pitchFamily="34" charset="0"/>
+                <a:ea typeface="Segoe UI" pitchFamily="34" charset="0"/>
+                <a:cs typeface="Arial" panose="020B0604020202020204" pitchFamily="34" charset="0"/>
+              </a:rPr>
+              <a:t>Prod Workspace</a:t>
+            </a:r>
+          </a:p>
+        </p:txBody>
+      </p:sp>
+      <p:grpSp>
+        <p:nvGrpSpPr>
+          <p:cNvPr id="29" name="Group 28">
+            <a:extLst>
+              <a:ext uri="{FF2B5EF4-FFF2-40B4-BE49-F238E27FC236}">
+                <a16:creationId xmlns:a16="http://schemas.microsoft.com/office/drawing/2014/main" id="{29C755D2-DC79-DB88-7955-A368BA8361F3}"/>
+              </a:ext>
+            </a:extLst>
+          </p:cNvPr>
+          <p:cNvGrpSpPr/>
+          <p:nvPr/>
+        </p:nvGrpSpPr>
+        <p:grpSpPr>
+          <a:xfrm>
+            <a:off x="8294137" y="1353539"/>
+            <a:ext cx="655911" cy="654509"/>
+            <a:chOff x="6295914" y="1428878"/>
+            <a:chExt cx="1693119" cy="1825354"/>
+          </a:xfrm>
+        </p:grpSpPr>
+        <p:sp>
+          <p:nvSpPr>
+            <p:cNvPr id="30" name="Rectangle 29">
+              <a:extLst>
+                <a:ext uri="{FF2B5EF4-FFF2-40B4-BE49-F238E27FC236}">
+                  <a16:creationId xmlns:a16="http://schemas.microsoft.com/office/drawing/2014/main" id="{AAC2A7C3-A0F5-B1F8-BF38-16E0A928668D}"/>
+                </a:ext>
+              </a:extLst>
+            </p:cNvPr>
+            <p:cNvSpPr/>
+            <p:nvPr/>
+          </p:nvSpPr>
+          <p:spPr bwMode="auto">
+            <a:xfrm>
+              <a:off x="6295914" y="1428878"/>
+              <a:ext cx="1693119" cy="1825354"/>
+            </a:xfrm>
+            <a:prstGeom prst="rect">
+              <a:avLst/>
+            </a:prstGeom>
+            <a:solidFill>
+              <a:schemeClr val="bg1">
+                <a:alpha val="45000"/>
+              </a:schemeClr>
+            </a:solidFill>
+            <a:ln w="12700">
+              <a:solidFill>
+                <a:schemeClr val="tx1"/>
+              </a:solidFill>
+              <a:headEnd type="none" w="med" len="med"/>
+              <a:tailEnd type="none" w="med" len="med"/>
+            </a:ln>
+            <a:effectLst/>
+          </p:spPr>
+          <p:style>
+            <a:lnRef idx="1">
+              <a:schemeClr val="accent2"/>
+            </a:lnRef>
+            <a:fillRef idx="3">
+              <a:schemeClr val="accent2"/>
+            </a:fillRef>
+            <a:effectRef idx="2">
+              <a:schemeClr val="accent2"/>
+            </a:effectRef>
+            <a:fontRef idx="minor">
+              <a:schemeClr val="lt1"/>
+            </a:fontRef>
+          </p:style>
+          <p:txBody>
+            <a:bodyPr rot="0" spcFirstLastPara="0" vertOverflow="overflow" horzOverflow="overflow" vert="horz" wrap="square" lIns="0" tIns="146304" rIns="0" bIns="45720" numCol="1" spcCol="0" rtlCol="0" fromWordArt="0" anchor="b" anchorCtr="0" forceAA="0" compatLnSpc="1">
+              <a:prstTxWarp prst="textNoShape">
+                <a:avLst/>
+              </a:prstTxWarp>
+              <a:noAutofit/>
+            </a:bodyPr>
+            <a:lstStyle/>
+            <a:p>
+              <a:pPr algn="ctr" defTabSz="932472" fontAlgn="base">
+                <a:lnSpc>
+                  <a:spcPct val="90000"/>
+                </a:lnSpc>
+                <a:spcBef>
+                  <a:spcPct val="0"/>
+                </a:spcBef>
+                <a:spcAft>
+                  <a:spcPct val="0"/>
+                </a:spcAft>
+              </a:pPr>
+              <a:r>
+                <a:rPr lang="en-US" sz="600" b="1" dirty="0">
+                  <a:solidFill>
+                    <a:schemeClr val="tx1"/>
+                  </a:solidFill>
+                  <a:latin typeface="Arial" panose="020B0604020202020204" pitchFamily="34" charset="0"/>
+                  <a:ea typeface="Segoe UI" pitchFamily="34" charset="0"/>
+                  <a:cs typeface="Arial" panose="020B0604020202020204" pitchFamily="34" charset="0"/>
+                </a:rPr>
+                <a:t>Semantic Model</a:t>
+              </a:r>
+            </a:p>
+          </p:txBody>
+        </p:sp>
+        <p:pic>
+          <p:nvPicPr>
+            <p:cNvPr id="31" name="Picture 30" descr="A white square with purple dots&#10;&#10;Description automatically generated">
+              <a:extLst>
+                <a:ext uri="{FF2B5EF4-FFF2-40B4-BE49-F238E27FC236}">
+                  <a16:creationId xmlns:a16="http://schemas.microsoft.com/office/drawing/2014/main" id="{A140B9E2-27C9-89DC-705B-F1348C972C51}"/>
+                </a:ext>
+              </a:extLst>
+            </p:cNvPr>
+            <p:cNvPicPr>
+              <a:picLocks noChangeAspect="1"/>
+            </p:cNvPicPr>
+            <p:nvPr/>
+          </p:nvPicPr>
+          <p:blipFill>
+            <a:blip r:embed="rId2" cstate="print">
+              <a:extLst>
+                <a:ext uri="{28A0092B-C50C-407E-A947-70E740481C1C}">
+                  <a14:useLocalDpi xmlns:a14="http://schemas.microsoft.com/office/drawing/2010/main" val="0"/>
+                </a:ext>
+              </a:extLst>
+            </a:blip>
+            <a:stretch>
+              <a:fillRect/>
+            </a:stretch>
+          </p:blipFill>
+          <p:spPr>
+            <a:xfrm>
+              <a:off x="6486779" y="1536648"/>
+              <a:ext cx="1311387" cy="1300896"/>
+            </a:xfrm>
+            <a:prstGeom prst="rect">
+              <a:avLst/>
+            </a:prstGeom>
+          </p:spPr>
+        </p:pic>
+      </p:grpSp>
+      <p:grpSp>
+        <p:nvGrpSpPr>
+          <p:cNvPr id="32" name="Group 31">
+            <a:extLst>
+              <a:ext uri="{FF2B5EF4-FFF2-40B4-BE49-F238E27FC236}">
+                <a16:creationId xmlns:a16="http://schemas.microsoft.com/office/drawing/2014/main" id="{EC8694A7-9840-00B5-D659-30BD4055B85B}"/>
+              </a:ext>
+            </a:extLst>
+          </p:cNvPr>
+          <p:cNvGrpSpPr/>
+          <p:nvPr/>
+        </p:nvGrpSpPr>
+        <p:grpSpPr>
+          <a:xfrm>
+            <a:off x="9053097" y="1353539"/>
+            <a:ext cx="657835" cy="654509"/>
+            <a:chOff x="6503915" y="831583"/>
+            <a:chExt cx="1229935" cy="1325994"/>
+          </a:xfrm>
+        </p:grpSpPr>
+        <p:sp>
+          <p:nvSpPr>
+            <p:cNvPr id="33" name="Rectangle 32">
+              <a:extLst>
+                <a:ext uri="{FF2B5EF4-FFF2-40B4-BE49-F238E27FC236}">
+                  <a16:creationId xmlns:a16="http://schemas.microsoft.com/office/drawing/2014/main" id="{AE11D1F1-ED0A-220C-11E7-FB376654D3C7}"/>
+                </a:ext>
+              </a:extLst>
+            </p:cNvPr>
+            <p:cNvSpPr/>
+            <p:nvPr/>
+          </p:nvSpPr>
+          <p:spPr bwMode="auto">
+            <a:xfrm>
+              <a:off x="6503915" y="831583"/>
+              <a:ext cx="1229935" cy="1325994"/>
+            </a:xfrm>
+            <a:prstGeom prst="rect">
+              <a:avLst/>
+            </a:prstGeom>
+            <a:solidFill>
+              <a:schemeClr val="bg1">
+                <a:alpha val="45000"/>
+              </a:schemeClr>
+            </a:solidFill>
+            <a:ln w="12700">
+              <a:solidFill>
+                <a:schemeClr val="bg1">
+                  <a:lumMod val="50000"/>
+                </a:schemeClr>
+              </a:solidFill>
+              <a:headEnd type="none" w="med" len="med"/>
+              <a:tailEnd type="none" w="med" len="med"/>
+            </a:ln>
+            <a:effectLst/>
+          </p:spPr>
+          <p:style>
+            <a:lnRef idx="1">
+              <a:schemeClr val="accent2"/>
+            </a:lnRef>
+            <a:fillRef idx="3">
+              <a:schemeClr val="accent2"/>
+            </a:fillRef>
+            <a:effectRef idx="2">
+              <a:schemeClr val="accent2"/>
+            </a:effectRef>
+            <a:fontRef idx="minor">
+              <a:schemeClr val="lt1"/>
+            </a:fontRef>
+          </p:style>
+          <p:txBody>
+            <a:bodyPr rot="0" spcFirstLastPara="0" vertOverflow="overflow" horzOverflow="overflow" vert="horz" wrap="square" lIns="0" tIns="146304" rIns="0" bIns="45720" numCol="1" spcCol="0" rtlCol="0" fromWordArt="0" anchor="b" anchorCtr="0" forceAA="0" compatLnSpc="1">
+              <a:prstTxWarp prst="textNoShape">
+                <a:avLst/>
+              </a:prstTxWarp>
+              <a:noAutofit/>
+            </a:bodyPr>
+            <a:lstStyle/>
+            <a:p>
+              <a:pPr algn="ctr" defTabSz="932472" fontAlgn="base">
+                <a:lnSpc>
+                  <a:spcPct val="90000"/>
+                </a:lnSpc>
+                <a:spcBef>
+                  <a:spcPct val="0"/>
+                </a:spcBef>
+                <a:spcAft>
+                  <a:spcPct val="0"/>
+                </a:spcAft>
+              </a:pPr>
+              <a:r>
+                <a:rPr lang="en-US" sz="600" b="1" dirty="0">
+                  <a:solidFill>
+                    <a:schemeClr val="tx1"/>
+                  </a:solidFill>
+                  <a:latin typeface="Arial" panose="020B0604020202020204" pitchFamily="34" charset="0"/>
+                  <a:ea typeface="Segoe UI" pitchFamily="34" charset="0"/>
+                  <a:cs typeface="Arial" panose="020B0604020202020204" pitchFamily="34" charset="0"/>
+                </a:rPr>
+                <a:t>Report</a:t>
+              </a:r>
+            </a:p>
+          </p:txBody>
+        </p:sp>
+        <p:pic>
+          <p:nvPicPr>
+            <p:cNvPr id="34" name="Picture 33" descr="A white square with a graph&#10;&#10;Description automatically generated">
+              <a:extLst>
+                <a:ext uri="{FF2B5EF4-FFF2-40B4-BE49-F238E27FC236}">
+                  <a16:creationId xmlns:a16="http://schemas.microsoft.com/office/drawing/2014/main" id="{2C0FD1C6-9C1C-8079-AC50-091835B08644}"/>
+                </a:ext>
+              </a:extLst>
+            </p:cNvPr>
+            <p:cNvPicPr>
+              <a:picLocks noChangeAspect="1"/>
+            </p:cNvPicPr>
+            <p:nvPr/>
+          </p:nvPicPr>
+          <p:blipFill>
+            <a:blip r:embed="rId3" cstate="print">
+              <a:extLst>
+                <a:ext uri="{28A0092B-C50C-407E-A947-70E740481C1C}">
+                  <a14:useLocalDpi xmlns:a14="http://schemas.microsoft.com/office/drawing/2010/main" val="0"/>
+                </a:ext>
+              </a:extLst>
+            </a:blip>
+            <a:stretch>
+              <a:fillRect/>
+            </a:stretch>
+          </p:blipFill>
+          <p:spPr>
+            <a:xfrm>
+              <a:off x="6642565" y="904155"/>
+              <a:ext cx="952633" cy="948822"/>
+            </a:xfrm>
+            <a:prstGeom prst="rect">
+              <a:avLst/>
+            </a:prstGeom>
+          </p:spPr>
+        </p:pic>
+      </p:grpSp>
+      <p:grpSp>
+        <p:nvGrpSpPr>
+          <p:cNvPr id="35" name="Group 34">
+            <a:extLst>
+              <a:ext uri="{FF2B5EF4-FFF2-40B4-BE49-F238E27FC236}">
+                <a16:creationId xmlns:a16="http://schemas.microsoft.com/office/drawing/2014/main" id="{F8326EE7-39D9-58D7-1768-F66F78865F6F}"/>
+              </a:ext>
+            </a:extLst>
+          </p:cNvPr>
+          <p:cNvGrpSpPr/>
+          <p:nvPr/>
+        </p:nvGrpSpPr>
+        <p:grpSpPr>
+          <a:xfrm>
+            <a:off x="9042146" y="2168548"/>
+            <a:ext cx="659688" cy="658278"/>
+            <a:chOff x="1943154" y="2871362"/>
+            <a:chExt cx="1229935" cy="1325994"/>
+          </a:xfrm>
+        </p:grpSpPr>
+        <p:sp>
+          <p:nvSpPr>
+            <p:cNvPr id="36" name="Rectangle 35">
+              <a:extLst>
+                <a:ext uri="{FF2B5EF4-FFF2-40B4-BE49-F238E27FC236}">
+                  <a16:creationId xmlns:a16="http://schemas.microsoft.com/office/drawing/2014/main" id="{F384C313-AAB7-9247-F7C3-348D4BB6EFD8}"/>
+                </a:ext>
+              </a:extLst>
+            </p:cNvPr>
+            <p:cNvSpPr/>
+            <p:nvPr/>
+          </p:nvSpPr>
+          <p:spPr bwMode="auto">
+            <a:xfrm>
+              <a:off x="1943154" y="2871362"/>
+              <a:ext cx="1229935" cy="1325994"/>
+            </a:xfrm>
+            <a:prstGeom prst="rect">
+              <a:avLst/>
+            </a:prstGeom>
+            <a:solidFill>
+              <a:schemeClr val="bg1">
+                <a:alpha val="45000"/>
+              </a:schemeClr>
+            </a:solidFill>
+            <a:ln w="12700">
+              <a:solidFill>
+                <a:schemeClr val="tx1"/>
+              </a:solidFill>
+              <a:headEnd type="none" w="med" len="med"/>
+              <a:tailEnd type="none" w="med" len="med"/>
+            </a:ln>
+            <a:effectLst/>
+          </p:spPr>
+          <p:style>
+            <a:lnRef idx="1">
+              <a:schemeClr val="accent2"/>
+            </a:lnRef>
+            <a:fillRef idx="3">
+              <a:schemeClr val="accent2"/>
+            </a:fillRef>
+            <a:effectRef idx="2">
+              <a:schemeClr val="accent2"/>
+            </a:effectRef>
+            <a:fontRef idx="minor">
+              <a:schemeClr val="lt1"/>
+            </a:fontRef>
+          </p:style>
+          <p:txBody>
+            <a:bodyPr rot="0" spcFirstLastPara="0" vertOverflow="overflow" horzOverflow="overflow" vert="horz" wrap="square" lIns="0" tIns="146304" rIns="0" bIns="45720" numCol="1" spcCol="0" rtlCol="0" fromWordArt="0" anchor="b" anchorCtr="0" forceAA="0" compatLnSpc="1">
+              <a:prstTxWarp prst="textNoShape">
+                <a:avLst/>
+              </a:prstTxWarp>
+              <a:noAutofit/>
+            </a:bodyPr>
+            <a:lstStyle/>
+            <a:p>
+              <a:pPr algn="ctr" defTabSz="932472" fontAlgn="base">
+                <a:lnSpc>
+                  <a:spcPct val="90000"/>
+                </a:lnSpc>
+                <a:spcBef>
+                  <a:spcPct val="0"/>
+                </a:spcBef>
+                <a:spcAft>
+                  <a:spcPct val="0"/>
+                </a:spcAft>
+              </a:pPr>
+              <a:r>
+                <a:rPr lang="en-US" sz="600" b="1" dirty="0">
+                  <a:solidFill>
+                    <a:schemeClr val="tx1"/>
+                  </a:solidFill>
+                  <a:latin typeface="Arial" panose="020B0604020202020204" pitchFamily="34" charset="0"/>
+                  <a:ea typeface="Segoe UI" pitchFamily="34" charset="0"/>
+                  <a:cs typeface="Arial" panose="020B0604020202020204" pitchFamily="34" charset="0"/>
+                </a:rPr>
+                <a:t>Notebook</a:t>
+              </a:r>
+              <a:endParaRPr lang="en-US" sz="1100" b="1" dirty="0">
+                <a:solidFill>
+                  <a:schemeClr val="tx1"/>
+                </a:solidFill>
+                <a:latin typeface="Arial" panose="020B0604020202020204" pitchFamily="34" charset="0"/>
+                <a:ea typeface="Segoe UI" pitchFamily="34" charset="0"/>
+                <a:cs typeface="Arial" panose="020B0604020202020204" pitchFamily="34" charset="0"/>
+              </a:endParaRPr>
+            </a:p>
+          </p:txBody>
+        </p:sp>
+        <p:pic>
+          <p:nvPicPr>
+            <p:cNvPr id="37" name="Picture 36" descr="A white book with a green symbol&#10;&#10;Description automatically generated">
+              <a:extLst>
+                <a:ext uri="{FF2B5EF4-FFF2-40B4-BE49-F238E27FC236}">
+                  <a16:creationId xmlns:a16="http://schemas.microsoft.com/office/drawing/2014/main" id="{2BE7ACA8-3994-8662-88FE-C64F7BFA3629}"/>
+                </a:ext>
+              </a:extLst>
+            </p:cNvPr>
+            <p:cNvPicPr>
+              <a:picLocks noChangeAspect="1"/>
+            </p:cNvPicPr>
+            <p:nvPr/>
+          </p:nvPicPr>
+          <p:blipFill>
+            <a:blip r:embed="rId4" cstate="print">
+              <a:extLst>
+                <a:ext uri="{28A0092B-C50C-407E-A947-70E740481C1C}">
+                  <a14:useLocalDpi xmlns:a14="http://schemas.microsoft.com/office/drawing/2010/main" val="0"/>
+                </a:ext>
+              </a:extLst>
+            </a:blip>
+            <a:stretch>
+              <a:fillRect/>
+            </a:stretch>
+          </p:blipFill>
+          <p:spPr>
+            <a:xfrm>
+              <a:off x="2126583" y="3033143"/>
+              <a:ext cx="838189" cy="834835"/>
+            </a:xfrm>
+            <a:prstGeom prst="rect">
+              <a:avLst/>
+            </a:prstGeom>
+          </p:spPr>
+        </p:pic>
+      </p:grpSp>
+      <p:grpSp>
+        <p:nvGrpSpPr>
+          <p:cNvPr id="38" name="Group 37">
+            <a:extLst>
+              <a:ext uri="{FF2B5EF4-FFF2-40B4-BE49-F238E27FC236}">
+                <a16:creationId xmlns:a16="http://schemas.microsoft.com/office/drawing/2014/main" id="{F78737FB-EA6B-193B-4C43-25712BA4DF65}"/>
+              </a:ext>
+            </a:extLst>
+          </p:cNvPr>
+          <p:cNvGrpSpPr/>
+          <p:nvPr/>
+        </p:nvGrpSpPr>
+        <p:grpSpPr>
+          <a:xfrm>
+            <a:off x="8283186" y="2168548"/>
+            <a:ext cx="655911" cy="654509"/>
+            <a:chOff x="540799" y="2865453"/>
+            <a:chExt cx="1229935" cy="1325994"/>
+          </a:xfrm>
+        </p:grpSpPr>
+        <p:sp>
+          <p:nvSpPr>
+            <p:cNvPr id="39" name="Rectangle 38">
+              <a:extLst>
+                <a:ext uri="{FF2B5EF4-FFF2-40B4-BE49-F238E27FC236}">
+                  <a16:creationId xmlns:a16="http://schemas.microsoft.com/office/drawing/2014/main" id="{D86AF671-8B85-05C1-1778-0603DE3E3B0B}"/>
+                </a:ext>
+              </a:extLst>
+            </p:cNvPr>
+            <p:cNvSpPr/>
+            <p:nvPr/>
+          </p:nvSpPr>
+          <p:spPr bwMode="auto">
+            <a:xfrm>
+              <a:off x="540799" y="2865453"/>
+              <a:ext cx="1229935" cy="1325994"/>
+            </a:xfrm>
+            <a:prstGeom prst="rect">
+              <a:avLst/>
+            </a:prstGeom>
+            <a:solidFill>
+              <a:schemeClr val="bg1">
+                <a:alpha val="45000"/>
+              </a:schemeClr>
+            </a:solidFill>
+            <a:ln w="12700">
+              <a:solidFill>
+                <a:schemeClr val="tx1"/>
+              </a:solidFill>
+              <a:headEnd type="none" w="med" len="med"/>
+              <a:tailEnd type="none" w="med" len="med"/>
+            </a:ln>
+            <a:effectLst/>
+          </p:spPr>
+          <p:style>
+            <a:lnRef idx="1">
+              <a:schemeClr val="accent2"/>
+            </a:lnRef>
+            <a:fillRef idx="3">
+              <a:schemeClr val="accent2"/>
+            </a:fillRef>
+            <a:effectRef idx="2">
+              <a:schemeClr val="accent2"/>
+            </a:effectRef>
+            <a:fontRef idx="minor">
+              <a:schemeClr val="lt1"/>
+            </a:fontRef>
+          </p:style>
+          <p:txBody>
+            <a:bodyPr rot="0" spcFirstLastPara="0" vertOverflow="overflow" horzOverflow="overflow" vert="horz" wrap="square" lIns="0" tIns="146304" rIns="0" bIns="45720" numCol="1" spcCol="0" rtlCol="0" fromWordArt="0" anchor="b" anchorCtr="0" forceAA="0" compatLnSpc="1">
+              <a:prstTxWarp prst="textNoShape">
+                <a:avLst/>
+              </a:prstTxWarp>
+              <a:noAutofit/>
+            </a:bodyPr>
+            <a:lstStyle/>
+            <a:p>
+              <a:pPr algn="ctr" defTabSz="932472" fontAlgn="base">
+                <a:lnSpc>
+                  <a:spcPct val="90000"/>
+                </a:lnSpc>
+                <a:spcBef>
+                  <a:spcPct val="0"/>
+                </a:spcBef>
+                <a:spcAft>
+                  <a:spcPct val="0"/>
+                </a:spcAft>
+              </a:pPr>
+              <a:r>
+                <a:rPr lang="en-US" sz="600" b="1" dirty="0">
+                  <a:solidFill>
+                    <a:schemeClr val="tx1"/>
+                  </a:solidFill>
+                  <a:latin typeface="Arial" panose="020B0604020202020204" pitchFamily="34" charset="0"/>
+                  <a:ea typeface="Segoe UI" pitchFamily="34" charset="0"/>
+                  <a:cs typeface="Arial" panose="020B0604020202020204" pitchFamily="34" charset="0"/>
+                </a:rPr>
+                <a:t>Lakehouse</a:t>
+              </a:r>
+            </a:p>
+          </p:txBody>
+        </p:sp>
+        <p:pic>
+          <p:nvPicPr>
+            <p:cNvPr id="40" name="Picture 39" descr="A blue and white sign with waves&#10;&#10;Description automatically generated">
+              <a:extLst>
+                <a:ext uri="{FF2B5EF4-FFF2-40B4-BE49-F238E27FC236}">
+                  <a16:creationId xmlns:a16="http://schemas.microsoft.com/office/drawing/2014/main" id="{7D9C4484-2301-DC95-08DD-C3DFDA67026E}"/>
+                </a:ext>
+              </a:extLst>
+            </p:cNvPr>
+            <p:cNvPicPr>
+              <a:picLocks noChangeAspect="1"/>
+            </p:cNvPicPr>
+            <p:nvPr/>
+          </p:nvPicPr>
+          <p:blipFill>
+            <a:blip r:embed="rId5" cstate="print">
+              <a:extLst>
+                <a:ext uri="{28A0092B-C50C-407E-A947-70E740481C1C}">
+                  <a14:useLocalDpi xmlns:a14="http://schemas.microsoft.com/office/drawing/2010/main" val="0"/>
+                </a:ext>
+              </a:extLst>
+            </a:blip>
+            <a:stretch>
+              <a:fillRect/>
+            </a:stretch>
+          </p:blipFill>
+          <p:spPr>
+            <a:xfrm>
+              <a:off x="672453" y="2962982"/>
+              <a:ext cx="908459" cy="904825"/>
+            </a:xfrm>
+            <a:prstGeom prst="rect">
+              <a:avLst/>
+            </a:prstGeom>
+          </p:spPr>
+        </p:pic>
+      </p:grpSp>
+      <p:sp>
+        <p:nvSpPr>
+          <p:cNvPr id="41" name="Arrow: Right 40">
+            <a:extLst>
+              <a:ext uri="{FF2B5EF4-FFF2-40B4-BE49-F238E27FC236}">
+                <a16:creationId xmlns:a16="http://schemas.microsoft.com/office/drawing/2014/main" id="{302BE8EE-2C7D-03A6-2772-69DFA7FD869A}"/>
+              </a:ext>
+            </a:extLst>
+          </p:cNvPr>
+          <p:cNvSpPr/>
+          <p:nvPr/>
+        </p:nvSpPr>
+        <p:spPr bwMode="auto">
+          <a:xfrm>
+            <a:off x="3793951" y="1635844"/>
+            <a:ext cx="1174127" cy="751136"/>
+          </a:xfrm>
+          <a:prstGeom prst="rightArrow">
+            <a:avLst>
+              <a:gd name="adj1" fmla="val 61383"/>
+              <a:gd name="adj2" fmla="val 50000"/>
+            </a:avLst>
+          </a:prstGeom>
+          <a:solidFill>
+            <a:srgbClr val="C00000"/>
+          </a:solidFill>
+          <a:ln>
+            <a:noFill/>
             <a:headEnd type="none" w="med" len="med"/>
             <a:tailEnd type="none" w="med" len="med"/>
           </a:ln>
@@ -22010,25 +25743,65 @@
               </a:spcAft>
             </a:pPr>
             <a:r>
-              <a:rPr lang="en-US" sz="800" b="1" dirty="0">
-                <a:solidFill>
-                  <a:schemeClr val="tx1"/>
-                </a:solidFill>
+              <a:rPr lang="en-US" sz="1100" b="1" dirty="0">
+                <a:gradFill>
+                  <a:gsLst>
+                    <a:gs pos="0">
+                      <a:srgbClr val="FFFFFF"/>
+                    </a:gs>
+                    <a:gs pos="100000">
+                      <a:srgbClr val="FFFFFF"/>
+                    </a:gs>
+                  </a:gsLst>
+                  <a:lin ang="5400000" scaled="0"/>
+                </a:gradFill>
                 <a:latin typeface="Lucida Console" panose="020B0609040504020204" pitchFamily="49" charset="0"/>
                 <a:ea typeface="Segoe UI" pitchFamily="34" charset="0"/>
                 <a:cs typeface="Segoe UI" pitchFamily="34" charset="0"/>
               </a:rPr>
-              <a:t>SemanticModel</a:t>
+              <a:t>Deploy</a:t>
+            </a:r>
+          </a:p>
+          <a:p>
+            <a:pPr algn="ctr" defTabSz="932472" fontAlgn="base">
+              <a:lnSpc>
+                <a:spcPct val="90000"/>
+              </a:lnSpc>
+              <a:spcBef>
+                <a:spcPct val="0"/>
+              </a:spcBef>
+              <a:spcAft>
+                <a:spcPct val="0"/>
+              </a:spcAft>
+            </a:pPr>
+            <a:r>
+              <a:rPr lang="en-US" sz="1100" b="1" dirty="0">
+                <a:gradFill>
+                  <a:gsLst>
+                    <a:gs pos="0">
+                      <a:srgbClr val="FFFFFF"/>
+                    </a:gs>
+                    <a:gs pos="100000">
+                      <a:srgbClr val="FFFFFF"/>
+                    </a:gs>
+                  </a:gsLst>
+                  <a:lin ang="5400000" scaled="0"/>
+                </a:gradFill>
+                <a:latin typeface="Lucida Console" panose="020B0609040504020204" pitchFamily="49" charset="0"/>
+                <a:ea typeface="Segoe UI" pitchFamily="34" charset="0"/>
+                <a:cs typeface="Segoe UI" pitchFamily="34" charset="0"/>
+              </a:rPr>
+              <a:t>changes</a:t>
             </a:r>
           </a:p>
         </p:txBody>
       </p:sp>
       <p:sp>
         <p:nvSpPr>
-          <p:cNvPr id="5" name="Rectangle 4">
+          <p:cNvPr id="42" name="Arrow: Right 41">
             <a:extLst>
               <a:ext uri="{FF2B5EF4-FFF2-40B4-BE49-F238E27FC236}">
-                <a16:creationId xmlns:a16="http://schemas.microsoft.com/office/drawing/2014/main" id="{E9F1799D-4036-5440-9CB5-4428BE5E0F21}"/>
+                <a16:creationId xmlns:a16="http://schemas.microsoft.com/office/drawing/2014/main" id="{491C9813-958B-F335-9A87-9343D5D35CA4}"/>
               </a:ext>
             </a:extLst>
           </p:cNvPr>
@@ -22037,19 +25810,20 @@
         </p:nvSpPr>
         <p:spPr bwMode="auto">
           <a:xfrm>
-            <a:off x="4601557" y="2021229"/>
-            <a:ext cx="1365555" cy="284434"/>
+            <a:off x="6872431" y="1635844"/>
+            <a:ext cx="1174127" cy="751136"/>
           </a:xfrm>
-          <a:prstGeom prst="rect">
-            <a:avLst/>
+          <a:prstGeom prst="rightArrow">
+            <a:avLst>
+              <a:gd name="adj1" fmla="val 61383"/>
+              <a:gd name="adj2" fmla="val 50000"/>
+            </a:avLst>
           </a:prstGeom>
           <a:solidFill>
-            <a:schemeClr val="bg1"/>
+            <a:srgbClr val="C00000"/>
           </a:solidFill>
-          <a:ln w="12700">
-            <a:solidFill>
-              <a:schemeClr val="tx1"/>
-            </a:solidFill>
+          <a:ln>
+            <a:noFill/>
             <a:headEnd type="none" w="med" len="med"/>
             <a:tailEnd type="none" w="med" len="med"/>
           </a:ln>
@@ -22090,76 +25864,25 @@
               </a:spcAft>
             </a:pPr>
             <a:r>
-              <a:rPr lang="en-US" sz="800" b="1" dirty="0">
-                <a:solidFill>
-                  <a:schemeClr val="tx1"/>
-                </a:solidFill>
+              <a:rPr lang="en-US" sz="1100" b="1" dirty="0">
+                <a:gradFill>
+                  <a:gsLst>
+                    <a:gs pos="0">
+                      <a:srgbClr val="FFFFFF"/>
+                    </a:gs>
+                    <a:gs pos="100000">
+                      <a:srgbClr val="FFFFFF"/>
+                    </a:gs>
+                  </a:gsLst>
+                  <a:lin ang="5400000" scaled="0"/>
+                </a:gradFill>
                 <a:latin typeface="Lucida Console" panose="020B0609040504020204" pitchFamily="49" charset="0"/>
                 <a:ea typeface="Segoe UI" pitchFamily="34" charset="0"/>
                 <a:cs typeface="Segoe UI" pitchFamily="34" charset="0"/>
               </a:rPr>
-              <a:t>Report</a:t>
+              <a:t>Deploy</a:t>
             </a:r>
           </a:p>
-        </p:txBody>
-      </p:sp>
-      <p:sp>
-        <p:nvSpPr>
-          <p:cNvPr id="6" name="Rectangle 5">
-            <a:extLst>
-              <a:ext uri="{FF2B5EF4-FFF2-40B4-BE49-F238E27FC236}">
-                <a16:creationId xmlns:a16="http://schemas.microsoft.com/office/drawing/2014/main" id="{3ACE34B8-29BB-ACA2-C5FE-CA8B7BA5D545}"/>
-              </a:ext>
-            </a:extLst>
-          </p:cNvPr>
-          <p:cNvSpPr/>
-          <p:nvPr/>
-        </p:nvSpPr>
-        <p:spPr bwMode="auto">
-          <a:xfrm>
-            <a:off x="2794856" y="1325822"/>
-            <a:ext cx="1593127" cy="1148749"/>
-          </a:xfrm>
-          <a:prstGeom prst="rect">
-            <a:avLst/>
-          </a:prstGeom>
-          <a:solidFill>
-            <a:schemeClr val="accent2">
-              <a:lumMod val="20000"/>
-              <a:lumOff val="80000"/>
-            </a:schemeClr>
-          </a:solidFill>
-          <a:ln w="12700">
-            <a:solidFill>
-              <a:schemeClr val="tx1"/>
-            </a:solidFill>
-            <a:headEnd type="none" w="med" len="med"/>
-            <a:tailEnd type="none" w="med" len="med"/>
-          </a:ln>
-          <a:effectLst/>
-        </p:spPr>
-        <p:style>
-          <a:lnRef idx="1">
-            <a:schemeClr val="accent2"/>
-          </a:lnRef>
-          <a:fillRef idx="3">
-            <a:schemeClr val="accent2"/>
-          </a:fillRef>
-          <a:effectRef idx="2">
-            <a:schemeClr val="accent2"/>
-          </a:effectRef>
-          <a:fontRef idx="minor">
-            <a:schemeClr val="lt1"/>
-          </a:fontRef>
-        </p:style>
-        <p:txBody>
-          <a:bodyPr rot="0" spcFirstLastPara="0" vertOverflow="overflow" horzOverflow="overflow" vert="horz" wrap="square" lIns="182880" tIns="91440" rIns="182880" bIns="146304" numCol="1" spcCol="0" rtlCol="0" fromWordArt="0" anchor="t" anchorCtr="0" forceAA="0" compatLnSpc="1">
-            <a:prstTxWarp prst="textNoShape">
-              <a:avLst/>
-            </a:prstTxWarp>
-            <a:noAutofit/>
-          </a:bodyPr>
-          <a:lstStyle/>
           <a:p>
             <a:pPr algn="ctr" defTabSz="932472" fontAlgn="base">
               <a:lnSpc>
@@ -22173,418 +25896,23 @@
               </a:spcAft>
             </a:pPr>
             <a:r>
-              <a:rPr lang="en-US" sz="800" dirty="0">
-                <a:solidFill>
-                  <a:schemeClr val="tx1"/>
-                </a:solidFill>
-                <a:latin typeface="Arial Black" panose="020B0A04020102020204" pitchFamily="34" charset="0"/>
-                <a:ea typeface="Segoe UI" pitchFamily="34" charset="0"/>
-                <a:cs typeface="Segoe UI" pitchFamily="34" charset="0"/>
-              </a:rPr>
-              <a:t>Data Engineering</a:t>
-            </a:r>
-          </a:p>
-        </p:txBody>
-      </p:sp>
-      <p:sp>
-        <p:nvSpPr>
-          <p:cNvPr id="7" name="Rectangle 6">
-            <a:extLst>
-              <a:ext uri="{FF2B5EF4-FFF2-40B4-BE49-F238E27FC236}">
-                <a16:creationId xmlns:a16="http://schemas.microsoft.com/office/drawing/2014/main" id="{677CF2FC-3D07-1FC2-9C61-FE0E7DDD4791}"/>
-              </a:ext>
-            </a:extLst>
-          </p:cNvPr>
-          <p:cNvSpPr/>
-          <p:nvPr/>
-        </p:nvSpPr>
-        <p:spPr bwMode="auto">
-          <a:xfrm>
-            <a:off x="2904705" y="1622108"/>
-            <a:ext cx="1365555" cy="284434"/>
-          </a:xfrm>
-          <a:prstGeom prst="rect">
-            <a:avLst/>
-          </a:prstGeom>
-          <a:solidFill>
-            <a:schemeClr val="bg1"/>
-          </a:solidFill>
-          <a:ln w="12700">
-            <a:solidFill>
-              <a:schemeClr val="tx1"/>
-            </a:solidFill>
-            <a:headEnd type="none" w="med" len="med"/>
-            <a:tailEnd type="none" w="med" len="med"/>
-          </a:ln>
-          <a:effectLst/>
-        </p:spPr>
-        <p:style>
-          <a:lnRef idx="1">
-            <a:schemeClr val="accent2"/>
-          </a:lnRef>
-          <a:fillRef idx="3">
-            <a:schemeClr val="accent2"/>
-          </a:fillRef>
-          <a:effectRef idx="2">
-            <a:schemeClr val="accent2"/>
-          </a:effectRef>
-          <a:fontRef idx="minor">
-            <a:schemeClr val="lt1"/>
-          </a:fontRef>
-        </p:style>
-        <p:txBody>
-          <a:bodyPr rot="0" spcFirstLastPara="0" vertOverflow="overflow" horzOverflow="overflow" vert="horz" wrap="square" lIns="0" tIns="0" rIns="0" bIns="0" numCol="1" spcCol="0" rtlCol="0" fromWordArt="0" anchor="ctr" anchorCtr="0" forceAA="0" compatLnSpc="1">
-            <a:prstTxWarp prst="textNoShape">
-              <a:avLst/>
-            </a:prstTxWarp>
-            <a:noAutofit/>
-          </a:bodyPr>
-          <a:lstStyle/>
-          <a:p>
-            <a:pPr algn="ctr" defTabSz="932472" fontAlgn="base">
-              <a:lnSpc>
-                <a:spcPct val="90000"/>
-              </a:lnSpc>
-              <a:spcBef>
-                <a:spcPct val="0"/>
-              </a:spcBef>
-              <a:spcAft>
-                <a:spcPct val="0"/>
-              </a:spcAft>
-            </a:pPr>
-            <a:r>
-              <a:rPr lang="en-US" sz="800" b="1" dirty="0">
-                <a:solidFill>
-                  <a:schemeClr val="tx1"/>
-                </a:solidFill>
+              <a:rPr lang="en-US" sz="1100" b="1" dirty="0">
+                <a:gradFill>
+                  <a:gsLst>
+                    <a:gs pos="0">
+                      <a:srgbClr val="FFFFFF"/>
+                    </a:gs>
+                    <a:gs pos="100000">
+                      <a:srgbClr val="FFFFFF"/>
+                    </a:gs>
+                  </a:gsLst>
+                  <a:lin ang="5400000" scaled="0"/>
+                </a:gradFill>
                 <a:latin typeface="Lucida Console" panose="020B0609040504020204" pitchFamily="49" charset="0"/>
                 <a:ea typeface="Segoe UI" pitchFamily="34" charset="0"/>
                 <a:cs typeface="Segoe UI" pitchFamily="34" charset="0"/>
               </a:rPr>
-              <a:t>Lakehouse</a:t>
-            </a:r>
-          </a:p>
-        </p:txBody>
-      </p:sp>
-      <p:sp>
-        <p:nvSpPr>
-          <p:cNvPr id="8" name="Rectangle 7">
-            <a:extLst>
-              <a:ext uri="{FF2B5EF4-FFF2-40B4-BE49-F238E27FC236}">
-                <a16:creationId xmlns:a16="http://schemas.microsoft.com/office/drawing/2014/main" id="{1434FA64-CFD5-9D82-D159-B8F5EBF04D3C}"/>
-              </a:ext>
-            </a:extLst>
-          </p:cNvPr>
-          <p:cNvSpPr/>
-          <p:nvPr/>
-        </p:nvSpPr>
-        <p:spPr bwMode="auto">
-          <a:xfrm>
-            <a:off x="2904705" y="2027856"/>
-            <a:ext cx="1365555" cy="284434"/>
-          </a:xfrm>
-          <a:prstGeom prst="rect">
-            <a:avLst/>
-          </a:prstGeom>
-          <a:solidFill>
-            <a:schemeClr val="bg1"/>
-          </a:solidFill>
-          <a:ln w="12700">
-            <a:solidFill>
-              <a:schemeClr val="tx1"/>
-            </a:solidFill>
-            <a:headEnd type="none" w="med" len="med"/>
-            <a:tailEnd type="none" w="med" len="med"/>
-          </a:ln>
-          <a:effectLst/>
-        </p:spPr>
-        <p:style>
-          <a:lnRef idx="1">
-            <a:schemeClr val="accent2"/>
-          </a:lnRef>
-          <a:fillRef idx="3">
-            <a:schemeClr val="accent2"/>
-          </a:fillRef>
-          <a:effectRef idx="2">
-            <a:schemeClr val="accent2"/>
-          </a:effectRef>
-          <a:fontRef idx="minor">
-            <a:schemeClr val="lt1"/>
-          </a:fontRef>
-        </p:style>
-        <p:txBody>
-          <a:bodyPr rot="0" spcFirstLastPara="0" vertOverflow="overflow" horzOverflow="overflow" vert="horz" wrap="square" lIns="0" tIns="0" rIns="0" bIns="0" numCol="1" spcCol="0" rtlCol="0" fromWordArt="0" anchor="ctr" anchorCtr="0" forceAA="0" compatLnSpc="1">
-            <a:prstTxWarp prst="textNoShape">
-              <a:avLst/>
-            </a:prstTxWarp>
-            <a:noAutofit/>
-          </a:bodyPr>
-          <a:lstStyle/>
-          <a:p>
-            <a:pPr algn="ctr" defTabSz="932472" fontAlgn="base">
-              <a:lnSpc>
-                <a:spcPct val="90000"/>
-              </a:lnSpc>
-              <a:spcBef>
-                <a:spcPct val="0"/>
-              </a:spcBef>
-              <a:spcAft>
-                <a:spcPct val="0"/>
-              </a:spcAft>
-            </a:pPr>
-            <a:r>
-              <a:rPr lang="en-US" sz="800" b="1" dirty="0">
-                <a:solidFill>
-                  <a:schemeClr val="tx1"/>
-                </a:solidFill>
-                <a:latin typeface="Lucida Console" panose="020B0609040504020204" pitchFamily="49" charset="0"/>
-                <a:ea typeface="Segoe UI" pitchFamily="34" charset="0"/>
-                <a:cs typeface="Segoe UI" pitchFamily="34" charset="0"/>
-              </a:rPr>
-              <a:t>Notebook</a:t>
-            </a:r>
-          </a:p>
-        </p:txBody>
-      </p:sp>
-      <p:sp>
-        <p:nvSpPr>
-          <p:cNvPr id="9" name="Rectangle 8">
-            <a:extLst>
-              <a:ext uri="{FF2B5EF4-FFF2-40B4-BE49-F238E27FC236}">
-                <a16:creationId xmlns:a16="http://schemas.microsoft.com/office/drawing/2014/main" id="{40A2B0E7-AFDC-2A0F-622C-16E2D7B273DC}"/>
-              </a:ext>
-            </a:extLst>
-          </p:cNvPr>
-          <p:cNvSpPr/>
-          <p:nvPr/>
-        </p:nvSpPr>
-        <p:spPr bwMode="auto">
-          <a:xfrm>
-            <a:off x="1098005" y="1325823"/>
-            <a:ext cx="1593127" cy="1148748"/>
-          </a:xfrm>
-          <a:prstGeom prst="rect">
-            <a:avLst/>
-          </a:prstGeom>
-          <a:solidFill>
-            <a:schemeClr val="accent1">
-              <a:lumMod val="20000"/>
-              <a:lumOff val="80000"/>
-            </a:schemeClr>
-          </a:solidFill>
-          <a:ln w="12700">
-            <a:solidFill>
-              <a:schemeClr val="tx1"/>
-            </a:solidFill>
-            <a:headEnd type="none" w="med" len="med"/>
-            <a:tailEnd type="none" w="med" len="med"/>
-          </a:ln>
-          <a:effectLst/>
-        </p:spPr>
-        <p:style>
-          <a:lnRef idx="1">
-            <a:schemeClr val="accent2"/>
-          </a:lnRef>
-          <a:fillRef idx="3">
-            <a:schemeClr val="accent2"/>
-          </a:fillRef>
-          <a:effectRef idx="2">
-            <a:schemeClr val="accent2"/>
-          </a:effectRef>
-          <a:fontRef idx="minor">
-            <a:schemeClr val="lt1"/>
-          </a:fontRef>
-        </p:style>
-        <p:txBody>
-          <a:bodyPr rot="0" spcFirstLastPara="0" vertOverflow="overflow" horzOverflow="overflow" vert="horz" wrap="square" lIns="182880" tIns="91440" rIns="182880" bIns="146304" numCol="1" spcCol="0" rtlCol="0" fromWordArt="0" anchor="t" anchorCtr="0" forceAA="0" compatLnSpc="1">
-            <a:prstTxWarp prst="textNoShape">
-              <a:avLst/>
-            </a:prstTxWarp>
-            <a:noAutofit/>
-          </a:bodyPr>
-          <a:lstStyle/>
-          <a:p>
-            <a:pPr algn="ctr" defTabSz="932472" fontAlgn="base">
-              <a:lnSpc>
-                <a:spcPct val="90000"/>
-              </a:lnSpc>
-              <a:spcBef>
-                <a:spcPct val="0"/>
-              </a:spcBef>
-              <a:spcAft>
-                <a:spcPct val="0"/>
-              </a:spcAft>
-            </a:pPr>
-            <a:r>
-              <a:rPr lang="en-US" sz="800" dirty="0">
-                <a:solidFill>
-                  <a:schemeClr val="tx1"/>
-                </a:solidFill>
-                <a:latin typeface="Arial Black" panose="020B0A04020102020204" pitchFamily="34" charset="0"/>
-                <a:ea typeface="Segoe UI" pitchFamily="34" charset="0"/>
-                <a:cs typeface="Segoe UI" pitchFamily="34" charset="0"/>
-              </a:rPr>
-              <a:t>Data Factory</a:t>
-            </a:r>
-          </a:p>
-        </p:txBody>
-      </p:sp>
-      <p:sp>
-        <p:nvSpPr>
-          <p:cNvPr id="10" name="Rectangle 9">
-            <a:extLst>
-              <a:ext uri="{FF2B5EF4-FFF2-40B4-BE49-F238E27FC236}">
-                <a16:creationId xmlns:a16="http://schemas.microsoft.com/office/drawing/2014/main" id="{406F4A74-A745-AF5B-9369-5C3D180874C8}"/>
-              </a:ext>
-            </a:extLst>
-          </p:cNvPr>
-          <p:cNvSpPr/>
-          <p:nvPr/>
-        </p:nvSpPr>
-        <p:spPr bwMode="auto">
-          <a:xfrm>
-            <a:off x="1207854" y="1622110"/>
-            <a:ext cx="1365555" cy="284434"/>
-          </a:xfrm>
-          <a:prstGeom prst="rect">
-            <a:avLst/>
-          </a:prstGeom>
-          <a:solidFill>
-            <a:schemeClr val="bg1"/>
-          </a:solidFill>
-          <a:ln w="12700">
-            <a:solidFill>
-              <a:schemeClr val="tx1"/>
-            </a:solidFill>
-            <a:headEnd type="none" w="med" len="med"/>
-            <a:tailEnd type="none" w="med" len="med"/>
-          </a:ln>
-          <a:effectLst/>
-        </p:spPr>
-        <p:style>
-          <a:lnRef idx="1">
-            <a:schemeClr val="accent2"/>
-          </a:lnRef>
-          <a:fillRef idx="3">
-            <a:schemeClr val="accent2"/>
-          </a:fillRef>
-          <a:effectRef idx="2">
-            <a:schemeClr val="accent2"/>
-          </a:effectRef>
-          <a:fontRef idx="minor">
-            <a:schemeClr val="lt1"/>
-          </a:fontRef>
-        </p:style>
-        <p:txBody>
-          <a:bodyPr rot="0" spcFirstLastPara="0" vertOverflow="overflow" horzOverflow="overflow" vert="horz" wrap="square" lIns="0" tIns="0" rIns="0" bIns="0" numCol="1" spcCol="0" rtlCol="0" fromWordArt="0" anchor="ctr" anchorCtr="0" forceAA="0" compatLnSpc="1">
-            <a:prstTxWarp prst="textNoShape">
-              <a:avLst/>
-            </a:prstTxWarp>
-            <a:noAutofit/>
-          </a:bodyPr>
-          <a:lstStyle/>
-          <a:p>
-            <a:pPr algn="ctr" defTabSz="932472" fontAlgn="base">
-              <a:lnSpc>
-                <a:spcPct val="90000"/>
-              </a:lnSpc>
-              <a:spcBef>
-                <a:spcPct val="0"/>
-              </a:spcBef>
-              <a:spcAft>
-                <a:spcPct val="0"/>
-              </a:spcAft>
-            </a:pPr>
-            <a:r>
-              <a:rPr lang="en-US" sz="800" b="1" dirty="0">
-                <a:solidFill>
-                  <a:schemeClr val="tx1"/>
-                </a:solidFill>
-                <a:latin typeface="Lucida Console" panose="020B0609040504020204" pitchFamily="49" charset="0"/>
-                <a:ea typeface="Segoe UI" pitchFamily="34" charset="0"/>
-                <a:cs typeface="Segoe UI" pitchFamily="34" charset="0"/>
-              </a:rPr>
-              <a:t>DataPipeline</a:t>
-            </a:r>
-          </a:p>
-        </p:txBody>
-      </p:sp>
-      <p:sp>
-        <p:nvSpPr>
-          <p:cNvPr id="11" name="Rectangle 10">
-            <a:extLst>
-              <a:ext uri="{FF2B5EF4-FFF2-40B4-BE49-F238E27FC236}">
-                <a16:creationId xmlns:a16="http://schemas.microsoft.com/office/drawing/2014/main" id="{AC33F274-94E7-A1C8-CB73-99E0BD59B505}"/>
-              </a:ext>
-            </a:extLst>
-          </p:cNvPr>
-          <p:cNvSpPr/>
-          <p:nvPr/>
-        </p:nvSpPr>
-        <p:spPr bwMode="auto">
-          <a:xfrm>
-            <a:off x="1207854" y="2027858"/>
-            <a:ext cx="1365555" cy="284434"/>
-          </a:xfrm>
-          <a:prstGeom prst="rect">
-            <a:avLst/>
-          </a:prstGeom>
-          <a:solidFill>
-            <a:schemeClr val="bg1"/>
-          </a:solidFill>
-          <a:ln w="12700">
-            <a:solidFill>
-              <a:schemeClr val="tx1"/>
-            </a:solidFill>
-            <a:headEnd type="none" w="med" len="med"/>
-            <a:tailEnd type="none" w="med" len="med"/>
-          </a:ln>
-          <a:effectLst/>
-        </p:spPr>
-        <p:style>
-          <a:lnRef idx="1">
-            <a:schemeClr val="accent2"/>
-          </a:lnRef>
-          <a:fillRef idx="3">
-            <a:schemeClr val="accent2"/>
-          </a:fillRef>
-          <a:effectRef idx="2">
-            <a:schemeClr val="accent2"/>
-          </a:effectRef>
-          <a:fontRef idx="minor">
-            <a:schemeClr val="lt1"/>
-          </a:fontRef>
-        </p:style>
-        <p:txBody>
-          <a:bodyPr rot="0" spcFirstLastPara="0" vertOverflow="overflow" horzOverflow="overflow" vert="horz" wrap="square" lIns="0" tIns="0" rIns="0" bIns="0" numCol="1" spcCol="0" rtlCol="0" fromWordArt="0" anchor="ctr" anchorCtr="0" forceAA="0" compatLnSpc="1">
-            <a:prstTxWarp prst="textNoShape">
-              <a:avLst/>
-            </a:prstTxWarp>
-            <a:noAutofit/>
-          </a:bodyPr>
-          <a:lstStyle/>
-          <a:p>
-            <a:pPr algn="ctr" defTabSz="932472" fontAlgn="base">
-              <a:lnSpc>
-                <a:spcPct val="90000"/>
-              </a:lnSpc>
-              <a:spcBef>
-                <a:spcPct val="0"/>
-              </a:spcBef>
-              <a:spcAft>
-                <a:spcPct val="0"/>
-              </a:spcAft>
-            </a:pPr>
-            <a:r>
-              <a:rPr lang="en-US" sz="800" b="1" dirty="0">
-                <a:solidFill>
-                  <a:schemeClr val="tx1"/>
-                </a:solidFill>
-                <a:latin typeface="Lucida Console" panose="020B0609040504020204" pitchFamily="49" charset="0"/>
-                <a:ea typeface="Segoe UI" pitchFamily="34" charset="0"/>
-                <a:cs typeface="Segoe UI" pitchFamily="34" charset="0"/>
-              </a:rPr>
-              <a:t>Dataflow</a:t>
+              <a:t>changes</a:t>
             </a:r>
           </a:p>
         </p:txBody>
@@ -22592,7 +25920,7 @@
     </p:spTree>
     <p:extLst>
       <p:ext uri="{BB962C8B-B14F-4D97-AF65-F5344CB8AC3E}">
-        <p14:creationId xmlns:p14="http://schemas.microsoft.com/office/powerpoint/2010/main" val="444921670"/>
+        <p14:creationId xmlns:p14="http://schemas.microsoft.com/office/powerpoint/2010/main" val="2516019051"/>
       </p:ext>
     </p:extLst>
   </p:cSld>
@@ -22605,7 +25933,7 @@
 </p:sld>
 </file>
 
-<file path=ppt/slides/slide31.xml><?xml version="1.0" encoding="utf-8"?>
+<file path=ppt/slides/slide33.xml><?xml version="1.0" encoding="utf-8"?>
 <p:sld xmlns:a="http://schemas.openxmlformats.org/drawingml/2006/main" xmlns:r="http://schemas.openxmlformats.org/officeDocument/2006/relationships" xmlns:p="http://schemas.openxmlformats.org/presentationml/2006/main">
   <p:cSld>
     <p:spTree>
@@ -22877,7 +26205,7 @@
 </p:sld>
 </file>
 
-<file path=ppt/slides/slide32.xml><?xml version="1.0" encoding="utf-8"?>
+<file path=ppt/slides/slide34.xml><?xml version="1.0" encoding="utf-8"?>
 <p:sld xmlns:a="http://schemas.openxmlformats.org/drawingml/2006/main" xmlns:r="http://schemas.openxmlformats.org/officeDocument/2006/relationships" xmlns:p="http://schemas.openxmlformats.org/presentationml/2006/main">
   <p:cSld>
     <p:spTree>
@@ -23014,7 +26342,7 @@
 </p:sld>
 </file>
 
-<file path=ppt/slides/slide33.xml><?xml version="1.0" encoding="utf-8"?>
+<file path=ppt/slides/slide35.xml><?xml version="1.0" encoding="utf-8"?>
 <p:sld xmlns:a="http://schemas.openxmlformats.org/drawingml/2006/main" xmlns:r="http://schemas.openxmlformats.org/officeDocument/2006/relationships" xmlns:p="http://schemas.openxmlformats.org/presentationml/2006/main">
   <p:cSld>
     <p:spTree>
@@ -27250,7 +30578,7 @@
 </p:sld>
 </file>
 
-<file path=ppt/slides/slide34.xml><?xml version="1.0" encoding="utf-8"?>
+<file path=ppt/slides/slide36.xml><?xml version="1.0" encoding="utf-8"?>
 <p:sld xmlns:a="http://schemas.openxmlformats.org/drawingml/2006/main" xmlns:r="http://schemas.openxmlformats.org/officeDocument/2006/relationships" xmlns:p="http://schemas.openxmlformats.org/presentationml/2006/main">
   <p:cSld>
     <p:spTree>
@@ -27371,7 +30699,7 @@
 </p:sld>
 </file>
 
-<file path=ppt/slides/slide35.xml><?xml version="1.0" encoding="utf-8"?>
+<file path=ppt/slides/slide37.xml><?xml version="1.0" encoding="utf-8"?>
 <p:sld xmlns:a="http://schemas.openxmlformats.org/drawingml/2006/main" xmlns:r="http://schemas.openxmlformats.org/officeDocument/2006/relationships" xmlns:p="http://schemas.openxmlformats.org/presentationml/2006/main">
   <p:cSld>
     <p:spTree>
@@ -29472,7 +32800,7 @@
 </p:sld>
 </file>
 
-<file path=ppt/slides/slide36.xml><?xml version="1.0" encoding="utf-8"?>
+<file path=ppt/slides/slide38.xml><?xml version="1.0" encoding="utf-8"?>
 <p:sld xmlns:a="http://schemas.openxmlformats.org/drawingml/2006/main" xmlns:r="http://schemas.openxmlformats.org/officeDocument/2006/relationships" xmlns:p="http://schemas.openxmlformats.org/presentationml/2006/main">
   <p:cSld>
     <p:spTree>
@@ -30457,7 +33785,7 @@
 </p:sld>
 </file>
 
-<file path=ppt/slides/slide37.xml><?xml version="1.0" encoding="utf-8"?>
+<file path=ppt/slides/slide39.xml><?xml version="1.0" encoding="utf-8"?>
 <p:sld xmlns:a="http://schemas.openxmlformats.org/drawingml/2006/main" xmlns:r="http://schemas.openxmlformats.org/officeDocument/2006/relationships" xmlns:p="http://schemas.openxmlformats.org/presentationml/2006/main">
   <p:cSld>
     <p:spTree>
@@ -31320,142 +34648,6 @@
 </p:sld>
 </file>
 
-<file path=ppt/slides/slide38.xml><?xml version="1.0" encoding="utf-8"?>
-<p:sld xmlns:a="http://schemas.openxmlformats.org/drawingml/2006/main" xmlns:r="http://schemas.openxmlformats.org/officeDocument/2006/relationships" xmlns:p="http://schemas.openxmlformats.org/presentationml/2006/main">
-  <p:cSld>
-    <p:spTree>
-      <p:nvGrpSpPr>
-        <p:cNvPr id="1" name=""/>
-        <p:cNvGrpSpPr/>
-        <p:nvPr/>
-      </p:nvGrpSpPr>
-      <p:grpSpPr>
-        <a:xfrm>
-          <a:off x="0" y="0"/>
-          <a:ext cx="0" cy="0"/>
-          <a:chOff x="0" y="0"/>
-          <a:chExt cx="0" cy="0"/>
-        </a:xfrm>
-      </p:grpSpPr>
-      <p:pic>
-        <p:nvPicPr>
-          <p:cNvPr id="5" name="Picture 4">
-            <a:extLst>
-              <a:ext uri="{FF2B5EF4-FFF2-40B4-BE49-F238E27FC236}">
-                <a16:creationId xmlns:a16="http://schemas.microsoft.com/office/drawing/2014/main" id="{51BCC36B-13B7-308D-5CE2-436D5116C59B}"/>
-              </a:ext>
-            </a:extLst>
-          </p:cNvPr>
-          <p:cNvPicPr>
-            <a:picLocks noChangeAspect="1"/>
-          </p:cNvPicPr>
-          <p:nvPr/>
-        </p:nvPicPr>
-        <p:blipFill>
-          <a:blip r:embed="rId2"/>
-          <a:stretch>
-            <a:fillRect/>
-          </a:stretch>
-        </p:blipFill>
-        <p:spPr>
-          <a:xfrm>
-            <a:off x="712908" y="358379"/>
-            <a:ext cx="7373379" cy="5668166"/>
-          </a:xfrm>
-          <a:prstGeom prst="rect">
-            <a:avLst/>
-          </a:prstGeom>
-          <a:ln>
-            <a:solidFill>
-              <a:schemeClr val="tx1"/>
-            </a:solidFill>
-          </a:ln>
-        </p:spPr>
-      </p:pic>
-    </p:spTree>
-    <p:extLst>
-      <p:ext uri="{BB962C8B-B14F-4D97-AF65-F5344CB8AC3E}">
-        <p14:creationId xmlns:p14="http://schemas.microsoft.com/office/powerpoint/2010/main" val="2083112187"/>
-      </p:ext>
-    </p:extLst>
-  </p:cSld>
-  <p:clrMapOvr>
-    <a:masterClrMapping/>
-  </p:clrMapOvr>
-  <p:transition>
-    <p:fade/>
-  </p:transition>
-</p:sld>
-</file>
-
-<file path=ppt/slides/slide39.xml><?xml version="1.0" encoding="utf-8"?>
-<p:sld xmlns:a="http://schemas.openxmlformats.org/drawingml/2006/main" xmlns:r="http://schemas.openxmlformats.org/officeDocument/2006/relationships" xmlns:p="http://schemas.openxmlformats.org/presentationml/2006/main">
-  <p:cSld>
-    <p:spTree>
-      <p:nvGrpSpPr>
-        <p:cNvPr id="1" name=""/>
-        <p:cNvGrpSpPr/>
-        <p:nvPr/>
-      </p:nvGrpSpPr>
-      <p:grpSpPr>
-        <a:xfrm>
-          <a:off x="0" y="0"/>
-          <a:ext cx="0" cy="0"/>
-          <a:chOff x="0" y="0"/>
-          <a:chExt cx="0" cy="0"/>
-        </a:xfrm>
-      </p:grpSpPr>
-      <p:pic>
-        <p:nvPicPr>
-          <p:cNvPr id="3" name="Picture 2">
-            <a:extLst>
-              <a:ext uri="{FF2B5EF4-FFF2-40B4-BE49-F238E27FC236}">
-                <a16:creationId xmlns:a16="http://schemas.microsoft.com/office/drawing/2014/main" id="{2F62AF20-7495-721F-2F6E-7E59BFFF8907}"/>
-              </a:ext>
-            </a:extLst>
-          </p:cNvPr>
-          <p:cNvPicPr>
-            <a:picLocks noChangeAspect="1"/>
-          </p:cNvPicPr>
-          <p:nvPr/>
-        </p:nvPicPr>
-        <p:blipFill>
-          <a:blip r:embed="rId2"/>
-          <a:stretch>
-            <a:fillRect/>
-          </a:stretch>
-        </p:blipFill>
-        <p:spPr>
-          <a:xfrm>
-            <a:off x="894522" y="939416"/>
-            <a:ext cx="8935278" cy="3789745"/>
-          </a:xfrm>
-          <a:prstGeom prst="rect">
-            <a:avLst/>
-          </a:prstGeom>
-          <a:ln>
-            <a:solidFill>
-              <a:schemeClr val="tx1"/>
-            </a:solidFill>
-          </a:ln>
-        </p:spPr>
-      </p:pic>
-    </p:spTree>
-    <p:extLst>
-      <p:ext uri="{BB962C8B-B14F-4D97-AF65-F5344CB8AC3E}">
-        <p14:creationId xmlns:p14="http://schemas.microsoft.com/office/powerpoint/2010/main" val="1774043978"/>
-      </p:ext>
-    </p:extLst>
-  </p:cSld>
-  <p:clrMapOvr>
-    <a:masterClrMapping/>
-  </p:clrMapOvr>
-  <p:transition>
-    <p:fade/>
-  </p:transition>
-</p:sld>
-</file>
-
 <file path=ppt/slides/slide4.xml><?xml version="1.0" encoding="utf-8"?>
 <p:sld xmlns:a="http://schemas.openxmlformats.org/drawingml/2006/main" xmlns:r="http://schemas.openxmlformats.org/officeDocument/2006/relationships" xmlns:p="http://schemas.openxmlformats.org/presentationml/2006/main">
   <p:cSld>
@@ -31525,6 +34717,142 @@
 </file>
 
 <file path=ppt/slides/slide40.xml><?xml version="1.0" encoding="utf-8"?>
+<p:sld xmlns:a="http://schemas.openxmlformats.org/drawingml/2006/main" xmlns:r="http://schemas.openxmlformats.org/officeDocument/2006/relationships" xmlns:p="http://schemas.openxmlformats.org/presentationml/2006/main">
+  <p:cSld>
+    <p:spTree>
+      <p:nvGrpSpPr>
+        <p:cNvPr id="1" name=""/>
+        <p:cNvGrpSpPr/>
+        <p:nvPr/>
+      </p:nvGrpSpPr>
+      <p:grpSpPr>
+        <a:xfrm>
+          <a:off x="0" y="0"/>
+          <a:ext cx="0" cy="0"/>
+          <a:chOff x="0" y="0"/>
+          <a:chExt cx="0" cy="0"/>
+        </a:xfrm>
+      </p:grpSpPr>
+      <p:pic>
+        <p:nvPicPr>
+          <p:cNvPr id="5" name="Picture 4">
+            <a:extLst>
+              <a:ext uri="{FF2B5EF4-FFF2-40B4-BE49-F238E27FC236}">
+                <a16:creationId xmlns:a16="http://schemas.microsoft.com/office/drawing/2014/main" id="{51BCC36B-13B7-308D-5CE2-436D5116C59B}"/>
+              </a:ext>
+            </a:extLst>
+          </p:cNvPr>
+          <p:cNvPicPr>
+            <a:picLocks noChangeAspect="1"/>
+          </p:cNvPicPr>
+          <p:nvPr/>
+        </p:nvPicPr>
+        <p:blipFill>
+          <a:blip r:embed="rId2"/>
+          <a:stretch>
+            <a:fillRect/>
+          </a:stretch>
+        </p:blipFill>
+        <p:spPr>
+          <a:xfrm>
+            <a:off x="712908" y="358379"/>
+            <a:ext cx="7373379" cy="5668166"/>
+          </a:xfrm>
+          <a:prstGeom prst="rect">
+            <a:avLst/>
+          </a:prstGeom>
+          <a:ln>
+            <a:solidFill>
+              <a:schemeClr val="tx1"/>
+            </a:solidFill>
+          </a:ln>
+        </p:spPr>
+      </p:pic>
+    </p:spTree>
+    <p:extLst>
+      <p:ext uri="{BB962C8B-B14F-4D97-AF65-F5344CB8AC3E}">
+        <p14:creationId xmlns:p14="http://schemas.microsoft.com/office/powerpoint/2010/main" val="2083112187"/>
+      </p:ext>
+    </p:extLst>
+  </p:cSld>
+  <p:clrMapOvr>
+    <a:masterClrMapping/>
+  </p:clrMapOvr>
+  <p:transition>
+    <p:fade/>
+  </p:transition>
+</p:sld>
+</file>
+
+<file path=ppt/slides/slide41.xml><?xml version="1.0" encoding="utf-8"?>
+<p:sld xmlns:a="http://schemas.openxmlformats.org/drawingml/2006/main" xmlns:r="http://schemas.openxmlformats.org/officeDocument/2006/relationships" xmlns:p="http://schemas.openxmlformats.org/presentationml/2006/main">
+  <p:cSld>
+    <p:spTree>
+      <p:nvGrpSpPr>
+        <p:cNvPr id="1" name=""/>
+        <p:cNvGrpSpPr/>
+        <p:nvPr/>
+      </p:nvGrpSpPr>
+      <p:grpSpPr>
+        <a:xfrm>
+          <a:off x="0" y="0"/>
+          <a:ext cx="0" cy="0"/>
+          <a:chOff x="0" y="0"/>
+          <a:chExt cx="0" cy="0"/>
+        </a:xfrm>
+      </p:grpSpPr>
+      <p:pic>
+        <p:nvPicPr>
+          <p:cNvPr id="3" name="Picture 2">
+            <a:extLst>
+              <a:ext uri="{FF2B5EF4-FFF2-40B4-BE49-F238E27FC236}">
+                <a16:creationId xmlns:a16="http://schemas.microsoft.com/office/drawing/2014/main" id="{2F62AF20-7495-721F-2F6E-7E59BFFF8907}"/>
+              </a:ext>
+            </a:extLst>
+          </p:cNvPr>
+          <p:cNvPicPr>
+            <a:picLocks noChangeAspect="1"/>
+          </p:cNvPicPr>
+          <p:nvPr/>
+        </p:nvPicPr>
+        <p:blipFill>
+          <a:blip r:embed="rId2"/>
+          <a:stretch>
+            <a:fillRect/>
+          </a:stretch>
+        </p:blipFill>
+        <p:spPr>
+          <a:xfrm>
+            <a:off x="894522" y="939416"/>
+            <a:ext cx="8935278" cy="3789745"/>
+          </a:xfrm>
+          <a:prstGeom prst="rect">
+            <a:avLst/>
+          </a:prstGeom>
+          <a:ln>
+            <a:solidFill>
+              <a:schemeClr val="tx1"/>
+            </a:solidFill>
+          </a:ln>
+        </p:spPr>
+      </p:pic>
+    </p:spTree>
+    <p:extLst>
+      <p:ext uri="{BB962C8B-B14F-4D97-AF65-F5344CB8AC3E}">
+        <p14:creationId xmlns:p14="http://schemas.microsoft.com/office/powerpoint/2010/main" val="1774043978"/>
+      </p:ext>
+    </p:extLst>
+  </p:cSld>
+  <p:clrMapOvr>
+    <a:masterClrMapping/>
+  </p:clrMapOvr>
+  <p:transition>
+    <p:fade/>
+  </p:transition>
+</p:sld>
+</file>
+
+<file path=ppt/slides/slide42.xml><?xml version="1.0" encoding="utf-8"?>
 <p:sld xmlns:a="http://schemas.openxmlformats.org/drawingml/2006/main" xmlns:r="http://schemas.openxmlformats.org/officeDocument/2006/relationships" xmlns:p="http://schemas.openxmlformats.org/presentationml/2006/main">
   <p:cSld>
     <p:spTree>
@@ -31673,7 +35001,7 @@
 </p:sld>
 </file>
 
-<file path=ppt/slides/slide41.xml><?xml version="1.0" encoding="utf-8"?>
+<file path=ppt/slides/slide43.xml><?xml version="1.0" encoding="utf-8"?>
 <p:sld xmlns:a="http://schemas.openxmlformats.org/drawingml/2006/main" xmlns:r="http://schemas.openxmlformats.org/officeDocument/2006/relationships" xmlns:p="http://schemas.openxmlformats.org/presentationml/2006/main">
   <p:cSld>
     <p:spTree>
@@ -31741,7 +35069,7 @@
 </p:sld>
 </file>
 
-<file path=ppt/slides/slide42.xml><?xml version="1.0" encoding="utf-8"?>
+<file path=ppt/slides/slide44.xml><?xml version="1.0" encoding="utf-8"?>
 <p:sld xmlns:a="http://schemas.openxmlformats.org/drawingml/2006/main" xmlns:r="http://schemas.openxmlformats.org/officeDocument/2006/relationships" xmlns:p="http://schemas.openxmlformats.org/presentationml/2006/main">
   <p:cSld>
     <p:spTree>
@@ -31809,7 +35137,7 @@
 </p:sld>
 </file>
 
-<file path=ppt/slides/slide43.xml><?xml version="1.0" encoding="utf-8"?>
+<file path=ppt/slides/slide45.xml><?xml version="1.0" encoding="utf-8"?>
 <p:sld xmlns:a="http://schemas.openxmlformats.org/drawingml/2006/main" xmlns:r="http://schemas.openxmlformats.org/officeDocument/2006/relationships" xmlns:p="http://schemas.openxmlformats.org/presentationml/2006/main">
   <p:cSld>
     <p:spTree>
@@ -31872,7 +35200,7 @@
 </p:sld>
 </file>
 
-<file path=ppt/slides/slide44.xml><?xml version="1.0" encoding="utf-8"?>
+<file path=ppt/slides/slide46.xml><?xml version="1.0" encoding="utf-8"?>
 <p:sld xmlns:a="http://schemas.openxmlformats.org/drawingml/2006/main" xmlns:r="http://schemas.openxmlformats.org/officeDocument/2006/relationships" xmlns:p="http://schemas.openxmlformats.org/presentationml/2006/main">
   <p:cSld>
     <p:spTree>
@@ -31935,7 +35263,7 @@
 </p:sld>
 </file>
 
-<file path=ppt/slides/slide45.xml><?xml version="1.0" encoding="utf-8"?>
+<file path=ppt/slides/slide47.xml><?xml version="1.0" encoding="utf-8"?>
 <p:sld xmlns:a="http://schemas.openxmlformats.org/drawingml/2006/main" xmlns:r="http://schemas.openxmlformats.org/officeDocument/2006/relationships" xmlns:p="http://schemas.openxmlformats.org/presentationml/2006/main">
   <p:cSld>
     <p:spTree>
@@ -32003,7 +35331,7 @@
 </p:sld>
 </file>
 
-<file path=ppt/slides/slide46.xml><?xml version="1.0" encoding="utf-8"?>
+<file path=ppt/slides/slide48.xml><?xml version="1.0" encoding="utf-8"?>
 <p:sld xmlns:a="http://schemas.openxmlformats.org/drawingml/2006/main" xmlns:r="http://schemas.openxmlformats.org/officeDocument/2006/relationships" xmlns:p="http://schemas.openxmlformats.org/presentationml/2006/main">
   <p:cSld>
     <p:spTree>
@@ -32071,7 +35399,7 @@
 </p:sld>
 </file>
 
-<file path=ppt/slides/slide47.xml><?xml version="1.0" encoding="utf-8"?>
+<file path=ppt/slides/slide49.xml><?xml version="1.0" encoding="utf-8"?>
 <p:sld xmlns:a="http://schemas.openxmlformats.org/drawingml/2006/main" xmlns:r="http://schemas.openxmlformats.org/officeDocument/2006/relationships" xmlns:p="http://schemas.openxmlformats.org/presentationml/2006/main">
   <p:cSld>
     <p:spTree>
@@ -32127,74 +35455,6 @@
     <p:extLst>
       <p:ext uri="{BB962C8B-B14F-4D97-AF65-F5344CB8AC3E}">
         <p14:creationId xmlns:p14="http://schemas.microsoft.com/office/powerpoint/2010/main" val="1186910088"/>
-      </p:ext>
-    </p:extLst>
-  </p:cSld>
-  <p:clrMapOvr>
-    <a:masterClrMapping/>
-  </p:clrMapOvr>
-  <p:transition>
-    <p:fade/>
-  </p:transition>
-</p:sld>
-</file>
-
-<file path=ppt/slides/slide48.xml><?xml version="1.0" encoding="utf-8"?>
-<p:sld xmlns:a="http://schemas.openxmlformats.org/drawingml/2006/main" xmlns:r="http://schemas.openxmlformats.org/officeDocument/2006/relationships" xmlns:p="http://schemas.openxmlformats.org/presentationml/2006/main">
-  <p:cSld>
-    <p:spTree>
-      <p:nvGrpSpPr>
-        <p:cNvPr id="1" name=""/>
-        <p:cNvGrpSpPr/>
-        <p:nvPr/>
-      </p:nvGrpSpPr>
-      <p:grpSpPr>
-        <a:xfrm>
-          <a:off x="0" y="0"/>
-          <a:ext cx="0" cy="0"/>
-          <a:chOff x="0" y="0"/>
-          <a:chExt cx="0" cy="0"/>
-        </a:xfrm>
-      </p:grpSpPr>
-      <p:pic>
-        <p:nvPicPr>
-          <p:cNvPr id="3" name="Picture 2">
-            <a:extLst>
-              <a:ext uri="{FF2B5EF4-FFF2-40B4-BE49-F238E27FC236}">
-                <a16:creationId xmlns:a16="http://schemas.microsoft.com/office/drawing/2014/main" id="{2886B019-F44B-0CCB-46D3-037548512D89}"/>
-              </a:ext>
-            </a:extLst>
-          </p:cNvPr>
-          <p:cNvPicPr>
-            <a:picLocks noChangeAspect="1"/>
-          </p:cNvPicPr>
-          <p:nvPr/>
-        </p:nvPicPr>
-        <p:blipFill>
-          <a:blip r:embed="rId2"/>
-          <a:stretch>
-            <a:fillRect/>
-          </a:stretch>
-        </p:blipFill>
-        <p:spPr>
-          <a:xfrm>
-            <a:off x="2607758" y="1101390"/>
-            <a:ext cx="7220958" cy="4791744"/>
-          </a:xfrm>
-          <a:prstGeom prst="rect">
-            <a:avLst/>
-          </a:prstGeom>
-          <a:ln>
-            <a:solidFill>
-              <a:schemeClr val="tx1"/>
-            </a:solidFill>
-          </a:ln>
-        </p:spPr>
-      </p:pic>
-    </p:spTree>
-    <p:extLst>
-      <p:ext uri="{BB962C8B-B14F-4D97-AF65-F5344CB8AC3E}">
-        <p14:creationId xmlns:p14="http://schemas.microsoft.com/office/powerpoint/2010/main" val="3283614765"/>
       </p:ext>
     </p:extLst>
   </p:cSld>
@@ -32263,6 +35523,74 @@
     <p:extLst>
       <p:ext uri="{BB962C8B-B14F-4D97-AF65-F5344CB8AC3E}">
         <p14:creationId xmlns:p14="http://schemas.microsoft.com/office/powerpoint/2010/main" val="2045113176"/>
+      </p:ext>
+    </p:extLst>
+  </p:cSld>
+  <p:clrMapOvr>
+    <a:masterClrMapping/>
+  </p:clrMapOvr>
+  <p:transition>
+    <p:fade/>
+  </p:transition>
+</p:sld>
+</file>
+
+<file path=ppt/slides/slide50.xml><?xml version="1.0" encoding="utf-8"?>
+<p:sld xmlns:a="http://schemas.openxmlformats.org/drawingml/2006/main" xmlns:r="http://schemas.openxmlformats.org/officeDocument/2006/relationships" xmlns:p="http://schemas.openxmlformats.org/presentationml/2006/main">
+  <p:cSld>
+    <p:spTree>
+      <p:nvGrpSpPr>
+        <p:cNvPr id="1" name=""/>
+        <p:cNvGrpSpPr/>
+        <p:nvPr/>
+      </p:nvGrpSpPr>
+      <p:grpSpPr>
+        <a:xfrm>
+          <a:off x="0" y="0"/>
+          <a:ext cx="0" cy="0"/>
+          <a:chOff x="0" y="0"/>
+          <a:chExt cx="0" cy="0"/>
+        </a:xfrm>
+      </p:grpSpPr>
+      <p:pic>
+        <p:nvPicPr>
+          <p:cNvPr id="3" name="Picture 2">
+            <a:extLst>
+              <a:ext uri="{FF2B5EF4-FFF2-40B4-BE49-F238E27FC236}">
+                <a16:creationId xmlns:a16="http://schemas.microsoft.com/office/drawing/2014/main" id="{2886B019-F44B-0CCB-46D3-037548512D89}"/>
+              </a:ext>
+            </a:extLst>
+          </p:cNvPr>
+          <p:cNvPicPr>
+            <a:picLocks noChangeAspect="1"/>
+          </p:cNvPicPr>
+          <p:nvPr/>
+        </p:nvPicPr>
+        <p:blipFill>
+          <a:blip r:embed="rId2"/>
+          <a:stretch>
+            <a:fillRect/>
+          </a:stretch>
+        </p:blipFill>
+        <p:spPr>
+          <a:xfrm>
+            <a:off x="2607758" y="1101390"/>
+            <a:ext cx="7220958" cy="4791744"/>
+          </a:xfrm>
+          <a:prstGeom prst="rect">
+            <a:avLst/>
+          </a:prstGeom>
+          <a:ln>
+            <a:solidFill>
+              <a:schemeClr val="tx1"/>
+            </a:solidFill>
+          </a:ln>
+        </p:spPr>
+      </p:pic>
+    </p:spTree>
+    <p:extLst>
+      <p:ext uri="{BB962C8B-B14F-4D97-AF65-F5344CB8AC3E}">
+        <p14:creationId xmlns:p14="http://schemas.microsoft.com/office/powerpoint/2010/main" val="3283614765"/>
       </p:ext>
     </p:extLst>
   </p:cSld>

--- a/Part 1 - Overview of Fabric CICD.pptx
+++ b/Part 1 - Overview of Fabric CICD.pptx
@@ -6,10 +6,10 @@
     <p:sldMasterId id="2147484576" r:id="rId5"/>
   </p:sldMasterIdLst>
   <p:notesMasterIdLst>
-    <p:notesMasterId r:id="rId63"/>
+    <p:notesMasterId r:id="rId64"/>
   </p:notesMasterIdLst>
   <p:handoutMasterIdLst>
-    <p:handoutMasterId r:id="rId64"/>
+    <p:handoutMasterId r:id="rId65"/>
   </p:handoutMasterIdLst>
   <p:sldIdLst>
     <p:sldId id="2147482125" r:id="rId6"/>
@@ -19,56 +19,57 @@
     <p:sldId id="2147482173" r:id="rId10"/>
     <p:sldId id="2147482101" r:id="rId11"/>
     <p:sldId id="2147482113" r:id="rId12"/>
-    <p:sldId id="2147482102" r:id="rId13"/>
-    <p:sldId id="2147482162" r:id="rId14"/>
-    <p:sldId id="2147482163" r:id="rId15"/>
-    <p:sldId id="2147482168" r:id="rId16"/>
-    <p:sldId id="2147482181" r:id="rId17"/>
-    <p:sldId id="2147482164" r:id="rId18"/>
-    <p:sldId id="2147482165" r:id="rId19"/>
-    <p:sldId id="2147482114" r:id="rId20"/>
-    <p:sldId id="2147482166" r:id="rId21"/>
-    <p:sldId id="2147482182" r:id="rId22"/>
-    <p:sldId id="2147482170" r:id="rId23"/>
-    <p:sldId id="2147482183" r:id="rId24"/>
-    <p:sldId id="2147482172" r:id="rId25"/>
-    <p:sldId id="2147482169" r:id="rId26"/>
-    <p:sldId id="2147482171" r:id="rId27"/>
-    <p:sldId id="2147482167" r:id="rId28"/>
-    <p:sldId id="2147482116" r:id="rId29"/>
-    <p:sldId id="2147482132" r:id="rId30"/>
-    <p:sldId id="2147482118" r:id="rId31"/>
-    <p:sldId id="2147482139" r:id="rId32"/>
-    <p:sldId id="2147482124" r:id="rId33"/>
-    <p:sldId id="2147482121" r:id="rId34"/>
-    <p:sldId id="2147482122" r:id="rId35"/>
-    <p:sldId id="2147482120" r:id="rId36"/>
-    <p:sldId id="2147482119" r:id="rId37"/>
-    <p:sldId id="2147482146" r:id="rId38"/>
-    <p:sldId id="2147482140" r:id="rId39"/>
-    <p:sldId id="2147482141" r:id="rId40"/>
-    <p:sldId id="2147482177" r:id="rId41"/>
-    <p:sldId id="2147482179" r:id="rId42"/>
-    <p:sldId id="2147482161" r:id="rId43"/>
-    <p:sldId id="2147482178" r:id="rId44"/>
-    <p:sldId id="2147482180" r:id="rId45"/>
-    <p:sldId id="2147482160" r:id="rId46"/>
-    <p:sldId id="2147482147" r:id="rId47"/>
-    <p:sldId id="2147482184" r:id="rId48"/>
-    <p:sldId id="2147482185" r:id="rId49"/>
-    <p:sldId id="2147482148" r:id="rId50"/>
-    <p:sldId id="2147482155" r:id="rId51"/>
-    <p:sldId id="2147482152" r:id="rId52"/>
-    <p:sldId id="2147482150" r:id="rId53"/>
-    <p:sldId id="2147482153" r:id="rId54"/>
-    <p:sldId id="2147482154" r:id="rId55"/>
-    <p:sldId id="2147482156" r:id="rId56"/>
-    <p:sldId id="2147482151" r:id="rId57"/>
-    <p:sldId id="2147482149" r:id="rId58"/>
-    <p:sldId id="2147482157" r:id="rId59"/>
-    <p:sldId id="2147482158" r:id="rId60"/>
-    <p:sldId id="2147482175" r:id="rId61"/>
-    <p:sldId id="2147482123" r:id="rId62"/>
+    <p:sldId id="2147482186" r:id="rId13"/>
+    <p:sldId id="2147482102" r:id="rId14"/>
+    <p:sldId id="2147482162" r:id="rId15"/>
+    <p:sldId id="2147482163" r:id="rId16"/>
+    <p:sldId id="2147482168" r:id="rId17"/>
+    <p:sldId id="2147482181" r:id="rId18"/>
+    <p:sldId id="2147482164" r:id="rId19"/>
+    <p:sldId id="2147482165" r:id="rId20"/>
+    <p:sldId id="2147482114" r:id="rId21"/>
+    <p:sldId id="2147482166" r:id="rId22"/>
+    <p:sldId id="2147482182" r:id="rId23"/>
+    <p:sldId id="2147482170" r:id="rId24"/>
+    <p:sldId id="2147482183" r:id="rId25"/>
+    <p:sldId id="2147482172" r:id="rId26"/>
+    <p:sldId id="2147482169" r:id="rId27"/>
+    <p:sldId id="2147482171" r:id="rId28"/>
+    <p:sldId id="2147482167" r:id="rId29"/>
+    <p:sldId id="2147482116" r:id="rId30"/>
+    <p:sldId id="2147482132" r:id="rId31"/>
+    <p:sldId id="2147482118" r:id="rId32"/>
+    <p:sldId id="2147482139" r:id="rId33"/>
+    <p:sldId id="2147482124" r:id="rId34"/>
+    <p:sldId id="2147482121" r:id="rId35"/>
+    <p:sldId id="2147482122" r:id="rId36"/>
+    <p:sldId id="2147482120" r:id="rId37"/>
+    <p:sldId id="2147482119" r:id="rId38"/>
+    <p:sldId id="2147482146" r:id="rId39"/>
+    <p:sldId id="2147482140" r:id="rId40"/>
+    <p:sldId id="2147482141" r:id="rId41"/>
+    <p:sldId id="2147482177" r:id="rId42"/>
+    <p:sldId id="2147482179" r:id="rId43"/>
+    <p:sldId id="2147482161" r:id="rId44"/>
+    <p:sldId id="2147482178" r:id="rId45"/>
+    <p:sldId id="2147482180" r:id="rId46"/>
+    <p:sldId id="2147482160" r:id="rId47"/>
+    <p:sldId id="2147482147" r:id="rId48"/>
+    <p:sldId id="2147482184" r:id="rId49"/>
+    <p:sldId id="2147482185" r:id="rId50"/>
+    <p:sldId id="2147482148" r:id="rId51"/>
+    <p:sldId id="2147482155" r:id="rId52"/>
+    <p:sldId id="2147482152" r:id="rId53"/>
+    <p:sldId id="2147482150" r:id="rId54"/>
+    <p:sldId id="2147482153" r:id="rId55"/>
+    <p:sldId id="2147482154" r:id="rId56"/>
+    <p:sldId id="2147482156" r:id="rId57"/>
+    <p:sldId id="2147482151" r:id="rId58"/>
+    <p:sldId id="2147482149" r:id="rId59"/>
+    <p:sldId id="2147482157" r:id="rId60"/>
+    <p:sldId id="2147482158" r:id="rId61"/>
+    <p:sldId id="2147482175" r:id="rId62"/>
+    <p:sldId id="2147482123" r:id="rId63"/>
   </p:sldIdLst>
   <p:sldSz cx="12436475" cy="6994525"/>
   <p:notesSz cx="7010400" cy="9296400"/>
@@ -179,6 +180,7 @@
             <p14:sldId id="2147482173"/>
             <p14:sldId id="2147482101"/>
             <p14:sldId id="2147482113"/>
+            <p14:sldId id="2147482186"/>
             <p14:sldId id="2147482102"/>
             <p14:sldId id="2147482162"/>
             <p14:sldId id="2147482163"/>
@@ -580,7 +582,7 @@
           <a:p>
             <a:fld id="{DCE60099-03E7-4FA1-8A7F-E6E6CFB0F855}" type="datetime8">
               <a:rPr lang="en-US" smtClean="0"/>
-              <a:t>1/31/2026 10:19 AM</a:t>
+              <a:t>2/3/2026 1:59 PM</a:t>
             </a:fld>
             <a:endParaRPr lang="en-US"/>
           </a:p>
@@ -1133,7 +1135,7 @@
             <a:fld id="{B4008EB6-D09E-4580-8CD6-DDB14511944F}" type="slidenum">
               <a:rPr lang="en-US" smtClean="0"/>
               <a:pPr/>
-              <a:t>20</a:t>
+              <a:t>21</a:t>
             </a:fld>
             <a:endParaRPr lang="en-US"/>
           </a:p>
@@ -1275,7 +1277,7 @@
             <a:fld id="{B4008EB6-D09E-4580-8CD6-DDB14511944F}" type="slidenum">
               <a:rPr lang="en-US" smtClean="0"/>
               <a:pPr/>
-              <a:t>23</a:t>
+              <a:t>24</a:t>
             </a:fld>
             <a:endParaRPr lang="en-US"/>
           </a:p>
@@ -1417,7 +1419,7 @@
             <a:fld id="{B4008EB6-D09E-4580-8CD6-DDB14511944F}" type="slidenum">
               <a:rPr lang="en-US" smtClean="0"/>
               <a:pPr/>
-              <a:t>25</a:t>
+              <a:t>26</a:t>
             </a:fld>
             <a:endParaRPr lang="en-US"/>
           </a:p>
@@ -1559,7 +1561,7 @@
             <a:fld id="{B4008EB6-D09E-4580-8CD6-DDB14511944F}" type="slidenum">
               <a:rPr lang="en-US" smtClean="0"/>
               <a:pPr/>
-              <a:t>32</a:t>
+              <a:t>33</a:t>
             </a:fld>
             <a:endParaRPr lang="en-US"/>
           </a:p>
@@ -1701,7 +1703,7 @@
             <a:fld id="{B4008EB6-D09E-4580-8CD6-DDB14511944F}" type="slidenum">
               <a:rPr lang="en-US" smtClean="0"/>
               <a:pPr/>
-              <a:t>38</a:t>
+              <a:t>39</a:t>
             </a:fld>
             <a:endParaRPr lang="en-US"/>
           </a:p>
@@ -5990,6 +5992,74 @@
           <p:cNvPr id="3" name="Picture 2">
             <a:extLst>
               <a:ext uri="{FF2B5EF4-FFF2-40B4-BE49-F238E27FC236}">
+                <a16:creationId xmlns:a16="http://schemas.microsoft.com/office/drawing/2014/main" id="{11F83280-6ACC-1CD9-59C4-9CDAA2D6C296}"/>
+              </a:ext>
+            </a:extLst>
+          </p:cNvPr>
+          <p:cNvPicPr>
+            <a:picLocks noChangeAspect="1"/>
+          </p:cNvPicPr>
+          <p:nvPr/>
+        </p:nvPicPr>
+        <p:blipFill>
+          <a:blip r:embed="rId2"/>
+          <a:stretch>
+            <a:fillRect/>
+          </a:stretch>
+        </p:blipFill>
+        <p:spPr>
+          <a:xfrm>
+            <a:off x="1512231" y="1291918"/>
+            <a:ext cx="7244143" cy="3394776"/>
+          </a:xfrm>
+          <a:prstGeom prst="rect">
+            <a:avLst/>
+          </a:prstGeom>
+          <a:ln>
+            <a:solidFill>
+              <a:schemeClr val="tx1"/>
+            </a:solidFill>
+          </a:ln>
+        </p:spPr>
+      </p:pic>
+    </p:spTree>
+    <p:extLst>
+      <p:ext uri="{BB962C8B-B14F-4D97-AF65-F5344CB8AC3E}">
+        <p14:creationId xmlns:p14="http://schemas.microsoft.com/office/powerpoint/2010/main" val="2756237070"/>
+      </p:ext>
+    </p:extLst>
+  </p:cSld>
+  <p:clrMapOvr>
+    <a:masterClrMapping/>
+  </p:clrMapOvr>
+  <p:transition>
+    <p:fade/>
+  </p:transition>
+</p:sld>
+</file>
+
+<file path=ppt/slides/slide11.xml><?xml version="1.0" encoding="utf-8"?>
+<p:sld xmlns:a="http://schemas.openxmlformats.org/drawingml/2006/main" xmlns:r="http://schemas.openxmlformats.org/officeDocument/2006/relationships" xmlns:p="http://schemas.openxmlformats.org/presentationml/2006/main">
+  <p:cSld>
+    <p:spTree>
+      <p:nvGrpSpPr>
+        <p:cNvPr id="1" name=""/>
+        <p:cNvGrpSpPr/>
+        <p:nvPr/>
+      </p:nvGrpSpPr>
+      <p:grpSpPr>
+        <a:xfrm>
+          <a:off x="0" y="0"/>
+          <a:ext cx="0" cy="0"/>
+          <a:chOff x="0" y="0"/>
+          <a:chExt cx="0" cy="0"/>
+        </a:xfrm>
+      </p:grpSpPr>
+      <p:pic>
+        <p:nvPicPr>
+          <p:cNvPr id="3" name="Picture 2">
+            <a:extLst>
+              <a:ext uri="{FF2B5EF4-FFF2-40B4-BE49-F238E27FC236}">
                 <a16:creationId xmlns:a16="http://schemas.microsoft.com/office/drawing/2014/main" id="{F59F07A0-596C-8E32-98E4-4EDD4A18B05E}"/>
               </a:ext>
             </a:extLst>
@@ -6036,7 +6106,7 @@
 </p:sld>
 </file>
 
-<file path=ppt/slides/slide11.xml><?xml version="1.0" encoding="utf-8"?>
+<file path=ppt/slides/slide12.xml><?xml version="1.0" encoding="utf-8"?>
 <p:sld xmlns:a="http://schemas.openxmlformats.org/drawingml/2006/main" xmlns:r="http://schemas.openxmlformats.org/officeDocument/2006/relationships" xmlns:p="http://schemas.openxmlformats.org/presentationml/2006/main">
   <p:cSld>
     <p:spTree>
@@ -6191,7 +6261,7 @@
 </p:sld>
 </file>
 
-<file path=ppt/slides/slide12.xml><?xml version="1.0" encoding="utf-8"?>
+<file path=ppt/slides/slide13.xml><?xml version="1.0" encoding="utf-8"?>
 <p:sld xmlns:a="http://schemas.openxmlformats.org/drawingml/2006/main" xmlns:r="http://schemas.openxmlformats.org/officeDocument/2006/relationships" xmlns:p="http://schemas.openxmlformats.org/presentationml/2006/main">
   <p:cSld>
     <p:spTree>
@@ -6605,7 +6675,7 @@
 </p:sld>
 </file>
 
-<file path=ppt/slides/slide13.xml><?xml version="1.0" encoding="utf-8"?>
+<file path=ppt/slides/slide14.xml><?xml version="1.0" encoding="utf-8"?>
 <p:sld xmlns:a="http://schemas.openxmlformats.org/drawingml/2006/main" xmlns:r="http://schemas.openxmlformats.org/officeDocument/2006/relationships" xmlns:p="http://schemas.openxmlformats.org/presentationml/2006/main">
   <p:cSld>
     <p:spTree>
@@ -6673,7 +6743,7 @@
 </p:sld>
 </file>
 
-<file path=ppt/slides/slide14.xml><?xml version="1.0" encoding="utf-8"?>
+<file path=ppt/slides/slide15.xml><?xml version="1.0" encoding="utf-8"?>
 <p:sld xmlns:a="http://schemas.openxmlformats.org/drawingml/2006/main" xmlns:r="http://schemas.openxmlformats.org/officeDocument/2006/relationships" xmlns:p="http://schemas.openxmlformats.org/presentationml/2006/main">
   <p:cSld>
     <p:spTree>
@@ -6742,7 +6812,7 @@
 </p:sld>
 </file>
 
-<file path=ppt/slides/slide15.xml><?xml version="1.0" encoding="utf-8"?>
+<file path=ppt/slides/slide16.xml><?xml version="1.0" encoding="utf-8"?>
 <p:sld xmlns:a="http://schemas.openxmlformats.org/drawingml/2006/main" xmlns:r="http://schemas.openxmlformats.org/officeDocument/2006/relationships" xmlns:p="http://schemas.openxmlformats.org/presentationml/2006/main">
   <p:cSld>
     <p:spTree>
@@ -7174,7 +7244,7 @@
 </p:sld>
 </file>
 
-<file path=ppt/slides/slide16.xml><?xml version="1.0" encoding="utf-8"?>
+<file path=ppt/slides/slide17.xml><?xml version="1.0" encoding="utf-8"?>
 <p:sld xmlns:a="http://schemas.openxmlformats.org/drawingml/2006/main" xmlns:r="http://schemas.openxmlformats.org/officeDocument/2006/relationships" xmlns:p="http://schemas.openxmlformats.org/presentationml/2006/main">
   <p:cSld>
     <p:spTree>
@@ -7802,7 +7872,7 @@
 </p:sld>
 </file>
 
-<file path=ppt/slides/slide17.xml><?xml version="1.0" encoding="utf-8"?>
+<file path=ppt/slides/slide18.xml><?xml version="1.0" encoding="utf-8"?>
 <p:sld xmlns:a="http://schemas.openxmlformats.org/drawingml/2006/main" xmlns:r="http://schemas.openxmlformats.org/officeDocument/2006/relationships" xmlns:p="http://schemas.openxmlformats.org/presentationml/2006/main">
   <p:cSld>
     <p:spTree>
@@ -8430,7 +8500,7 @@
 </p:sld>
 </file>
 
-<file path=ppt/slides/slide18.xml><?xml version="1.0" encoding="utf-8"?>
+<file path=ppt/slides/slide19.xml><?xml version="1.0" encoding="utf-8"?>
 <p:sld xmlns:a="http://schemas.openxmlformats.org/drawingml/2006/main" xmlns:r="http://schemas.openxmlformats.org/officeDocument/2006/relationships" xmlns:p="http://schemas.openxmlformats.org/presentationml/2006/main">
   <p:cSld>
     <p:spTree>
@@ -8498,7 +8568,766 @@
 </p:sld>
 </file>
 
-<file path=ppt/slides/slide19.xml><?xml version="1.0" encoding="utf-8"?>
+<file path=ppt/slides/slide2.xml><?xml version="1.0" encoding="utf-8"?>
+<p:sld xmlns:a="http://schemas.openxmlformats.org/drawingml/2006/main" xmlns:r="http://schemas.openxmlformats.org/officeDocument/2006/relationships" xmlns:p="http://schemas.openxmlformats.org/presentationml/2006/main">
+  <p:cSld>
+    <p:spTree>
+      <p:nvGrpSpPr>
+        <p:cNvPr id="1" name="">
+          <a:extLst>
+            <a:ext uri="{FF2B5EF4-FFF2-40B4-BE49-F238E27FC236}">
+              <a16:creationId xmlns:a16="http://schemas.microsoft.com/office/drawing/2014/main" id="{ED388E04-D23A-A25B-F1EB-8E9F9E3F2CFC}"/>
+            </a:ext>
+          </a:extLst>
+        </p:cNvPr>
+        <p:cNvGrpSpPr/>
+        <p:nvPr/>
+      </p:nvGrpSpPr>
+      <p:grpSpPr>
+        <a:xfrm>
+          <a:off x="0" y="0"/>
+          <a:ext cx="0" cy="0"/>
+          <a:chOff x="0" y="0"/>
+          <a:chExt cx="0" cy="0"/>
+        </a:xfrm>
+      </p:grpSpPr>
+      <p:sp>
+        <p:nvSpPr>
+          <p:cNvPr id="32" name="Rectangle 31">
+            <a:extLst>
+              <a:ext uri="{FF2B5EF4-FFF2-40B4-BE49-F238E27FC236}">
+                <a16:creationId xmlns:a16="http://schemas.microsoft.com/office/drawing/2014/main" id="{4E7FFA56-CE0E-CFF5-B162-583DA80A914D}"/>
+              </a:ext>
+            </a:extLst>
+          </p:cNvPr>
+          <p:cNvSpPr/>
+          <p:nvPr/>
+        </p:nvSpPr>
+        <p:spPr bwMode="auto">
+          <a:xfrm>
+            <a:off x="698157" y="1328512"/>
+            <a:ext cx="5066539" cy="2011035"/>
+          </a:xfrm>
+          <a:prstGeom prst="rect">
+            <a:avLst/>
+          </a:prstGeom>
+          <a:solidFill>
+            <a:schemeClr val="bg1">
+              <a:lumMod val="85000"/>
+            </a:schemeClr>
+          </a:solidFill>
+          <a:ln>
+            <a:solidFill>
+              <a:schemeClr val="tx1"/>
+            </a:solidFill>
+            <a:headEnd type="none" w="med" len="med"/>
+            <a:tailEnd type="none" w="med" len="med"/>
+          </a:ln>
+          <a:effectLst/>
+        </p:spPr>
+        <p:style>
+          <a:lnRef idx="1">
+            <a:schemeClr val="accent2"/>
+          </a:lnRef>
+          <a:fillRef idx="3">
+            <a:schemeClr val="accent2"/>
+          </a:fillRef>
+          <a:effectRef idx="2">
+            <a:schemeClr val="accent2"/>
+          </a:effectRef>
+          <a:fontRef idx="minor">
+            <a:schemeClr val="lt1"/>
+          </a:fontRef>
+        </p:style>
+        <p:txBody>
+          <a:bodyPr rot="0" spcFirstLastPara="0" vertOverflow="overflow" horzOverflow="overflow" vert="horz" wrap="square" lIns="0" tIns="0" rIns="0" bIns="0" numCol="1" spcCol="0" rtlCol="0" fromWordArt="0" anchor="ctr" anchorCtr="0" forceAA="0" compatLnSpc="1">
+            <a:prstTxWarp prst="textNoShape">
+              <a:avLst/>
+            </a:prstTxWarp>
+            <a:noAutofit/>
+          </a:bodyPr>
+          <a:lstStyle/>
+          <a:p>
+            <a:pPr algn="ctr" defTabSz="932472" fontAlgn="base">
+              <a:lnSpc>
+                <a:spcPct val="90000"/>
+              </a:lnSpc>
+              <a:spcBef>
+                <a:spcPct val="0"/>
+              </a:spcBef>
+              <a:spcAft>
+                <a:spcPct val="0"/>
+              </a:spcAft>
+            </a:pPr>
+            <a:endParaRPr lang="en-US" sz="1400" b="1" dirty="0">
+              <a:gradFill>
+                <a:gsLst>
+                  <a:gs pos="0">
+                    <a:srgbClr val="FFFFFF"/>
+                  </a:gs>
+                  <a:gs pos="100000">
+                    <a:srgbClr val="FFFFFF"/>
+                  </a:gs>
+                </a:gsLst>
+                <a:lin ang="5400000" scaled="0"/>
+              </a:gradFill>
+              <a:latin typeface="Lucida Console" panose="020B0609040504020204" pitchFamily="49" charset="0"/>
+              <a:ea typeface="Segoe UI" pitchFamily="34" charset="0"/>
+              <a:cs typeface="Segoe UI" pitchFamily="34" charset="0"/>
+            </a:endParaRPr>
+          </a:p>
+        </p:txBody>
+      </p:sp>
+      <p:sp>
+        <p:nvSpPr>
+          <p:cNvPr id="3" name="Rectangle 2">
+            <a:extLst>
+              <a:ext uri="{FF2B5EF4-FFF2-40B4-BE49-F238E27FC236}">
+                <a16:creationId xmlns:a16="http://schemas.microsoft.com/office/drawing/2014/main" id="{C7D4FBE6-79B5-FC66-133B-7E47E5765745}"/>
+              </a:ext>
+            </a:extLst>
+          </p:cNvPr>
+          <p:cNvSpPr/>
+          <p:nvPr/>
+        </p:nvSpPr>
+        <p:spPr bwMode="auto">
+          <a:xfrm>
+            <a:off x="3699718" y="1506118"/>
+            <a:ext cx="1886073" cy="1668936"/>
+          </a:xfrm>
+          <a:prstGeom prst="rect">
+            <a:avLst/>
+          </a:prstGeom>
+          <a:solidFill>
+            <a:schemeClr val="accent4">
+              <a:lumMod val="75000"/>
+            </a:schemeClr>
+          </a:solidFill>
+          <a:ln>
+            <a:noFill/>
+            <a:headEnd type="none" w="med" len="med"/>
+            <a:tailEnd type="none" w="med" len="med"/>
+          </a:ln>
+          <a:effectLst/>
+        </p:spPr>
+        <p:style>
+          <a:lnRef idx="1">
+            <a:schemeClr val="accent2"/>
+          </a:lnRef>
+          <a:fillRef idx="3">
+            <a:schemeClr val="accent2"/>
+          </a:fillRef>
+          <a:effectRef idx="2">
+            <a:schemeClr val="accent2"/>
+          </a:effectRef>
+          <a:fontRef idx="minor">
+            <a:schemeClr val="lt1"/>
+          </a:fontRef>
+        </p:style>
+        <p:txBody>
+          <a:bodyPr rot="0" spcFirstLastPara="0" vertOverflow="overflow" horzOverflow="overflow" vert="horz" wrap="square" lIns="0" tIns="0" rIns="0" bIns="0" numCol="1" spcCol="0" rtlCol="0" fromWordArt="0" anchor="ctr" anchorCtr="0" forceAA="0" compatLnSpc="1">
+            <a:prstTxWarp prst="textNoShape">
+              <a:avLst/>
+            </a:prstTxWarp>
+            <a:noAutofit/>
+          </a:bodyPr>
+          <a:lstStyle/>
+          <a:p>
+            <a:pPr algn="ctr" defTabSz="932472" fontAlgn="base">
+              <a:lnSpc>
+                <a:spcPct val="90000"/>
+              </a:lnSpc>
+              <a:spcBef>
+                <a:spcPct val="0"/>
+              </a:spcBef>
+              <a:spcAft>
+                <a:spcPct val="0"/>
+              </a:spcAft>
+            </a:pPr>
+            <a:r>
+              <a:rPr lang="en-US" sz="1400" b="1" dirty="0">
+                <a:gradFill>
+                  <a:gsLst>
+                    <a:gs pos="0">
+                      <a:srgbClr val="FFFFFF"/>
+                    </a:gs>
+                    <a:gs pos="100000">
+                      <a:srgbClr val="FFFFFF"/>
+                    </a:gs>
+                  </a:gsLst>
+                  <a:lin ang="5400000" scaled="0"/>
+                </a:gradFill>
+                <a:latin typeface="Lucida Console" panose="020B0609040504020204" pitchFamily="49" charset="0"/>
+                <a:ea typeface="Segoe UI" pitchFamily="34" charset="0"/>
+                <a:cs typeface="Segoe UI" pitchFamily="34" charset="0"/>
+              </a:rPr>
+              <a:t>shared</a:t>
+            </a:r>
+          </a:p>
+          <a:p>
+            <a:pPr algn="ctr" defTabSz="932472" fontAlgn="base">
+              <a:lnSpc>
+                <a:spcPct val="90000"/>
+              </a:lnSpc>
+              <a:spcBef>
+                <a:spcPct val="0"/>
+              </a:spcBef>
+              <a:spcAft>
+                <a:spcPct val="0"/>
+              </a:spcAft>
+            </a:pPr>
+            <a:r>
+              <a:rPr lang="en-US" sz="1400" b="1" dirty="0">
+                <a:gradFill>
+                  <a:gsLst>
+                    <a:gs pos="0">
+                      <a:srgbClr val="FFFFFF"/>
+                    </a:gs>
+                    <a:gs pos="100000">
+                      <a:srgbClr val="FFFFFF"/>
+                    </a:gs>
+                  </a:gsLst>
+                  <a:lin ang="5400000" scaled="0"/>
+                </a:gradFill>
+                <a:latin typeface="Lucida Console" panose="020B0609040504020204" pitchFamily="49" charset="0"/>
+                <a:ea typeface="Segoe UI" pitchFamily="34" charset="0"/>
+                <a:cs typeface="Segoe UI" pitchFamily="34" charset="0"/>
+              </a:rPr>
+              <a:t>codebase</a:t>
+            </a:r>
+          </a:p>
+        </p:txBody>
+      </p:sp>
+      <p:sp>
+        <p:nvSpPr>
+          <p:cNvPr id="5" name="Arrow: Right 4">
+            <a:extLst>
+              <a:ext uri="{FF2B5EF4-FFF2-40B4-BE49-F238E27FC236}">
+                <a16:creationId xmlns:a16="http://schemas.microsoft.com/office/drawing/2014/main" id="{7516FAD5-2F91-29A4-A6E3-9A97FC9B5D67}"/>
+              </a:ext>
+            </a:extLst>
+          </p:cNvPr>
+          <p:cNvSpPr/>
+          <p:nvPr/>
+        </p:nvSpPr>
+        <p:spPr bwMode="auto">
+          <a:xfrm>
+            <a:off x="2188867" y="1536252"/>
+            <a:ext cx="1438916" cy="459677"/>
+          </a:xfrm>
+          <a:prstGeom prst="rightArrow">
+            <a:avLst>
+              <a:gd name="adj1" fmla="val 61383"/>
+              <a:gd name="adj2" fmla="val 50000"/>
+            </a:avLst>
+          </a:prstGeom>
+          <a:solidFill>
+            <a:srgbClr val="C00000"/>
+          </a:solidFill>
+          <a:ln>
+            <a:noFill/>
+            <a:headEnd type="none" w="med" len="med"/>
+            <a:tailEnd type="none" w="med" len="med"/>
+          </a:ln>
+          <a:effectLst/>
+        </p:spPr>
+        <p:style>
+          <a:lnRef idx="1">
+            <a:schemeClr val="accent2"/>
+          </a:lnRef>
+          <a:fillRef idx="3">
+            <a:schemeClr val="accent2"/>
+          </a:fillRef>
+          <a:effectRef idx="2">
+            <a:schemeClr val="accent2"/>
+          </a:effectRef>
+          <a:fontRef idx="minor">
+            <a:schemeClr val="lt1"/>
+          </a:fontRef>
+        </p:style>
+        <p:txBody>
+          <a:bodyPr rot="0" spcFirstLastPara="0" vertOverflow="overflow" horzOverflow="overflow" vert="horz" wrap="square" lIns="0" tIns="0" rIns="0" bIns="0" numCol="1" spcCol="0" rtlCol="0" fromWordArt="0" anchor="ctr" anchorCtr="0" forceAA="0" compatLnSpc="1">
+            <a:prstTxWarp prst="textNoShape">
+              <a:avLst/>
+            </a:prstTxWarp>
+            <a:noAutofit/>
+          </a:bodyPr>
+          <a:lstStyle/>
+          <a:p>
+            <a:pPr algn="ctr" defTabSz="932472" fontAlgn="base">
+              <a:lnSpc>
+                <a:spcPct val="90000"/>
+              </a:lnSpc>
+              <a:spcBef>
+                <a:spcPct val="0"/>
+              </a:spcBef>
+              <a:spcAft>
+                <a:spcPct val="0"/>
+              </a:spcAft>
+            </a:pPr>
+            <a:r>
+              <a:rPr lang="en-US" sz="1200" b="1" dirty="0">
+                <a:gradFill>
+                  <a:gsLst>
+                    <a:gs pos="0">
+                      <a:srgbClr val="FFFFFF"/>
+                    </a:gs>
+                    <a:gs pos="100000">
+                      <a:srgbClr val="FFFFFF"/>
+                    </a:gs>
+                  </a:gsLst>
+                  <a:lin ang="5400000" scaled="0"/>
+                </a:gradFill>
+                <a:latin typeface="Lucida Console" panose="020B0609040504020204" pitchFamily="49" charset="0"/>
+                <a:ea typeface="Segoe UI" pitchFamily="34" charset="0"/>
+                <a:cs typeface="Segoe UI" pitchFamily="34" charset="0"/>
+              </a:rPr>
+              <a:t>merge changes</a:t>
+            </a:r>
+          </a:p>
+        </p:txBody>
+      </p:sp>
+      <p:sp>
+        <p:nvSpPr>
+          <p:cNvPr id="12" name="Rectangle 11">
+            <a:extLst>
+              <a:ext uri="{FF2B5EF4-FFF2-40B4-BE49-F238E27FC236}">
+                <a16:creationId xmlns:a16="http://schemas.microsoft.com/office/drawing/2014/main" id="{2B35661F-7FA0-1D15-6A83-4A38E66BFB70}"/>
+              </a:ext>
+            </a:extLst>
+          </p:cNvPr>
+          <p:cNvSpPr/>
+          <p:nvPr/>
+        </p:nvSpPr>
+        <p:spPr bwMode="auto">
+          <a:xfrm>
+            <a:off x="855870" y="1506118"/>
+            <a:ext cx="1261062" cy="459677"/>
+          </a:xfrm>
+          <a:prstGeom prst="rect">
+            <a:avLst/>
+          </a:prstGeom>
+          <a:solidFill>
+            <a:schemeClr val="bg1"/>
+          </a:solidFill>
+          <a:ln>
+            <a:solidFill>
+              <a:schemeClr val="tx1">
+                <a:lumMod val="75000"/>
+              </a:schemeClr>
+            </a:solidFill>
+            <a:headEnd type="none" w="med" len="med"/>
+            <a:tailEnd type="none" w="med" len="med"/>
+          </a:ln>
+          <a:effectLst/>
+        </p:spPr>
+        <p:style>
+          <a:lnRef idx="1">
+            <a:schemeClr val="accent2"/>
+          </a:lnRef>
+          <a:fillRef idx="3">
+            <a:schemeClr val="accent2"/>
+          </a:fillRef>
+          <a:effectRef idx="2">
+            <a:schemeClr val="accent2"/>
+          </a:effectRef>
+          <a:fontRef idx="minor">
+            <a:schemeClr val="lt1"/>
+          </a:fontRef>
+        </p:style>
+        <p:txBody>
+          <a:bodyPr rot="0" spcFirstLastPara="0" vertOverflow="overflow" horzOverflow="overflow" vert="horz" wrap="square" lIns="0" tIns="0" rIns="0" bIns="0" numCol="1" spcCol="0" rtlCol="0" fromWordArt="0" anchor="ctr" anchorCtr="0" forceAA="0" compatLnSpc="1">
+            <a:prstTxWarp prst="textNoShape">
+              <a:avLst/>
+            </a:prstTxWarp>
+            <a:noAutofit/>
+          </a:bodyPr>
+          <a:lstStyle/>
+          <a:p>
+            <a:pPr algn="ctr" defTabSz="932472" fontAlgn="base">
+              <a:lnSpc>
+                <a:spcPct val="90000"/>
+              </a:lnSpc>
+              <a:spcBef>
+                <a:spcPct val="0"/>
+              </a:spcBef>
+              <a:spcAft>
+                <a:spcPct val="0"/>
+              </a:spcAft>
+            </a:pPr>
+            <a:r>
+              <a:rPr lang="en-US" sz="1200" b="1" dirty="0">
+                <a:solidFill>
+                  <a:schemeClr val="tx1"/>
+                </a:solidFill>
+                <a:latin typeface="Lucida Console" panose="020B0609040504020204" pitchFamily="49" charset="0"/>
+                <a:ea typeface="Segoe UI" pitchFamily="34" charset="0"/>
+                <a:cs typeface="Segoe UI" pitchFamily="34" charset="0"/>
+              </a:rPr>
+              <a:t>Developer 1</a:t>
+            </a:r>
+          </a:p>
+        </p:txBody>
+      </p:sp>
+      <p:sp>
+        <p:nvSpPr>
+          <p:cNvPr id="2" name="Rectangle 1">
+            <a:extLst>
+              <a:ext uri="{FF2B5EF4-FFF2-40B4-BE49-F238E27FC236}">
+                <a16:creationId xmlns:a16="http://schemas.microsoft.com/office/drawing/2014/main" id="{E9B4548C-BDCC-D32D-6DE5-8744F627A835}"/>
+              </a:ext>
+            </a:extLst>
+          </p:cNvPr>
+          <p:cNvSpPr/>
+          <p:nvPr/>
+        </p:nvSpPr>
+        <p:spPr bwMode="auto">
+          <a:xfrm>
+            <a:off x="855870" y="2066022"/>
+            <a:ext cx="1261062" cy="459677"/>
+          </a:xfrm>
+          <a:prstGeom prst="rect">
+            <a:avLst/>
+          </a:prstGeom>
+          <a:solidFill>
+            <a:schemeClr val="bg1"/>
+          </a:solidFill>
+          <a:ln>
+            <a:solidFill>
+              <a:schemeClr val="tx1">
+                <a:lumMod val="75000"/>
+              </a:schemeClr>
+            </a:solidFill>
+            <a:headEnd type="none" w="med" len="med"/>
+            <a:tailEnd type="none" w="med" len="med"/>
+          </a:ln>
+          <a:effectLst/>
+        </p:spPr>
+        <p:style>
+          <a:lnRef idx="1">
+            <a:schemeClr val="accent2"/>
+          </a:lnRef>
+          <a:fillRef idx="3">
+            <a:schemeClr val="accent2"/>
+          </a:fillRef>
+          <a:effectRef idx="2">
+            <a:schemeClr val="accent2"/>
+          </a:effectRef>
+          <a:fontRef idx="minor">
+            <a:schemeClr val="lt1"/>
+          </a:fontRef>
+        </p:style>
+        <p:txBody>
+          <a:bodyPr rot="0" spcFirstLastPara="0" vertOverflow="overflow" horzOverflow="overflow" vert="horz" wrap="square" lIns="0" tIns="0" rIns="0" bIns="0" numCol="1" spcCol="0" rtlCol="0" fromWordArt="0" anchor="ctr" anchorCtr="0" forceAA="0" compatLnSpc="1">
+            <a:prstTxWarp prst="textNoShape">
+              <a:avLst/>
+            </a:prstTxWarp>
+            <a:noAutofit/>
+          </a:bodyPr>
+          <a:lstStyle/>
+          <a:p>
+            <a:pPr algn="ctr" defTabSz="932472" fontAlgn="base">
+              <a:lnSpc>
+                <a:spcPct val="90000"/>
+              </a:lnSpc>
+              <a:spcBef>
+                <a:spcPct val="0"/>
+              </a:spcBef>
+              <a:spcAft>
+                <a:spcPct val="0"/>
+              </a:spcAft>
+            </a:pPr>
+            <a:r>
+              <a:rPr lang="en-US" sz="1200" b="1" dirty="0">
+                <a:solidFill>
+                  <a:schemeClr val="tx1"/>
+                </a:solidFill>
+                <a:latin typeface="Lucida Console" panose="020B0609040504020204" pitchFamily="49" charset="0"/>
+                <a:ea typeface="Segoe UI" pitchFamily="34" charset="0"/>
+                <a:cs typeface="Segoe UI" pitchFamily="34" charset="0"/>
+              </a:rPr>
+              <a:t>Developer 2</a:t>
+            </a:r>
+          </a:p>
+        </p:txBody>
+      </p:sp>
+      <p:sp>
+        <p:nvSpPr>
+          <p:cNvPr id="6" name="Rectangle 5">
+            <a:extLst>
+              <a:ext uri="{FF2B5EF4-FFF2-40B4-BE49-F238E27FC236}">
+                <a16:creationId xmlns:a16="http://schemas.microsoft.com/office/drawing/2014/main" id="{78EDDA63-B437-941E-F89B-82AE159FDC61}"/>
+              </a:ext>
+            </a:extLst>
+          </p:cNvPr>
+          <p:cNvSpPr/>
+          <p:nvPr/>
+        </p:nvSpPr>
+        <p:spPr bwMode="auto">
+          <a:xfrm>
+            <a:off x="855870" y="2715377"/>
+            <a:ext cx="1261062" cy="459677"/>
+          </a:xfrm>
+          <a:prstGeom prst="rect">
+            <a:avLst/>
+          </a:prstGeom>
+          <a:solidFill>
+            <a:schemeClr val="bg1"/>
+          </a:solidFill>
+          <a:ln>
+            <a:solidFill>
+              <a:schemeClr val="tx1">
+                <a:lumMod val="75000"/>
+              </a:schemeClr>
+            </a:solidFill>
+            <a:headEnd type="none" w="med" len="med"/>
+            <a:tailEnd type="none" w="med" len="med"/>
+          </a:ln>
+          <a:effectLst/>
+        </p:spPr>
+        <p:style>
+          <a:lnRef idx="1">
+            <a:schemeClr val="accent2"/>
+          </a:lnRef>
+          <a:fillRef idx="3">
+            <a:schemeClr val="accent2"/>
+          </a:fillRef>
+          <a:effectRef idx="2">
+            <a:schemeClr val="accent2"/>
+          </a:effectRef>
+          <a:fontRef idx="minor">
+            <a:schemeClr val="lt1"/>
+          </a:fontRef>
+        </p:style>
+        <p:txBody>
+          <a:bodyPr rot="0" spcFirstLastPara="0" vertOverflow="overflow" horzOverflow="overflow" vert="horz" wrap="square" lIns="0" tIns="0" rIns="0" bIns="0" numCol="1" spcCol="0" rtlCol="0" fromWordArt="0" anchor="ctr" anchorCtr="0" forceAA="0" compatLnSpc="1">
+            <a:prstTxWarp prst="textNoShape">
+              <a:avLst/>
+            </a:prstTxWarp>
+            <a:noAutofit/>
+          </a:bodyPr>
+          <a:lstStyle/>
+          <a:p>
+            <a:pPr algn="ctr" defTabSz="932472" fontAlgn="base">
+              <a:lnSpc>
+                <a:spcPct val="90000"/>
+              </a:lnSpc>
+              <a:spcBef>
+                <a:spcPct val="0"/>
+              </a:spcBef>
+              <a:spcAft>
+                <a:spcPct val="0"/>
+              </a:spcAft>
+            </a:pPr>
+            <a:r>
+              <a:rPr lang="en-US" sz="1200" b="1" dirty="0">
+                <a:solidFill>
+                  <a:schemeClr val="tx1"/>
+                </a:solidFill>
+                <a:latin typeface="Lucida Console" panose="020B0609040504020204" pitchFamily="49" charset="0"/>
+                <a:ea typeface="Segoe UI" pitchFamily="34" charset="0"/>
+                <a:cs typeface="Segoe UI" pitchFamily="34" charset="0"/>
+              </a:rPr>
+              <a:t>Developer N</a:t>
+            </a:r>
+          </a:p>
+        </p:txBody>
+      </p:sp>
+      <p:sp>
+        <p:nvSpPr>
+          <p:cNvPr id="7" name="Arrow: Right 6">
+            <a:extLst>
+              <a:ext uri="{FF2B5EF4-FFF2-40B4-BE49-F238E27FC236}">
+                <a16:creationId xmlns:a16="http://schemas.microsoft.com/office/drawing/2014/main" id="{A52EF814-C49C-2BDD-746A-35D92D467376}"/>
+              </a:ext>
+            </a:extLst>
+          </p:cNvPr>
+          <p:cNvSpPr/>
+          <p:nvPr/>
+        </p:nvSpPr>
+        <p:spPr bwMode="auto">
+          <a:xfrm>
+            <a:off x="2188867" y="2066022"/>
+            <a:ext cx="1438916" cy="459677"/>
+          </a:xfrm>
+          <a:prstGeom prst="rightArrow">
+            <a:avLst>
+              <a:gd name="adj1" fmla="val 61383"/>
+              <a:gd name="adj2" fmla="val 50000"/>
+            </a:avLst>
+          </a:prstGeom>
+          <a:solidFill>
+            <a:srgbClr val="C00000"/>
+          </a:solidFill>
+          <a:ln>
+            <a:noFill/>
+            <a:headEnd type="none" w="med" len="med"/>
+            <a:tailEnd type="none" w="med" len="med"/>
+          </a:ln>
+          <a:effectLst/>
+        </p:spPr>
+        <p:style>
+          <a:lnRef idx="1">
+            <a:schemeClr val="accent2"/>
+          </a:lnRef>
+          <a:fillRef idx="3">
+            <a:schemeClr val="accent2"/>
+          </a:fillRef>
+          <a:effectRef idx="2">
+            <a:schemeClr val="accent2"/>
+          </a:effectRef>
+          <a:fontRef idx="minor">
+            <a:schemeClr val="lt1"/>
+          </a:fontRef>
+        </p:style>
+        <p:txBody>
+          <a:bodyPr rot="0" spcFirstLastPara="0" vertOverflow="overflow" horzOverflow="overflow" vert="horz" wrap="square" lIns="0" tIns="0" rIns="0" bIns="0" numCol="1" spcCol="0" rtlCol="0" fromWordArt="0" anchor="ctr" anchorCtr="0" forceAA="0" compatLnSpc="1">
+            <a:prstTxWarp prst="textNoShape">
+              <a:avLst/>
+            </a:prstTxWarp>
+            <a:noAutofit/>
+          </a:bodyPr>
+          <a:lstStyle/>
+          <a:p>
+            <a:pPr algn="ctr" defTabSz="932472" fontAlgn="base">
+              <a:lnSpc>
+                <a:spcPct val="90000"/>
+              </a:lnSpc>
+              <a:spcBef>
+                <a:spcPct val="0"/>
+              </a:spcBef>
+              <a:spcAft>
+                <a:spcPct val="0"/>
+              </a:spcAft>
+            </a:pPr>
+            <a:r>
+              <a:rPr lang="en-US" sz="1200" b="1" dirty="0">
+                <a:gradFill>
+                  <a:gsLst>
+                    <a:gs pos="0">
+                      <a:srgbClr val="FFFFFF"/>
+                    </a:gs>
+                    <a:gs pos="100000">
+                      <a:srgbClr val="FFFFFF"/>
+                    </a:gs>
+                  </a:gsLst>
+                  <a:lin ang="5400000" scaled="0"/>
+                </a:gradFill>
+                <a:latin typeface="Lucida Console" panose="020B0609040504020204" pitchFamily="49" charset="0"/>
+                <a:ea typeface="Segoe UI" pitchFamily="34" charset="0"/>
+                <a:cs typeface="Segoe UI" pitchFamily="34" charset="0"/>
+              </a:rPr>
+              <a:t>merge changes</a:t>
+            </a:r>
+          </a:p>
+        </p:txBody>
+      </p:sp>
+      <p:sp>
+        <p:nvSpPr>
+          <p:cNvPr id="8" name="Arrow: Right 7">
+            <a:extLst>
+              <a:ext uri="{FF2B5EF4-FFF2-40B4-BE49-F238E27FC236}">
+                <a16:creationId xmlns:a16="http://schemas.microsoft.com/office/drawing/2014/main" id="{BBC2C7C1-A356-D0EC-8558-427D50CA6645}"/>
+              </a:ext>
+            </a:extLst>
+          </p:cNvPr>
+          <p:cNvSpPr/>
+          <p:nvPr/>
+        </p:nvSpPr>
+        <p:spPr bwMode="auto">
+          <a:xfrm>
+            <a:off x="2188867" y="2715377"/>
+            <a:ext cx="1438916" cy="459677"/>
+          </a:xfrm>
+          <a:prstGeom prst="rightArrow">
+            <a:avLst>
+              <a:gd name="adj1" fmla="val 61383"/>
+              <a:gd name="adj2" fmla="val 50000"/>
+            </a:avLst>
+          </a:prstGeom>
+          <a:solidFill>
+            <a:srgbClr val="C00000"/>
+          </a:solidFill>
+          <a:ln>
+            <a:noFill/>
+            <a:headEnd type="none" w="med" len="med"/>
+            <a:tailEnd type="none" w="med" len="med"/>
+          </a:ln>
+          <a:effectLst/>
+        </p:spPr>
+        <p:style>
+          <a:lnRef idx="1">
+            <a:schemeClr val="accent2"/>
+          </a:lnRef>
+          <a:fillRef idx="3">
+            <a:schemeClr val="accent2"/>
+          </a:fillRef>
+          <a:effectRef idx="2">
+            <a:schemeClr val="accent2"/>
+          </a:effectRef>
+          <a:fontRef idx="minor">
+            <a:schemeClr val="lt1"/>
+          </a:fontRef>
+        </p:style>
+        <p:txBody>
+          <a:bodyPr rot="0" spcFirstLastPara="0" vertOverflow="overflow" horzOverflow="overflow" vert="horz" wrap="square" lIns="0" tIns="0" rIns="0" bIns="0" numCol="1" spcCol="0" rtlCol="0" fromWordArt="0" anchor="ctr" anchorCtr="0" forceAA="0" compatLnSpc="1">
+            <a:prstTxWarp prst="textNoShape">
+              <a:avLst/>
+            </a:prstTxWarp>
+            <a:noAutofit/>
+          </a:bodyPr>
+          <a:lstStyle/>
+          <a:p>
+            <a:pPr algn="ctr" defTabSz="932472" fontAlgn="base">
+              <a:lnSpc>
+                <a:spcPct val="90000"/>
+              </a:lnSpc>
+              <a:spcBef>
+                <a:spcPct val="0"/>
+              </a:spcBef>
+              <a:spcAft>
+                <a:spcPct val="0"/>
+              </a:spcAft>
+            </a:pPr>
+            <a:r>
+              <a:rPr lang="en-US" sz="1200" b="1" dirty="0">
+                <a:gradFill>
+                  <a:gsLst>
+                    <a:gs pos="0">
+                      <a:srgbClr val="FFFFFF"/>
+                    </a:gs>
+                    <a:gs pos="100000">
+                      <a:srgbClr val="FFFFFF"/>
+                    </a:gs>
+                  </a:gsLst>
+                  <a:lin ang="5400000" scaled="0"/>
+                </a:gradFill>
+                <a:latin typeface="Lucida Console" panose="020B0609040504020204" pitchFamily="49" charset="0"/>
+                <a:ea typeface="Segoe UI" pitchFamily="34" charset="0"/>
+                <a:cs typeface="Segoe UI" pitchFamily="34" charset="0"/>
+              </a:rPr>
+              <a:t>merge changes</a:t>
+            </a:r>
+          </a:p>
+        </p:txBody>
+      </p:sp>
+    </p:spTree>
+    <p:extLst>
+      <p:ext uri="{BB962C8B-B14F-4D97-AF65-F5344CB8AC3E}">
+        <p14:creationId xmlns:p14="http://schemas.microsoft.com/office/powerpoint/2010/main" val="2980331946"/>
+      </p:ext>
+    </p:extLst>
+  </p:cSld>
+  <p:clrMapOvr>
+    <a:masterClrMapping/>
+  </p:clrMapOvr>
+  <p:transition>
+    <p:fade/>
+  </p:transition>
+</p:sld>
+</file>
+
+<file path=ppt/slides/slide20.xml><?xml version="1.0" encoding="utf-8"?>
 <p:sld xmlns:a="http://schemas.openxmlformats.org/drawingml/2006/main" xmlns:r="http://schemas.openxmlformats.org/officeDocument/2006/relationships" xmlns:p="http://schemas.openxmlformats.org/presentationml/2006/main">
   <p:cSld>
     <p:spTree>
@@ -9148,766 +9977,7 @@
 </p:sld>
 </file>
 
-<file path=ppt/slides/slide2.xml><?xml version="1.0" encoding="utf-8"?>
-<p:sld xmlns:a="http://schemas.openxmlformats.org/drawingml/2006/main" xmlns:r="http://schemas.openxmlformats.org/officeDocument/2006/relationships" xmlns:p="http://schemas.openxmlformats.org/presentationml/2006/main">
-  <p:cSld>
-    <p:spTree>
-      <p:nvGrpSpPr>
-        <p:cNvPr id="1" name="">
-          <a:extLst>
-            <a:ext uri="{FF2B5EF4-FFF2-40B4-BE49-F238E27FC236}">
-              <a16:creationId xmlns:a16="http://schemas.microsoft.com/office/drawing/2014/main" id="{ED388E04-D23A-A25B-F1EB-8E9F9E3F2CFC}"/>
-            </a:ext>
-          </a:extLst>
-        </p:cNvPr>
-        <p:cNvGrpSpPr/>
-        <p:nvPr/>
-      </p:nvGrpSpPr>
-      <p:grpSpPr>
-        <a:xfrm>
-          <a:off x="0" y="0"/>
-          <a:ext cx="0" cy="0"/>
-          <a:chOff x="0" y="0"/>
-          <a:chExt cx="0" cy="0"/>
-        </a:xfrm>
-      </p:grpSpPr>
-      <p:sp>
-        <p:nvSpPr>
-          <p:cNvPr id="32" name="Rectangle 31">
-            <a:extLst>
-              <a:ext uri="{FF2B5EF4-FFF2-40B4-BE49-F238E27FC236}">
-                <a16:creationId xmlns:a16="http://schemas.microsoft.com/office/drawing/2014/main" id="{4E7FFA56-CE0E-CFF5-B162-583DA80A914D}"/>
-              </a:ext>
-            </a:extLst>
-          </p:cNvPr>
-          <p:cNvSpPr/>
-          <p:nvPr/>
-        </p:nvSpPr>
-        <p:spPr bwMode="auto">
-          <a:xfrm>
-            <a:off x="698157" y="1328512"/>
-            <a:ext cx="5066539" cy="2011035"/>
-          </a:xfrm>
-          <a:prstGeom prst="rect">
-            <a:avLst/>
-          </a:prstGeom>
-          <a:solidFill>
-            <a:schemeClr val="bg1">
-              <a:lumMod val="85000"/>
-            </a:schemeClr>
-          </a:solidFill>
-          <a:ln>
-            <a:solidFill>
-              <a:schemeClr val="tx1"/>
-            </a:solidFill>
-            <a:headEnd type="none" w="med" len="med"/>
-            <a:tailEnd type="none" w="med" len="med"/>
-          </a:ln>
-          <a:effectLst/>
-        </p:spPr>
-        <p:style>
-          <a:lnRef idx="1">
-            <a:schemeClr val="accent2"/>
-          </a:lnRef>
-          <a:fillRef idx="3">
-            <a:schemeClr val="accent2"/>
-          </a:fillRef>
-          <a:effectRef idx="2">
-            <a:schemeClr val="accent2"/>
-          </a:effectRef>
-          <a:fontRef idx="minor">
-            <a:schemeClr val="lt1"/>
-          </a:fontRef>
-        </p:style>
-        <p:txBody>
-          <a:bodyPr rot="0" spcFirstLastPara="0" vertOverflow="overflow" horzOverflow="overflow" vert="horz" wrap="square" lIns="0" tIns="0" rIns="0" bIns="0" numCol="1" spcCol="0" rtlCol="0" fromWordArt="0" anchor="ctr" anchorCtr="0" forceAA="0" compatLnSpc="1">
-            <a:prstTxWarp prst="textNoShape">
-              <a:avLst/>
-            </a:prstTxWarp>
-            <a:noAutofit/>
-          </a:bodyPr>
-          <a:lstStyle/>
-          <a:p>
-            <a:pPr algn="ctr" defTabSz="932472" fontAlgn="base">
-              <a:lnSpc>
-                <a:spcPct val="90000"/>
-              </a:lnSpc>
-              <a:spcBef>
-                <a:spcPct val="0"/>
-              </a:spcBef>
-              <a:spcAft>
-                <a:spcPct val="0"/>
-              </a:spcAft>
-            </a:pPr>
-            <a:endParaRPr lang="en-US" sz="1400" b="1" dirty="0">
-              <a:gradFill>
-                <a:gsLst>
-                  <a:gs pos="0">
-                    <a:srgbClr val="FFFFFF"/>
-                  </a:gs>
-                  <a:gs pos="100000">
-                    <a:srgbClr val="FFFFFF"/>
-                  </a:gs>
-                </a:gsLst>
-                <a:lin ang="5400000" scaled="0"/>
-              </a:gradFill>
-              <a:latin typeface="Lucida Console" panose="020B0609040504020204" pitchFamily="49" charset="0"/>
-              <a:ea typeface="Segoe UI" pitchFamily="34" charset="0"/>
-              <a:cs typeface="Segoe UI" pitchFamily="34" charset="0"/>
-            </a:endParaRPr>
-          </a:p>
-        </p:txBody>
-      </p:sp>
-      <p:sp>
-        <p:nvSpPr>
-          <p:cNvPr id="3" name="Rectangle 2">
-            <a:extLst>
-              <a:ext uri="{FF2B5EF4-FFF2-40B4-BE49-F238E27FC236}">
-                <a16:creationId xmlns:a16="http://schemas.microsoft.com/office/drawing/2014/main" id="{C7D4FBE6-79B5-FC66-133B-7E47E5765745}"/>
-              </a:ext>
-            </a:extLst>
-          </p:cNvPr>
-          <p:cNvSpPr/>
-          <p:nvPr/>
-        </p:nvSpPr>
-        <p:spPr bwMode="auto">
-          <a:xfrm>
-            <a:off x="3699718" y="1506118"/>
-            <a:ext cx="1886073" cy="1668936"/>
-          </a:xfrm>
-          <a:prstGeom prst="rect">
-            <a:avLst/>
-          </a:prstGeom>
-          <a:solidFill>
-            <a:schemeClr val="accent4">
-              <a:lumMod val="75000"/>
-            </a:schemeClr>
-          </a:solidFill>
-          <a:ln>
-            <a:noFill/>
-            <a:headEnd type="none" w="med" len="med"/>
-            <a:tailEnd type="none" w="med" len="med"/>
-          </a:ln>
-          <a:effectLst/>
-        </p:spPr>
-        <p:style>
-          <a:lnRef idx="1">
-            <a:schemeClr val="accent2"/>
-          </a:lnRef>
-          <a:fillRef idx="3">
-            <a:schemeClr val="accent2"/>
-          </a:fillRef>
-          <a:effectRef idx="2">
-            <a:schemeClr val="accent2"/>
-          </a:effectRef>
-          <a:fontRef idx="minor">
-            <a:schemeClr val="lt1"/>
-          </a:fontRef>
-        </p:style>
-        <p:txBody>
-          <a:bodyPr rot="0" spcFirstLastPara="0" vertOverflow="overflow" horzOverflow="overflow" vert="horz" wrap="square" lIns="0" tIns="0" rIns="0" bIns="0" numCol="1" spcCol="0" rtlCol="0" fromWordArt="0" anchor="ctr" anchorCtr="0" forceAA="0" compatLnSpc="1">
-            <a:prstTxWarp prst="textNoShape">
-              <a:avLst/>
-            </a:prstTxWarp>
-            <a:noAutofit/>
-          </a:bodyPr>
-          <a:lstStyle/>
-          <a:p>
-            <a:pPr algn="ctr" defTabSz="932472" fontAlgn="base">
-              <a:lnSpc>
-                <a:spcPct val="90000"/>
-              </a:lnSpc>
-              <a:spcBef>
-                <a:spcPct val="0"/>
-              </a:spcBef>
-              <a:spcAft>
-                <a:spcPct val="0"/>
-              </a:spcAft>
-            </a:pPr>
-            <a:r>
-              <a:rPr lang="en-US" sz="1400" b="1" dirty="0">
-                <a:gradFill>
-                  <a:gsLst>
-                    <a:gs pos="0">
-                      <a:srgbClr val="FFFFFF"/>
-                    </a:gs>
-                    <a:gs pos="100000">
-                      <a:srgbClr val="FFFFFF"/>
-                    </a:gs>
-                  </a:gsLst>
-                  <a:lin ang="5400000" scaled="0"/>
-                </a:gradFill>
-                <a:latin typeface="Lucida Console" panose="020B0609040504020204" pitchFamily="49" charset="0"/>
-                <a:ea typeface="Segoe UI" pitchFamily="34" charset="0"/>
-                <a:cs typeface="Segoe UI" pitchFamily="34" charset="0"/>
-              </a:rPr>
-              <a:t>shared</a:t>
-            </a:r>
-          </a:p>
-          <a:p>
-            <a:pPr algn="ctr" defTabSz="932472" fontAlgn="base">
-              <a:lnSpc>
-                <a:spcPct val="90000"/>
-              </a:lnSpc>
-              <a:spcBef>
-                <a:spcPct val="0"/>
-              </a:spcBef>
-              <a:spcAft>
-                <a:spcPct val="0"/>
-              </a:spcAft>
-            </a:pPr>
-            <a:r>
-              <a:rPr lang="en-US" sz="1400" b="1" dirty="0">
-                <a:gradFill>
-                  <a:gsLst>
-                    <a:gs pos="0">
-                      <a:srgbClr val="FFFFFF"/>
-                    </a:gs>
-                    <a:gs pos="100000">
-                      <a:srgbClr val="FFFFFF"/>
-                    </a:gs>
-                  </a:gsLst>
-                  <a:lin ang="5400000" scaled="0"/>
-                </a:gradFill>
-                <a:latin typeface="Lucida Console" panose="020B0609040504020204" pitchFamily="49" charset="0"/>
-                <a:ea typeface="Segoe UI" pitchFamily="34" charset="0"/>
-                <a:cs typeface="Segoe UI" pitchFamily="34" charset="0"/>
-              </a:rPr>
-              <a:t>codebase</a:t>
-            </a:r>
-          </a:p>
-        </p:txBody>
-      </p:sp>
-      <p:sp>
-        <p:nvSpPr>
-          <p:cNvPr id="5" name="Arrow: Right 4">
-            <a:extLst>
-              <a:ext uri="{FF2B5EF4-FFF2-40B4-BE49-F238E27FC236}">
-                <a16:creationId xmlns:a16="http://schemas.microsoft.com/office/drawing/2014/main" id="{7516FAD5-2F91-29A4-A6E3-9A97FC9B5D67}"/>
-              </a:ext>
-            </a:extLst>
-          </p:cNvPr>
-          <p:cNvSpPr/>
-          <p:nvPr/>
-        </p:nvSpPr>
-        <p:spPr bwMode="auto">
-          <a:xfrm>
-            <a:off x="2188867" y="1536252"/>
-            <a:ext cx="1438916" cy="459677"/>
-          </a:xfrm>
-          <a:prstGeom prst="rightArrow">
-            <a:avLst>
-              <a:gd name="adj1" fmla="val 61383"/>
-              <a:gd name="adj2" fmla="val 50000"/>
-            </a:avLst>
-          </a:prstGeom>
-          <a:solidFill>
-            <a:srgbClr val="C00000"/>
-          </a:solidFill>
-          <a:ln>
-            <a:noFill/>
-            <a:headEnd type="none" w="med" len="med"/>
-            <a:tailEnd type="none" w="med" len="med"/>
-          </a:ln>
-          <a:effectLst/>
-        </p:spPr>
-        <p:style>
-          <a:lnRef idx="1">
-            <a:schemeClr val="accent2"/>
-          </a:lnRef>
-          <a:fillRef idx="3">
-            <a:schemeClr val="accent2"/>
-          </a:fillRef>
-          <a:effectRef idx="2">
-            <a:schemeClr val="accent2"/>
-          </a:effectRef>
-          <a:fontRef idx="minor">
-            <a:schemeClr val="lt1"/>
-          </a:fontRef>
-        </p:style>
-        <p:txBody>
-          <a:bodyPr rot="0" spcFirstLastPara="0" vertOverflow="overflow" horzOverflow="overflow" vert="horz" wrap="square" lIns="0" tIns="0" rIns="0" bIns="0" numCol="1" spcCol="0" rtlCol="0" fromWordArt="0" anchor="ctr" anchorCtr="0" forceAA="0" compatLnSpc="1">
-            <a:prstTxWarp prst="textNoShape">
-              <a:avLst/>
-            </a:prstTxWarp>
-            <a:noAutofit/>
-          </a:bodyPr>
-          <a:lstStyle/>
-          <a:p>
-            <a:pPr algn="ctr" defTabSz="932472" fontAlgn="base">
-              <a:lnSpc>
-                <a:spcPct val="90000"/>
-              </a:lnSpc>
-              <a:spcBef>
-                <a:spcPct val="0"/>
-              </a:spcBef>
-              <a:spcAft>
-                <a:spcPct val="0"/>
-              </a:spcAft>
-            </a:pPr>
-            <a:r>
-              <a:rPr lang="en-US" sz="1200" b="1" dirty="0">
-                <a:gradFill>
-                  <a:gsLst>
-                    <a:gs pos="0">
-                      <a:srgbClr val="FFFFFF"/>
-                    </a:gs>
-                    <a:gs pos="100000">
-                      <a:srgbClr val="FFFFFF"/>
-                    </a:gs>
-                  </a:gsLst>
-                  <a:lin ang="5400000" scaled="0"/>
-                </a:gradFill>
-                <a:latin typeface="Lucida Console" panose="020B0609040504020204" pitchFamily="49" charset="0"/>
-                <a:ea typeface="Segoe UI" pitchFamily="34" charset="0"/>
-                <a:cs typeface="Segoe UI" pitchFamily="34" charset="0"/>
-              </a:rPr>
-              <a:t>merge changes</a:t>
-            </a:r>
-          </a:p>
-        </p:txBody>
-      </p:sp>
-      <p:sp>
-        <p:nvSpPr>
-          <p:cNvPr id="12" name="Rectangle 11">
-            <a:extLst>
-              <a:ext uri="{FF2B5EF4-FFF2-40B4-BE49-F238E27FC236}">
-                <a16:creationId xmlns:a16="http://schemas.microsoft.com/office/drawing/2014/main" id="{2B35661F-7FA0-1D15-6A83-4A38E66BFB70}"/>
-              </a:ext>
-            </a:extLst>
-          </p:cNvPr>
-          <p:cNvSpPr/>
-          <p:nvPr/>
-        </p:nvSpPr>
-        <p:spPr bwMode="auto">
-          <a:xfrm>
-            <a:off x="855870" y="1506118"/>
-            <a:ext cx="1261062" cy="459677"/>
-          </a:xfrm>
-          <a:prstGeom prst="rect">
-            <a:avLst/>
-          </a:prstGeom>
-          <a:solidFill>
-            <a:schemeClr val="bg1"/>
-          </a:solidFill>
-          <a:ln>
-            <a:solidFill>
-              <a:schemeClr val="tx1">
-                <a:lumMod val="75000"/>
-              </a:schemeClr>
-            </a:solidFill>
-            <a:headEnd type="none" w="med" len="med"/>
-            <a:tailEnd type="none" w="med" len="med"/>
-          </a:ln>
-          <a:effectLst/>
-        </p:spPr>
-        <p:style>
-          <a:lnRef idx="1">
-            <a:schemeClr val="accent2"/>
-          </a:lnRef>
-          <a:fillRef idx="3">
-            <a:schemeClr val="accent2"/>
-          </a:fillRef>
-          <a:effectRef idx="2">
-            <a:schemeClr val="accent2"/>
-          </a:effectRef>
-          <a:fontRef idx="minor">
-            <a:schemeClr val="lt1"/>
-          </a:fontRef>
-        </p:style>
-        <p:txBody>
-          <a:bodyPr rot="0" spcFirstLastPara="0" vertOverflow="overflow" horzOverflow="overflow" vert="horz" wrap="square" lIns="0" tIns="0" rIns="0" bIns="0" numCol="1" spcCol="0" rtlCol="0" fromWordArt="0" anchor="ctr" anchorCtr="0" forceAA="0" compatLnSpc="1">
-            <a:prstTxWarp prst="textNoShape">
-              <a:avLst/>
-            </a:prstTxWarp>
-            <a:noAutofit/>
-          </a:bodyPr>
-          <a:lstStyle/>
-          <a:p>
-            <a:pPr algn="ctr" defTabSz="932472" fontAlgn="base">
-              <a:lnSpc>
-                <a:spcPct val="90000"/>
-              </a:lnSpc>
-              <a:spcBef>
-                <a:spcPct val="0"/>
-              </a:spcBef>
-              <a:spcAft>
-                <a:spcPct val="0"/>
-              </a:spcAft>
-            </a:pPr>
-            <a:r>
-              <a:rPr lang="en-US" sz="1200" b="1" dirty="0">
-                <a:solidFill>
-                  <a:schemeClr val="tx1"/>
-                </a:solidFill>
-                <a:latin typeface="Lucida Console" panose="020B0609040504020204" pitchFamily="49" charset="0"/>
-                <a:ea typeface="Segoe UI" pitchFamily="34" charset="0"/>
-                <a:cs typeface="Segoe UI" pitchFamily="34" charset="0"/>
-              </a:rPr>
-              <a:t>Developer 1</a:t>
-            </a:r>
-          </a:p>
-        </p:txBody>
-      </p:sp>
-      <p:sp>
-        <p:nvSpPr>
-          <p:cNvPr id="2" name="Rectangle 1">
-            <a:extLst>
-              <a:ext uri="{FF2B5EF4-FFF2-40B4-BE49-F238E27FC236}">
-                <a16:creationId xmlns:a16="http://schemas.microsoft.com/office/drawing/2014/main" id="{E9B4548C-BDCC-D32D-6DE5-8744F627A835}"/>
-              </a:ext>
-            </a:extLst>
-          </p:cNvPr>
-          <p:cNvSpPr/>
-          <p:nvPr/>
-        </p:nvSpPr>
-        <p:spPr bwMode="auto">
-          <a:xfrm>
-            <a:off x="855870" y="2066022"/>
-            <a:ext cx="1261062" cy="459677"/>
-          </a:xfrm>
-          <a:prstGeom prst="rect">
-            <a:avLst/>
-          </a:prstGeom>
-          <a:solidFill>
-            <a:schemeClr val="bg1"/>
-          </a:solidFill>
-          <a:ln>
-            <a:solidFill>
-              <a:schemeClr val="tx1">
-                <a:lumMod val="75000"/>
-              </a:schemeClr>
-            </a:solidFill>
-            <a:headEnd type="none" w="med" len="med"/>
-            <a:tailEnd type="none" w="med" len="med"/>
-          </a:ln>
-          <a:effectLst/>
-        </p:spPr>
-        <p:style>
-          <a:lnRef idx="1">
-            <a:schemeClr val="accent2"/>
-          </a:lnRef>
-          <a:fillRef idx="3">
-            <a:schemeClr val="accent2"/>
-          </a:fillRef>
-          <a:effectRef idx="2">
-            <a:schemeClr val="accent2"/>
-          </a:effectRef>
-          <a:fontRef idx="minor">
-            <a:schemeClr val="lt1"/>
-          </a:fontRef>
-        </p:style>
-        <p:txBody>
-          <a:bodyPr rot="0" spcFirstLastPara="0" vertOverflow="overflow" horzOverflow="overflow" vert="horz" wrap="square" lIns="0" tIns="0" rIns="0" bIns="0" numCol="1" spcCol="0" rtlCol="0" fromWordArt="0" anchor="ctr" anchorCtr="0" forceAA="0" compatLnSpc="1">
-            <a:prstTxWarp prst="textNoShape">
-              <a:avLst/>
-            </a:prstTxWarp>
-            <a:noAutofit/>
-          </a:bodyPr>
-          <a:lstStyle/>
-          <a:p>
-            <a:pPr algn="ctr" defTabSz="932472" fontAlgn="base">
-              <a:lnSpc>
-                <a:spcPct val="90000"/>
-              </a:lnSpc>
-              <a:spcBef>
-                <a:spcPct val="0"/>
-              </a:spcBef>
-              <a:spcAft>
-                <a:spcPct val="0"/>
-              </a:spcAft>
-            </a:pPr>
-            <a:r>
-              <a:rPr lang="en-US" sz="1200" b="1" dirty="0">
-                <a:solidFill>
-                  <a:schemeClr val="tx1"/>
-                </a:solidFill>
-                <a:latin typeface="Lucida Console" panose="020B0609040504020204" pitchFamily="49" charset="0"/>
-                <a:ea typeface="Segoe UI" pitchFamily="34" charset="0"/>
-                <a:cs typeface="Segoe UI" pitchFamily="34" charset="0"/>
-              </a:rPr>
-              <a:t>Developer 2</a:t>
-            </a:r>
-          </a:p>
-        </p:txBody>
-      </p:sp>
-      <p:sp>
-        <p:nvSpPr>
-          <p:cNvPr id="6" name="Rectangle 5">
-            <a:extLst>
-              <a:ext uri="{FF2B5EF4-FFF2-40B4-BE49-F238E27FC236}">
-                <a16:creationId xmlns:a16="http://schemas.microsoft.com/office/drawing/2014/main" id="{78EDDA63-B437-941E-F89B-82AE159FDC61}"/>
-              </a:ext>
-            </a:extLst>
-          </p:cNvPr>
-          <p:cNvSpPr/>
-          <p:nvPr/>
-        </p:nvSpPr>
-        <p:spPr bwMode="auto">
-          <a:xfrm>
-            <a:off x="855870" y="2715377"/>
-            <a:ext cx="1261062" cy="459677"/>
-          </a:xfrm>
-          <a:prstGeom prst="rect">
-            <a:avLst/>
-          </a:prstGeom>
-          <a:solidFill>
-            <a:schemeClr val="bg1"/>
-          </a:solidFill>
-          <a:ln>
-            <a:solidFill>
-              <a:schemeClr val="tx1">
-                <a:lumMod val="75000"/>
-              </a:schemeClr>
-            </a:solidFill>
-            <a:headEnd type="none" w="med" len="med"/>
-            <a:tailEnd type="none" w="med" len="med"/>
-          </a:ln>
-          <a:effectLst/>
-        </p:spPr>
-        <p:style>
-          <a:lnRef idx="1">
-            <a:schemeClr val="accent2"/>
-          </a:lnRef>
-          <a:fillRef idx="3">
-            <a:schemeClr val="accent2"/>
-          </a:fillRef>
-          <a:effectRef idx="2">
-            <a:schemeClr val="accent2"/>
-          </a:effectRef>
-          <a:fontRef idx="minor">
-            <a:schemeClr val="lt1"/>
-          </a:fontRef>
-        </p:style>
-        <p:txBody>
-          <a:bodyPr rot="0" spcFirstLastPara="0" vertOverflow="overflow" horzOverflow="overflow" vert="horz" wrap="square" lIns="0" tIns="0" rIns="0" bIns="0" numCol="1" spcCol="0" rtlCol="0" fromWordArt="0" anchor="ctr" anchorCtr="0" forceAA="0" compatLnSpc="1">
-            <a:prstTxWarp prst="textNoShape">
-              <a:avLst/>
-            </a:prstTxWarp>
-            <a:noAutofit/>
-          </a:bodyPr>
-          <a:lstStyle/>
-          <a:p>
-            <a:pPr algn="ctr" defTabSz="932472" fontAlgn="base">
-              <a:lnSpc>
-                <a:spcPct val="90000"/>
-              </a:lnSpc>
-              <a:spcBef>
-                <a:spcPct val="0"/>
-              </a:spcBef>
-              <a:spcAft>
-                <a:spcPct val="0"/>
-              </a:spcAft>
-            </a:pPr>
-            <a:r>
-              <a:rPr lang="en-US" sz="1200" b="1" dirty="0">
-                <a:solidFill>
-                  <a:schemeClr val="tx1"/>
-                </a:solidFill>
-                <a:latin typeface="Lucida Console" panose="020B0609040504020204" pitchFamily="49" charset="0"/>
-                <a:ea typeface="Segoe UI" pitchFamily="34" charset="0"/>
-                <a:cs typeface="Segoe UI" pitchFamily="34" charset="0"/>
-              </a:rPr>
-              <a:t>Developer N</a:t>
-            </a:r>
-          </a:p>
-        </p:txBody>
-      </p:sp>
-      <p:sp>
-        <p:nvSpPr>
-          <p:cNvPr id="7" name="Arrow: Right 6">
-            <a:extLst>
-              <a:ext uri="{FF2B5EF4-FFF2-40B4-BE49-F238E27FC236}">
-                <a16:creationId xmlns:a16="http://schemas.microsoft.com/office/drawing/2014/main" id="{A52EF814-C49C-2BDD-746A-35D92D467376}"/>
-              </a:ext>
-            </a:extLst>
-          </p:cNvPr>
-          <p:cNvSpPr/>
-          <p:nvPr/>
-        </p:nvSpPr>
-        <p:spPr bwMode="auto">
-          <a:xfrm>
-            <a:off x="2188867" y="2066022"/>
-            <a:ext cx="1438916" cy="459677"/>
-          </a:xfrm>
-          <a:prstGeom prst="rightArrow">
-            <a:avLst>
-              <a:gd name="adj1" fmla="val 61383"/>
-              <a:gd name="adj2" fmla="val 50000"/>
-            </a:avLst>
-          </a:prstGeom>
-          <a:solidFill>
-            <a:srgbClr val="C00000"/>
-          </a:solidFill>
-          <a:ln>
-            <a:noFill/>
-            <a:headEnd type="none" w="med" len="med"/>
-            <a:tailEnd type="none" w="med" len="med"/>
-          </a:ln>
-          <a:effectLst/>
-        </p:spPr>
-        <p:style>
-          <a:lnRef idx="1">
-            <a:schemeClr val="accent2"/>
-          </a:lnRef>
-          <a:fillRef idx="3">
-            <a:schemeClr val="accent2"/>
-          </a:fillRef>
-          <a:effectRef idx="2">
-            <a:schemeClr val="accent2"/>
-          </a:effectRef>
-          <a:fontRef idx="minor">
-            <a:schemeClr val="lt1"/>
-          </a:fontRef>
-        </p:style>
-        <p:txBody>
-          <a:bodyPr rot="0" spcFirstLastPara="0" vertOverflow="overflow" horzOverflow="overflow" vert="horz" wrap="square" lIns="0" tIns="0" rIns="0" bIns="0" numCol="1" spcCol="0" rtlCol="0" fromWordArt="0" anchor="ctr" anchorCtr="0" forceAA="0" compatLnSpc="1">
-            <a:prstTxWarp prst="textNoShape">
-              <a:avLst/>
-            </a:prstTxWarp>
-            <a:noAutofit/>
-          </a:bodyPr>
-          <a:lstStyle/>
-          <a:p>
-            <a:pPr algn="ctr" defTabSz="932472" fontAlgn="base">
-              <a:lnSpc>
-                <a:spcPct val="90000"/>
-              </a:lnSpc>
-              <a:spcBef>
-                <a:spcPct val="0"/>
-              </a:spcBef>
-              <a:spcAft>
-                <a:spcPct val="0"/>
-              </a:spcAft>
-            </a:pPr>
-            <a:r>
-              <a:rPr lang="en-US" sz="1200" b="1" dirty="0">
-                <a:gradFill>
-                  <a:gsLst>
-                    <a:gs pos="0">
-                      <a:srgbClr val="FFFFFF"/>
-                    </a:gs>
-                    <a:gs pos="100000">
-                      <a:srgbClr val="FFFFFF"/>
-                    </a:gs>
-                  </a:gsLst>
-                  <a:lin ang="5400000" scaled="0"/>
-                </a:gradFill>
-                <a:latin typeface="Lucida Console" panose="020B0609040504020204" pitchFamily="49" charset="0"/>
-                <a:ea typeface="Segoe UI" pitchFamily="34" charset="0"/>
-                <a:cs typeface="Segoe UI" pitchFamily="34" charset="0"/>
-              </a:rPr>
-              <a:t>merge changes</a:t>
-            </a:r>
-          </a:p>
-        </p:txBody>
-      </p:sp>
-      <p:sp>
-        <p:nvSpPr>
-          <p:cNvPr id="8" name="Arrow: Right 7">
-            <a:extLst>
-              <a:ext uri="{FF2B5EF4-FFF2-40B4-BE49-F238E27FC236}">
-                <a16:creationId xmlns:a16="http://schemas.microsoft.com/office/drawing/2014/main" id="{BBC2C7C1-A356-D0EC-8558-427D50CA6645}"/>
-              </a:ext>
-            </a:extLst>
-          </p:cNvPr>
-          <p:cNvSpPr/>
-          <p:nvPr/>
-        </p:nvSpPr>
-        <p:spPr bwMode="auto">
-          <a:xfrm>
-            <a:off x="2188867" y="2715377"/>
-            <a:ext cx="1438916" cy="459677"/>
-          </a:xfrm>
-          <a:prstGeom prst="rightArrow">
-            <a:avLst>
-              <a:gd name="adj1" fmla="val 61383"/>
-              <a:gd name="adj2" fmla="val 50000"/>
-            </a:avLst>
-          </a:prstGeom>
-          <a:solidFill>
-            <a:srgbClr val="C00000"/>
-          </a:solidFill>
-          <a:ln>
-            <a:noFill/>
-            <a:headEnd type="none" w="med" len="med"/>
-            <a:tailEnd type="none" w="med" len="med"/>
-          </a:ln>
-          <a:effectLst/>
-        </p:spPr>
-        <p:style>
-          <a:lnRef idx="1">
-            <a:schemeClr val="accent2"/>
-          </a:lnRef>
-          <a:fillRef idx="3">
-            <a:schemeClr val="accent2"/>
-          </a:fillRef>
-          <a:effectRef idx="2">
-            <a:schemeClr val="accent2"/>
-          </a:effectRef>
-          <a:fontRef idx="minor">
-            <a:schemeClr val="lt1"/>
-          </a:fontRef>
-        </p:style>
-        <p:txBody>
-          <a:bodyPr rot="0" spcFirstLastPara="0" vertOverflow="overflow" horzOverflow="overflow" vert="horz" wrap="square" lIns="0" tIns="0" rIns="0" bIns="0" numCol="1" spcCol="0" rtlCol="0" fromWordArt="0" anchor="ctr" anchorCtr="0" forceAA="0" compatLnSpc="1">
-            <a:prstTxWarp prst="textNoShape">
-              <a:avLst/>
-            </a:prstTxWarp>
-            <a:noAutofit/>
-          </a:bodyPr>
-          <a:lstStyle/>
-          <a:p>
-            <a:pPr algn="ctr" defTabSz="932472" fontAlgn="base">
-              <a:lnSpc>
-                <a:spcPct val="90000"/>
-              </a:lnSpc>
-              <a:spcBef>
-                <a:spcPct val="0"/>
-              </a:spcBef>
-              <a:spcAft>
-                <a:spcPct val="0"/>
-              </a:spcAft>
-            </a:pPr>
-            <a:r>
-              <a:rPr lang="en-US" sz="1200" b="1" dirty="0">
-                <a:gradFill>
-                  <a:gsLst>
-                    <a:gs pos="0">
-                      <a:srgbClr val="FFFFFF"/>
-                    </a:gs>
-                    <a:gs pos="100000">
-                      <a:srgbClr val="FFFFFF"/>
-                    </a:gs>
-                  </a:gsLst>
-                  <a:lin ang="5400000" scaled="0"/>
-                </a:gradFill>
-                <a:latin typeface="Lucida Console" panose="020B0609040504020204" pitchFamily="49" charset="0"/>
-                <a:ea typeface="Segoe UI" pitchFamily="34" charset="0"/>
-                <a:cs typeface="Segoe UI" pitchFamily="34" charset="0"/>
-              </a:rPr>
-              <a:t>merge changes</a:t>
-            </a:r>
-          </a:p>
-        </p:txBody>
-      </p:sp>
-    </p:spTree>
-    <p:extLst>
-      <p:ext uri="{BB962C8B-B14F-4D97-AF65-F5344CB8AC3E}">
-        <p14:creationId xmlns:p14="http://schemas.microsoft.com/office/powerpoint/2010/main" val="2980331946"/>
-      </p:ext>
-    </p:extLst>
-  </p:cSld>
-  <p:clrMapOvr>
-    <a:masterClrMapping/>
-  </p:clrMapOvr>
-  <p:transition>
-    <p:fade/>
-  </p:transition>
-</p:sld>
-</file>
-
-<file path=ppt/slides/slide20.xml><?xml version="1.0" encoding="utf-8"?>
+<file path=ppt/slides/slide21.xml><?xml version="1.0" encoding="utf-8"?>
 <p:sld xmlns:a="http://schemas.openxmlformats.org/drawingml/2006/main" xmlns:r="http://schemas.openxmlformats.org/officeDocument/2006/relationships" xmlns:p="http://schemas.openxmlformats.org/presentationml/2006/main">
   <p:cSld>
     <p:spTree>
@@ -10360,7 +10430,7 @@
 </p:sld>
 </file>
 
-<file path=ppt/slides/slide21.xml><?xml version="1.0" encoding="utf-8"?>
+<file path=ppt/slides/slide22.xml><?xml version="1.0" encoding="utf-8"?>
 <p:sld xmlns:a="http://schemas.openxmlformats.org/drawingml/2006/main" xmlns:r="http://schemas.openxmlformats.org/officeDocument/2006/relationships" xmlns:p="http://schemas.openxmlformats.org/presentationml/2006/main">
   <p:cSld>
     <p:spTree>
@@ -11230,7 +11300,7 @@
 </p:sld>
 </file>
 
-<file path=ppt/slides/slide22.xml><?xml version="1.0" encoding="utf-8"?>
+<file path=ppt/slides/slide23.xml><?xml version="1.0" encoding="utf-8"?>
 <p:sld xmlns:a="http://schemas.openxmlformats.org/drawingml/2006/main" xmlns:r="http://schemas.openxmlformats.org/officeDocument/2006/relationships" xmlns:p="http://schemas.openxmlformats.org/presentationml/2006/main">
   <p:cSld>
     <p:spTree>
@@ -12743,7 +12813,7 @@
 </p:sld>
 </file>
 
-<file path=ppt/slides/slide23.xml><?xml version="1.0" encoding="utf-8"?>
+<file path=ppt/slides/slide24.xml><?xml version="1.0" encoding="utf-8"?>
 <p:sld xmlns:a="http://schemas.openxmlformats.org/drawingml/2006/main" xmlns:r="http://schemas.openxmlformats.org/officeDocument/2006/relationships" xmlns:p="http://schemas.openxmlformats.org/presentationml/2006/main">
   <p:cSld>
     <p:spTree>
@@ -12933,7 +13003,7 @@
 </p:sld>
 </file>
 
-<file path=ppt/slides/slide24.xml><?xml version="1.0" encoding="utf-8"?>
+<file path=ppt/slides/slide25.xml><?xml version="1.0" encoding="utf-8"?>
 <p:sld xmlns:a="http://schemas.openxmlformats.org/drawingml/2006/main" xmlns:r="http://schemas.openxmlformats.org/officeDocument/2006/relationships" xmlns:p="http://schemas.openxmlformats.org/presentationml/2006/main">
   <p:cSld>
     <p:spTree>
@@ -13679,7 +13749,7 @@
 </p:sld>
 </file>
 
-<file path=ppt/slides/slide25.xml><?xml version="1.0" encoding="utf-8"?>
+<file path=ppt/slides/slide26.xml><?xml version="1.0" encoding="utf-8"?>
 <p:sld xmlns:a="http://schemas.openxmlformats.org/drawingml/2006/main" xmlns:r="http://schemas.openxmlformats.org/officeDocument/2006/relationships" xmlns:p="http://schemas.openxmlformats.org/presentationml/2006/main">
   <p:cSld>
     <p:spTree>
@@ -14846,7 +14916,7 @@
 </p:sld>
 </file>
 
-<file path=ppt/slides/slide26.xml><?xml version="1.0" encoding="utf-8"?>
+<file path=ppt/slides/slide27.xml><?xml version="1.0" encoding="utf-8"?>
 <p:sld xmlns:a="http://schemas.openxmlformats.org/drawingml/2006/main" xmlns:r="http://schemas.openxmlformats.org/officeDocument/2006/relationships" xmlns:p="http://schemas.openxmlformats.org/presentationml/2006/main">
   <p:cSld>
     <p:spTree>
@@ -15982,7 +16052,7 @@
 </p:sld>
 </file>
 
-<file path=ppt/slides/slide27.xml><?xml version="1.0" encoding="utf-8"?>
+<file path=ppt/slides/slide28.xml><?xml version="1.0" encoding="utf-8"?>
 <p:sld xmlns:a="http://schemas.openxmlformats.org/drawingml/2006/main" xmlns:r="http://schemas.openxmlformats.org/officeDocument/2006/relationships" xmlns:p="http://schemas.openxmlformats.org/presentationml/2006/main">
   <p:cSld>
     <p:spTree>
@@ -17008,7 +17078,7 @@
 </p:sld>
 </file>
 
-<file path=ppt/slides/slide28.xml><?xml version="1.0" encoding="utf-8"?>
+<file path=ppt/slides/slide29.xml><?xml version="1.0" encoding="utf-8"?>
 <p:sld xmlns:a="http://schemas.openxmlformats.org/drawingml/2006/main" xmlns:r="http://schemas.openxmlformats.org/officeDocument/2006/relationships" xmlns:p="http://schemas.openxmlformats.org/presentationml/2006/main">
   <p:cSld>
     <p:spTree>
@@ -17076,7 +17146,582 @@
 </p:sld>
 </file>
 
-<file path=ppt/slides/slide29.xml><?xml version="1.0" encoding="utf-8"?>
+<file path=ppt/slides/slide3.xml><?xml version="1.0" encoding="utf-8"?>
+<p:sld xmlns:a="http://schemas.openxmlformats.org/drawingml/2006/main" xmlns:r="http://schemas.openxmlformats.org/officeDocument/2006/relationships" xmlns:p="http://schemas.openxmlformats.org/presentationml/2006/main">
+  <p:cSld>
+    <p:spTree>
+      <p:nvGrpSpPr>
+        <p:cNvPr id="1" name=""/>
+        <p:cNvGrpSpPr/>
+        <p:nvPr/>
+      </p:nvGrpSpPr>
+      <p:grpSpPr>
+        <a:xfrm>
+          <a:off x="0" y="0"/>
+          <a:ext cx="0" cy="0"/>
+          <a:chOff x="0" y="0"/>
+          <a:chExt cx="0" cy="0"/>
+        </a:xfrm>
+      </p:grpSpPr>
+      <p:sp>
+        <p:nvSpPr>
+          <p:cNvPr id="8" name="Rectangle 7">
+            <a:extLst>
+              <a:ext uri="{FF2B5EF4-FFF2-40B4-BE49-F238E27FC236}">
+                <a16:creationId xmlns:a16="http://schemas.microsoft.com/office/drawing/2014/main" id="{D78C485D-3A46-40D1-5373-DDF18F784091}"/>
+              </a:ext>
+            </a:extLst>
+          </p:cNvPr>
+          <p:cNvSpPr/>
+          <p:nvPr/>
+        </p:nvSpPr>
+        <p:spPr bwMode="auto">
+          <a:xfrm>
+            <a:off x="1543736" y="615928"/>
+            <a:ext cx="5622378" cy="1590559"/>
+          </a:xfrm>
+          <a:prstGeom prst="rect">
+            <a:avLst/>
+          </a:prstGeom>
+          <a:solidFill>
+            <a:schemeClr val="bg1">
+              <a:lumMod val="85000"/>
+            </a:schemeClr>
+          </a:solidFill>
+          <a:ln>
+            <a:solidFill>
+              <a:schemeClr val="tx1"/>
+            </a:solidFill>
+            <a:headEnd type="none" w="med" len="med"/>
+            <a:tailEnd type="none" w="med" len="med"/>
+          </a:ln>
+          <a:effectLst/>
+        </p:spPr>
+        <p:style>
+          <a:lnRef idx="1">
+            <a:schemeClr val="accent2"/>
+          </a:lnRef>
+          <a:fillRef idx="3">
+            <a:schemeClr val="accent2"/>
+          </a:fillRef>
+          <a:effectRef idx="2">
+            <a:schemeClr val="accent2"/>
+          </a:effectRef>
+          <a:fontRef idx="minor">
+            <a:schemeClr val="lt1"/>
+          </a:fontRef>
+        </p:style>
+        <p:txBody>
+          <a:bodyPr rot="0" spcFirstLastPara="0" vertOverflow="overflow" horzOverflow="overflow" vert="horz" wrap="square" lIns="0" tIns="0" rIns="0" bIns="0" numCol="1" spcCol="0" rtlCol="0" fromWordArt="0" anchor="ctr" anchorCtr="0" forceAA="0" compatLnSpc="1">
+            <a:prstTxWarp prst="textNoShape">
+              <a:avLst/>
+            </a:prstTxWarp>
+            <a:noAutofit/>
+          </a:bodyPr>
+          <a:lstStyle/>
+          <a:p>
+            <a:pPr algn="ctr" defTabSz="932472" fontAlgn="base">
+              <a:lnSpc>
+                <a:spcPct val="90000"/>
+              </a:lnSpc>
+              <a:spcBef>
+                <a:spcPct val="0"/>
+              </a:spcBef>
+              <a:spcAft>
+                <a:spcPct val="0"/>
+              </a:spcAft>
+            </a:pPr>
+            <a:endParaRPr lang="en-US" sz="1400" b="1" dirty="0">
+              <a:gradFill>
+                <a:gsLst>
+                  <a:gs pos="0">
+                    <a:srgbClr val="FFFFFF"/>
+                  </a:gs>
+                  <a:gs pos="100000">
+                    <a:srgbClr val="FFFFFF"/>
+                  </a:gs>
+                </a:gsLst>
+                <a:lin ang="5400000" scaled="0"/>
+              </a:gradFill>
+              <a:latin typeface="Lucida Console" panose="020B0609040504020204" pitchFamily="49" charset="0"/>
+              <a:ea typeface="Segoe UI" pitchFamily="34" charset="0"/>
+              <a:cs typeface="Segoe UI" pitchFamily="34" charset="0"/>
+            </a:endParaRPr>
+          </a:p>
+        </p:txBody>
+      </p:sp>
+      <p:grpSp>
+        <p:nvGrpSpPr>
+          <p:cNvPr id="7" name="Group 6">
+            <a:extLst>
+              <a:ext uri="{FF2B5EF4-FFF2-40B4-BE49-F238E27FC236}">
+                <a16:creationId xmlns:a16="http://schemas.microsoft.com/office/drawing/2014/main" id="{3B81A26D-EBCD-FB0A-ED1B-5BB31977E55B}"/>
+              </a:ext>
+            </a:extLst>
+          </p:cNvPr>
+          <p:cNvGrpSpPr/>
+          <p:nvPr/>
+        </p:nvGrpSpPr>
+        <p:grpSpPr>
+          <a:xfrm>
+            <a:off x="1664104" y="773980"/>
+            <a:ext cx="5320563" cy="1293359"/>
+            <a:chOff x="1664104" y="773980"/>
+            <a:chExt cx="6857927" cy="1667072"/>
+          </a:xfrm>
+        </p:grpSpPr>
+        <p:sp>
+          <p:nvSpPr>
+            <p:cNvPr id="2" name="Rectangle 1">
+              <a:extLst>
+                <a:ext uri="{FF2B5EF4-FFF2-40B4-BE49-F238E27FC236}">
+                  <a16:creationId xmlns:a16="http://schemas.microsoft.com/office/drawing/2014/main" id="{275316FA-3A99-1746-7388-C57FA01FDF73}"/>
+                </a:ext>
+              </a:extLst>
+            </p:cNvPr>
+            <p:cNvSpPr/>
+            <p:nvPr/>
+          </p:nvSpPr>
+          <p:spPr bwMode="auto">
+            <a:xfrm>
+              <a:off x="1664104" y="773980"/>
+              <a:ext cx="1632212" cy="1667071"/>
+            </a:xfrm>
+            <a:prstGeom prst="rect">
+              <a:avLst/>
+            </a:prstGeom>
+            <a:solidFill>
+              <a:schemeClr val="accent4">
+                <a:lumMod val="75000"/>
+              </a:schemeClr>
+            </a:solidFill>
+            <a:ln>
+              <a:noFill/>
+              <a:headEnd type="none" w="med" len="med"/>
+              <a:tailEnd type="none" w="med" len="med"/>
+            </a:ln>
+            <a:effectLst/>
+          </p:spPr>
+          <p:style>
+            <a:lnRef idx="1">
+              <a:schemeClr val="accent2"/>
+            </a:lnRef>
+            <a:fillRef idx="3">
+              <a:schemeClr val="accent2"/>
+            </a:fillRef>
+            <a:effectRef idx="2">
+              <a:schemeClr val="accent2"/>
+            </a:effectRef>
+            <a:fontRef idx="minor">
+              <a:schemeClr val="lt1"/>
+            </a:fontRef>
+          </p:style>
+          <p:txBody>
+            <a:bodyPr rot="0" spcFirstLastPara="0" vertOverflow="overflow" horzOverflow="overflow" vert="horz" wrap="square" lIns="0" tIns="0" rIns="0" bIns="0" numCol="1" spcCol="0" rtlCol="0" fromWordArt="0" anchor="ctr" anchorCtr="0" forceAA="0" compatLnSpc="1">
+              <a:prstTxWarp prst="textNoShape">
+                <a:avLst/>
+              </a:prstTxWarp>
+              <a:noAutofit/>
+            </a:bodyPr>
+            <a:lstStyle/>
+            <a:p>
+              <a:pPr algn="ctr" defTabSz="932472" fontAlgn="base">
+                <a:lnSpc>
+                  <a:spcPct val="90000"/>
+                </a:lnSpc>
+                <a:spcBef>
+                  <a:spcPct val="0"/>
+                </a:spcBef>
+                <a:spcAft>
+                  <a:spcPct val="0"/>
+                </a:spcAft>
+              </a:pPr>
+              <a:r>
+                <a:rPr lang="en-US" sz="1600" b="1" dirty="0">
+                  <a:gradFill>
+                    <a:gsLst>
+                      <a:gs pos="0">
+                        <a:srgbClr val="FFFFFF"/>
+                      </a:gs>
+                      <a:gs pos="100000">
+                        <a:srgbClr val="FFFFFF"/>
+                      </a:gs>
+                    </a:gsLst>
+                    <a:lin ang="5400000" scaled="0"/>
+                  </a:gradFill>
+                  <a:latin typeface="Lucida Console" panose="020B0609040504020204" pitchFamily="49" charset="0"/>
+                  <a:ea typeface="Segoe UI" pitchFamily="34" charset="0"/>
+                  <a:cs typeface="Segoe UI" pitchFamily="34" charset="0"/>
+                </a:rPr>
+                <a:t>dev</a:t>
+              </a:r>
+            </a:p>
+          </p:txBody>
+        </p:sp>
+        <p:sp>
+          <p:nvSpPr>
+            <p:cNvPr id="3" name="Rectangle 2">
+              <a:extLst>
+                <a:ext uri="{FF2B5EF4-FFF2-40B4-BE49-F238E27FC236}">
+                  <a16:creationId xmlns:a16="http://schemas.microsoft.com/office/drawing/2014/main" id="{FD6F9DE8-BFD8-ED75-D80E-6643CBD92F41}"/>
+                </a:ext>
+              </a:extLst>
+            </p:cNvPr>
+            <p:cNvSpPr/>
+            <p:nvPr/>
+          </p:nvSpPr>
+          <p:spPr bwMode="auto">
+            <a:xfrm>
+              <a:off x="4275308" y="797714"/>
+              <a:ext cx="1625443" cy="1643338"/>
+            </a:xfrm>
+            <a:prstGeom prst="rect">
+              <a:avLst/>
+            </a:prstGeom>
+            <a:solidFill>
+              <a:schemeClr val="accent2">
+                <a:lumMod val="50000"/>
+              </a:schemeClr>
+            </a:solidFill>
+            <a:ln>
+              <a:noFill/>
+              <a:headEnd type="none" w="med" len="med"/>
+              <a:tailEnd type="none" w="med" len="med"/>
+            </a:ln>
+            <a:effectLst/>
+          </p:spPr>
+          <p:style>
+            <a:lnRef idx="1">
+              <a:schemeClr val="accent2"/>
+            </a:lnRef>
+            <a:fillRef idx="3">
+              <a:schemeClr val="accent2"/>
+            </a:fillRef>
+            <a:effectRef idx="2">
+              <a:schemeClr val="accent2"/>
+            </a:effectRef>
+            <a:fontRef idx="minor">
+              <a:schemeClr val="lt1"/>
+            </a:fontRef>
+          </p:style>
+          <p:txBody>
+            <a:bodyPr rot="0" spcFirstLastPara="0" vertOverflow="overflow" horzOverflow="overflow" vert="horz" wrap="square" lIns="0" tIns="0" rIns="0" bIns="0" numCol="1" spcCol="0" rtlCol="0" fromWordArt="0" anchor="ctr" anchorCtr="0" forceAA="0" compatLnSpc="1">
+              <a:prstTxWarp prst="textNoShape">
+                <a:avLst/>
+              </a:prstTxWarp>
+              <a:noAutofit/>
+            </a:bodyPr>
+            <a:lstStyle/>
+            <a:p>
+              <a:pPr algn="ctr" defTabSz="932472" fontAlgn="base">
+                <a:lnSpc>
+                  <a:spcPct val="90000"/>
+                </a:lnSpc>
+                <a:spcBef>
+                  <a:spcPct val="0"/>
+                </a:spcBef>
+                <a:spcAft>
+                  <a:spcPct val="0"/>
+                </a:spcAft>
+              </a:pPr>
+              <a:r>
+                <a:rPr lang="en-US" sz="1600" b="1" dirty="0">
+                  <a:gradFill>
+                    <a:gsLst>
+                      <a:gs pos="0">
+                        <a:srgbClr val="FFFFFF"/>
+                      </a:gs>
+                      <a:gs pos="100000">
+                        <a:srgbClr val="FFFFFF"/>
+                      </a:gs>
+                    </a:gsLst>
+                    <a:lin ang="5400000" scaled="0"/>
+                  </a:gradFill>
+                  <a:latin typeface="Lucida Console" panose="020B0609040504020204" pitchFamily="49" charset="0"/>
+                  <a:ea typeface="Segoe UI" pitchFamily="34" charset="0"/>
+                  <a:cs typeface="Segoe UI" pitchFamily="34" charset="0"/>
+                </a:rPr>
+                <a:t>test</a:t>
+              </a:r>
+            </a:p>
+          </p:txBody>
+        </p:sp>
+        <p:sp>
+          <p:nvSpPr>
+            <p:cNvPr id="4" name="Arrow: Right 3">
+              <a:extLst>
+                <a:ext uri="{FF2B5EF4-FFF2-40B4-BE49-F238E27FC236}">
+                  <a16:creationId xmlns:a16="http://schemas.microsoft.com/office/drawing/2014/main" id="{7E711A8B-74EF-8F35-800C-37539A4E8977}"/>
+                </a:ext>
+              </a:extLst>
+            </p:cNvPr>
+            <p:cNvSpPr/>
+            <p:nvPr/>
+          </p:nvSpPr>
+          <p:spPr bwMode="auto">
+            <a:xfrm>
+              <a:off x="3363614" y="1301322"/>
+              <a:ext cx="879837" cy="506304"/>
+            </a:xfrm>
+            <a:prstGeom prst="rightArrow">
+              <a:avLst>
+                <a:gd name="adj1" fmla="val 61383"/>
+                <a:gd name="adj2" fmla="val 50000"/>
+              </a:avLst>
+            </a:prstGeom>
+            <a:solidFill>
+              <a:srgbClr val="C00000"/>
+            </a:solidFill>
+            <a:ln>
+              <a:noFill/>
+              <a:headEnd type="none" w="med" len="med"/>
+              <a:tailEnd type="none" w="med" len="med"/>
+            </a:ln>
+            <a:effectLst/>
+          </p:spPr>
+          <p:style>
+            <a:lnRef idx="1">
+              <a:schemeClr val="accent2"/>
+            </a:lnRef>
+            <a:fillRef idx="3">
+              <a:schemeClr val="accent2"/>
+            </a:fillRef>
+            <a:effectRef idx="2">
+              <a:schemeClr val="accent2"/>
+            </a:effectRef>
+            <a:fontRef idx="minor">
+              <a:schemeClr val="lt1"/>
+            </a:fontRef>
+          </p:style>
+          <p:txBody>
+            <a:bodyPr rot="0" spcFirstLastPara="0" vertOverflow="overflow" horzOverflow="overflow" vert="horz" wrap="square" lIns="0" tIns="0" rIns="0" bIns="0" numCol="1" spcCol="0" rtlCol="0" fromWordArt="0" anchor="ctr" anchorCtr="0" forceAA="0" compatLnSpc="1">
+              <a:prstTxWarp prst="textNoShape">
+                <a:avLst/>
+              </a:prstTxWarp>
+              <a:noAutofit/>
+            </a:bodyPr>
+            <a:lstStyle/>
+            <a:p>
+              <a:pPr algn="ctr" defTabSz="932472" fontAlgn="base">
+                <a:lnSpc>
+                  <a:spcPct val="90000"/>
+                </a:lnSpc>
+                <a:spcBef>
+                  <a:spcPct val="0"/>
+                </a:spcBef>
+                <a:spcAft>
+                  <a:spcPct val="0"/>
+                </a:spcAft>
+              </a:pPr>
+              <a:endParaRPr lang="en-US" sz="1600" b="1" dirty="0">
+                <a:gradFill>
+                  <a:gsLst>
+                    <a:gs pos="0">
+                      <a:srgbClr val="FFFFFF"/>
+                    </a:gs>
+                    <a:gs pos="100000">
+                      <a:srgbClr val="FFFFFF"/>
+                    </a:gs>
+                  </a:gsLst>
+                  <a:lin ang="5400000" scaled="0"/>
+                </a:gradFill>
+                <a:latin typeface="Lucida Console" panose="020B0609040504020204" pitchFamily="49" charset="0"/>
+                <a:ea typeface="Segoe UI" pitchFamily="34" charset="0"/>
+                <a:cs typeface="Segoe UI" pitchFamily="34" charset="0"/>
+              </a:endParaRPr>
+            </a:p>
+          </p:txBody>
+        </p:sp>
+        <p:sp>
+          <p:nvSpPr>
+            <p:cNvPr id="5" name="Rectangle 4">
+              <a:extLst>
+                <a:ext uri="{FF2B5EF4-FFF2-40B4-BE49-F238E27FC236}">
+                  <a16:creationId xmlns:a16="http://schemas.microsoft.com/office/drawing/2014/main" id="{4876C167-CDFD-1E40-7D5A-871E02B6B79C}"/>
+                </a:ext>
+              </a:extLst>
+            </p:cNvPr>
+            <p:cNvSpPr/>
+            <p:nvPr/>
+          </p:nvSpPr>
+          <p:spPr bwMode="auto">
+            <a:xfrm>
+              <a:off x="6896588" y="797714"/>
+              <a:ext cx="1625443" cy="1643338"/>
+            </a:xfrm>
+            <a:prstGeom prst="rect">
+              <a:avLst/>
+            </a:prstGeom>
+            <a:solidFill>
+              <a:schemeClr val="accent1"/>
+            </a:solidFill>
+            <a:ln>
+              <a:noFill/>
+              <a:headEnd type="none" w="med" len="med"/>
+              <a:tailEnd type="none" w="med" len="med"/>
+            </a:ln>
+            <a:effectLst/>
+          </p:spPr>
+          <p:style>
+            <a:lnRef idx="1">
+              <a:schemeClr val="accent2"/>
+            </a:lnRef>
+            <a:fillRef idx="3">
+              <a:schemeClr val="accent2"/>
+            </a:fillRef>
+            <a:effectRef idx="2">
+              <a:schemeClr val="accent2"/>
+            </a:effectRef>
+            <a:fontRef idx="minor">
+              <a:schemeClr val="lt1"/>
+            </a:fontRef>
+          </p:style>
+          <p:txBody>
+            <a:bodyPr rot="0" spcFirstLastPara="0" vertOverflow="overflow" horzOverflow="overflow" vert="horz" wrap="square" lIns="0" tIns="0" rIns="0" bIns="0" numCol="1" spcCol="0" rtlCol="0" fromWordArt="0" anchor="ctr" anchorCtr="0" forceAA="0" compatLnSpc="1">
+              <a:prstTxWarp prst="textNoShape">
+                <a:avLst/>
+              </a:prstTxWarp>
+              <a:noAutofit/>
+            </a:bodyPr>
+            <a:lstStyle/>
+            <a:p>
+              <a:pPr algn="ctr" defTabSz="932472" fontAlgn="base">
+                <a:lnSpc>
+                  <a:spcPct val="90000"/>
+                </a:lnSpc>
+                <a:spcBef>
+                  <a:spcPct val="0"/>
+                </a:spcBef>
+                <a:spcAft>
+                  <a:spcPct val="0"/>
+                </a:spcAft>
+              </a:pPr>
+              <a:r>
+                <a:rPr lang="en-US" sz="1600" b="1" dirty="0">
+                  <a:gradFill>
+                    <a:gsLst>
+                      <a:gs pos="0">
+                        <a:srgbClr val="FFFFFF"/>
+                      </a:gs>
+                      <a:gs pos="100000">
+                        <a:srgbClr val="FFFFFF"/>
+                      </a:gs>
+                    </a:gsLst>
+                    <a:lin ang="5400000" scaled="0"/>
+                  </a:gradFill>
+                  <a:latin typeface="Lucida Console" panose="020B0609040504020204" pitchFamily="49" charset="0"/>
+                  <a:ea typeface="Segoe UI" pitchFamily="34" charset="0"/>
+                  <a:cs typeface="Segoe UI" pitchFamily="34" charset="0"/>
+                </a:rPr>
+                <a:t>prod</a:t>
+              </a:r>
+            </a:p>
+          </p:txBody>
+        </p:sp>
+        <p:sp>
+          <p:nvSpPr>
+            <p:cNvPr id="6" name="Arrow: Right 5">
+              <a:extLst>
+                <a:ext uri="{FF2B5EF4-FFF2-40B4-BE49-F238E27FC236}">
+                  <a16:creationId xmlns:a16="http://schemas.microsoft.com/office/drawing/2014/main" id="{A55C7AC8-4247-2C70-2CDB-A7000BB82B63}"/>
+                </a:ext>
+              </a:extLst>
+            </p:cNvPr>
+            <p:cNvSpPr/>
+            <p:nvPr/>
+          </p:nvSpPr>
+          <p:spPr bwMode="auto">
+            <a:xfrm>
+              <a:off x="5984894" y="1301322"/>
+              <a:ext cx="879837" cy="506304"/>
+            </a:xfrm>
+            <a:prstGeom prst="rightArrow">
+              <a:avLst>
+                <a:gd name="adj1" fmla="val 61383"/>
+                <a:gd name="adj2" fmla="val 50000"/>
+              </a:avLst>
+            </a:prstGeom>
+            <a:solidFill>
+              <a:srgbClr val="C00000"/>
+            </a:solidFill>
+            <a:ln>
+              <a:noFill/>
+              <a:headEnd type="none" w="med" len="med"/>
+              <a:tailEnd type="none" w="med" len="med"/>
+            </a:ln>
+            <a:effectLst/>
+          </p:spPr>
+          <p:style>
+            <a:lnRef idx="1">
+              <a:schemeClr val="accent2"/>
+            </a:lnRef>
+            <a:fillRef idx="3">
+              <a:schemeClr val="accent2"/>
+            </a:fillRef>
+            <a:effectRef idx="2">
+              <a:schemeClr val="accent2"/>
+            </a:effectRef>
+            <a:fontRef idx="minor">
+              <a:schemeClr val="lt1"/>
+            </a:fontRef>
+          </p:style>
+          <p:txBody>
+            <a:bodyPr rot="0" spcFirstLastPara="0" vertOverflow="overflow" horzOverflow="overflow" vert="horz" wrap="square" lIns="0" tIns="0" rIns="0" bIns="0" numCol="1" spcCol="0" rtlCol="0" fromWordArt="0" anchor="ctr" anchorCtr="0" forceAA="0" compatLnSpc="1">
+              <a:prstTxWarp prst="textNoShape">
+                <a:avLst/>
+              </a:prstTxWarp>
+              <a:noAutofit/>
+            </a:bodyPr>
+            <a:lstStyle/>
+            <a:p>
+              <a:pPr algn="ctr" defTabSz="932472" fontAlgn="base">
+                <a:lnSpc>
+                  <a:spcPct val="90000"/>
+                </a:lnSpc>
+                <a:spcBef>
+                  <a:spcPct val="0"/>
+                </a:spcBef>
+                <a:spcAft>
+                  <a:spcPct val="0"/>
+                </a:spcAft>
+              </a:pPr>
+              <a:endParaRPr lang="en-US" sz="1600" b="1" dirty="0">
+                <a:gradFill>
+                  <a:gsLst>
+                    <a:gs pos="0">
+                      <a:srgbClr val="FFFFFF"/>
+                    </a:gs>
+                    <a:gs pos="100000">
+                      <a:srgbClr val="FFFFFF"/>
+                    </a:gs>
+                  </a:gsLst>
+                  <a:lin ang="5400000" scaled="0"/>
+                </a:gradFill>
+                <a:latin typeface="Lucida Console" panose="020B0609040504020204" pitchFamily="49" charset="0"/>
+                <a:ea typeface="Segoe UI" pitchFamily="34" charset="0"/>
+                <a:cs typeface="Segoe UI" pitchFamily="34" charset="0"/>
+              </a:endParaRPr>
+            </a:p>
+          </p:txBody>
+        </p:sp>
+      </p:grpSp>
+    </p:spTree>
+    <p:extLst>
+      <p:ext uri="{BB962C8B-B14F-4D97-AF65-F5344CB8AC3E}">
+        <p14:creationId xmlns:p14="http://schemas.microsoft.com/office/powerpoint/2010/main" val="2677553126"/>
+      </p:ext>
+    </p:extLst>
+  </p:cSld>
+  <p:clrMapOvr>
+    <a:masterClrMapping/>
+  </p:clrMapOvr>
+  <p:transition>
+    <p:fade/>
+  </p:transition>
+</p:sld>
+</file>
+
+<file path=ppt/slides/slide30.xml><?xml version="1.0" encoding="utf-8"?>
 <p:sld xmlns:a="http://schemas.openxmlformats.org/drawingml/2006/main" xmlns:r="http://schemas.openxmlformats.org/officeDocument/2006/relationships" xmlns:p="http://schemas.openxmlformats.org/presentationml/2006/main">
   <p:cSld>
     <p:spTree>
@@ -17750,582 +18395,7 @@
 </p:sld>
 </file>
 
-<file path=ppt/slides/slide3.xml><?xml version="1.0" encoding="utf-8"?>
-<p:sld xmlns:a="http://schemas.openxmlformats.org/drawingml/2006/main" xmlns:r="http://schemas.openxmlformats.org/officeDocument/2006/relationships" xmlns:p="http://schemas.openxmlformats.org/presentationml/2006/main">
-  <p:cSld>
-    <p:spTree>
-      <p:nvGrpSpPr>
-        <p:cNvPr id="1" name=""/>
-        <p:cNvGrpSpPr/>
-        <p:nvPr/>
-      </p:nvGrpSpPr>
-      <p:grpSpPr>
-        <a:xfrm>
-          <a:off x="0" y="0"/>
-          <a:ext cx="0" cy="0"/>
-          <a:chOff x="0" y="0"/>
-          <a:chExt cx="0" cy="0"/>
-        </a:xfrm>
-      </p:grpSpPr>
-      <p:sp>
-        <p:nvSpPr>
-          <p:cNvPr id="8" name="Rectangle 7">
-            <a:extLst>
-              <a:ext uri="{FF2B5EF4-FFF2-40B4-BE49-F238E27FC236}">
-                <a16:creationId xmlns:a16="http://schemas.microsoft.com/office/drawing/2014/main" id="{D78C485D-3A46-40D1-5373-DDF18F784091}"/>
-              </a:ext>
-            </a:extLst>
-          </p:cNvPr>
-          <p:cNvSpPr/>
-          <p:nvPr/>
-        </p:nvSpPr>
-        <p:spPr bwMode="auto">
-          <a:xfrm>
-            <a:off x="1543736" y="615928"/>
-            <a:ext cx="5622378" cy="1590559"/>
-          </a:xfrm>
-          <a:prstGeom prst="rect">
-            <a:avLst/>
-          </a:prstGeom>
-          <a:solidFill>
-            <a:schemeClr val="bg1">
-              <a:lumMod val="85000"/>
-            </a:schemeClr>
-          </a:solidFill>
-          <a:ln>
-            <a:solidFill>
-              <a:schemeClr val="tx1"/>
-            </a:solidFill>
-            <a:headEnd type="none" w="med" len="med"/>
-            <a:tailEnd type="none" w="med" len="med"/>
-          </a:ln>
-          <a:effectLst/>
-        </p:spPr>
-        <p:style>
-          <a:lnRef idx="1">
-            <a:schemeClr val="accent2"/>
-          </a:lnRef>
-          <a:fillRef idx="3">
-            <a:schemeClr val="accent2"/>
-          </a:fillRef>
-          <a:effectRef idx="2">
-            <a:schemeClr val="accent2"/>
-          </a:effectRef>
-          <a:fontRef idx="minor">
-            <a:schemeClr val="lt1"/>
-          </a:fontRef>
-        </p:style>
-        <p:txBody>
-          <a:bodyPr rot="0" spcFirstLastPara="0" vertOverflow="overflow" horzOverflow="overflow" vert="horz" wrap="square" lIns="0" tIns="0" rIns="0" bIns="0" numCol="1" spcCol="0" rtlCol="0" fromWordArt="0" anchor="ctr" anchorCtr="0" forceAA="0" compatLnSpc="1">
-            <a:prstTxWarp prst="textNoShape">
-              <a:avLst/>
-            </a:prstTxWarp>
-            <a:noAutofit/>
-          </a:bodyPr>
-          <a:lstStyle/>
-          <a:p>
-            <a:pPr algn="ctr" defTabSz="932472" fontAlgn="base">
-              <a:lnSpc>
-                <a:spcPct val="90000"/>
-              </a:lnSpc>
-              <a:spcBef>
-                <a:spcPct val="0"/>
-              </a:spcBef>
-              <a:spcAft>
-                <a:spcPct val="0"/>
-              </a:spcAft>
-            </a:pPr>
-            <a:endParaRPr lang="en-US" sz="1400" b="1" dirty="0">
-              <a:gradFill>
-                <a:gsLst>
-                  <a:gs pos="0">
-                    <a:srgbClr val="FFFFFF"/>
-                  </a:gs>
-                  <a:gs pos="100000">
-                    <a:srgbClr val="FFFFFF"/>
-                  </a:gs>
-                </a:gsLst>
-                <a:lin ang="5400000" scaled="0"/>
-              </a:gradFill>
-              <a:latin typeface="Lucida Console" panose="020B0609040504020204" pitchFamily="49" charset="0"/>
-              <a:ea typeface="Segoe UI" pitchFamily="34" charset="0"/>
-              <a:cs typeface="Segoe UI" pitchFamily="34" charset="0"/>
-            </a:endParaRPr>
-          </a:p>
-        </p:txBody>
-      </p:sp>
-      <p:grpSp>
-        <p:nvGrpSpPr>
-          <p:cNvPr id="7" name="Group 6">
-            <a:extLst>
-              <a:ext uri="{FF2B5EF4-FFF2-40B4-BE49-F238E27FC236}">
-                <a16:creationId xmlns:a16="http://schemas.microsoft.com/office/drawing/2014/main" id="{3B81A26D-EBCD-FB0A-ED1B-5BB31977E55B}"/>
-              </a:ext>
-            </a:extLst>
-          </p:cNvPr>
-          <p:cNvGrpSpPr/>
-          <p:nvPr/>
-        </p:nvGrpSpPr>
-        <p:grpSpPr>
-          <a:xfrm>
-            <a:off x="1664104" y="773980"/>
-            <a:ext cx="5320563" cy="1293359"/>
-            <a:chOff x="1664104" y="773980"/>
-            <a:chExt cx="6857927" cy="1667072"/>
-          </a:xfrm>
-        </p:grpSpPr>
-        <p:sp>
-          <p:nvSpPr>
-            <p:cNvPr id="2" name="Rectangle 1">
-              <a:extLst>
-                <a:ext uri="{FF2B5EF4-FFF2-40B4-BE49-F238E27FC236}">
-                  <a16:creationId xmlns:a16="http://schemas.microsoft.com/office/drawing/2014/main" id="{275316FA-3A99-1746-7388-C57FA01FDF73}"/>
-                </a:ext>
-              </a:extLst>
-            </p:cNvPr>
-            <p:cNvSpPr/>
-            <p:nvPr/>
-          </p:nvSpPr>
-          <p:spPr bwMode="auto">
-            <a:xfrm>
-              <a:off x="1664104" y="773980"/>
-              <a:ext cx="1632212" cy="1667071"/>
-            </a:xfrm>
-            <a:prstGeom prst="rect">
-              <a:avLst/>
-            </a:prstGeom>
-            <a:solidFill>
-              <a:schemeClr val="accent4">
-                <a:lumMod val="75000"/>
-              </a:schemeClr>
-            </a:solidFill>
-            <a:ln>
-              <a:noFill/>
-              <a:headEnd type="none" w="med" len="med"/>
-              <a:tailEnd type="none" w="med" len="med"/>
-            </a:ln>
-            <a:effectLst/>
-          </p:spPr>
-          <p:style>
-            <a:lnRef idx="1">
-              <a:schemeClr val="accent2"/>
-            </a:lnRef>
-            <a:fillRef idx="3">
-              <a:schemeClr val="accent2"/>
-            </a:fillRef>
-            <a:effectRef idx="2">
-              <a:schemeClr val="accent2"/>
-            </a:effectRef>
-            <a:fontRef idx="minor">
-              <a:schemeClr val="lt1"/>
-            </a:fontRef>
-          </p:style>
-          <p:txBody>
-            <a:bodyPr rot="0" spcFirstLastPara="0" vertOverflow="overflow" horzOverflow="overflow" vert="horz" wrap="square" lIns="0" tIns="0" rIns="0" bIns="0" numCol="1" spcCol="0" rtlCol="0" fromWordArt="0" anchor="ctr" anchorCtr="0" forceAA="0" compatLnSpc="1">
-              <a:prstTxWarp prst="textNoShape">
-                <a:avLst/>
-              </a:prstTxWarp>
-              <a:noAutofit/>
-            </a:bodyPr>
-            <a:lstStyle/>
-            <a:p>
-              <a:pPr algn="ctr" defTabSz="932472" fontAlgn="base">
-                <a:lnSpc>
-                  <a:spcPct val="90000"/>
-                </a:lnSpc>
-                <a:spcBef>
-                  <a:spcPct val="0"/>
-                </a:spcBef>
-                <a:spcAft>
-                  <a:spcPct val="0"/>
-                </a:spcAft>
-              </a:pPr>
-              <a:r>
-                <a:rPr lang="en-US" sz="1600" b="1" dirty="0">
-                  <a:gradFill>
-                    <a:gsLst>
-                      <a:gs pos="0">
-                        <a:srgbClr val="FFFFFF"/>
-                      </a:gs>
-                      <a:gs pos="100000">
-                        <a:srgbClr val="FFFFFF"/>
-                      </a:gs>
-                    </a:gsLst>
-                    <a:lin ang="5400000" scaled="0"/>
-                  </a:gradFill>
-                  <a:latin typeface="Lucida Console" panose="020B0609040504020204" pitchFamily="49" charset="0"/>
-                  <a:ea typeface="Segoe UI" pitchFamily="34" charset="0"/>
-                  <a:cs typeface="Segoe UI" pitchFamily="34" charset="0"/>
-                </a:rPr>
-                <a:t>dev</a:t>
-              </a:r>
-            </a:p>
-          </p:txBody>
-        </p:sp>
-        <p:sp>
-          <p:nvSpPr>
-            <p:cNvPr id="3" name="Rectangle 2">
-              <a:extLst>
-                <a:ext uri="{FF2B5EF4-FFF2-40B4-BE49-F238E27FC236}">
-                  <a16:creationId xmlns:a16="http://schemas.microsoft.com/office/drawing/2014/main" id="{FD6F9DE8-BFD8-ED75-D80E-6643CBD92F41}"/>
-                </a:ext>
-              </a:extLst>
-            </p:cNvPr>
-            <p:cNvSpPr/>
-            <p:nvPr/>
-          </p:nvSpPr>
-          <p:spPr bwMode="auto">
-            <a:xfrm>
-              <a:off x="4275308" y="797714"/>
-              <a:ext cx="1625443" cy="1643338"/>
-            </a:xfrm>
-            <a:prstGeom prst="rect">
-              <a:avLst/>
-            </a:prstGeom>
-            <a:solidFill>
-              <a:schemeClr val="accent2">
-                <a:lumMod val="50000"/>
-              </a:schemeClr>
-            </a:solidFill>
-            <a:ln>
-              <a:noFill/>
-              <a:headEnd type="none" w="med" len="med"/>
-              <a:tailEnd type="none" w="med" len="med"/>
-            </a:ln>
-            <a:effectLst/>
-          </p:spPr>
-          <p:style>
-            <a:lnRef idx="1">
-              <a:schemeClr val="accent2"/>
-            </a:lnRef>
-            <a:fillRef idx="3">
-              <a:schemeClr val="accent2"/>
-            </a:fillRef>
-            <a:effectRef idx="2">
-              <a:schemeClr val="accent2"/>
-            </a:effectRef>
-            <a:fontRef idx="minor">
-              <a:schemeClr val="lt1"/>
-            </a:fontRef>
-          </p:style>
-          <p:txBody>
-            <a:bodyPr rot="0" spcFirstLastPara="0" vertOverflow="overflow" horzOverflow="overflow" vert="horz" wrap="square" lIns="0" tIns="0" rIns="0" bIns="0" numCol="1" spcCol="0" rtlCol="0" fromWordArt="0" anchor="ctr" anchorCtr="0" forceAA="0" compatLnSpc="1">
-              <a:prstTxWarp prst="textNoShape">
-                <a:avLst/>
-              </a:prstTxWarp>
-              <a:noAutofit/>
-            </a:bodyPr>
-            <a:lstStyle/>
-            <a:p>
-              <a:pPr algn="ctr" defTabSz="932472" fontAlgn="base">
-                <a:lnSpc>
-                  <a:spcPct val="90000"/>
-                </a:lnSpc>
-                <a:spcBef>
-                  <a:spcPct val="0"/>
-                </a:spcBef>
-                <a:spcAft>
-                  <a:spcPct val="0"/>
-                </a:spcAft>
-              </a:pPr>
-              <a:r>
-                <a:rPr lang="en-US" sz="1600" b="1" dirty="0">
-                  <a:gradFill>
-                    <a:gsLst>
-                      <a:gs pos="0">
-                        <a:srgbClr val="FFFFFF"/>
-                      </a:gs>
-                      <a:gs pos="100000">
-                        <a:srgbClr val="FFFFFF"/>
-                      </a:gs>
-                    </a:gsLst>
-                    <a:lin ang="5400000" scaled="0"/>
-                  </a:gradFill>
-                  <a:latin typeface="Lucida Console" panose="020B0609040504020204" pitchFamily="49" charset="0"/>
-                  <a:ea typeface="Segoe UI" pitchFamily="34" charset="0"/>
-                  <a:cs typeface="Segoe UI" pitchFamily="34" charset="0"/>
-                </a:rPr>
-                <a:t>test</a:t>
-              </a:r>
-            </a:p>
-          </p:txBody>
-        </p:sp>
-        <p:sp>
-          <p:nvSpPr>
-            <p:cNvPr id="4" name="Arrow: Right 3">
-              <a:extLst>
-                <a:ext uri="{FF2B5EF4-FFF2-40B4-BE49-F238E27FC236}">
-                  <a16:creationId xmlns:a16="http://schemas.microsoft.com/office/drawing/2014/main" id="{7E711A8B-74EF-8F35-800C-37539A4E8977}"/>
-                </a:ext>
-              </a:extLst>
-            </p:cNvPr>
-            <p:cNvSpPr/>
-            <p:nvPr/>
-          </p:nvSpPr>
-          <p:spPr bwMode="auto">
-            <a:xfrm>
-              <a:off x="3363614" y="1301322"/>
-              <a:ext cx="879837" cy="506304"/>
-            </a:xfrm>
-            <a:prstGeom prst="rightArrow">
-              <a:avLst>
-                <a:gd name="adj1" fmla="val 61383"/>
-                <a:gd name="adj2" fmla="val 50000"/>
-              </a:avLst>
-            </a:prstGeom>
-            <a:solidFill>
-              <a:srgbClr val="C00000"/>
-            </a:solidFill>
-            <a:ln>
-              <a:noFill/>
-              <a:headEnd type="none" w="med" len="med"/>
-              <a:tailEnd type="none" w="med" len="med"/>
-            </a:ln>
-            <a:effectLst/>
-          </p:spPr>
-          <p:style>
-            <a:lnRef idx="1">
-              <a:schemeClr val="accent2"/>
-            </a:lnRef>
-            <a:fillRef idx="3">
-              <a:schemeClr val="accent2"/>
-            </a:fillRef>
-            <a:effectRef idx="2">
-              <a:schemeClr val="accent2"/>
-            </a:effectRef>
-            <a:fontRef idx="minor">
-              <a:schemeClr val="lt1"/>
-            </a:fontRef>
-          </p:style>
-          <p:txBody>
-            <a:bodyPr rot="0" spcFirstLastPara="0" vertOverflow="overflow" horzOverflow="overflow" vert="horz" wrap="square" lIns="0" tIns="0" rIns="0" bIns="0" numCol="1" spcCol="0" rtlCol="0" fromWordArt="0" anchor="ctr" anchorCtr="0" forceAA="0" compatLnSpc="1">
-              <a:prstTxWarp prst="textNoShape">
-                <a:avLst/>
-              </a:prstTxWarp>
-              <a:noAutofit/>
-            </a:bodyPr>
-            <a:lstStyle/>
-            <a:p>
-              <a:pPr algn="ctr" defTabSz="932472" fontAlgn="base">
-                <a:lnSpc>
-                  <a:spcPct val="90000"/>
-                </a:lnSpc>
-                <a:spcBef>
-                  <a:spcPct val="0"/>
-                </a:spcBef>
-                <a:spcAft>
-                  <a:spcPct val="0"/>
-                </a:spcAft>
-              </a:pPr>
-              <a:endParaRPr lang="en-US" sz="1600" b="1" dirty="0">
-                <a:gradFill>
-                  <a:gsLst>
-                    <a:gs pos="0">
-                      <a:srgbClr val="FFFFFF"/>
-                    </a:gs>
-                    <a:gs pos="100000">
-                      <a:srgbClr val="FFFFFF"/>
-                    </a:gs>
-                  </a:gsLst>
-                  <a:lin ang="5400000" scaled="0"/>
-                </a:gradFill>
-                <a:latin typeface="Lucida Console" panose="020B0609040504020204" pitchFamily="49" charset="0"/>
-                <a:ea typeface="Segoe UI" pitchFamily="34" charset="0"/>
-                <a:cs typeface="Segoe UI" pitchFamily="34" charset="0"/>
-              </a:endParaRPr>
-            </a:p>
-          </p:txBody>
-        </p:sp>
-        <p:sp>
-          <p:nvSpPr>
-            <p:cNvPr id="5" name="Rectangle 4">
-              <a:extLst>
-                <a:ext uri="{FF2B5EF4-FFF2-40B4-BE49-F238E27FC236}">
-                  <a16:creationId xmlns:a16="http://schemas.microsoft.com/office/drawing/2014/main" id="{4876C167-CDFD-1E40-7D5A-871E02B6B79C}"/>
-                </a:ext>
-              </a:extLst>
-            </p:cNvPr>
-            <p:cNvSpPr/>
-            <p:nvPr/>
-          </p:nvSpPr>
-          <p:spPr bwMode="auto">
-            <a:xfrm>
-              <a:off x="6896588" y="797714"/>
-              <a:ext cx="1625443" cy="1643338"/>
-            </a:xfrm>
-            <a:prstGeom prst="rect">
-              <a:avLst/>
-            </a:prstGeom>
-            <a:solidFill>
-              <a:schemeClr val="accent1"/>
-            </a:solidFill>
-            <a:ln>
-              <a:noFill/>
-              <a:headEnd type="none" w="med" len="med"/>
-              <a:tailEnd type="none" w="med" len="med"/>
-            </a:ln>
-            <a:effectLst/>
-          </p:spPr>
-          <p:style>
-            <a:lnRef idx="1">
-              <a:schemeClr val="accent2"/>
-            </a:lnRef>
-            <a:fillRef idx="3">
-              <a:schemeClr val="accent2"/>
-            </a:fillRef>
-            <a:effectRef idx="2">
-              <a:schemeClr val="accent2"/>
-            </a:effectRef>
-            <a:fontRef idx="minor">
-              <a:schemeClr val="lt1"/>
-            </a:fontRef>
-          </p:style>
-          <p:txBody>
-            <a:bodyPr rot="0" spcFirstLastPara="0" vertOverflow="overflow" horzOverflow="overflow" vert="horz" wrap="square" lIns="0" tIns="0" rIns="0" bIns="0" numCol="1" spcCol="0" rtlCol="0" fromWordArt="0" anchor="ctr" anchorCtr="0" forceAA="0" compatLnSpc="1">
-              <a:prstTxWarp prst="textNoShape">
-                <a:avLst/>
-              </a:prstTxWarp>
-              <a:noAutofit/>
-            </a:bodyPr>
-            <a:lstStyle/>
-            <a:p>
-              <a:pPr algn="ctr" defTabSz="932472" fontAlgn="base">
-                <a:lnSpc>
-                  <a:spcPct val="90000"/>
-                </a:lnSpc>
-                <a:spcBef>
-                  <a:spcPct val="0"/>
-                </a:spcBef>
-                <a:spcAft>
-                  <a:spcPct val="0"/>
-                </a:spcAft>
-              </a:pPr>
-              <a:r>
-                <a:rPr lang="en-US" sz="1600" b="1" dirty="0">
-                  <a:gradFill>
-                    <a:gsLst>
-                      <a:gs pos="0">
-                        <a:srgbClr val="FFFFFF"/>
-                      </a:gs>
-                      <a:gs pos="100000">
-                        <a:srgbClr val="FFFFFF"/>
-                      </a:gs>
-                    </a:gsLst>
-                    <a:lin ang="5400000" scaled="0"/>
-                  </a:gradFill>
-                  <a:latin typeface="Lucida Console" panose="020B0609040504020204" pitchFamily="49" charset="0"/>
-                  <a:ea typeface="Segoe UI" pitchFamily="34" charset="0"/>
-                  <a:cs typeface="Segoe UI" pitchFamily="34" charset="0"/>
-                </a:rPr>
-                <a:t>prod</a:t>
-              </a:r>
-            </a:p>
-          </p:txBody>
-        </p:sp>
-        <p:sp>
-          <p:nvSpPr>
-            <p:cNvPr id="6" name="Arrow: Right 5">
-              <a:extLst>
-                <a:ext uri="{FF2B5EF4-FFF2-40B4-BE49-F238E27FC236}">
-                  <a16:creationId xmlns:a16="http://schemas.microsoft.com/office/drawing/2014/main" id="{A55C7AC8-4247-2C70-2CDB-A7000BB82B63}"/>
-                </a:ext>
-              </a:extLst>
-            </p:cNvPr>
-            <p:cNvSpPr/>
-            <p:nvPr/>
-          </p:nvSpPr>
-          <p:spPr bwMode="auto">
-            <a:xfrm>
-              <a:off x="5984894" y="1301322"/>
-              <a:ext cx="879837" cy="506304"/>
-            </a:xfrm>
-            <a:prstGeom prst="rightArrow">
-              <a:avLst>
-                <a:gd name="adj1" fmla="val 61383"/>
-                <a:gd name="adj2" fmla="val 50000"/>
-              </a:avLst>
-            </a:prstGeom>
-            <a:solidFill>
-              <a:srgbClr val="C00000"/>
-            </a:solidFill>
-            <a:ln>
-              <a:noFill/>
-              <a:headEnd type="none" w="med" len="med"/>
-              <a:tailEnd type="none" w="med" len="med"/>
-            </a:ln>
-            <a:effectLst/>
-          </p:spPr>
-          <p:style>
-            <a:lnRef idx="1">
-              <a:schemeClr val="accent2"/>
-            </a:lnRef>
-            <a:fillRef idx="3">
-              <a:schemeClr val="accent2"/>
-            </a:fillRef>
-            <a:effectRef idx="2">
-              <a:schemeClr val="accent2"/>
-            </a:effectRef>
-            <a:fontRef idx="minor">
-              <a:schemeClr val="lt1"/>
-            </a:fontRef>
-          </p:style>
-          <p:txBody>
-            <a:bodyPr rot="0" spcFirstLastPara="0" vertOverflow="overflow" horzOverflow="overflow" vert="horz" wrap="square" lIns="0" tIns="0" rIns="0" bIns="0" numCol="1" spcCol="0" rtlCol="0" fromWordArt="0" anchor="ctr" anchorCtr="0" forceAA="0" compatLnSpc="1">
-              <a:prstTxWarp prst="textNoShape">
-                <a:avLst/>
-              </a:prstTxWarp>
-              <a:noAutofit/>
-            </a:bodyPr>
-            <a:lstStyle/>
-            <a:p>
-              <a:pPr algn="ctr" defTabSz="932472" fontAlgn="base">
-                <a:lnSpc>
-                  <a:spcPct val="90000"/>
-                </a:lnSpc>
-                <a:spcBef>
-                  <a:spcPct val="0"/>
-                </a:spcBef>
-                <a:spcAft>
-                  <a:spcPct val="0"/>
-                </a:spcAft>
-              </a:pPr>
-              <a:endParaRPr lang="en-US" sz="1600" b="1" dirty="0">
-                <a:gradFill>
-                  <a:gsLst>
-                    <a:gs pos="0">
-                      <a:srgbClr val="FFFFFF"/>
-                    </a:gs>
-                    <a:gs pos="100000">
-                      <a:srgbClr val="FFFFFF"/>
-                    </a:gs>
-                  </a:gsLst>
-                  <a:lin ang="5400000" scaled="0"/>
-                </a:gradFill>
-                <a:latin typeface="Lucida Console" panose="020B0609040504020204" pitchFamily="49" charset="0"/>
-                <a:ea typeface="Segoe UI" pitchFamily="34" charset="0"/>
-                <a:cs typeface="Segoe UI" pitchFamily="34" charset="0"/>
-              </a:endParaRPr>
-            </a:p>
-          </p:txBody>
-        </p:sp>
-      </p:grpSp>
-    </p:spTree>
-    <p:extLst>
-      <p:ext uri="{BB962C8B-B14F-4D97-AF65-F5344CB8AC3E}">
-        <p14:creationId xmlns:p14="http://schemas.microsoft.com/office/powerpoint/2010/main" val="2677553126"/>
-      </p:ext>
-    </p:extLst>
-  </p:cSld>
-  <p:clrMapOvr>
-    <a:masterClrMapping/>
-  </p:clrMapOvr>
-  <p:transition>
-    <p:fade/>
-  </p:transition>
-</p:sld>
-</file>
-
-<file path=ppt/slides/slide30.xml><?xml version="1.0" encoding="utf-8"?>
+<file path=ppt/slides/slide31.xml><?xml version="1.0" encoding="utf-8"?>
 <p:sld xmlns:a="http://schemas.openxmlformats.org/drawingml/2006/main" xmlns:r="http://schemas.openxmlformats.org/officeDocument/2006/relationships" xmlns:p="http://schemas.openxmlformats.org/presentationml/2006/main">
   <p:cSld>
     <p:spTree>
@@ -19053,7 +19123,7 @@
           <p:nvPr>
             <p:extLst>
               <p:ext uri="{D42A27DB-BD31-4B8C-83A1-F6EECF244321}">
-                <p14:modId xmlns:p14="http://schemas.microsoft.com/office/powerpoint/2010/main" val="3358179100"/>
+                <p14:modId xmlns:p14="http://schemas.microsoft.com/office/powerpoint/2010/main" val="2369008420"/>
               </p:ext>
             </p:extLst>
           </p:nvPr>
@@ -19322,6 +19392,9 @@
                       <a:headEnd type="none" w="med" len="med"/>
                       <a:tailEnd type="none" w="med" len="med"/>
                     </a:lnB>
+                    <a:solidFill>
+                      <a:schemeClr val="bg1"/>
+                    </a:solidFill>
                   </a:tcPr>
                 </a:tc>
                 <a:tc>
@@ -19375,6 +19448,9 @@
                       <a:headEnd type="none" w="med" len="med"/>
                       <a:tailEnd type="none" w="med" len="med"/>
                     </a:lnB>
+                    <a:solidFill>
+                      <a:schemeClr val="bg1"/>
+                    </a:solidFill>
                   </a:tcPr>
                 </a:tc>
                 <a:tc>
@@ -19450,6 +19526,9 @@
                       <a:headEnd type="none" w="med" len="med"/>
                       <a:tailEnd type="none" w="med" len="med"/>
                     </a:lnB>
+                    <a:solidFill>
+                      <a:schemeClr val="bg1"/>
+                    </a:solidFill>
                   </a:tcPr>
                 </a:tc>
                 <a:extLst>
@@ -19539,6 +19618,9 @@
                       <a:headEnd type="none" w="med" len="med"/>
                       <a:tailEnd type="none" w="med" len="med"/>
                     </a:lnB>
+                    <a:solidFill>
+                      <a:schemeClr val="bg1"/>
+                    </a:solidFill>
                   </a:tcPr>
                 </a:tc>
                 <a:tc>
@@ -19592,6 +19674,9 @@
                       <a:headEnd type="none" w="med" len="med"/>
                       <a:tailEnd type="none" w="med" len="med"/>
                     </a:lnB>
+                    <a:solidFill>
+                      <a:schemeClr val="bg1"/>
+                    </a:solidFill>
                   </a:tcPr>
                 </a:tc>
                 <a:tc>
@@ -19667,6 +19752,9 @@
                       <a:headEnd type="none" w="med" len="med"/>
                       <a:tailEnd type="none" w="med" len="med"/>
                     </a:lnB>
+                    <a:solidFill>
+                      <a:schemeClr val="bg1"/>
+                    </a:solidFill>
                   </a:tcPr>
                 </a:tc>
                 <a:extLst>
@@ -19695,7 +19783,7 @@
 </p:sld>
 </file>
 
-<file path=ppt/slides/slide31.xml><?xml version="1.0" encoding="utf-8"?>
+<file path=ppt/slides/slide32.xml><?xml version="1.0" encoding="utf-8"?>
 <p:sld xmlns:a="http://schemas.openxmlformats.org/drawingml/2006/main" xmlns:r="http://schemas.openxmlformats.org/officeDocument/2006/relationships" xmlns:p="http://schemas.openxmlformats.org/presentationml/2006/main">
   <p:cSld>
     <p:spTree>
@@ -20927,7 +21015,7 @@
 </p:sld>
 </file>
 
-<file path=ppt/slides/slide32.xml><?xml version="1.0" encoding="utf-8"?>
+<file path=ppt/slides/slide33.xml><?xml version="1.0" encoding="utf-8"?>
 <p:sld xmlns:a="http://schemas.openxmlformats.org/drawingml/2006/main" xmlns:r="http://schemas.openxmlformats.org/officeDocument/2006/relationships" xmlns:p="http://schemas.openxmlformats.org/presentationml/2006/main">
   <p:cSld>
     <p:spTree>
@@ -21723,7 +21811,7 @@
 </p:sld>
 </file>
 
-<file path=ppt/slides/slide33.xml><?xml version="1.0" encoding="utf-8"?>
+<file path=ppt/slides/slide34.xml><?xml version="1.0" encoding="utf-8"?>
 <p:sld xmlns:a="http://schemas.openxmlformats.org/drawingml/2006/main" xmlns:r="http://schemas.openxmlformats.org/officeDocument/2006/relationships" xmlns:p="http://schemas.openxmlformats.org/presentationml/2006/main">
   <p:cSld>
     <p:spTree>
@@ -21844,7 +21932,7 @@
 </p:sld>
 </file>
 
-<file path=ppt/slides/slide34.xml><?xml version="1.0" encoding="utf-8"?>
+<file path=ppt/slides/slide35.xml><?xml version="1.0" encoding="utf-8"?>
 <p:sld xmlns:a="http://schemas.openxmlformats.org/drawingml/2006/main" xmlns:r="http://schemas.openxmlformats.org/officeDocument/2006/relationships" xmlns:p="http://schemas.openxmlformats.org/presentationml/2006/main">
   <p:cSld>
     <p:spTree>
@@ -21912,7 +22000,7 @@
 </p:sld>
 </file>
 
-<file path=ppt/slides/slide35.xml><?xml version="1.0" encoding="utf-8"?>
+<file path=ppt/slides/slide36.xml><?xml version="1.0" encoding="utf-8"?>
 <p:sld xmlns:a="http://schemas.openxmlformats.org/drawingml/2006/main" xmlns:r="http://schemas.openxmlformats.org/officeDocument/2006/relationships" xmlns:p="http://schemas.openxmlformats.org/presentationml/2006/main">
   <p:cSld>
     <p:spTree>
@@ -22049,7 +22137,7 @@
 </p:sld>
 </file>
 
-<file path=ppt/slides/slide36.xml><?xml version="1.0" encoding="utf-8"?>
+<file path=ppt/slides/slide37.xml><?xml version="1.0" encoding="utf-8"?>
 <p:sld xmlns:a="http://schemas.openxmlformats.org/drawingml/2006/main" xmlns:r="http://schemas.openxmlformats.org/officeDocument/2006/relationships" xmlns:p="http://schemas.openxmlformats.org/presentationml/2006/main">
   <p:cSld>
     <p:spTree>
@@ -22966,7 +23054,7 @@
 </p:sld>
 </file>
 
-<file path=ppt/slides/slide37.xml><?xml version="1.0" encoding="utf-8"?>
+<file path=ppt/slides/slide38.xml><?xml version="1.0" encoding="utf-8"?>
 <p:sld xmlns:a="http://schemas.openxmlformats.org/drawingml/2006/main" xmlns:r="http://schemas.openxmlformats.org/officeDocument/2006/relationships" xmlns:p="http://schemas.openxmlformats.org/presentationml/2006/main">
   <p:cSld>
     <p:spTree>
@@ -24777,7 +24865,7 @@
 </p:sld>
 </file>
 
-<file path=ppt/slides/slide38.xml><?xml version="1.0" encoding="utf-8"?>
+<file path=ppt/slides/slide39.xml><?xml version="1.0" encoding="utf-8"?>
 <p:sld xmlns:a="http://schemas.openxmlformats.org/drawingml/2006/main" xmlns:r="http://schemas.openxmlformats.org/officeDocument/2006/relationships" xmlns:p="http://schemas.openxmlformats.org/presentationml/2006/main">
   <p:cSld>
     <p:spTree>
@@ -25728,7 +25816,75 @@
 </p:sld>
 </file>
 
-<file path=ppt/slides/slide39.xml><?xml version="1.0" encoding="utf-8"?>
+<file path=ppt/slides/slide4.xml><?xml version="1.0" encoding="utf-8"?>
+<p:sld xmlns:a="http://schemas.openxmlformats.org/drawingml/2006/main" xmlns:r="http://schemas.openxmlformats.org/officeDocument/2006/relationships" xmlns:p="http://schemas.openxmlformats.org/presentationml/2006/main">
+  <p:cSld>
+    <p:spTree>
+      <p:nvGrpSpPr>
+        <p:cNvPr id="1" name=""/>
+        <p:cNvGrpSpPr/>
+        <p:nvPr/>
+      </p:nvGrpSpPr>
+      <p:grpSpPr>
+        <a:xfrm>
+          <a:off x="0" y="0"/>
+          <a:ext cx="0" cy="0"/>
+          <a:chOff x="0" y="0"/>
+          <a:chExt cx="0" cy="0"/>
+        </a:xfrm>
+      </p:grpSpPr>
+      <p:pic>
+        <p:nvPicPr>
+          <p:cNvPr id="3" name="Picture 2">
+            <a:extLst>
+              <a:ext uri="{FF2B5EF4-FFF2-40B4-BE49-F238E27FC236}">
+                <a16:creationId xmlns:a16="http://schemas.microsoft.com/office/drawing/2014/main" id="{5D6DA5E9-D66A-9398-8240-2844AE1007BB}"/>
+              </a:ext>
+            </a:extLst>
+          </p:cNvPr>
+          <p:cNvPicPr>
+            <a:picLocks noChangeAspect="1"/>
+          </p:cNvPicPr>
+          <p:nvPr/>
+        </p:nvPicPr>
+        <p:blipFill>
+          <a:blip r:embed="rId2"/>
+          <a:stretch>
+            <a:fillRect/>
+          </a:stretch>
+        </p:blipFill>
+        <p:spPr>
+          <a:xfrm>
+            <a:off x="1240730" y="729864"/>
+            <a:ext cx="9955014" cy="5534797"/>
+          </a:xfrm>
+          <a:prstGeom prst="rect">
+            <a:avLst/>
+          </a:prstGeom>
+          <a:ln>
+            <a:solidFill>
+              <a:schemeClr val="tx1"/>
+            </a:solidFill>
+          </a:ln>
+        </p:spPr>
+      </p:pic>
+    </p:spTree>
+    <p:extLst>
+      <p:ext uri="{BB962C8B-B14F-4D97-AF65-F5344CB8AC3E}">
+        <p14:creationId xmlns:p14="http://schemas.microsoft.com/office/powerpoint/2010/main" val="3535011011"/>
+      </p:ext>
+    </p:extLst>
+  </p:cSld>
+  <p:clrMapOvr>
+    <a:masterClrMapping/>
+  </p:clrMapOvr>
+  <p:transition>
+    <p:fade/>
+  </p:transition>
+</p:sld>
+</file>
+
+<file path=ppt/slides/slide40.xml><?xml version="1.0" encoding="utf-8"?>
 <p:sld xmlns:a="http://schemas.openxmlformats.org/drawingml/2006/main" xmlns:r="http://schemas.openxmlformats.org/officeDocument/2006/relationships" xmlns:p="http://schemas.openxmlformats.org/presentationml/2006/main">
   <p:cSld>
     <p:spTree>
@@ -26277,75 +26433,7 @@
 </p:sld>
 </file>
 
-<file path=ppt/slides/slide4.xml><?xml version="1.0" encoding="utf-8"?>
-<p:sld xmlns:a="http://schemas.openxmlformats.org/drawingml/2006/main" xmlns:r="http://schemas.openxmlformats.org/officeDocument/2006/relationships" xmlns:p="http://schemas.openxmlformats.org/presentationml/2006/main">
-  <p:cSld>
-    <p:spTree>
-      <p:nvGrpSpPr>
-        <p:cNvPr id="1" name=""/>
-        <p:cNvGrpSpPr/>
-        <p:nvPr/>
-      </p:nvGrpSpPr>
-      <p:grpSpPr>
-        <a:xfrm>
-          <a:off x="0" y="0"/>
-          <a:ext cx="0" cy="0"/>
-          <a:chOff x="0" y="0"/>
-          <a:chExt cx="0" cy="0"/>
-        </a:xfrm>
-      </p:grpSpPr>
-      <p:pic>
-        <p:nvPicPr>
-          <p:cNvPr id="3" name="Picture 2">
-            <a:extLst>
-              <a:ext uri="{FF2B5EF4-FFF2-40B4-BE49-F238E27FC236}">
-                <a16:creationId xmlns:a16="http://schemas.microsoft.com/office/drawing/2014/main" id="{5D6DA5E9-D66A-9398-8240-2844AE1007BB}"/>
-              </a:ext>
-            </a:extLst>
-          </p:cNvPr>
-          <p:cNvPicPr>
-            <a:picLocks noChangeAspect="1"/>
-          </p:cNvPicPr>
-          <p:nvPr/>
-        </p:nvPicPr>
-        <p:blipFill>
-          <a:blip r:embed="rId2"/>
-          <a:stretch>
-            <a:fillRect/>
-          </a:stretch>
-        </p:blipFill>
-        <p:spPr>
-          <a:xfrm>
-            <a:off x="1240730" y="729864"/>
-            <a:ext cx="9955014" cy="5534797"/>
-          </a:xfrm>
-          <a:prstGeom prst="rect">
-            <a:avLst/>
-          </a:prstGeom>
-          <a:ln>
-            <a:solidFill>
-              <a:schemeClr val="tx1"/>
-            </a:solidFill>
-          </a:ln>
-        </p:spPr>
-      </p:pic>
-    </p:spTree>
-    <p:extLst>
-      <p:ext uri="{BB962C8B-B14F-4D97-AF65-F5344CB8AC3E}">
-        <p14:creationId xmlns:p14="http://schemas.microsoft.com/office/powerpoint/2010/main" val="3535011011"/>
-      </p:ext>
-    </p:extLst>
-  </p:cSld>
-  <p:clrMapOvr>
-    <a:masterClrMapping/>
-  </p:clrMapOvr>
-  <p:transition>
-    <p:fade/>
-  </p:transition>
-</p:sld>
-</file>
-
-<file path=ppt/slides/slide40.xml><?xml version="1.0" encoding="utf-8"?>
+<file path=ppt/slides/slide41.xml><?xml version="1.0" encoding="utf-8"?>
 <p:sld xmlns:a="http://schemas.openxmlformats.org/drawingml/2006/main" xmlns:r="http://schemas.openxmlformats.org/officeDocument/2006/relationships" xmlns:p="http://schemas.openxmlformats.org/presentationml/2006/main">
   <p:cSld>
     <p:spTree>
@@ -26414,7 +26502,7 @@
 </p:sld>
 </file>
 
-<file path=ppt/slides/slide41.xml><?xml version="1.0" encoding="utf-8"?>
+<file path=ppt/slides/slide42.xml><?xml version="1.0" encoding="utf-8"?>
 <p:sld xmlns:a="http://schemas.openxmlformats.org/drawingml/2006/main" xmlns:r="http://schemas.openxmlformats.org/officeDocument/2006/relationships" xmlns:p="http://schemas.openxmlformats.org/presentationml/2006/main">
   <p:cSld>
     <p:spTree>
@@ -26887,7 +26975,7 @@
 </p:sld>
 </file>
 
-<file path=ppt/slides/slide42.xml><?xml version="1.0" encoding="utf-8"?>
+<file path=ppt/slides/slide43.xml><?xml version="1.0" encoding="utf-8"?>
 <p:sld xmlns:a="http://schemas.openxmlformats.org/drawingml/2006/main" xmlns:r="http://schemas.openxmlformats.org/officeDocument/2006/relationships" xmlns:p="http://schemas.openxmlformats.org/presentationml/2006/main">
   <p:cSld>
     <p:spTree>
@@ -27789,7 +27877,7 @@
 </p:sld>
 </file>
 
-<file path=ppt/slides/slide43.xml><?xml version="1.0" encoding="utf-8"?>
+<file path=ppt/slides/slide44.xml><?xml version="1.0" encoding="utf-8"?>
 <p:sld xmlns:a="http://schemas.openxmlformats.org/drawingml/2006/main" xmlns:r="http://schemas.openxmlformats.org/officeDocument/2006/relationships" xmlns:p="http://schemas.openxmlformats.org/presentationml/2006/main">
   <p:cSld>
     <p:spTree>
@@ -28683,7 +28771,7 @@
 </p:sld>
 </file>
 
-<file path=ppt/slides/slide44.xml><?xml version="1.0" encoding="utf-8"?>
+<file path=ppt/slides/slide45.xml><?xml version="1.0" encoding="utf-8"?>
 <p:sld xmlns:a="http://schemas.openxmlformats.org/drawingml/2006/main" xmlns:r="http://schemas.openxmlformats.org/officeDocument/2006/relationships" xmlns:p="http://schemas.openxmlformats.org/presentationml/2006/main">
   <p:cSld>
     <p:spTree>
@@ -28751,7 +28839,7 @@
 </p:sld>
 </file>
 
-<file path=ppt/slides/slide45.xml><?xml version="1.0" encoding="utf-8"?>
+<file path=ppt/slides/slide46.xml><?xml version="1.0" encoding="utf-8"?>
 <p:sld xmlns:a="http://schemas.openxmlformats.org/drawingml/2006/main" xmlns:r="http://schemas.openxmlformats.org/officeDocument/2006/relationships" xmlns:p="http://schemas.openxmlformats.org/presentationml/2006/main">
   <p:cSld>
     <p:spTree>
@@ -28819,7 +28907,7 @@
 </p:sld>
 </file>
 
-<file path=ppt/slides/slide46.xml><?xml version="1.0" encoding="utf-8"?>
+<file path=ppt/slides/slide47.xml><?xml version="1.0" encoding="utf-8"?>
 <p:sld xmlns:a="http://schemas.openxmlformats.org/drawingml/2006/main" xmlns:r="http://schemas.openxmlformats.org/officeDocument/2006/relationships" xmlns:p="http://schemas.openxmlformats.org/presentationml/2006/main">
   <p:cSld>
     <p:spTree>
@@ -28887,7 +28975,7 @@
 </p:sld>
 </file>
 
-<file path=ppt/slides/slide47.xml><?xml version="1.0" encoding="utf-8"?>
+<file path=ppt/slides/slide48.xml><?xml version="1.0" encoding="utf-8"?>
 <p:sld xmlns:a="http://schemas.openxmlformats.org/drawingml/2006/main" xmlns:r="http://schemas.openxmlformats.org/officeDocument/2006/relationships" xmlns:p="http://schemas.openxmlformats.org/presentationml/2006/main">
   <p:cSld>
     <p:spTree>
@@ -29036,7 +29124,7 @@
 </p:sld>
 </file>
 
-<file path=ppt/slides/slide48.xml><?xml version="1.0" encoding="utf-8"?>
+<file path=ppt/slides/slide49.xml><?xml version="1.0" encoding="utf-8"?>
 <p:sld xmlns:a="http://schemas.openxmlformats.org/drawingml/2006/main" xmlns:r="http://schemas.openxmlformats.org/officeDocument/2006/relationships" xmlns:p="http://schemas.openxmlformats.org/presentationml/2006/main">
   <p:cSld>
     <p:spTree>
@@ -29092,74 +29180,6 @@
     <p:extLst>
       <p:ext uri="{BB962C8B-B14F-4D97-AF65-F5344CB8AC3E}">
         <p14:creationId xmlns:p14="http://schemas.microsoft.com/office/powerpoint/2010/main" val="4020952068"/>
-      </p:ext>
-    </p:extLst>
-  </p:cSld>
-  <p:clrMapOvr>
-    <a:masterClrMapping/>
-  </p:clrMapOvr>
-  <p:transition>
-    <p:fade/>
-  </p:transition>
-</p:sld>
-</file>
-
-<file path=ppt/slides/slide49.xml><?xml version="1.0" encoding="utf-8"?>
-<p:sld xmlns:a="http://schemas.openxmlformats.org/drawingml/2006/main" xmlns:r="http://schemas.openxmlformats.org/officeDocument/2006/relationships" xmlns:p="http://schemas.openxmlformats.org/presentationml/2006/main">
-  <p:cSld>
-    <p:spTree>
-      <p:nvGrpSpPr>
-        <p:cNvPr id="1" name=""/>
-        <p:cNvGrpSpPr/>
-        <p:nvPr/>
-      </p:nvGrpSpPr>
-      <p:grpSpPr>
-        <a:xfrm>
-          <a:off x="0" y="0"/>
-          <a:ext cx="0" cy="0"/>
-          <a:chOff x="0" y="0"/>
-          <a:chExt cx="0" cy="0"/>
-        </a:xfrm>
-      </p:grpSpPr>
-      <p:pic>
-        <p:nvPicPr>
-          <p:cNvPr id="3" name="Picture 2">
-            <a:extLst>
-              <a:ext uri="{FF2B5EF4-FFF2-40B4-BE49-F238E27FC236}">
-                <a16:creationId xmlns:a16="http://schemas.microsoft.com/office/drawing/2014/main" id="{1B92654F-B93D-DC3A-EBC5-23D16FB3A3F8}"/>
-              </a:ext>
-            </a:extLst>
-          </p:cNvPr>
-          <p:cNvPicPr>
-            <a:picLocks noChangeAspect="1"/>
-          </p:cNvPicPr>
-          <p:nvPr/>
-        </p:nvPicPr>
-        <p:blipFill>
-          <a:blip r:embed="rId2"/>
-          <a:stretch>
-            <a:fillRect/>
-          </a:stretch>
-        </p:blipFill>
-        <p:spPr>
-          <a:xfrm>
-            <a:off x="568960" y="766267"/>
-            <a:ext cx="11044555" cy="4575601"/>
-          </a:xfrm>
-          <a:prstGeom prst="rect">
-            <a:avLst/>
-          </a:prstGeom>
-          <a:ln>
-            <a:solidFill>
-              <a:schemeClr val="tx1"/>
-            </a:solidFill>
-          </a:ln>
-        </p:spPr>
-      </p:pic>
-    </p:spTree>
-    <p:extLst>
-      <p:ext uri="{BB962C8B-B14F-4D97-AF65-F5344CB8AC3E}">
-        <p14:creationId xmlns:p14="http://schemas.microsoft.com/office/powerpoint/2010/main" val="4195108337"/>
       </p:ext>
     </p:extLst>
   </p:cSld>
@@ -29259,6 +29279,74 @@
       </p:grpSpPr>
       <p:pic>
         <p:nvPicPr>
+          <p:cNvPr id="3" name="Picture 2">
+            <a:extLst>
+              <a:ext uri="{FF2B5EF4-FFF2-40B4-BE49-F238E27FC236}">
+                <a16:creationId xmlns:a16="http://schemas.microsoft.com/office/drawing/2014/main" id="{1B92654F-B93D-DC3A-EBC5-23D16FB3A3F8}"/>
+              </a:ext>
+            </a:extLst>
+          </p:cNvPr>
+          <p:cNvPicPr>
+            <a:picLocks noChangeAspect="1"/>
+          </p:cNvPicPr>
+          <p:nvPr/>
+        </p:nvPicPr>
+        <p:blipFill>
+          <a:blip r:embed="rId2"/>
+          <a:stretch>
+            <a:fillRect/>
+          </a:stretch>
+        </p:blipFill>
+        <p:spPr>
+          <a:xfrm>
+            <a:off x="568960" y="766267"/>
+            <a:ext cx="11044555" cy="4575601"/>
+          </a:xfrm>
+          <a:prstGeom prst="rect">
+            <a:avLst/>
+          </a:prstGeom>
+          <a:ln>
+            <a:solidFill>
+              <a:schemeClr val="tx1"/>
+            </a:solidFill>
+          </a:ln>
+        </p:spPr>
+      </p:pic>
+    </p:spTree>
+    <p:extLst>
+      <p:ext uri="{BB962C8B-B14F-4D97-AF65-F5344CB8AC3E}">
+        <p14:creationId xmlns:p14="http://schemas.microsoft.com/office/powerpoint/2010/main" val="4195108337"/>
+      </p:ext>
+    </p:extLst>
+  </p:cSld>
+  <p:clrMapOvr>
+    <a:masterClrMapping/>
+  </p:clrMapOvr>
+  <p:transition>
+    <p:fade/>
+  </p:transition>
+</p:sld>
+</file>
+
+<file path=ppt/slides/slide51.xml><?xml version="1.0" encoding="utf-8"?>
+<p:sld xmlns:a="http://schemas.openxmlformats.org/drawingml/2006/main" xmlns:r="http://schemas.openxmlformats.org/officeDocument/2006/relationships" xmlns:p="http://schemas.openxmlformats.org/presentationml/2006/main">
+  <p:cSld>
+    <p:spTree>
+      <p:nvGrpSpPr>
+        <p:cNvPr id="1" name=""/>
+        <p:cNvGrpSpPr/>
+        <p:nvPr/>
+      </p:nvGrpSpPr>
+      <p:grpSpPr>
+        <a:xfrm>
+          <a:off x="0" y="0"/>
+          <a:ext cx="0" cy="0"/>
+          <a:chOff x="0" y="0"/>
+          <a:chExt cx="0" cy="0"/>
+        </a:xfrm>
+      </p:grpSpPr>
+      <p:pic>
+        <p:nvPicPr>
           <p:cNvPr id="2" name="Picture 1">
             <a:extLst>
               <a:ext uri="{FF2B5EF4-FFF2-40B4-BE49-F238E27FC236}">
@@ -29303,7 +29391,7 @@
 </p:sld>
 </file>
 
-<file path=ppt/slides/slide51.xml><?xml version="1.0" encoding="utf-8"?>
+<file path=ppt/slides/slide52.xml><?xml version="1.0" encoding="utf-8"?>
 <p:sld xmlns:a="http://schemas.openxmlformats.org/drawingml/2006/main" xmlns:r="http://schemas.openxmlformats.org/officeDocument/2006/relationships" xmlns:p="http://schemas.openxmlformats.org/presentationml/2006/main">
   <p:cSld>
     <p:spTree>
@@ -29366,7 +29454,7 @@
 </p:sld>
 </file>
 
-<file path=ppt/slides/slide52.xml><?xml version="1.0" encoding="utf-8"?>
+<file path=ppt/slides/slide53.xml><?xml version="1.0" encoding="utf-8"?>
 <p:sld xmlns:a="http://schemas.openxmlformats.org/drawingml/2006/main" xmlns:r="http://schemas.openxmlformats.org/officeDocument/2006/relationships" xmlns:p="http://schemas.openxmlformats.org/presentationml/2006/main">
   <p:cSld>
     <p:spTree>
@@ -29434,7 +29522,7 @@
 </p:sld>
 </file>
 
-<file path=ppt/slides/slide53.xml><?xml version="1.0" encoding="utf-8"?>
+<file path=ppt/slides/slide54.xml><?xml version="1.0" encoding="utf-8"?>
 <p:sld xmlns:a="http://schemas.openxmlformats.org/drawingml/2006/main" xmlns:r="http://schemas.openxmlformats.org/officeDocument/2006/relationships" xmlns:p="http://schemas.openxmlformats.org/presentationml/2006/main">
   <p:cSld>
     <p:spTree>
@@ -29502,7 +29590,7 @@
 </p:sld>
 </file>
 
-<file path=ppt/slides/slide54.xml><?xml version="1.0" encoding="utf-8"?>
+<file path=ppt/slides/slide55.xml><?xml version="1.0" encoding="utf-8"?>
 <p:sld xmlns:a="http://schemas.openxmlformats.org/drawingml/2006/main" xmlns:r="http://schemas.openxmlformats.org/officeDocument/2006/relationships" xmlns:p="http://schemas.openxmlformats.org/presentationml/2006/main">
   <p:cSld>
     <p:spTree>
@@ -29570,7 +29658,7 @@
 </p:sld>
 </file>
 
-<file path=ppt/slides/slide55.xml><?xml version="1.0" encoding="utf-8"?>
+<file path=ppt/slides/slide56.xml><?xml version="1.0" encoding="utf-8"?>
 <p:sld xmlns:a="http://schemas.openxmlformats.org/drawingml/2006/main" xmlns:r="http://schemas.openxmlformats.org/officeDocument/2006/relationships" xmlns:p="http://schemas.openxmlformats.org/presentationml/2006/main">
   <p:cSld>
     <p:spTree>
@@ -29638,7 +29726,7 @@
 </p:sld>
 </file>
 
-<file path=ppt/slides/slide56.xml><?xml version="1.0" encoding="utf-8"?>
+<file path=ppt/slides/slide57.xml><?xml version="1.0" encoding="utf-8"?>
 <p:sld xmlns:a="http://schemas.openxmlformats.org/drawingml/2006/main" xmlns:r="http://schemas.openxmlformats.org/officeDocument/2006/relationships" xmlns:p="http://schemas.openxmlformats.org/presentationml/2006/main">
   <p:cSld>
     <p:spTree>
@@ -31863,7 +31951,7 @@
 </p:sld>
 </file>
 
-<file path=ppt/slides/slide57.xml><?xml version="1.0" encoding="utf-8"?>
+<file path=ppt/slides/slide58.xml><?xml version="1.0" encoding="utf-8"?>
 <p:sld xmlns:a="http://schemas.openxmlformats.org/drawingml/2006/main" xmlns:r="http://schemas.openxmlformats.org/officeDocument/2006/relationships" xmlns:p="http://schemas.openxmlformats.org/presentationml/2006/main">
   <p:cSld>
     <p:spTree>
@@ -36484,6 +36572,74 @@
   <p:cSld>
     <p:spTree>
       <p:nvGrpSpPr>
+        <p:cNvPr id="1" name=""/>
+        <p:cNvGrpSpPr/>
+        <p:nvPr/>
+      </p:nvGrpSpPr>
+      <p:grpSpPr>
+        <a:xfrm>
+          <a:off x="0" y="0"/>
+          <a:ext cx="0" cy="0"/>
+          <a:chOff x="0" y="0"/>
+          <a:chExt cx="0" cy="0"/>
+        </a:xfrm>
+      </p:grpSpPr>
+      <p:pic>
+        <p:nvPicPr>
+          <p:cNvPr id="3" name="Picture 2">
+            <a:extLst>
+              <a:ext uri="{FF2B5EF4-FFF2-40B4-BE49-F238E27FC236}">
+                <a16:creationId xmlns:a16="http://schemas.microsoft.com/office/drawing/2014/main" id="{B93BBD36-97C4-7689-7B3C-D3C478E59CAE}"/>
+              </a:ext>
+            </a:extLst>
+          </p:cNvPr>
+          <p:cNvPicPr>
+            <a:picLocks noChangeAspect="1"/>
+          </p:cNvPicPr>
+          <p:nvPr/>
+        </p:nvPicPr>
+        <p:blipFill>
+          <a:blip r:embed="rId2"/>
+          <a:stretch>
+            <a:fillRect/>
+          </a:stretch>
+        </p:blipFill>
+        <p:spPr>
+          <a:xfrm>
+            <a:off x="1820989" y="792517"/>
+            <a:ext cx="4867954" cy="2953162"/>
+          </a:xfrm>
+          <a:prstGeom prst="rect">
+            <a:avLst/>
+          </a:prstGeom>
+          <a:ln>
+            <a:solidFill>
+              <a:schemeClr val="tx1"/>
+            </a:solidFill>
+          </a:ln>
+        </p:spPr>
+      </p:pic>
+    </p:spTree>
+    <p:extLst>
+      <p:ext uri="{BB962C8B-B14F-4D97-AF65-F5344CB8AC3E}">
+        <p14:creationId xmlns:p14="http://schemas.microsoft.com/office/powerpoint/2010/main" val="2321321098"/>
+      </p:ext>
+    </p:extLst>
+  </p:cSld>
+  <p:clrMapOvr>
+    <a:masterClrMapping/>
+  </p:clrMapOvr>
+  <p:transition>
+    <p:fade/>
+  </p:transition>
+</p:sld>
+</file>
+
+<file path=ppt/slides/slide9.xml><?xml version="1.0" encoding="utf-8"?>
+<p:sld xmlns:a="http://schemas.openxmlformats.org/drawingml/2006/main" xmlns:r="http://schemas.openxmlformats.org/officeDocument/2006/relationships" xmlns:p="http://schemas.openxmlformats.org/presentationml/2006/main">
+  <p:cSld>
+    <p:spTree>
+      <p:nvGrpSpPr>
         <p:cNvPr id="1" name="">
           <a:extLst>
             <a:ext uri="{FF2B5EF4-FFF2-40B4-BE49-F238E27FC236}">
@@ -36544,74 +36700,6 @@
     <p:extLst>
       <p:ext uri="{BB962C8B-B14F-4D97-AF65-F5344CB8AC3E}">
         <p14:creationId xmlns:p14="http://schemas.microsoft.com/office/powerpoint/2010/main" val="413413006"/>
-      </p:ext>
-    </p:extLst>
-  </p:cSld>
-  <p:clrMapOvr>
-    <a:masterClrMapping/>
-  </p:clrMapOvr>
-  <p:transition>
-    <p:fade/>
-  </p:transition>
-</p:sld>
-</file>
-
-<file path=ppt/slides/slide9.xml><?xml version="1.0" encoding="utf-8"?>
-<p:sld xmlns:a="http://schemas.openxmlformats.org/drawingml/2006/main" xmlns:r="http://schemas.openxmlformats.org/officeDocument/2006/relationships" xmlns:p="http://schemas.openxmlformats.org/presentationml/2006/main">
-  <p:cSld>
-    <p:spTree>
-      <p:nvGrpSpPr>
-        <p:cNvPr id="1" name=""/>
-        <p:cNvGrpSpPr/>
-        <p:nvPr/>
-      </p:nvGrpSpPr>
-      <p:grpSpPr>
-        <a:xfrm>
-          <a:off x="0" y="0"/>
-          <a:ext cx="0" cy="0"/>
-          <a:chOff x="0" y="0"/>
-          <a:chExt cx="0" cy="0"/>
-        </a:xfrm>
-      </p:grpSpPr>
-      <p:pic>
-        <p:nvPicPr>
-          <p:cNvPr id="3" name="Picture 2">
-            <a:extLst>
-              <a:ext uri="{FF2B5EF4-FFF2-40B4-BE49-F238E27FC236}">
-                <a16:creationId xmlns:a16="http://schemas.microsoft.com/office/drawing/2014/main" id="{11F83280-6ACC-1CD9-59C4-9CDAA2D6C296}"/>
-              </a:ext>
-            </a:extLst>
-          </p:cNvPr>
-          <p:cNvPicPr>
-            <a:picLocks noChangeAspect="1"/>
-          </p:cNvPicPr>
-          <p:nvPr/>
-        </p:nvPicPr>
-        <p:blipFill>
-          <a:blip r:embed="rId2"/>
-          <a:stretch>
-            <a:fillRect/>
-          </a:stretch>
-        </p:blipFill>
-        <p:spPr>
-          <a:xfrm>
-            <a:off x="1512231" y="1291918"/>
-            <a:ext cx="7244143" cy="3394776"/>
-          </a:xfrm>
-          <a:prstGeom prst="rect">
-            <a:avLst/>
-          </a:prstGeom>
-          <a:ln>
-            <a:solidFill>
-              <a:schemeClr val="tx1"/>
-            </a:solidFill>
-          </a:ln>
-        </p:spPr>
-      </p:pic>
-    </p:spTree>
-    <p:extLst>
-      <p:ext uri="{BB962C8B-B14F-4D97-AF65-F5344CB8AC3E}">
-        <p14:creationId xmlns:p14="http://schemas.microsoft.com/office/powerpoint/2010/main" val="2756237070"/>
       </p:ext>
     </p:extLst>
   </p:cSld>
@@ -37815,6 +37903,16 @@
 </file>
 
 <file path=customXml/item1.xml><?xml version="1.0" encoding="utf-8"?>
+<p:properties xmlns:p="http://schemas.microsoft.com/office/2006/metadata/properties" xmlns:xsi="http://www.w3.org/2001/XMLSchema-instance" xmlns:pc="http://schemas.microsoft.com/office/infopath/2007/PartnerControls">
+  <documentManagement>
+    <_ip_UnifiedCompliancePolicyUIAction xmlns="http://schemas.microsoft.com/sharepoint/v3" xsi:nil="true"/>
+    <_ip_UnifiedCompliancePolicyProperties xmlns="http://schemas.microsoft.com/sharepoint/v3" xsi:nil="true"/>
+    <_activity xmlns="3c10a0e8-556e-4c2d-9121-1181542ea83c" xsi:nil="true"/>
+  </documentManagement>
+</p:properties>
+</file>
+
+<file path=customXml/item2.xml><?xml version="1.0" encoding="utf-8"?>
 <?mso-contentType ?>
 <FormTemplates xmlns="http://schemas.microsoft.com/sharepoint/v3/contenttype/forms">
   <Display>DocumentLibraryForm</Display>
@@ -37823,7 +37921,7 @@
 </FormTemplates>
 </file>
 
-<file path=customXml/item2.xml><?xml version="1.0" encoding="utf-8"?>
+<file path=customXml/item3.xml><?xml version="1.0" encoding="utf-8"?>
 <ct:contentTypeSchema xmlns:ct="http://schemas.microsoft.com/office/2006/metadata/contentType" xmlns:ma="http://schemas.microsoft.com/office/2006/metadata/properties/metaAttributes" ct:_="" ma:_="" ma:contentTypeName="Document" ma:contentTypeID="0x010100B63AD2D799A0384499DFA8618B2D06C3" ma:contentTypeVersion="19" ma:contentTypeDescription="Create a new document." ma:contentTypeScope="" ma:versionID="4ad8bb11041bccc4900be347311affd5">
   <xsd:schema xmlns:xsd="http://www.w3.org/2001/XMLSchema" xmlns:xs="http://www.w3.org/2001/XMLSchema" xmlns:p="http://schemas.microsoft.com/office/2006/metadata/properties" xmlns:ns1="http://schemas.microsoft.com/sharepoint/v3" xmlns:ns3="3c10a0e8-556e-4c2d-9121-1181542ea83c" xmlns:ns4="91f22b01-9196-48cc-8d58-ee179122dd75" targetNamespace="http://schemas.microsoft.com/office/2006/metadata/properties" ma:root="true" ma:fieldsID="55cc422832b79ebb748bec44d447ca3b" ns1:_="" ns3:_="" ns4:_="">
     <xsd:import namespace="http://schemas.microsoft.com/sharepoint/v3"/>
@@ -38087,17 +38185,25 @@
 </ct:contentTypeSchema>
 </file>
 
-<file path=customXml/item3.xml><?xml version="1.0" encoding="utf-8"?>
-<p:properties xmlns:p="http://schemas.microsoft.com/office/2006/metadata/properties" xmlns:xsi="http://www.w3.org/2001/XMLSchema-instance" xmlns:pc="http://schemas.microsoft.com/office/infopath/2007/PartnerControls">
-  <documentManagement>
-    <_ip_UnifiedCompliancePolicyUIAction xmlns="http://schemas.microsoft.com/sharepoint/v3" xsi:nil="true"/>
-    <_ip_UnifiedCompliancePolicyProperties xmlns="http://schemas.microsoft.com/sharepoint/v3" xsi:nil="true"/>
-    <_activity xmlns="3c10a0e8-556e-4c2d-9121-1181542ea83c" xsi:nil="true"/>
-  </documentManagement>
-</p:properties>
+<file path=customXml/itemProps1.xml><?xml version="1.0" encoding="utf-8"?>
+<ds:datastoreItem xmlns:ds="http://schemas.openxmlformats.org/officeDocument/2006/customXml" ds:itemID="{F990F116-B58F-4255-B05B-DA3808E0E5C6}">
+  <ds:schemaRefs>
+    <ds:schemaRef ds:uri="http://schemas.openxmlformats.org/package/2006/metadata/core-properties"/>
+    <ds:schemaRef ds:uri="http://purl.org/dc/elements/1.1/"/>
+    <ds:schemaRef ds:uri="http://purl.org/dc/dcmitype/"/>
+    <ds:schemaRef ds:uri="http://schemas.microsoft.com/office/2006/documentManagement/types"/>
+    <ds:schemaRef ds:uri="http://schemas.microsoft.com/office/2006/metadata/properties"/>
+    <ds:schemaRef ds:uri="http://purl.org/dc/terms/"/>
+    <ds:schemaRef ds:uri="http://schemas.microsoft.com/sharepoint/v3"/>
+    <ds:schemaRef ds:uri="http://www.w3.org/XML/1998/namespace"/>
+    <ds:schemaRef ds:uri="http://schemas.microsoft.com/office/infopath/2007/PartnerControls"/>
+    <ds:schemaRef ds:uri="91f22b01-9196-48cc-8d58-ee179122dd75"/>
+    <ds:schemaRef ds:uri="3c10a0e8-556e-4c2d-9121-1181542ea83c"/>
+  </ds:schemaRefs>
+</ds:datastoreItem>
 </file>
 
-<file path=customXml/itemProps1.xml><?xml version="1.0" encoding="utf-8"?>
+<file path=customXml/itemProps2.xml><?xml version="1.0" encoding="utf-8"?>
 <ds:datastoreItem xmlns:ds="http://schemas.openxmlformats.org/officeDocument/2006/customXml" ds:itemID="{758FDAC0-319D-4A54-8D8E-1D42CB1F8004}">
   <ds:schemaRefs>
     <ds:schemaRef ds:uri="http://schemas.microsoft.com/sharepoint/v3/contenttype/forms"/>
@@ -38105,7 +38211,7 @@
 </ds:datastoreItem>
 </file>
 
-<file path=customXml/itemProps2.xml><?xml version="1.0" encoding="utf-8"?>
+<file path=customXml/itemProps3.xml><?xml version="1.0" encoding="utf-8"?>
 <ds:datastoreItem xmlns:ds="http://schemas.openxmlformats.org/officeDocument/2006/customXml" ds:itemID="{C2411704-DA91-4A2A-81D1-00044852D0BE}">
   <ds:schemaRefs>
     <ds:schemaRef ds:uri="3c10a0e8-556e-4c2d-9121-1181542ea83c"/>
@@ -38125,24 +38231,6 @@
 </ds:datastoreItem>
 </file>
 
-<file path=customXml/itemProps3.xml><?xml version="1.0" encoding="utf-8"?>
-<ds:datastoreItem xmlns:ds="http://schemas.openxmlformats.org/officeDocument/2006/customXml" ds:itemID="{F990F116-B58F-4255-B05B-DA3808E0E5C6}">
-  <ds:schemaRefs>
-    <ds:schemaRef ds:uri="http://schemas.openxmlformats.org/package/2006/metadata/core-properties"/>
-    <ds:schemaRef ds:uri="http://purl.org/dc/elements/1.1/"/>
-    <ds:schemaRef ds:uri="http://purl.org/dc/dcmitype/"/>
-    <ds:schemaRef ds:uri="http://schemas.microsoft.com/office/2006/documentManagement/types"/>
-    <ds:schemaRef ds:uri="http://schemas.microsoft.com/office/2006/metadata/properties"/>
-    <ds:schemaRef ds:uri="http://purl.org/dc/terms/"/>
-    <ds:schemaRef ds:uri="http://schemas.microsoft.com/sharepoint/v3"/>
-    <ds:schemaRef ds:uri="http://www.w3.org/XML/1998/namespace"/>
-    <ds:schemaRef ds:uri="http://schemas.microsoft.com/office/infopath/2007/PartnerControls"/>
-    <ds:schemaRef ds:uri="91f22b01-9196-48cc-8d58-ee179122dd75"/>
-    <ds:schemaRef ds:uri="3c10a0e8-556e-4c2d-9121-1181542ea83c"/>
-  </ds:schemaRefs>
-</ds:datastoreItem>
-</file>
-
 <file path=docMetadata/LabelInfo.xml><?xml version="1.0" encoding="utf-8"?>
 <clbl:labelList xmlns:clbl="http://schemas.microsoft.com/office/2020/mipLabelMetadata">
   <clbl:label id="{87867195-f2b8-4ac2-b0b6-6bb73cb33afc}" enabled="1" method="Privileged" siteId="{72f988bf-86f1-41af-91ab-2d7cd011db47}" removed="0"/>

--- a/Part 1 - Overview of Fabric CICD.pptx
+++ b/Part 1 - Overview of Fabric CICD.pptx
@@ -582,7 +582,7 @@
           <a:p>
             <a:fld id="{DCE60099-03E7-4FA1-8A7F-E6E6CFB0F855}" type="datetime8">
               <a:rPr lang="en-US" smtClean="0"/>
-              <a:t>2/3/2026 1:59 PM</a:t>
+              <a:t>2/4/2026 1:07 AM</a:t>
             </a:fld>
             <a:endParaRPr lang="en-US"/>
           </a:p>
@@ -29143,10 +29143,10 @@
       </p:grpSpPr>
       <p:pic>
         <p:nvPicPr>
-          <p:cNvPr id="5" name="Picture 4">
+          <p:cNvPr id="3" name="Picture 2">
             <a:extLst>
               <a:ext uri="{FF2B5EF4-FFF2-40B4-BE49-F238E27FC236}">
-                <a16:creationId xmlns:a16="http://schemas.microsoft.com/office/drawing/2014/main" id="{390ACC60-1FA3-2FDB-C7CD-B15D0C141C6A}"/>
+                <a16:creationId xmlns:a16="http://schemas.microsoft.com/office/drawing/2014/main" id="{01331110-5413-7009-35C6-AE5897A19854}"/>
               </a:ext>
             </a:extLst>
           </p:cNvPr>
@@ -29163,8 +29163,8 @@
         </p:blipFill>
         <p:spPr>
           <a:xfrm>
-            <a:off x="513033" y="657931"/>
-            <a:ext cx="9764488" cy="3524742"/>
+            <a:off x="696983" y="778995"/>
+            <a:ext cx="9697803" cy="4020111"/>
           </a:xfrm>
           <a:prstGeom prst="rect">
             <a:avLst/>
@@ -37903,25 +37903,6 @@
 </file>
 
 <file path=customXml/item1.xml><?xml version="1.0" encoding="utf-8"?>
-<p:properties xmlns:p="http://schemas.microsoft.com/office/2006/metadata/properties" xmlns:xsi="http://www.w3.org/2001/XMLSchema-instance" xmlns:pc="http://schemas.microsoft.com/office/infopath/2007/PartnerControls">
-  <documentManagement>
-    <_ip_UnifiedCompliancePolicyUIAction xmlns="http://schemas.microsoft.com/sharepoint/v3" xsi:nil="true"/>
-    <_ip_UnifiedCompliancePolicyProperties xmlns="http://schemas.microsoft.com/sharepoint/v3" xsi:nil="true"/>
-    <_activity xmlns="3c10a0e8-556e-4c2d-9121-1181542ea83c" xsi:nil="true"/>
-  </documentManagement>
-</p:properties>
-</file>
-
-<file path=customXml/item2.xml><?xml version="1.0" encoding="utf-8"?>
-<?mso-contentType ?>
-<FormTemplates xmlns="http://schemas.microsoft.com/sharepoint/v3/contenttype/forms">
-  <Display>DocumentLibraryForm</Display>
-  <Edit>DocumentLibraryForm</Edit>
-  <New>DocumentLibraryForm</New>
-</FormTemplates>
-</file>
-
-<file path=customXml/item3.xml><?xml version="1.0" encoding="utf-8"?>
 <ct:contentTypeSchema xmlns:ct="http://schemas.microsoft.com/office/2006/metadata/contentType" xmlns:ma="http://schemas.microsoft.com/office/2006/metadata/properties/metaAttributes" ct:_="" ma:_="" ma:contentTypeName="Document" ma:contentTypeID="0x010100B63AD2D799A0384499DFA8618B2D06C3" ma:contentTypeVersion="19" ma:contentTypeDescription="Create a new document." ma:contentTypeScope="" ma:versionID="4ad8bb11041bccc4900be347311affd5">
   <xsd:schema xmlns:xsd="http://www.w3.org/2001/XMLSchema" xmlns:xs="http://www.w3.org/2001/XMLSchema" xmlns:p="http://schemas.microsoft.com/office/2006/metadata/properties" xmlns:ns1="http://schemas.microsoft.com/sharepoint/v3" xmlns:ns3="3c10a0e8-556e-4c2d-9121-1181542ea83c" xmlns:ns4="91f22b01-9196-48cc-8d58-ee179122dd75" targetNamespace="http://schemas.microsoft.com/office/2006/metadata/properties" ma:root="true" ma:fieldsID="55cc422832b79ebb748bec44d447ca3b" ns1:_="" ns3:_="" ns4:_="">
     <xsd:import namespace="http://schemas.microsoft.com/sharepoint/v3"/>
@@ -38185,33 +38166,26 @@
 </ct:contentTypeSchema>
 </file>
 
-<file path=customXml/itemProps1.xml><?xml version="1.0" encoding="utf-8"?>
-<ds:datastoreItem xmlns:ds="http://schemas.openxmlformats.org/officeDocument/2006/customXml" ds:itemID="{F990F116-B58F-4255-B05B-DA3808E0E5C6}">
-  <ds:schemaRefs>
-    <ds:schemaRef ds:uri="http://schemas.openxmlformats.org/package/2006/metadata/core-properties"/>
-    <ds:schemaRef ds:uri="http://purl.org/dc/elements/1.1/"/>
-    <ds:schemaRef ds:uri="http://purl.org/dc/dcmitype/"/>
-    <ds:schemaRef ds:uri="http://schemas.microsoft.com/office/2006/documentManagement/types"/>
-    <ds:schemaRef ds:uri="http://schemas.microsoft.com/office/2006/metadata/properties"/>
-    <ds:schemaRef ds:uri="http://purl.org/dc/terms/"/>
-    <ds:schemaRef ds:uri="http://schemas.microsoft.com/sharepoint/v3"/>
-    <ds:schemaRef ds:uri="http://www.w3.org/XML/1998/namespace"/>
-    <ds:schemaRef ds:uri="http://schemas.microsoft.com/office/infopath/2007/PartnerControls"/>
-    <ds:schemaRef ds:uri="91f22b01-9196-48cc-8d58-ee179122dd75"/>
-    <ds:schemaRef ds:uri="3c10a0e8-556e-4c2d-9121-1181542ea83c"/>
-  </ds:schemaRefs>
-</ds:datastoreItem>
+<file path=customXml/item2.xml><?xml version="1.0" encoding="utf-8"?>
+<p:properties xmlns:p="http://schemas.microsoft.com/office/2006/metadata/properties" xmlns:xsi="http://www.w3.org/2001/XMLSchema-instance" xmlns:pc="http://schemas.microsoft.com/office/infopath/2007/PartnerControls">
+  <documentManagement>
+    <_ip_UnifiedCompliancePolicyUIAction xmlns="http://schemas.microsoft.com/sharepoint/v3" xsi:nil="true"/>
+    <_ip_UnifiedCompliancePolicyProperties xmlns="http://schemas.microsoft.com/sharepoint/v3" xsi:nil="true"/>
+    <_activity xmlns="3c10a0e8-556e-4c2d-9121-1181542ea83c" xsi:nil="true"/>
+  </documentManagement>
+</p:properties>
 </file>
 
-<file path=customXml/itemProps2.xml><?xml version="1.0" encoding="utf-8"?>
-<ds:datastoreItem xmlns:ds="http://schemas.openxmlformats.org/officeDocument/2006/customXml" ds:itemID="{758FDAC0-319D-4A54-8D8E-1D42CB1F8004}">
-  <ds:schemaRefs>
-    <ds:schemaRef ds:uri="http://schemas.microsoft.com/sharepoint/v3/contenttype/forms"/>
-  </ds:schemaRefs>
-</ds:datastoreItem>
+<file path=customXml/item3.xml><?xml version="1.0" encoding="utf-8"?>
+<?mso-contentType ?>
+<FormTemplates xmlns="http://schemas.microsoft.com/sharepoint/v3/contenttype/forms">
+  <Display>DocumentLibraryForm</Display>
+  <Edit>DocumentLibraryForm</Edit>
+  <New>DocumentLibraryForm</New>
+</FormTemplates>
 </file>
 
-<file path=customXml/itemProps3.xml><?xml version="1.0" encoding="utf-8"?>
+<file path=customXml/itemProps1.xml><?xml version="1.0" encoding="utf-8"?>
 <ds:datastoreItem xmlns:ds="http://schemas.openxmlformats.org/officeDocument/2006/customXml" ds:itemID="{C2411704-DA91-4A2A-81D1-00044852D0BE}">
   <ds:schemaRefs>
     <ds:schemaRef ds:uri="3c10a0e8-556e-4c2d-9121-1181542ea83c"/>
@@ -38231,6 +38205,32 @@
 </ds:datastoreItem>
 </file>
 
+<file path=customXml/itemProps2.xml><?xml version="1.0" encoding="utf-8"?>
+<ds:datastoreItem xmlns:ds="http://schemas.openxmlformats.org/officeDocument/2006/customXml" ds:itemID="{F990F116-B58F-4255-B05B-DA3808E0E5C6}">
+  <ds:schemaRefs>
+    <ds:schemaRef ds:uri="http://schemas.openxmlformats.org/package/2006/metadata/core-properties"/>
+    <ds:schemaRef ds:uri="http://purl.org/dc/elements/1.1/"/>
+    <ds:schemaRef ds:uri="http://purl.org/dc/dcmitype/"/>
+    <ds:schemaRef ds:uri="http://schemas.microsoft.com/office/2006/documentManagement/types"/>
+    <ds:schemaRef ds:uri="http://schemas.microsoft.com/office/2006/metadata/properties"/>
+    <ds:schemaRef ds:uri="http://purl.org/dc/terms/"/>
+    <ds:schemaRef ds:uri="http://schemas.microsoft.com/sharepoint/v3"/>
+    <ds:schemaRef ds:uri="http://www.w3.org/XML/1998/namespace"/>
+    <ds:schemaRef ds:uri="http://schemas.microsoft.com/office/infopath/2007/PartnerControls"/>
+    <ds:schemaRef ds:uri="91f22b01-9196-48cc-8d58-ee179122dd75"/>
+    <ds:schemaRef ds:uri="3c10a0e8-556e-4c2d-9121-1181542ea83c"/>
+  </ds:schemaRefs>
+</ds:datastoreItem>
+</file>
+
+<file path=customXml/itemProps3.xml><?xml version="1.0" encoding="utf-8"?>
+<ds:datastoreItem xmlns:ds="http://schemas.openxmlformats.org/officeDocument/2006/customXml" ds:itemID="{758FDAC0-319D-4A54-8D8E-1D42CB1F8004}">
+  <ds:schemaRefs>
+    <ds:schemaRef ds:uri="http://schemas.microsoft.com/sharepoint/v3/contenttype/forms"/>
+  </ds:schemaRefs>
+</ds:datastoreItem>
+</file>
+
 <file path=docMetadata/LabelInfo.xml><?xml version="1.0" encoding="utf-8"?>
 <clbl:labelList xmlns:clbl="http://schemas.microsoft.com/office/2020/mipLabelMetadata">
   <clbl:label id="{87867195-f2b8-4ac2-b0b6-6bb73cb33afc}" enabled="1" method="Privileged" siteId="{72f988bf-86f1-41af-91ab-2d7cd011db47}" removed="0"/>
